--- a/Bitbucket with R.pptx
+++ b/Bitbucket with R.pptx
@@ -5,19 +5,19 @@
     <p:sldMasterId id="2147483648" r:id="rId4"/>
   </p:sldMasterIdLst>
   <p:notesMasterIdLst>
-    <p:notesMasterId r:id="rId39"/>
+    <p:notesMasterId r:id="rId41"/>
   </p:notesMasterIdLst>
   <p:handoutMasterIdLst>
-    <p:handoutMasterId r:id="rId40"/>
+    <p:handoutMasterId r:id="rId42"/>
   </p:handoutMasterIdLst>
   <p:sldIdLst>
     <p:sldId id="256" r:id="rId5"/>
-    <p:sldId id="1156" r:id="rId6"/>
-    <p:sldId id="1167" r:id="rId7"/>
-    <p:sldId id="1169" r:id="rId8"/>
-    <p:sldId id="1168" r:id="rId9"/>
-    <p:sldId id="1165" r:id="rId10"/>
-    <p:sldId id="1166" r:id="rId11"/>
+    <p:sldId id="1165" r:id="rId6"/>
+    <p:sldId id="1166" r:id="rId7"/>
+    <p:sldId id="1156" r:id="rId8"/>
+    <p:sldId id="1167" r:id="rId9"/>
+    <p:sldId id="1169" r:id="rId10"/>
+    <p:sldId id="1168" r:id="rId11"/>
     <p:sldId id="1170" r:id="rId12"/>
     <p:sldId id="270" r:id="rId13"/>
     <p:sldId id="1161" r:id="rId14"/>
@@ -31,20 +31,22 @@
     <p:sldId id="1157" r:id="rId22"/>
     <p:sldId id="1176" r:id="rId23"/>
     <p:sldId id="1177" r:id="rId24"/>
-    <p:sldId id="1190" r:id="rId25"/>
+    <p:sldId id="1191" r:id="rId25"/>
     <p:sldId id="1159" r:id="rId26"/>
     <p:sldId id="1173" r:id="rId27"/>
-    <p:sldId id="1191" r:id="rId28"/>
+    <p:sldId id="1190" r:id="rId28"/>
     <p:sldId id="1181" r:id="rId29"/>
     <p:sldId id="1182" r:id="rId30"/>
     <p:sldId id="1184" r:id="rId31"/>
     <p:sldId id="1185" r:id="rId32"/>
-    <p:sldId id="1178" r:id="rId33"/>
-    <p:sldId id="1187" r:id="rId34"/>
-    <p:sldId id="1179" r:id="rId35"/>
-    <p:sldId id="1180" r:id="rId36"/>
-    <p:sldId id="1160" r:id="rId37"/>
-    <p:sldId id="1186" r:id="rId38"/>
+    <p:sldId id="1193" r:id="rId33"/>
+    <p:sldId id="1178" r:id="rId34"/>
+    <p:sldId id="1187" r:id="rId35"/>
+    <p:sldId id="1179" r:id="rId36"/>
+    <p:sldId id="1180" r:id="rId37"/>
+    <p:sldId id="1192" r:id="rId38"/>
+    <p:sldId id="1160" r:id="rId39"/>
+    <p:sldId id="1186" r:id="rId40"/>
   </p:sldIdLst>
   <p:sldSz cx="12192000" cy="6858000"/>
   <p:notesSz cx="7010400" cy="9296400"/>
@@ -154,7 +156,7 @@
 <file path=ppt/revisionInfo.xml><?xml version="1.0" encoding="utf-8"?>
 <p1510:revInfo xmlns:a="http://schemas.openxmlformats.org/drawingml/2006/main" xmlns:r="http://schemas.openxmlformats.org/officeDocument/2006/relationships" xmlns:p1510="http://schemas.microsoft.com/office/powerpoint/2015/10/main">
   <p1510:revLst>
-    <p1510:client id="{0EDD36B0-5FB6-47A0-AAAC-A352959B1902}" v="27" dt="2022-11-02T03:46:37.754"/>
+    <p1510:client id="{0EDD36B0-5FB6-47A0-AAAC-A352959B1902}" v="32" dt="2022-11-02T06:27:07.397"/>
   </p1510:revLst>
 </p1510:revInfo>
 </file>
@@ -164,10 +166,49 @@
   <pc:docChgLst>
     <pc:chgData name="Mark Nielsen" userId="3600b33a-45f5-4a43-9a08-720975c254f7" providerId="ADAL" clId="{0EDD36B0-5FB6-47A0-AAAC-A352959B1902}"/>
     <pc:docChg chg="undo custSel addSld delSld modSld sldOrd">
-      <pc:chgData name="Mark Nielsen" userId="3600b33a-45f5-4a43-9a08-720975c254f7" providerId="ADAL" clId="{0EDD36B0-5FB6-47A0-AAAC-A352959B1902}" dt="2022-11-02T04:23:41.613" v="939" actId="14100"/>
+      <pc:chgData name="Mark Nielsen" userId="3600b33a-45f5-4a43-9a08-720975c254f7" providerId="ADAL" clId="{0EDD36B0-5FB6-47A0-AAAC-A352959B1902}" dt="2022-11-02T06:49:07.278" v="1132" actId="1076"/>
       <pc:docMkLst>
         <pc:docMk/>
       </pc:docMkLst>
+      <pc:sldChg chg="addSp delSp modSp mod">
+        <pc:chgData name="Mark Nielsen" userId="3600b33a-45f5-4a43-9a08-720975c254f7" providerId="ADAL" clId="{0EDD36B0-5FB6-47A0-AAAC-A352959B1902}" dt="2022-11-02T05:06:48.222" v="943" actId="962"/>
+        <pc:sldMkLst>
+          <pc:docMk/>
+          <pc:sldMk cId="2345732359" sldId="256"/>
+        </pc:sldMkLst>
+        <pc:spChg chg="add del mod">
+          <ac:chgData name="Mark Nielsen" userId="3600b33a-45f5-4a43-9a08-720975c254f7" providerId="ADAL" clId="{0EDD36B0-5FB6-47A0-AAAC-A352959B1902}" dt="2022-11-02T05:06:44.922" v="941" actId="931"/>
+          <ac:spMkLst>
+            <pc:docMk/>
+            <pc:sldMk cId="2345732359" sldId="256"/>
+            <ac:spMk id="6" creationId="{83A5D9BF-8D42-4539-8631-2F88226EB022}"/>
+          </ac:spMkLst>
+        </pc:spChg>
+        <pc:spChg chg="add mod">
+          <ac:chgData name="Mark Nielsen" userId="3600b33a-45f5-4a43-9a08-720975c254f7" providerId="ADAL" clId="{0EDD36B0-5FB6-47A0-AAAC-A352959B1902}" dt="2022-11-02T05:06:48.222" v="943" actId="962"/>
+          <ac:spMkLst>
+            <pc:docMk/>
+            <pc:sldMk cId="2345732359" sldId="256"/>
+            <ac:spMk id="9" creationId="{085C53B3-871A-4E81-9A1F-BD9D42C4C1DD}"/>
+          </ac:spMkLst>
+        </pc:spChg>
+        <pc:picChg chg="add mod">
+          <ac:chgData name="Mark Nielsen" userId="3600b33a-45f5-4a43-9a08-720975c254f7" providerId="ADAL" clId="{0EDD36B0-5FB6-47A0-AAAC-A352959B1902}" dt="2022-11-02T05:06:48.222" v="943" actId="962"/>
+          <ac:picMkLst>
+            <pc:docMk/>
+            <pc:sldMk cId="2345732359" sldId="256"/>
+            <ac:picMk id="8" creationId="{D0000F36-C3B9-4D6C-8F58-56EED2B4A899}"/>
+          </ac:picMkLst>
+        </pc:picChg>
+        <pc:picChg chg="del">
+          <ac:chgData name="Mark Nielsen" userId="3600b33a-45f5-4a43-9a08-720975c254f7" providerId="ADAL" clId="{0EDD36B0-5FB6-47A0-AAAC-A352959B1902}" dt="2022-11-02T05:03:05.238" v="940" actId="478"/>
+          <ac:picMkLst>
+            <pc:docMk/>
+            <pc:sldMk cId="2345732359" sldId="256"/>
+            <ac:picMk id="15" creationId="{00000000-0000-0000-0000-000000000000}"/>
+          </ac:picMkLst>
+        </pc:picChg>
+      </pc:sldChg>
       <pc:sldChg chg="addSp modSp mod">
         <pc:chgData name="Mark Nielsen" userId="3600b33a-45f5-4a43-9a08-720975c254f7" providerId="ADAL" clId="{0EDD36B0-5FB6-47A0-AAAC-A352959B1902}" dt="2022-11-02T03:05:29.923" v="556" actId="1076"/>
         <pc:sldMkLst>
@@ -199,7 +240,7 @@
         </pc:spChg>
       </pc:sldChg>
       <pc:sldChg chg="addSp modSp mod">
-        <pc:chgData name="Mark Nielsen" userId="3600b33a-45f5-4a43-9a08-720975c254f7" providerId="ADAL" clId="{0EDD36B0-5FB6-47A0-AAAC-A352959B1902}" dt="2022-11-02T03:04:13.735" v="548" actId="1076"/>
+        <pc:chgData name="Mark Nielsen" userId="3600b33a-45f5-4a43-9a08-720975c254f7" providerId="ADAL" clId="{0EDD36B0-5FB6-47A0-AAAC-A352959B1902}" dt="2022-11-02T06:32:11.610" v="1117" actId="20577"/>
         <pc:sldMkLst>
           <pc:docMk/>
           <pc:sldMk cId="3035150215" sldId="1159"/>
@@ -213,7 +254,7 @@
           </ac:spMkLst>
         </pc:spChg>
         <pc:spChg chg="mod">
-          <ac:chgData name="Mark Nielsen" userId="3600b33a-45f5-4a43-9a08-720975c254f7" providerId="ADAL" clId="{0EDD36B0-5FB6-47A0-AAAC-A352959B1902}" dt="2022-11-02T00:49:34.196" v="184" actId="20577"/>
+          <ac:chgData name="Mark Nielsen" userId="3600b33a-45f5-4a43-9a08-720975c254f7" providerId="ADAL" clId="{0EDD36B0-5FB6-47A0-AAAC-A352959B1902}" dt="2022-11-02T06:32:11.610" v="1117" actId="20577"/>
           <ac:spMkLst>
             <pc:docMk/>
             <pc:sldMk cId="3035150215" sldId="1159"/>
@@ -252,8 +293,15 @@
           </ac:picMkLst>
         </pc:picChg>
       </pc:sldChg>
-      <pc:sldChg chg="addSp delSp modSp mod">
-        <pc:chgData name="Mark Nielsen" userId="3600b33a-45f5-4a43-9a08-720975c254f7" providerId="ADAL" clId="{0EDD36B0-5FB6-47A0-AAAC-A352959B1902}" dt="2022-11-02T03:38:20.490" v="871" actId="732"/>
+      <pc:sldChg chg="ord">
+        <pc:chgData name="Mark Nielsen" userId="3600b33a-45f5-4a43-9a08-720975c254f7" providerId="ADAL" clId="{0EDD36B0-5FB6-47A0-AAAC-A352959B1902}" dt="2022-11-02T05:11:19.319" v="945"/>
+        <pc:sldMkLst>
+          <pc:docMk/>
+          <pc:sldMk cId="4169262914" sldId="1165"/>
+        </pc:sldMkLst>
+      </pc:sldChg>
+      <pc:sldChg chg="addSp delSp modSp mod ord">
+        <pc:chgData name="Mark Nielsen" userId="3600b33a-45f5-4a43-9a08-720975c254f7" providerId="ADAL" clId="{0EDD36B0-5FB6-47A0-AAAC-A352959B1902}" dt="2022-11-02T05:11:19.319" v="945"/>
         <pc:sldMkLst>
           <pc:docMk/>
           <pc:sldMk cId="1681752461" sldId="1166"/>
@@ -307,13 +355,21 @@
         </pc:spChg>
       </pc:sldChg>
       <pc:sldChg chg="modSp mod">
-        <pc:chgData name="Mark Nielsen" userId="3600b33a-45f5-4a43-9a08-720975c254f7" providerId="ADAL" clId="{0EDD36B0-5FB6-47A0-AAAC-A352959B1902}" dt="2022-11-02T00:49:16.140" v="165" actId="6549"/>
+        <pc:chgData name="Mark Nielsen" userId="3600b33a-45f5-4a43-9a08-720975c254f7" providerId="ADAL" clId="{0EDD36B0-5FB6-47A0-AAAC-A352959B1902}" dt="2022-11-02T05:34:33.342" v="1017" actId="20577"/>
         <pc:sldMkLst>
           <pc:docMk/>
           <pc:sldMk cId="3567163925" sldId="1170"/>
         </pc:sldMkLst>
         <pc:spChg chg="mod">
-          <ac:chgData name="Mark Nielsen" userId="3600b33a-45f5-4a43-9a08-720975c254f7" providerId="ADAL" clId="{0EDD36B0-5FB6-47A0-AAAC-A352959B1902}" dt="2022-11-02T00:49:16.140" v="165" actId="6549"/>
+          <ac:chgData name="Mark Nielsen" userId="3600b33a-45f5-4a43-9a08-720975c254f7" providerId="ADAL" clId="{0EDD36B0-5FB6-47A0-AAAC-A352959B1902}" dt="2022-11-02T05:11:47.213" v="962" actId="20577"/>
+          <ac:spMkLst>
+            <pc:docMk/>
+            <pc:sldMk cId="3567163925" sldId="1170"/>
+            <ac:spMk id="4" creationId="{505BD776-2FCF-451D-90C4-ABAA297A7172}"/>
+          </ac:spMkLst>
+        </pc:spChg>
+        <pc:spChg chg="mod">
+          <ac:chgData name="Mark Nielsen" userId="3600b33a-45f5-4a43-9a08-720975c254f7" providerId="ADAL" clId="{0EDD36B0-5FB6-47A0-AAAC-A352959B1902}" dt="2022-11-02T05:34:33.342" v="1017" actId="20577"/>
           <ac:spMkLst>
             <pc:docMk/>
             <pc:sldMk cId="3567163925" sldId="1170"/>
@@ -322,7 +378,7 @@
         </pc:spChg>
       </pc:sldChg>
       <pc:sldChg chg="addSp delSp modSp mod">
-        <pc:chgData name="Mark Nielsen" userId="3600b33a-45f5-4a43-9a08-720975c254f7" providerId="ADAL" clId="{0EDD36B0-5FB6-47A0-AAAC-A352959B1902}" dt="2022-11-02T02:31:46.367" v="327" actId="1076"/>
+        <pc:chgData name="Mark Nielsen" userId="3600b33a-45f5-4a43-9a08-720975c254f7" providerId="ADAL" clId="{0EDD36B0-5FB6-47A0-AAAC-A352959B1902}" dt="2022-11-02T05:28:07.853" v="972" actId="20577"/>
         <pc:sldMkLst>
           <pc:docMk/>
           <pc:sldMk cId="2022186318" sldId="1171"/>
@@ -360,7 +416,7 @@
           </ac:spMkLst>
         </pc:spChg>
         <pc:spChg chg="add mod">
-          <ac:chgData name="Mark Nielsen" userId="3600b33a-45f5-4a43-9a08-720975c254f7" providerId="ADAL" clId="{0EDD36B0-5FB6-47A0-AAAC-A352959B1902}" dt="2022-11-02T02:31:46.367" v="327" actId="1076"/>
+          <ac:chgData name="Mark Nielsen" userId="3600b33a-45f5-4a43-9a08-720975c254f7" providerId="ADAL" clId="{0EDD36B0-5FB6-47A0-AAAC-A352959B1902}" dt="2022-11-02T05:28:07.853" v="972" actId="20577"/>
           <ac:spMkLst>
             <pc:docMk/>
             <pc:sldMk cId="2022186318" sldId="1171"/>
@@ -385,11 +441,19 @@
         </pc:picChg>
       </pc:sldChg>
       <pc:sldChg chg="modSp mod">
-        <pc:chgData name="Mark Nielsen" userId="3600b33a-45f5-4a43-9a08-720975c254f7" providerId="ADAL" clId="{0EDD36B0-5FB6-47A0-AAAC-A352959B1902}" dt="2022-11-02T03:59:33.405" v="928" actId="313"/>
+        <pc:chgData name="Mark Nielsen" userId="3600b33a-45f5-4a43-9a08-720975c254f7" providerId="ADAL" clId="{0EDD36B0-5FB6-47A0-AAAC-A352959B1902}" dt="2022-11-02T05:58:12.625" v="1081" actId="20577"/>
         <pc:sldMkLst>
           <pc:docMk/>
           <pc:sldMk cId="2983457196" sldId="1172"/>
         </pc:sldMkLst>
+        <pc:spChg chg="mod">
+          <ac:chgData name="Mark Nielsen" userId="3600b33a-45f5-4a43-9a08-720975c254f7" providerId="ADAL" clId="{0EDD36B0-5FB6-47A0-AAAC-A352959B1902}" dt="2022-11-02T05:58:12.625" v="1081" actId="20577"/>
+          <ac:spMkLst>
+            <pc:docMk/>
+            <pc:sldMk cId="2983457196" sldId="1172"/>
+            <ac:spMk id="4" creationId="{505BD776-2FCF-451D-90C4-ABAA297A7172}"/>
+          </ac:spMkLst>
+        </pc:spChg>
         <pc:spChg chg="mod">
           <ac:chgData name="Mark Nielsen" userId="3600b33a-45f5-4a43-9a08-720975c254f7" providerId="ADAL" clId="{0EDD36B0-5FB6-47A0-AAAC-A352959B1902}" dt="2022-11-02T03:59:33.405" v="928" actId="313"/>
           <ac:spMkLst>
@@ -486,7 +550,7 @@
         </pc:sldMkLst>
       </pc:sldChg>
       <pc:sldChg chg="addSp modSp mod">
-        <pc:chgData name="Mark Nielsen" userId="3600b33a-45f5-4a43-9a08-720975c254f7" providerId="ADAL" clId="{0EDD36B0-5FB6-47A0-AAAC-A352959B1902}" dt="2022-11-02T03:05:07.675" v="554" actId="1076"/>
+        <pc:chgData name="Mark Nielsen" userId="3600b33a-45f5-4a43-9a08-720975c254f7" providerId="ADAL" clId="{0EDD36B0-5FB6-47A0-AAAC-A352959B1902}" dt="2022-11-02T05:27:52.499" v="970" actId="20577"/>
         <pc:sldMkLst>
           <pc:docMk/>
           <pc:sldMk cId="954297154" sldId="1175"/>
@@ -497,6 +561,14 @@
             <pc:docMk/>
             <pc:sldMk cId="954297154" sldId="1175"/>
             <ac:spMk id="5" creationId="{CA7EC6A9-32FC-4D9D-90DA-41A6D57D5078}"/>
+          </ac:spMkLst>
+        </pc:spChg>
+        <pc:spChg chg="mod">
+          <ac:chgData name="Mark Nielsen" userId="3600b33a-45f5-4a43-9a08-720975c254f7" providerId="ADAL" clId="{0EDD36B0-5FB6-47A0-AAAC-A352959B1902}" dt="2022-11-02T05:27:52.499" v="970" actId="20577"/>
+          <ac:spMkLst>
+            <pc:docMk/>
+            <pc:sldMk cId="954297154" sldId="1175"/>
+            <ac:spMk id="7" creationId="{AB9C16C6-84F1-BB4A-B532-19BECBFCE2B1}"/>
           </ac:spMkLst>
         </pc:spChg>
       </pc:sldChg>
@@ -580,11 +652,19 @@
         </pc:picChg>
       </pc:sldChg>
       <pc:sldChg chg="addSp delSp modSp mod">
-        <pc:chgData name="Mark Nielsen" userId="3600b33a-45f5-4a43-9a08-720975c254f7" providerId="ADAL" clId="{0EDD36B0-5FB6-47A0-AAAC-A352959B1902}" dt="2022-11-02T00:47:26.969" v="141" actId="1076"/>
+        <pc:chgData name="Mark Nielsen" userId="3600b33a-45f5-4a43-9a08-720975c254f7" providerId="ADAL" clId="{0EDD36B0-5FB6-47A0-AAAC-A352959B1902}" dt="2022-11-02T05:57:32.899" v="1073" actId="20577"/>
         <pc:sldMkLst>
           <pc:docMk/>
           <pc:sldMk cId="3550061953" sldId="1177"/>
         </pc:sldMkLst>
+        <pc:spChg chg="mod">
+          <ac:chgData name="Mark Nielsen" userId="3600b33a-45f5-4a43-9a08-720975c254f7" providerId="ADAL" clId="{0EDD36B0-5FB6-47A0-AAAC-A352959B1902}" dt="2022-11-02T05:57:32.899" v="1073" actId="20577"/>
+          <ac:spMkLst>
+            <pc:docMk/>
+            <pc:sldMk cId="3550061953" sldId="1177"/>
+            <ac:spMk id="4" creationId="{505BD776-2FCF-451D-90C4-ABAA297A7172}"/>
+          </ac:spMkLst>
+        </pc:spChg>
         <pc:spChg chg="mod">
           <ac:chgData name="Mark Nielsen" userId="3600b33a-45f5-4a43-9a08-720975c254f7" providerId="ADAL" clId="{0EDD36B0-5FB6-47A0-AAAC-A352959B1902}" dt="2022-11-02T00:41:33.147" v="124" actId="20577"/>
           <ac:spMkLst>
@@ -626,12 +706,20 @@
           </ac:picMkLst>
         </pc:picChg>
       </pc:sldChg>
-      <pc:sldChg chg="add">
-        <pc:chgData name="Mark Nielsen" userId="3600b33a-45f5-4a43-9a08-720975c254f7" providerId="ADAL" clId="{0EDD36B0-5FB6-47A0-AAAC-A352959B1902}" dt="2022-11-02T00:49:23.883" v="166" actId="2890"/>
+      <pc:sldChg chg="addSp modSp add mod">
+        <pc:chgData name="Mark Nielsen" userId="3600b33a-45f5-4a43-9a08-720975c254f7" providerId="ADAL" clId="{0EDD36B0-5FB6-47A0-AAAC-A352959B1902}" dt="2022-11-02T06:36:43.356" v="1119" actId="1076"/>
         <pc:sldMkLst>
           <pc:docMk/>
           <pc:sldMk cId="958398444" sldId="1178"/>
         </pc:sldMkLst>
+        <pc:spChg chg="add mod">
+          <ac:chgData name="Mark Nielsen" userId="3600b33a-45f5-4a43-9a08-720975c254f7" providerId="ADAL" clId="{0EDD36B0-5FB6-47A0-AAAC-A352959B1902}" dt="2022-11-02T06:36:43.356" v="1119" actId="1076"/>
+          <ac:spMkLst>
+            <pc:docMk/>
+            <pc:sldMk cId="958398444" sldId="1178"/>
+            <ac:spMk id="5" creationId="{D99EED76-3C00-4836-84DB-67D308307BCA}"/>
+          </ac:spMkLst>
+        </pc:spChg>
       </pc:sldChg>
       <pc:sldChg chg="addSp delSp modSp add mod replId">
         <pc:chgData name="Mark Nielsen" userId="3600b33a-45f5-4a43-9a08-720975c254f7" providerId="ADAL" clId="{0EDD36B0-5FB6-47A0-AAAC-A352959B1902}" dt="2022-11-02T03:19:54.384" v="659" actId="14100"/>
@@ -704,7 +792,7 @@
         </pc:spChg>
       </pc:sldChg>
       <pc:sldChg chg="addSp modSp add mod">
-        <pc:chgData name="Mark Nielsen" userId="3600b33a-45f5-4a43-9a08-720975c254f7" providerId="ADAL" clId="{0EDD36B0-5FB6-47A0-AAAC-A352959B1902}" dt="2022-11-02T03:03:54.724" v="546" actId="1076"/>
+        <pc:chgData name="Mark Nielsen" userId="3600b33a-45f5-4a43-9a08-720975c254f7" providerId="ADAL" clId="{0EDD36B0-5FB6-47A0-AAAC-A352959B1902}" dt="2022-11-02T05:50:13.717" v="1056" actId="20577"/>
         <pc:sldMkLst>
           <pc:docMk/>
           <pc:sldMk cId="3913517892" sldId="1181"/>
@@ -718,7 +806,7 @@
           </ac:spMkLst>
         </pc:spChg>
         <pc:spChg chg="mod">
-          <ac:chgData name="Mark Nielsen" userId="3600b33a-45f5-4a43-9a08-720975c254f7" providerId="ADAL" clId="{0EDD36B0-5FB6-47A0-AAAC-A352959B1902}" dt="2022-11-02T00:52:00.545" v="288" actId="6549"/>
+          <ac:chgData name="Mark Nielsen" userId="3600b33a-45f5-4a43-9a08-720975c254f7" providerId="ADAL" clId="{0EDD36B0-5FB6-47A0-AAAC-A352959B1902}" dt="2022-11-02T05:50:13.717" v="1056" actId="20577"/>
           <ac:spMkLst>
             <pc:docMk/>
             <pc:sldMk cId="3913517892" sldId="1181"/>
@@ -726,7 +814,7 @@
           </ac:spMkLst>
         </pc:spChg>
         <pc:spChg chg="mod">
-          <ac:chgData name="Mark Nielsen" userId="3600b33a-45f5-4a43-9a08-720975c254f7" providerId="ADAL" clId="{0EDD36B0-5FB6-47A0-AAAC-A352959B1902}" dt="2022-11-02T00:51:58.309" v="287" actId="20577"/>
+          <ac:chgData name="Mark Nielsen" userId="3600b33a-45f5-4a43-9a08-720975c254f7" providerId="ADAL" clId="{0EDD36B0-5FB6-47A0-AAAC-A352959B1902}" dt="2022-11-02T05:49:49.515" v="1040" actId="20577"/>
           <ac:spMkLst>
             <pc:docMk/>
             <pc:sldMk cId="3913517892" sldId="1181"/>
@@ -812,11 +900,19 @@
         </pc:spChg>
       </pc:sldChg>
       <pc:sldChg chg="addSp delSp modSp add mod ord">
-        <pc:chgData name="Mark Nielsen" userId="3600b33a-45f5-4a43-9a08-720975c254f7" providerId="ADAL" clId="{0EDD36B0-5FB6-47A0-AAAC-A352959B1902}" dt="2022-11-02T03:03:47.458" v="544" actId="22"/>
+        <pc:chgData name="Mark Nielsen" userId="3600b33a-45f5-4a43-9a08-720975c254f7" providerId="ADAL" clId="{0EDD36B0-5FB6-47A0-AAAC-A352959B1902}" dt="2022-11-02T05:57:20.241" v="1064" actId="20577"/>
         <pc:sldMkLst>
           <pc:docMk/>
           <pc:sldMk cId="1012335638" sldId="1185"/>
         </pc:sldMkLst>
+        <pc:spChg chg="mod">
+          <ac:chgData name="Mark Nielsen" userId="3600b33a-45f5-4a43-9a08-720975c254f7" providerId="ADAL" clId="{0EDD36B0-5FB6-47A0-AAAC-A352959B1902}" dt="2022-11-02T05:57:20.241" v="1064" actId="20577"/>
+          <ac:spMkLst>
+            <pc:docMk/>
+            <pc:sldMk cId="1012335638" sldId="1185"/>
+            <ac:spMk id="4" creationId="{505BD776-2FCF-451D-90C4-ABAA297A7172}"/>
+          </ac:spMkLst>
+        </pc:spChg>
         <pc:spChg chg="mod">
           <ac:chgData name="Mark Nielsen" userId="3600b33a-45f5-4a43-9a08-720975c254f7" providerId="ADAL" clId="{0EDD36B0-5FB6-47A0-AAAC-A352959B1902}" dt="2022-11-02T03:02:53.615" v="538" actId="20577"/>
           <ac:spMkLst>
@@ -843,7 +939,7 @@
         </pc:spChg>
       </pc:sldChg>
       <pc:sldChg chg="addSp delSp modSp new mod modClrScheme chgLayout">
-        <pc:chgData name="Mark Nielsen" userId="3600b33a-45f5-4a43-9a08-720975c254f7" providerId="ADAL" clId="{0EDD36B0-5FB6-47A0-AAAC-A352959B1902}" dt="2022-11-02T03:31:10.927" v="854" actId="5793"/>
+        <pc:chgData name="Mark Nielsen" userId="3600b33a-45f5-4a43-9a08-720975c254f7" providerId="ADAL" clId="{0EDD36B0-5FB6-47A0-AAAC-A352959B1902}" dt="2022-11-02T06:49:07.278" v="1132" actId="1076"/>
         <pc:sldMkLst>
           <pc:docMk/>
           <pc:sldMk cId="3447645022" sldId="1186"/>
@@ -872,12 +968,28 @@
             <ac:spMk id="4" creationId="{4FEF3F27-AE32-4C76-B732-4A03608B065D}"/>
           </ac:spMkLst>
         </pc:spChg>
+        <pc:spChg chg="add mod">
+          <ac:chgData name="Mark Nielsen" userId="3600b33a-45f5-4a43-9a08-720975c254f7" providerId="ADAL" clId="{0EDD36B0-5FB6-47A0-AAAC-A352959B1902}" dt="2022-11-02T06:40:32.941" v="1123"/>
+          <ac:spMkLst>
+            <pc:docMk/>
+            <pc:sldMk cId="3447645022" sldId="1186"/>
+            <ac:spMk id="5" creationId="{29DE7D34-1328-48C6-91E6-26134F720E83}"/>
+          </ac:spMkLst>
+        </pc:spChg>
         <pc:spChg chg="add del mod">
           <ac:chgData name="Mark Nielsen" userId="3600b33a-45f5-4a43-9a08-720975c254f7" providerId="ADAL" clId="{0EDD36B0-5FB6-47A0-AAAC-A352959B1902}" dt="2022-11-02T03:10:16.025" v="579" actId="478"/>
           <ac:spMkLst>
             <pc:docMk/>
             <pc:sldMk cId="3447645022" sldId="1186"/>
             <ac:spMk id="5" creationId="{F6CDB9E1-3536-4010-B885-04779A097442}"/>
+          </ac:spMkLst>
+        </pc:spChg>
+        <pc:spChg chg="add mod">
+          <ac:chgData name="Mark Nielsen" userId="3600b33a-45f5-4a43-9a08-720975c254f7" providerId="ADAL" clId="{0EDD36B0-5FB6-47A0-AAAC-A352959B1902}" dt="2022-11-02T06:40:38.187" v="1125" actId="1076"/>
+          <ac:spMkLst>
+            <pc:docMk/>
+            <pc:sldMk cId="3447645022" sldId="1186"/>
+            <ac:spMk id="6" creationId="{54AA5C1C-42E7-4C8B-A84F-9D2FA0980587}"/>
           </ac:spMkLst>
         </pc:spChg>
         <pc:spChg chg="add del mod ord">
@@ -888,15 +1000,31 @@
             <ac:spMk id="6" creationId="{5EF8541F-29B9-4E7E-A99A-3D1A99878E63}"/>
           </ac:spMkLst>
         </pc:spChg>
+        <pc:spChg chg="add mod">
+          <ac:chgData name="Mark Nielsen" userId="3600b33a-45f5-4a43-9a08-720975c254f7" providerId="ADAL" clId="{0EDD36B0-5FB6-47A0-AAAC-A352959B1902}" dt="2022-11-02T06:42:55.111" v="1128" actId="1076"/>
+          <ac:spMkLst>
+            <pc:docMk/>
+            <pc:sldMk cId="3447645022" sldId="1186"/>
+            <ac:spMk id="8" creationId="{5019250F-8E2F-4C11-BA38-079B407CA073}"/>
+          </ac:spMkLst>
+        </pc:spChg>
+        <pc:spChg chg="add mod">
+          <ac:chgData name="Mark Nielsen" userId="3600b33a-45f5-4a43-9a08-720975c254f7" providerId="ADAL" clId="{0EDD36B0-5FB6-47A0-AAAC-A352959B1902}" dt="2022-11-02T06:49:07.278" v="1132" actId="1076"/>
+          <ac:spMkLst>
+            <pc:docMk/>
+            <pc:sldMk cId="3447645022" sldId="1186"/>
+            <ac:spMk id="10" creationId="{1F6B3A8A-1139-49B9-9545-CE6A98497B31}"/>
+          </ac:spMkLst>
+        </pc:spChg>
       </pc:sldChg>
       <pc:sldChg chg="addSp delSp modSp add mod ord modAnim chgLayout">
-        <pc:chgData name="Mark Nielsen" userId="3600b33a-45f5-4a43-9a08-720975c254f7" providerId="ADAL" clId="{0EDD36B0-5FB6-47A0-AAAC-A352959B1902}" dt="2022-11-02T03:29:15.231" v="836"/>
+        <pc:chgData name="Mark Nielsen" userId="3600b33a-45f5-4a43-9a08-720975c254f7" providerId="ADAL" clId="{0EDD36B0-5FB6-47A0-AAAC-A352959B1902}" dt="2022-11-02T06:27:07.397" v="1115" actId="20577"/>
         <pc:sldMkLst>
           <pc:docMk/>
           <pc:sldMk cId="1326690452" sldId="1187"/>
         </pc:sldMkLst>
         <pc:spChg chg="add mod ord">
-          <ac:chgData name="Mark Nielsen" userId="3600b33a-45f5-4a43-9a08-720975c254f7" providerId="ADAL" clId="{0EDD36B0-5FB6-47A0-AAAC-A352959B1902}" dt="2022-11-02T03:29:01.949" v="834" actId="20577"/>
+          <ac:chgData name="Mark Nielsen" userId="3600b33a-45f5-4a43-9a08-720975c254f7" providerId="ADAL" clId="{0EDD36B0-5FB6-47A0-AAAC-A352959B1902}" dt="2022-11-02T06:26:55.724" v="1114" actId="20577"/>
           <ac:spMkLst>
             <pc:docMk/>
             <pc:sldMk cId="1326690452" sldId="1187"/>
@@ -1015,7 +1143,7 @@
         </pc:picChg>
       </pc:sldChg>
       <pc:sldChg chg="addSp delSp modSp add mod ord">
-        <pc:chgData name="Mark Nielsen" userId="3600b33a-45f5-4a43-9a08-720975c254f7" providerId="ADAL" clId="{0EDD36B0-5FB6-47A0-AAAC-A352959B1902}" dt="2022-11-02T04:23:41.613" v="939" actId="14100"/>
+        <pc:chgData name="Mark Nielsen" userId="3600b33a-45f5-4a43-9a08-720975c254f7" providerId="ADAL" clId="{0EDD36B0-5FB6-47A0-AAAC-A352959B1902}" dt="2022-11-02T05:38:38.963" v="1019"/>
         <pc:sldMkLst>
           <pc:docMk/>
           <pc:sldMk cId="1750045314" sldId="1190"/>
@@ -1053,12 +1181,114 @@
           </ac:picMkLst>
         </pc:picChg>
       </pc:sldChg>
-      <pc:sldChg chg="add ord">
-        <pc:chgData name="Mark Nielsen" userId="3600b33a-45f5-4a43-9a08-720975c254f7" providerId="ADAL" clId="{0EDD36B0-5FB6-47A0-AAAC-A352959B1902}" dt="2022-11-02T03:53:49.085" v="900"/>
+      <pc:sldChg chg="addSp delSp modSp add mod ord">
+        <pc:chgData name="Mark Nielsen" userId="3600b33a-45f5-4a43-9a08-720975c254f7" providerId="ADAL" clId="{0EDD36B0-5FB6-47A0-AAAC-A352959B1902}" dt="2022-11-02T05:39:59.472" v="1026" actId="1076"/>
         <pc:sldMkLst>
           <pc:docMk/>
           <pc:sldMk cId="1786401073" sldId="1191"/>
         </pc:sldMkLst>
+        <pc:spChg chg="add del mod">
+          <ac:chgData name="Mark Nielsen" userId="3600b33a-45f5-4a43-9a08-720975c254f7" providerId="ADAL" clId="{0EDD36B0-5FB6-47A0-AAAC-A352959B1902}" dt="2022-11-02T05:39:43.431" v="1023" actId="22"/>
+          <ac:spMkLst>
+            <pc:docMk/>
+            <pc:sldMk cId="1786401073" sldId="1191"/>
+            <ac:spMk id="3" creationId="{D13935E5-A790-4B58-81E5-56849EBA1C6A}"/>
+          </ac:spMkLst>
+        </pc:spChg>
+        <pc:picChg chg="del">
+          <ac:chgData name="Mark Nielsen" userId="3600b33a-45f5-4a43-9a08-720975c254f7" providerId="ADAL" clId="{0EDD36B0-5FB6-47A0-AAAC-A352959B1902}" dt="2022-11-02T05:38:58.220" v="1022" actId="478"/>
+          <ac:picMkLst>
+            <pc:docMk/>
+            <pc:sldMk cId="1786401073" sldId="1191"/>
+            <ac:picMk id="6" creationId="{334E770C-4CFC-4A66-8B48-C083DA32D8BC}"/>
+          </ac:picMkLst>
+        </pc:picChg>
+        <pc:picChg chg="add mod ord">
+          <ac:chgData name="Mark Nielsen" userId="3600b33a-45f5-4a43-9a08-720975c254f7" providerId="ADAL" clId="{0EDD36B0-5FB6-47A0-AAAC-A352959B1902}" dt="2022-11-02T05:39:59.472" v="1026" actId="1076"/>
+          <ac:picMkLst>
+            <pc:docMk/>
+            <pc:sldMk cId="1786401073" sldId="1191"/>
+            <ac:picMk id="7" creationId="{7B807D74-4478-4850-9154-B4AEE438A22C}"/>
+          </ac:picMkLst>
+        </pc:picChg>
+      </pc:sldChg>
+      <pc:sldChg chg="addSp delSp modSp add mod ord">
+        <pc:chgData name="Mark Nielsen" userId="3600b33a-45f5-4a43-9a08-720975c254f7" providerId="ADAL" clId="{0EDD36B0-5FB6-47A0-AAAC-A352959B1902}" dt="2022-11-02T06:18:16.356" v="1100"/>
+        <pc:sldMkLst>
+          <pc:docMk/>
+          <pc:sldMk cId="2750342354" sldId="1192"/>
+        </pc:sldMkLst>
+        <pc:spChg chg="del">
+          <ac:chgData name="Mark Nielsen" userId="3600b33a-45f5-4a43-9a08-720975c254f7" providerId="ADAL" clId="{0EDD36B0-5FB6-47A0-AAAC-A352959B1902}" dt="2022-11-02T06:17:57.080" v="1096" actId="22"/>
+          <ac:spMkLst>
+            <pc:docMk/>
+            <pc:sldMk cId="2750342354" sldId="1192"/>
+            <ac:spMk id="3" creationId="{36FD1334-352B-45EF-A9BF-1F4CCEC00C3F}"/>
+          </ac:spMkLst>
+        </pc:spChg>
+        <pc:spChg chg="mod">
+          <ac:chgData name="Mark Nielsen" userId="3600b33a-45f5-4a43-9a08-720975c254f7" providerId="ADAL" clId="{0EDD36B0-5FB6-47A0-AAAC-A352959B1902}" dt="2022-11-02T06:17:48.059" v="1094" actId="20577"/>
+          <ac:spMkLst>
+            <pc:docMk/>
+            <pc:sldMk cId="2750342354" sldId="1192"/>
+            <ac:spMk id="4" creationId="{505BD776-2FCF-451D-90C4-ABAA297A7172}"/>
+          </ac:spMkLst>
+        </pc:spChg>
+        <pc:picChg chg="add mod ord">
+          <ac:chgData name="Mark Nielsen" userId="3600b33a-45f5-4a43-9a08-720975c254f7" providerId="ADAL" clId="{0EDD36B0-5FB6-47A0-AAAC-A352959B1902}" dt="2022-11-02T06:18:05.490" v="1098" actId="14100"/>
+          <ac:picMkLst>
+            <pc:docMk/>
+            <pc:sldMk cId="2750342354" sldId="1192"/>
+            <ac:picMk id="5" creationId="{38F4FF4C-24E5-4415-8A4D-C2C4C19301E3}"/>
+          </ac:picMkLst>
+        </pc:picChg>
+        <pc:picChg chg="del">
+          <ac:chgData name="Mark Nielsen" userId="3600b33a-45f5-4a43-9a08-720975c254f7" providerId="ADAL" clId="{0EDD36B0-5FB6-47A0-AAAC-A352959B1902}" dt="2022-11-02T06:17:50.794" v="1095" actId="478"/>
+          <ac:picMkLst>
+            <pc:docMk/>
+            <pc:sldMk cId="2750342354" sldId="1192"/>
+            <ac:picMk id="9" creationId="{C7F3B023-738C-4C7D-BB2C-D9662A3D6A97}"/>
+          </ac:picMkLst>
+        </pc:picChg>
+      </pc:sldChg>
+      <pc:sldChg chg="addSp delSp modSp add mod ord">
+        <pc:chgData name="Mark Nielsen" userId="3600b33a-45f5-4a43-9a08-720975c254f7" providerId="ADAL" clId="{0EDD36B0-5FB6-47A0-AAAC-A352959B1902}" dt="2022-11-02T06:25:56.976" v="1113" actId="14100"/>
+        <pc:sldMkLst>
+          <pc:docMk/>
+          <pc:sldMk cId="1626642255" sldId="1193"/>
+        </pc:sldMkLst>
+        <pc:spChg chg="del">
+          <ac:chgData name="Mark Nielsen" userId="3600b33a-45f5-4a43-9a08-720975c254f7" providerId="ADAL" clId="{0EDD36B0-5FB6-47A0-AAAC-A352959B1902}" dt="2022-11-02T06:25:49.571" v="1111" actId="22"/>
+          <ac:spMkLst>
+            <pc:docMk/>
+            <pc:sldMk cId="1626642255" sldId="1193"/>
+            <ac:spMk id="3" creationId="{36FD1334-352B-45EF-A9BF-1F4CCEC00C3F}"/>
+          </ac:spMkLst>
+        </pc:spChg>
+        <pc:spChg chg="mod">
+          <ac:chgData name="Mark Nielsen" userId="3600b33a-45f5-4a43-9a08-720975c254f7" providerId="ADAL" clId="{0EDD36B0-5FB6-47A0-AAAC-A352959B1902}" dt="2022-11-02T06:18:24.713" v="1109" actId="20577"/>
+          <ac:spMkLst>
+            <pc:docMk/>
+            <pc:sldMk cId="1626642255" sldId="1193"/>
+            <ac:spMk id="4" creationId="{505BD776-2FCF-451D-90C4-ABAA297A7172}"/>
+          </ac:spMkLst>
+        </pc:spChg>
+        <pc:picChg chg="add mod ord">
+          <ac:chgData name="Mark Nielsen" userId="3600b33a-45f5-4a43-9a08-720975c254f7" providerId="ADAL" clId="{0EDD36B0-5FB6-47A0-AAAC-A352959B1902}" dt="2022-11-02T06:25:56.976" v="1113" actId="14100"/>
+          <ac:picMkLst>
+            <pc:docMk/>
+            <pc:sldMk cId="1626642255" sldId="1193"/>
+            <ac:picMk id="5" creationId="{4DC07C77-8ADA-4E2B-87CB-F8B2FCEC7D23}"/>
+          </ac:picMkLst>
+        </pc:picChg>
+        <pc:picChg chg="del">
+          <ac:chgData name="Mark Nielsen" userId="3600b33a-45f5-4a43-9a08-720975c254f7" providerId="ADAL" clId="{0EDD36B0-5FB6-47A0-AAAC-A352959B1902}" dt="2022-11-02T06:18:27.166" v="1110" actId="478"/>
+          <ac:picMkLst>
+            <pc:docMk/>
+            <pc:sldMk cId="1626642255" sldId="1193"/>
+            <ac:picMk id="9" creationId="{C7F3B023-738C-4C7D-BB2C-D9662A3D6A97}"/>
+          </ac:picMkLst>
+        </pc:picChg>
       </pc:sldChg>
     </pc:docChg>
   </pc:docChgLst>
@@ -4038,7 +4268,13 @@
       </p:sp>
       <p:pic>
         <p:nvPicPr>
-          <p:cNvPr id="15" name="Picture Placeholder 14"/>
+          <p:cNvPr id="8" name="Picture Placeholder 7" descr="A picture containing text, computer, working&#10;&#10;Description automatically generated">
+            <a:extLst>
+              <a:ext uri="{FF2B5EF4-FFF2-40B4-BE49-F238E27FC236}">
+                <a16:creationId xmlns:a16="http://schemas.microsoft.com/office/drawing/2014/main" id="{D0000F36-C3B9-4D6C-8F58-56EED2B4A899}"/>
+              </a:ext>
+            </a:extLst>
+          </p:cNvPr>
           <p:cNvPicPr>
             <a:picLocks noGrp="1" noChangeAspect="1"/>
           </p:cNvPicPr>
@@ -4046,19 +4282,72 @@
             <p:ph type="pic" sz="quarter" idx="12"/>
           </p:nvPr>
         </p:nvPicPr>
-        <p:blipFill rotWithShape="1">
-          <a:blip r:embed="rId2" cstate="print">
+        <p:blipFill>
+          <a:blip r:embed="rId2">
             <a:extLst>
               <a:ext uri="{28A0092B-C50C-407E-A947-70E740481C1C}">
-                <a14:useLocalDpi xmlns:a14="http://schemas.microsoft.com/office/drawing/2010/main"/>
+                <a14:useLocalDpi xmlns:a14="http://schemas.microsoft.com/office/drawing/2010/main" val="0"/>
+              </a:ext>
+              <a:ext uri="{837473B0-CC2E-450A-ABE3-18F120FF3D39}">
+                <a1611:picAttrSrcUrl xmlns:a1611="http://schemas.microsoft.com/office/drawing/2016/11/main" r:id="rId3"/>
               </a:ext>
             </a:extLst>
           </a:blip>
-          <a:srcRect/>
-          <a:stretch/>
+          <a:srcRect l="24961" r="24961"/>
+          <a:stretch>
+            <a:fillRect/>
+          </a:stretch>
         </p:blipFill>
         <p:spPr/>
       </p:pic>
+      <p:sp>
+        <p:nvSpPr>
+          <p:cNvPr id="9" name="TextBox 8">
+            <a:extLst>
+              <a:ext uri="{FF2B5EF4-FFF2-40B4-BE49-F238E27FC236}">
+                <a16:creationId xmlns:a16="http://schemas.microsoft.com/office/drawing/2014/main" id="{085C53B3-871A-4E81-9A1F-BD9D42C4C1DD}"/>
+              </a:ext>
+            </a:extLst>
+          </p:cNvPr>
+          <p:cNvSpPr txBox="1"/>
+          <p:nvPr/>
+        </p:nvSpPr>
+        <p:spPr>
+          <a:xfrm>
+            <a:off x="7040563" y="6858000"/>
+            <a:ext cx="5151437" cy="230832"/>
+          </a:xfrm>
+          <a:prstGeom prst="rect">
+            <a:avLst/>
+          </a:prstGeom>
+          <a:noFill/>
+        </p:spPr>
+        <p:txBody>
+          <a:bodyPr wrap="square" rtlCol="0">
+            <a:spAutoFit/>
+          </a:bodyPr>
+          <a:lstStyle/>
+          <a:p>
+            <a:r>
+              <a:rPr lang="en-US" sz="900">
+                <a:hlinkClick r:id="rId3" tooltip="https://about.gitlab.com/customers/sva/"/>
+              </a:rPr>
+              <a:t>This Photo</a:t>
+            </a:r>
+            <a:r>
+              <a:rPr lang="en-US" sz="900"/>
+              <a:t> by Unknown Author is licensed under </a:t>
+            </a:r>
+            <a:r>
+              <a:rPr lang="en-US" sz="900">
+                <a:hlinkClick r:id="rId4" tooltip="https://creativecommons.org/licenses/by-sa/3.0/"/>
+              </a:rPr>
+              <a:t>CC BY-SA</a:t>
+            </a:r>
+            <a:endParaRPr lang="en-US" sz="900"/>
+          </a:p>
+        </p:txBody>
+      </p:sp>
     </p:spTree>
     <p:extLst>
       <p:ext uri="{BB962C8B-B14F-4D97-AF65-F5344CB8AC3E}">
@@ -4921,7 +5210,7 @@
           <a:p>
             <a:r>
               <a:rPr lang="en-US" dirty="0"/>
-              <a:t>Build and Check</a:t>
+              <a:t>Document and Check</a:t>
             </a:r>
           </a:p>
         </p:txBody>
@@ -5124,7 +5413,7 @@
                 <a:effectLst/>
                 <a:latin typeface="Consolas" panose="020B0609020204030204" pitchFamily="49" charset="0"/>
               </a:rPr>
-              <a:t>rocker/tidyverse:4.2.2</a:t>
+              <a:t>rocker/tidyverse:4.0.2</a:t>
             </a:r>
             <a:endParaRPr lang="en-US" b="0" dirty="0">
               <a:solidFill>
@@ -5755,7 +6044,7 @@
           <a:p>
             <a:r>
               <a:rPr lang="en-US" dirty="0"/>
-              <a:t>Standards customization</a:t>
+              <a:t>Function customization</a:t>
             </a:r>
           </a:p>
         </p:txBody>
@@ -6665,19 +6954,11 @@
           <a:p>
             <a:r>
               <a:rPr lang="en-US" dirty="0" err="1"/>
-              <a:t>usethis</a:t>
+              <a:t>NCAAcalcutta</a:t>
             </a:r>
             <a:r>
               <a:rPr lang="en-US" dirty="0"/>
-              <a:t>, </a:t>
-            </a:r>
-            <a:r>
-              <a:rPr lang="en-US" dirty="0" err="1"/>
-              <a:t>devtools</a:t>
-            </a:r>
-            <a:r>
-              <a:rPr lang="en-US" dirty="0"/>
-              <a:t>, and other packages</a:t>
+              <a:t> package</a:t>
             </a:r>
           </a:p>
         </p:txBody>
@@ -6705,7 +6986,7 @@
           <a:p>
             <a:r>
               <a:rPr lang="en-US" dirty="0"/>
-              <a:t>Package Development in R</a:t>
+              <a:t>Case Study</a:t>
             </a:r>
           </a:p>
         </p:txBody>
@@ -6713,7 +6994,7 @@
     </p:spTree>
     <p:extLst>
       <p:ext uri="{BB962C8B-B14F-4D97-AF65-F5344CB8AC3E}">
-        <p14:creationId xmlns:p14="http://schemas.microsoft.com/office/powerpoint/2010/main" val="3515444498"/>
+        <p14:creationId xmlns:p14="http://schemas.microsoft.com/office/powerpoint/2010/main" val="4169262914"/>
       </p:ext>
     </p:extLst>
   </p:cSld>
@@ -6981,44 +7262,21 @@
           </a:p>
         </p:txBody>
       </p:sp>
-      <p:sp>
-        <p:nvSpPr>
-          <p:cNvPr id="3" name="Content Placeholder 2">
+      <p:pic>
+        <p:nvPicPr>
+          <p:cNvPr id="7" name="Content Placeholder 6">
             <a:extLst>
               <a:ext uri="{FF2B5EF4-FFF2-40B4-BE49-F238E27FC236}">
-                <a16:creationId xmlns:a16="http://schemas.microsoft.com/office/drawing/2014/main" id="{36FD1334-352B-45EF-A9BF-1F4CCEC00C3F}"/>
-              </a:ext>
-            </a:extLst>
-          </p:cNvPr>
-          <p:cNvSpPr>
-            <a:spLocks noGrp="1"/>
-          </p:cNvSpPr>
-          <p:nvPr>
-            <p:ph sz="quarter" idx="14"/>
-          </p:nvPr>
-        </p:nvSpPr>
-        <p:spPr/>
-        <p:txBody>
-          <a:bodyPr/>
-          <a:lstStyle/>
-          <a:p>
-            <a:endParaRPr lang="en-US"/>
-          </a:p>
-        </p:txBody>
-      </p:sp>
-      <p:pic>
-        <p:nvPicPr>
-          <p:cNvPr id="9" name="Picture 8">
-            <a:extLst>
-              <a:ext uri="{FF2B5EF4-FFF2-40B4-BE49-F238E27FC236}">
-                <a16:creationId xmlns:a16="http://schemas.microsoft.com/office/drawing/2014/main" id="{C7F3B023-738C-4C7D-BB2C-D9662A3D6A97}"/>
+                <a16:creationId xmlns:a16="http://schemas.microsoft.com/office/drawing/2014/main" id="{7B807D74-4478-4850-9154-B4AEE438A22C}"/>
               </a:ext>
             </a:extLst>
           </p:cNvPr>
           <p:cNvPicPr>
-            <a:picLocks noChangeAspect="1"/>
+            <a:picLocks noGrp="1" noChangeAspect="1"/>
           </p:cNvPicPr>
-          <p:nvPr/>
+          <p:nvPr>
+            <p:ph sz="quarter" idx="14"/>
+          </p:nvPr>
         </p:nvPicPr>
         <p:blipFill>
           <a:blip r:embed="rId2"/>
@@ -7028,18 +7286,15 @@
         </p:blipFill>
         <p:spPr>
           <a:xfrm>
-            <a:off x="519112" y="1097719"/>
-            <a:ext cx="11244263" cy="5680879"/>
+            <a:off x="595745" y="1131082"/>
+            <a:ext cx="11112728" cy="5582424"/>
           </a:xfrm>
-          <a:prstGeom prst="rect">
-            <a:avLst/>
-          </a:prstGeom>
         </p:spPr>
       </p:pic>
     </p:spTree>
     <p:extLst>
       <p:ext uri="{BB962C8B-B14F-4D97-AF65-F5344CB8AC3E}">
-        <p14:creationId xmlns:p14="http://schemas.microsoft.com/office/powerpoint/2010/main" val="1750045314"/>
+        <p14:creationId xmlns:p14="http://schemas.microsoft.com/office/powerpoint/2010/main" val="1786401073"/>
       </p:ext>
     </p:extLst>
   </p:cSld>
@@ -7121,7 +7376,7 @@
             </a:r>
             <a:r>
               <a:rPr lang="en-US" dirty="0"/>
-              <a:t> demo</a:t>
+              <a:t> Demo</a:t>
             </a:r>
           </a:p>
         </p:txBody>
@@ -8597,21 +8852,44 @@
           </a:p>
         </p:txBody>
       </p:sp>
+      <p:sp>
+        <p:nvSpPr>
+          <p:cNvPr id="3" name="Content Placeholder 2">
+            <a:extLst>
+              <a:ext uri="{FF2B5EF4-FFF2-40B4-BE49-F238E27FC236}">
+                <a16:creationId xmlns:a16="http://schemas.microsoft.com/office/drawing/2014/main" id="{36FD1334-352B-45EF-A9BF-1F4CCEC00C3F}"/>
+              </a:ext>
+            </a:extLst>
+          </p:cNvPr>
+          <p:cNvSpPr>
+            <a:spLocks noGrp="1"/>
+          </p:cNvSpPr>
+          <p:nvPr>
+            <p:ph sz="quarter" idx="14"/>
+          </p:nvPr>
+        </p:nvSpPr>
+        <p:spPr/>
+        <p:txBody>
+          <a:bodyPr/>
+          <a:lstStyle/>
+          <a:p>
+            <a:endParaRPr lang="en-US"/>
+          </a:p>
+        </p:txBody>
+      </p:sp>
       <p:pic>
         <p:nvPicPr>
-          <p:cNvPr id="6" name="Content Placeholder 5">
+          <p:cNvPr id="9" name="Picture 8">
             <a:extLst>
               <a:ext uri="{FF2B5EF4-FFF2-40B4-BE49-F238E27FC236}">
-                <a16:creationId xmlns:a16="http://schemas.microsoft.com/office/drawing/2014/main" id="{334E770C-4CFC-4A66-8B48-C083DA32D8BC}"/>
+                <a16:creationId xmlns:a16="http://schemas.microsoft.com/office/drawing/2014/main" id="{C7F3B023-738C-4C7D-BB2C-D9662A3D6A97}"/>
               </a:ext>
             </a:extLst>
           </p:cNvPr>
           <p:cNvPicPr>
-            <a:picLocks noGrp="1" noChangeAspect="1"/>
+            <a:picLocks noChangeAspect="1"/>
           </p:cNvPicPr>
-          <p:nvPr>
-            <p:ph sz="quarter" idx="14"/>
-          </p:nvPr>
+          <p:nvPr/>
         </p:nvPicPr>
         <p:blipFill>
           <a:blip r:embed="rId2"/>
@@ -8621,15 +8899,18 @@
         </p:blipFill>
         <p:spPr>
           <a:xfrm>
-            <a:off x="595745" y="1131082"/>
-            <a:ext cx="11153775" cy="5617510"/>
+            <a:off x="519112" y="1097719"/>
+            <a:ext cx="11244263" cy="5680879"/>
           </a:xfrm>
+          <a:prstGeom prst="rect">
+            <a:avLst/>
+          </a:prstGeom>
         </p:spPr>
       </p:pic>
     </p:spTree>
     <p:extLst>
       <p:ext uri="{BB962C8B-B14F-4D97-AF65-F5344CB8AC3E}">
-        <p14:creationId xmlns:p14="http://schemas.microsoft.com/office/powerpoint/2010/main" val="1786401073"/>
+        <p14:creationId xmlns:p14="http://schemas.microsoft.com/office/powerpoint/2010/main" val="1750045314"/>
       </p:ext>
     </p:extLst>
   </p:cSld>
@@ -8679,7 +8960,7 @@
           <a:p>
             <a:r>
               <a:rPr lang="en-US" dirty="0"/>
-              <a:t>R Package Deployment</a:t>
+              <a:t>R Package Build and Deployment</a:t>
             </a:r>
           </a:p>
         </p:txBody>
@@ -8706,8 +8987,12 @@
           <a:lstStyle/>
           <a:p>
             <a:r>
+              <a:rPr lang="en-US" dirty="0" err="1"/>
+              <a:t>devtools</a:t>
+            </a:r>
+            <a:r>
               <a:rPr lang="en-US" dirty="0"/>
-              <a:t>Nexus</a:t>
+              <a:t> and Nexus</a:t>
             </a:r>
           </a:p>
         </p:txBody>
@@ -9902,7 +10187,7 @@
           <a:p>
             <a:r>
               <a:rPr lang="en-US" dirty="0"/>
-              <a:t>Standards customization</a:t>
+              <a:t>Function customization</a:t>
             </a:r>
           </a:p>
         </p:txBody>
@@ -10011,6 +10296,246 @@
 </file>
 
 <file path=ppt/slides/slide29.xml><?xml version="1.0" encoding="utf-8"?>
+<p:sld xmlns:a="http://schemas.openxmlformats.org/drawingml/2006/main" xmlns:r="http://schemas.openxmlformats.org/officeDocument/2006/relationships" xmlns:p="http://schemas.openxmlformats.org/presentationml/2006/main">
+  <p:cSld>
+    <p:spTree>
+      <p:nvGrpSpPr>
+        <p:cNvPr id="1" name=""/>
+        <p:cNvGrpSpPr/>
+        <p:nvPr/>
+      </p:nvGrpSpPr>
+      <p:grpSpPr>
+        <a:xfrm>
+          <a:off x="0" y="0"/>
+          <a:ext cx="0" cy="0"/>
+          <a:chOff x="0" y="0"/>
+          <a:chExt cx="0" cy="0"/>
+        </a:xfrm>
+      </p:grpSpPr>
+      <p:sp>
+        <p:nvSpPr>
+          <p:cNvPr id="4" name="Title 3">
+            <a:extLst>
+              <a:ext uri="{FF2B5EF4-FFF2-40B4-BE49-F238E27FC236}">
+                <a16:creationId xmlns:a16="http://schemas.microsoft.com/office/drawing/2014/main" id="{505BD776-2FCF-451D-90C4-ABAA297A7172}"/>
+              </a:ext>
+            </a:extLst>
+          </p:cNvPr>
+          <p:cNvSpPr>
+            <a:spLocks noGrp="1"/>
+          </p:cNvSpPr>
+          <p:nvPr>
+            <p:ph type="title"/>
+          </p:nvPr>
+        </p:nvSpPr>
+        <p:spPr/>
+        <p:txBody>
+          <a:bodyPr/>
+          <a:lstStyle/>
+          <a:p>
+            <a:r>
+              <a:rPr lang="en-US" dirty="0"/>
+              <a:t>Example output</a:t>
+            </a:r>
+          </a:p>
+        </p:txBody>
+      </p:sp>
+      <p:pic>
+        <p:nvPicPr>
+          <p:cNvPr id="5" name="Content Placeholder 4">
+            <a:extLst>
+              <a:ext uri="{FF2B5EF4-FFF2-40B4-BE49-F238E27FC236}">
+                <a16:creationId xmlns:a16="http://schemas.microsoft.com/office/drawing/2014/main" id="{4DC07C77-8ADA-4E2B-87CB-F8B2FCEC7D23}"/>
+              </a:ext>
+            </a:extLst>
+          </p:cNvPr>
+          <p:cNvPicPr>
+            <a:picLocks noGrp="1" noChangeAspect="1"/>
+          </p:cNvPicPr>
+          <p:nvPr>
+            <p:ph sz="quarter" idx="14"/>
+          </p:nvPr>
+        </p:nvPicPr>
+        <p:blipFill>
+          <a:blip r:embed="rId2"/>
+          <a:stretch>
+            <a:fillRect/>
+          </a:stretch>
+        </p:blipFill>
+        <p:spPr>
+          <a:xfrm>
+            <a:off x="595745" y="1131082"/>
+            <a:ext cx="11213078" cy="5650919"/>
+          </a:xfrm>
+        </p:spPr>
+      </p:pic>
+    </p:spTree>
+    <p:extLst>
+      <p:ext uri="{BB962C8B-B14F-4D97-AF65-F5344CB8AC3E}">
+        <p14:creationId xmlns:p14="http://schemas.microsoft.com/office/powerpoint/2010/main" val="1626642255"/>
+      </p:ext>
+    </p:extLst>
+  </p:cSld>
+  <p:clrMapOvr>
+    <a:masterClrMapping/>
+  </p:clrMapOvr>
+</p:sld>
+</file>
+
+<file path=ppt/slides/slide3.xml><?xml version="1.0" encoding="utf-8"?>
+<p:sld xmlns:a="http://schemas.openxmlformats.org/drawingml/2006/main" xmlns:r="http://schemas.openxmlformats.org/officeDocument/2006/relationships" xmlns:p="http://schemas.openxmlformats.org/presentationml/2006/main">
+  <p:cSld>
+    <p:spTree>
+      <p:nvGrpSpPr>
+        <p:cNvPr id="1" name=""/>
+        <p:cNvGrpSpPr/>
+        <p:nvPr/>
+      </p:nvGrpSpPr>
+      <p:grpSpPr>
+        <a:xfrm>
+          <a:off x="0" y="0"/>
+          <a:ext cx="0" cy="0"/>
+          <a:chOff x="0" y="0"/>
+          <a:chExt cx="0" cy="0"/>
+        </a:xfrm>
+      </p:grpSpPr>
+      <p:sp>
+        <p:nvSpPr>
+          <p:cNvPr id="4" name="Title 3">
+            <a:extLst>
+              <a:ext uri="{FF2B5EF4-FFF2-40B4-BE49-F238E27FC236}">
+                <a16:creationId xmlns:a16="http://schemas.microsoft.com/office/drawing/2014/main" id="{505BD776-2FCF-451D-90C4-ABAA297A7172}"/>
+              </a:ext>
+            </a:extLst>
+          </p:cNvPr>
+          <p:cNvSpPr>
+            <a:spLocks noGrp="1"/>
+          </p:cNvSpPr>
+          <p:nvPr>
+            <p:ph type="title"/>
+          </p:nvPr>
+        </p:nvSpPr>
+        <p:spPr/>
+        <p:txBody>
+          <a:bodyPr/>
+          <a:lstStyle/>
+          <a:p>
+            <a:r>
+              <a:rPr lang="en-US" dirty="0" err="1"/>
+              <a:t>NCAAcalcutta</a:t>
+            </a:r>
+            <a:r>
+              <a:rPr lang="en-US" dirty="0"/>
+              <a:t> package</a:t>
+            </a:r>
+          </a:p>
+        </p:txBody>
+      </p:sp>
+      <p:pic>
+        <p:nvPicPr>
+          <p:cNvPr id="6146" name="Picture 2" descr="Shiny App">
+            <a:extLst>
+              <a:ext uri="{FF2B5EF4-FFF2-40B4-BE49-F238E27FC236}">
+                <a16:creationId xmlns:a16="http://schemas.microsoft.com/office/drawing/2014/main" id="{11E86A00-7256-4C0B-A63B-2D11DD6D6099}"/>
+              </a:ext>
+            </a:extLst>
+          </p:cNvPr>
+          <p:cNvPicPr>
+            <a:picLocks noGrp="1" noChangeAspect="1" noChangeArrowheads="1"/>
+          </p:cNvPicPr>
+          <p:nvPr>
+            <p:ph sz="quarter" idx="14"/>
+          </p:nvPr>
+        </p:nvPicPr>
+        <p:blipFill rotWithShape="1">
+          <a:blip r:embed="rId2">
+            <a:extLst>
+              <a:ext uri="{28A0092B-C50C-407E-A947-70E740481C1C}">
+                <a14:useLocalDpi xmlns:a14="http://schemas.microsoft.com/office/drawing/2010/main" val="0"/>
+              </a:ext>
+            </a:extLst>
+          </a:blip>
+          <a:srcRect t="44" b="57385"/>
+          <a:stretch/>
+        </p:blipFill>
+        <p:spPr bwMode="auto">
+          <a:xfrm>
+            <a:off x="519545" y="1338142"/>
+            <a:ext cx="10813395" cy="4703842"/>
+          </a:xfrm>
+          <a:prstGeom prst="rect">
+            <a:avLst/>
+          </a:prstGeom>
+          <a:noFill/>
+          <a:extLst>
+            <a:ext uri="{909E8E84-426E-40DD-AFC4-6F175D3DCCD1}">
+              <a14:hiddenFill xmlns:a14="http://schemas.microsoft.com/office/drawing/2010/main">
+                <a:solidFill>
+                  <a:srgbClr val="FFFFFF"/>
+                </a:solidFill>
+              </a14:hiddenFill>
+            </a:ext>
+          </a:extLst>
+        </p:spPr>
+      </p:pic>
+      <p:sp>
+        <p:nvSpPr>
+          <p:cNvPr id="10" name="TextBox 9">
+            <a:extLst>
+              <a:ext uri="{FF2B5EF4-FFF2-40B4-BE49-F238E27FC236}">
+                <a16:creationId xmlns:a16="http://schemas.microsoft.com/office/drawing/2014/main" id="{35AA1448-0FA3-4DBA-9685-34549C989F65}"/>
+              </a:ext>
+            </a:extLst>
+          </p:cNvPr>
+          <p:cNvSpPr txBox="1"/>
+          <p:nvPr/>
+        </p:nvSpPr>
+        <p:spPr>
+          <a:xfrm>
+            <a:off x="84761" y="6400002"/>
+            <a:ext cx="6094070" cy="369332"/>
+          </a:xfrm>
+          <a:prstGeom prst="rect">
+            <a:avLst/>
+          </a:prstGeom>
+          <a:noFill/>
+        </p:spPr>
+        <p:txBody>
+          <a:bodyPr wrap="square">
+            <a:spAutoFit/>
+          </a:bodyPr>
+          <a:lstStyle/>
+          <a:p>
+            <a:r>
+              <a:rPr lang="en-US" dirty="0">
+                <a:hlinkClick r:id="rId3"/>
+              </a:rPr>
+              <a:t>GitHub - nielsenmarkus11/</a:t>
+            </a:r>
+            <a:r>
+              <a:rPr lang="en-US" dirty="0" err="1">
+                <a:hlinkClick r:id="rId3"/>
+              </a:rPr>
+              <a:t>NCAAcalcutta</a:t>
+            </a:r>
+            <a:endParaRPr lang="en-US" dirty="0"/>
+          </a:p>
+        </p:txBody>
+      </p:sp>
+    </p:spTree>
+    <p:extLst>
+      <p:ext uri="{BB962C8B-B14F-4D97-AF65-F5344CB8AC3E}">
+        <p14:creationId xmlns:p14="http://schemas.microsoft.com/office/powerpoint/2010/main" val="1681752461"/>
+      </p:ext>
+    </p:extLst>
+  </p:cSld>
+  <p:clrMapOvr>
+    <a:masterClrMapping/>
+  </p:clrMapOvr>
+</p:sld>
+</file>
+
+<file path=ppt/slides/slide30.xml><?xml version="1.0" encoding="utf-8"?>
 <p:sld xmlns:a="http://schemas.openxmlformats.org/drawingml/2006/main" xmlns:r="http://schemas.openxmlformats.org/officeDocument/2006/relationships" xmlns:p="http://schemas.openxmlformats.org/presentationml/2006/main">
   <p:cSld>
     <p:spTree>
@@ -10083,6 +10608,44 @@
           </a:p>
         </p:txBody>
       </p:sp>
+      <p:sp>
+        <p:nvSpPr>
+          <p:cNvPr id="5" name="TextBox 4">
+            <a:extLst>
+              <a:ext uri="{FF2B5EF4-FFF2-40B4-BE49-F238E27FC236}">
+                <a16:creationId xmlns:a16="http://schemas.microsoft.com/office/drawing/2014/main" id="{D99EED76-3C00-4836-84DB-67D308307BCA}"/>
+              </a:ext>
+            </a:extLst>
+          </p:cNvPr>
+          <p:cNvSpPr txBox="1"/>
+          <p:nvPr/>
+        </p:nvSpPr>
+        <p:spPr>
+          <a:xfrm>
+            <a:off x="0" y="6425139"/>
+            <a:ext cx="6096000" cy="369332"/>
+          </a:xfrm>
+          <a:prstGeom prst="rect">
+            <a:avLst/>
+          </a:prstGeom>
+          <a:noFill/>
+        </p:spPr>
+        <p:txBody>
+          <a:bodyPr wrap="square">
+            <a:spAutoFit/>
+          </a:bodyPr>
+          <a:lstStyle/>
+          <a:p>
+            <a:r>
+              <a:rPr lang="en-US" dirty="0">
+                <a:hlinkClick r:id="rId2"/>
+              </a:rPr>
+              <a:t>Non-Invasive Pretty Printing of R Code • styler (r-lib.org)</a:t>
+            </a:r>
+            <a:endParaRPr lang="en-US" dirty="0"/>
+          </a:p>
+        </p:txBody>
+      </p:sp>
     </p:spTree>
     <p:extLst>
       <p:ext uri="{BB962C8B-B14F-4D97-AF65-F5344CB8AC3E}">
@@ -10096,7 +10659,2570 @@
 </p:sld>
 </file>
 
-<file path=ppt/slides/slide3.xml><?xml version="1.0" encoding="utf-8"?>
+<file path=ppt/slides/slide31.xml><?xml version="1.0" encoding="utf-8"?>
+<p:sld xmlns:a="http://schemas.openxmlformats.org/drawingml/2006/main" xmlns:r="http://schemas.openxmlformats.org/officeDocument/2006/relationships" xmlns:p="http://schemas.openxmlformats.org/presentationml/2006/main">
+  <p:cSld>
+    <p:spTree>
+      <p:nvGrpSpPr>
+        <p:cNvPr id="1" name=""/>
+        <p:cNvGrpSpPr/>
+        <p:nvPr/>
+      </p:nvGrpSpPr>
+      <p:grpSpPr>
+        <a:xfrm>
+          <a:off x="0" y="0"/>
+          <a:ext cx="0" cy="0"/>
+          <a:chOff x="0" y="0"/>
+          <a:chExt cx="0" cy="0"/>
+        </a:xfrm>
+      </p:grpSpPr>
+      <p:sp>
+        <p:nvSpPr>
+          <p:cNvPr id="4" name="Title 3">
+            <a:extLst>
+              <a:ext uri="{FF2B5EF4-FFF2-40B4-BE49-F238E27FC236}">
+                <a16:creationId xmlns:a16="http://schemas.microsoft.com/office/drawing/2014/main" id="{505BD776-2FCF-451D-90C4-ABAA297A7172}"/>
+              </a:ext>
+            </a:extLst>
+          </p:cNvPr>
+          <p:cNvSpPr>
+            <a:spLocks noGrp="1"/>
+          </p:cNvSpPr>
+          <p:nvPr>
+            <p:ph type="title"/>
+          </p:nvPr>
+        </p:nvSpPr>
+        <p:spPr/>
+        <p:txBody>
+          <a:bodyPr/>
+          <a:lstStyle/>
+          <a:p>
+            <a:r>
+              <a:rPr lang="en-US" dirty="0"/>
+              <a:t>Example (Step 1)</a:t>
+            </a:r>
+          </a:p>
+        </p:txBody>
+      </p:sp>
+      <p:sp>
+        <p:nvSpPr>
+          <p:cNvPr id="2" name="Content Placeholder 1">
+            <a:extLst>
+              <a:ext uri="{FF2B5EF4-FFF2-40B4-BE49-F238E27FC236}">
+                <a16:creationId xmlns:a16="http://schemas.microsoft.com/office/drawing/2014/main" id="{438B141D-1243-4F21-B4B5-2FBF160EDB2D}"/>
+              </a:ext>
+            </a:extLst>
+          </p:cNvPr>
+          <p:cNvSpPr>
+            <a:spLocks noGrp="1"/>
+          </p:cNvSpPr>
+          <p:nvPr>
+            <p:ph sz="quarter" idx="14"/>
+          </p:nvPr>
+        </p:nvSpPr>
+        <p:spPr/>
+        <p:txBody>
+          <a:bodyPr/>
+          <a:lstStyle/>
+          <a:p>
+            <a:r>
+              <a:rPr lang="en-US" dirty="0"/>
+              <a:t>Set up Oauth2 for Bitbucket…</a:t>
+            </a:r>
+          </a:p>
+          <a:p>
+            <a:r>
+              <a:rPr lang="en-US" dirty="0"/>
+              <a:t>… may be a premium feature.</a:t>
+            </a:r>
+          </a:p>
+        </p:txBody>
+      </p:sp>
+    </p:spTree>
+    <p:extLst>
+      <p:ext uri="{BB962C8B-B14F-4D97-AF65-F5344CB8AC3E}">
+        <p14:creationId xmlns:p14="http://schemas.microsoft.com/office/powerpoint/2010/main" val="1326690452"/>
+      </p:ext>
+    </p:extLst>
+  </p:cSld>
+  <p:clrMapOvr>
+    <a:masterClrMapping/>
+  </p:clrMapOvr>
+  <p:timing>
+    <p:tnLst>
+      <p:par>
+        <p:cTn id="1" dur="indefinite" restart="never" nodeType="tmRoot">
+          <p:childTnLst>
+            <p:seq concurrent="1" nextAc="seek">
+              <p:cTn id="2" dur="indefinite" nodeType="mainSeq">
+                <p:childTnLst>
+                  <p:par>
+                    <p:cTn id="3" fill="hold">
+                      <p:stCondLst>
+                        <p:cond delay="indefinite"/>
+                        <p:cond evt="onBegin" delay="0">
+                          <p:tn val="2"/>
+                        </p:cond>
+                      </p:stCondLst>
+                      <p:childTnLst>
+                        <p:par>
+                          <p:cTn id="4" fill="hold">
+                            <p:stCondLst>
+                              <p:cond delay="0"/>
+                            </p:stCondLst>
+                            <p:childTnLst>
+                              <p:par>
+                                <p:cTn id="5" presetID="1" presetClass="entr" presetSubtype="0" fill="hold" grpId="0" nodeType="withEffect">
+                                  <p:stCondLst>
+                                    <p:cond delay="0"/>
+                                  </p:stCondLst>
+                                  <p:childTnLst>
+                                    <p:set>
+                                      <p:cBhvr>
+                                        <p:cTn id="6" dur="1" fill="hold">
+                                          <p:stCondLst>
+                                            <p:cond delay="0"/>
+                                          </p:stCondLst>
+                                        </p:cTn>
+                                        <p:tgtEl>
+                                          <p:spTgt spid="2">
+                                            <p:txEl>
+                                              <p:pRg st="0" end="0"/>
+                                            </p:txEl>
+                                          </p:spTgt>
+                                        </p:tgtEl>
+                                        <p:attrNameLst>
+                                          <p:attrName>style.visibility</p:attrName>
+                                        </p:attrNameLst>
+                                      </p:cBhvr>
+                                      <p:to>
+                                        <p:strVal val="visible"/>
+                                      </p:to>
+                                    </p:set>
+                                  </p:childTnLst>
+                                </p:cTn>
+                              </p:par>
+                            </p:childTnLst>
+                          </p:cTn>
+                        </p:par>
+                      </p:childTnLst>
+                    </p:cTn>
+                  </p:par>
+                  <p:par>
+                    <p:cTn id="7" fill="hold">
+                      <p:stCondLst>
+                        <p:cond delay="indefinite"/>
+                      </p:stCondLst>
+                      <p:childTnLst>
+                        <p:par>
+                          <p:cTn id="8" fill="hold">
+                            <p:stCondLst>
+                              <p:cond delay="0"/>
+                            </p:stCondLst>
+                            <p:childTnLst>
+                              <p:par>
+                                <p:cTn id="9" presetID="1" presetClass="entr" presetSubtype="0" fill="hold" grpId="0" nodeType="clickEffect">
+                                  <p:stCondLst>
+                                    <p:cond delay="0"/>
+                                  </p:stCondLst>
+                                  <p:childTnLst>
+                                    <p:set>
+                                      <p:cBhvr>
+                                        <p:cTn id="10" dur="1" fill="hold">
+                                          <p:stCondLst>
+                                            <p:cond delay="0"/>
+                                          </p:stCondLst>
+                                        </p:cTn>
+                                        <p:tgtEl>
+                                          <p:spTgt spid="2">
+                                            <p:txEl>
+                                              <p:pRg st="1" end="1"/>
+                                            </p:txEl>
+                                          </p:spTgt>
+                                        </p:tgtEl>
+                                        <p:attrNameLst>
+                                          <p:attrName>style.visibility</p:attrName>
+                                        </p:attrNameLst>
+                                      </p:cBhvr>
+                                      <p:to>
+                                        <p:strVal val="visible"/>
+                                      </p:to>
+                                    </p:set>
+                                  </p:childTnLst>
+                                </p:cTn>
+                              </p:par>
+                            </p:childTnLst>
+                          </p:cTn>
+                        </p:par>
+                      </p:childTnLst>
+                    </p:cTn>
+                  </p:par>
+                </p:childTnLst>
+              </p:cTn>
+              <p:prevCondLst>
+                <p:cond evt="onPrev" delay="0">
+                  <p:tgtEl>
+                    <p:sldTgt/>
+                  </p:tgtEl>
+                </p:cond>
+              </p:prevCondLst>
+              <p:nextCondLst>
+                <p:cond evt="onNext" delay="0">
+                  <p:tgtEl>
+                    <p:sldTgt/>
+                  </p:tgtEl>
+                </p:cond>
+              </p:nextCondLst>
+            </p:seq>
+          </p:childTnLst>
+        </p:cTn>
+      </p:par>
+    </p:tnLst>
+    <p:bldLst>
+      <p:bldP spid="2" grpId="0" uiExpand="1" build="p"/>
+    </p:bldLst>
+  </p:timing>
+</p:sld>
+</file>
+
+<file path=ppt/slides/slide32.xml><?xml version="1.0" encoding="utf-8"?>
+<p:sld xmlns:a="http://schemas.openxmlformats.org/drawingml/2006/main" xmlns:r="http://schemas.openxmlformats.org/officeDocument/2006/relationships" xmlns:p="http://schemas.openxmlformats.org/presentationml/2006/main">
+  <p:cSld>
+    <p:spTree>
+      <p:nvGrpSpPr>
+        <p:cNvPr id="1" name=""/>
+        <p:cNvGrpSpPr/>
+        <p:nvPr/>
+      </p:nvGrpSpPr>
+      <p:grpSpPr>
+        <a:xfrm>
+          <a:off x="0" y="0"/>
+          <a:ext cx="0" cy="0"/>
+          <a:chOff x="0" y="0"/>
+          <a:chExt cx="0" cy="0"/>
+        </a:xfrm>
+      </p:grpSpPr>
+      <p:sp>
+        <p:nvSpPr>
+          <p:cNvPr id="4" name="Title 3">
+            <a:extLst>
+              <a:ext uri="{FF2B5EF4-FFF2-40B4-BE49-F238E27FC236}">
+                <a16:creationId xmlns:a16="http://schemas.microsoft.com/office/drawing/2014/main" id="{505BD776-2FCF-451D-90C4-ABAA297A7172}"/>
+              </a:ext>
+            </a:extLst>
+          </p:cNvPr>
+          <p:cNvSpPr>
+            <a:spLocks noGrp="1"/>
+          </p:cNvSpPr>
+          <p:nvPr>
+            <p:ph type="title"/>
+          </p:nvPr>
+        </p:nvSpPr>
+        <p:spPr/>
+        <p:txBody>
+          <a:bodyPr/>
+          <a:lstStyle/>
+          <a:p>
+            <a:r>
+              <a:rPr lang="en-US" dirty="0"/>
+              <a:t>Example (Step 1)</a:t>
+            </a:r>
+          </a:p>
+        </p:txBody>
+      </p:sp>
+      <p:sp>
+        <p:nvSpPr>
+          <p:cNvPr id="6" name="TextBox 5">
+            <a:extLst>
+              <a:ext uri="{FF2B5EF4-FFF2-40B4-BE49-F238E27FC236}">
+                <a16:creationId xmlns:a16="http://schemas.microsoft.com/office/drawing/2014/main" id="{1E86D28C-7443-457F-A312-E91BBF091EE1}"/>
+              </a:ext>
+            </a:extLst>
+          </p:cNvPr>
+          <p:cNvSpPr txBox="1"/>
+          <p:nvPr/>
+        </p:nvSpPr>
+        <p:spPr>
+          <a:xfrm>
+            <a:off x="84761" y="6488668"/>
+            <a:ext cx="8625852" cy="369332"/>
+          </a:xfrm>
+          <a:prstGeom prst="rect">
+            <a:avLst/>
+          </a:prstGeom>
+          <a:noFill/>
+        </p:spPr>
+        <p:txBody>
+          <a:bodyPr wrap="square">
+            <a:spAutoFit/>
+          </a:bodyPr>
+          <a:lstStyle/>
+          <a:p>
+            <a:r>
+              <a:rPr lang="en-US" dirty="0">
+                <a:hlinkClick r:id="rId2"/>
+              </a:rPr>
+              <a:t>Bitbucket Pipelines - Create Pull Request (PR) with default reviewers · GitHub</a:t>
+            </a:r>
+            <a:endParaRPr lang="en-US" dirty="0"/>
+          </a:p>
+        </p:txBody>
+      </p:sp>
+      <p:sp>
+        <p:nvSpPr>
+          <p:cNvPr id="7" name="TextBox 6">
+            <a:extLst>
+              <a:ext uri="{FF2B5EF4-FFF2-40B4-BE49-F238E27FC236}">
+                <a16:creationId xmlns:a16="http://schemas.microsoft.com/office/drawing/2014/main" id="{CD92111F-8786-40BC-82B5-3E4017F9FA75}"/>
+              </a:ext>
+            </a:extLst>
+          </p:cNvPr>
+          <p:cNvSpPr txBox="1"/>
+          <p:nvPr/>
+        </p:nvSpPr>
+        <p:spPr>
+          <a:xfrm>
+            <a:off x="0" y="0"/>
+            <a:ext cx="12192000" cy="6524863"/>
+          </a:xfrm>
+          <a:prstGeom prst="rect">
+            <a:avLst/>
+          </a:prstGeom>
+          <a:solidFill>
+            <a:schemeClr val="tx1"/>
+          </a:solidFill>
+        </p:spPr>
+        <p:txBody>
+          <a:bodyPr wrap="square">
+            <a:spAutoFit/>
+          </a:bodyPr>
+          <a:lstStyle/>
+          <a:p>
+            <a:pPr marL="2171700" indent="-2171700"/>
+            <a:r>
+              <a:rPr lang="en-US" sz="1100" b="0" dirty="0">
+                <a:solidFill>
+                  <a:srgbClr val="D4D4D4"/>
+                </a:solidFill>
+                <a:effectLst/>
+                <a:latin typeface="Consolas" panose="020B0609020204030204" pitchFamily="49" charset="0"/>
+              </a:rPr>
+              <a:t>  </a:t>
+            </a:r>
+            <a:r>
+              <a:rPr lang="en-US" sz="1100" b="0" dirty="0">
+                <a:solidFill>
+                  <a:srgbClr val="569CD6"/>
+                </a:solidFill>
+                <a:effectLst/>
+                <a:latin typeface="Consolas" panose="020B0609020204030204" pitchFamily="49" charset="0"/>
+              </a:rPr>
+              <a:t>steps</a:t>
+            </a:r>
+            <a:r>
+              <a:rPr lang="en-US" sz="1100" b="0" dirty="0">
+                <a:solidFill>
+                  <a:srgbClr val="D4D4D4"/>
+                </a:solidFill>
+                <a:effectLst/>
+                <a:latin typeface="Consolas" panose="020B0609020204030204" pitchFamily="49" charset="0"/>
+              </a:rPr>
+              <a:t>:</a:t>
+            </a:r>
+          </a:p>
+          <a:p>
+            <a:pPr marL="2171700" indent="-2171700"/>
+            <a:r>
+              <a:rPr lang="en-US" sz="1100" b="0" dirty="0">
+                <a:solidFill>
+                  <a:srgbClr val="D4D4D4"/>
+                </a:solidFill>
+                <a:effectLst/>
+                <a:latin typeface="Consolas" panose="020B0609020204030204" pitchFamily="49" charset="0"/>
+              </a:rPr>
+              <a:t>    - </a:t>
+            </a:r>
+            <a:r>
+              <a:rPr lang="en-US" sz="1100" b="0" dirty="0">
+                <a:solidFill>
+                  <a:srgbClr val="569CD6"/>
+                </a:solidFill>
+                <a:effectLst/>
+                <a:latin typeface="Consolas" panose="020B0609020204030204" pitchFamily="49" charset="0"/>
+              </a:rPr>
+              <a:t>step</a:t>
+            </a:r>
+            <a:r>
+              <a:rPr lang="en-US" sz="1100" b="0" dirty="0">
+                <a:solidFill>
+                  <a:srgbClr val="D4D4D4"/>
+                </a:solidFill>
+                <a:effectLst/>
+                <a:latin typeface="Consolas" panose="020B0609020204030204" pitchFamily="49" charset="0"/>
+              </a:rPr>
+              <a:t>: </a:t>
+            </a:r>
+            <a:r>
+              <a:rPr lang="en-US" sz="1100" b="0" dirty="0">
+                <a:solidFill>
+                  <a:srgbClr val="C586C0"/>
+                </a:solidFill>
+                <a:effectLst/>
+                <a:latin typeface="Consolas" panose="020B0609020204030204" pitchFamily="49" charset="0"/>
+              </a:rPr>
+              <a:t>&amp;</a:t>
+            </a:r>
+            <a:r>
+              <a:rPr lang="en-US" sz="1100" b="0" dirty="0">
+                <a:solidFill>
+                  <a:srgbClr val="4EC9B0"/>
+                </a:solidFill>
+                <a:effectLst/>
+                <a:latin typeface="Consolas" panose="020B0609020204030204" pitchFamily="49" charset="0"/>
+              </a:rPr>
+              <a:t>create-pr</a:t>
+            </a:r>
+            <a:endParaRPr lang="en-US" sz="1100" b="0" dirty="0">
+              <a:solidFill>
+                <a:srgbClr val="D4D4D4"/>
+              </a:solidFill>
+              <a:effectLst/>
+              <a:latin typeface="Consolas" panose="020B0609020204030204" pitchFamily="49" charset="0"/>
+            </a:endParaRPr>
+          </a:p>
+          <a:p>
+            <a:pPr marL="2171700" indent="-2171700"/>
+            <a:r>
+              <a:rPr lang="en-US" sz="1100" b="0" dirty="0">
+                <a:solidFill>
+                  <a:srgbClr val="D4D4D4"/>
+                </a:solidFill>
+                <a:effectLst/>
+                <a:latin typeface="Consolas" panose="020B0609020204030204" pitchFamily="49" charset="0"/>
+              </a:rPr>
+              <a:t>        </a:t>
+            </a:r>
+            <a:r>
+              <a:rPr lang="en-US" sz="1100" b="0" dirty="0">
+                <a:solidFill>
+                  <a:srgbClr val="569CD6"/>
+                </a:solidFill>
+                <a:effectLst/>
+                <a:latin typeface="Consolas" panose="020B0609020204030204" pitchFamily="49" charset="0"/>
+              </a:rPr>
+              <a:t>name</a:t>
+            </a:r>
+            <a:r>
+              <a:rPr lang="en-US" sz="1100" b="0" dirty="0">
+                <a:solidFill>
+                  <a:srgbClr val="D4D4D4"/>
+                </a:solidFill>
+                <a:effectLst/>
+                <a:latin typeface="Consolas" panose="020B0609020204030204" pitchFamily="49" charset="0"/>
+              </a:rPr>
+              <a:t>: </a:t>
+            </a:r>
+            <a:r>
+              <a:rPr lang="en-US" sz="1100" b="0" dirty="0">
+                <a:solidFill>
+                  <a:srgbClr val="CE9178"/>
+                </a:solidFill>
+                <a:effectLst/>
+                <a:latin typeface="Consolas" panose="020B0609020204030204" pitchFamily="49" charset="0"/>
+              </a:rPr>
+              <a:t>Create Pull Request</a:t>
+            </a:r>
+            <a:endParaRPr lang="en-US" sz="1100" b="0" dirty="0">
+              <a:solidFill>
+                <a:srgbClr val="D4D4D4"/>
+              </a:solidFill>
+              <a:effectLst/>
+              <a:latin typeface="Consolas" panose="020B0609020204030204" pitchFamily="49" charset="0"/>
+            </a:endParaRPr>
+          </a:p>
+          <a:p>
+            <a:pPr marL="2171700" indent="-2171700"/>
+            <a:r>
+              <a:rPr lang="en-US" sz="1100" b="0" dirty="0">
+                <a:solidFill>
+                  <a:srgbClr val="D4D4D4"/>
+                </a:solidFill>
+                <a:effectLst/>
+                <a:latin typeface="Consolas" panose="020B0609020204030204" pitchFamily="49" charset="0"/>
+              </a:rPr>
+              <a:t>        </a:t>
+            </a:r>
+            <a:r>
+              <a:rPr lang="en-US" sz="1100" b="0" dirty="0">
+                <a:solidFill>
+                  <a:srgbClr val="569CD6"/>
+                </a:solidFill>
+                <a:effectLst/>
+                <a:latin typeface="Consolas" panose="020B0609020204030204" pitchFamily="49" charset="0"/>
+              </a:rPr>
+              <a:t>image</a:t>
+            </a:r>
+            <a:r>
+              <a:rPr lang="en-US" sz="1100" b="0" dirty="0">
+                <a:solidFill>
+                  <a:srgbClr val="D4D4D4"/>
+                </a:solidFill>
+                <a:effectLst/>
+                <a:latin typeface="Consolas" panose="020B0609020204030204" pitchFamily="49" charset="0"/>
+              </a:rPr>
+              <a:t>: </a:t>
+            </a:r>
+            <a:r>
+              <a:rPr lang="en-US" sz="1100" b="0" dirty="0" err="1">
+                <a:solidFill>
+                  <a:srgbClr val="CE9178"/>
+                </a:solidFill>
+                <a:effectLst/>
+                <a:latin typeface="Consolas" panose="020B0609020204030204" pitchFamily="49" charset="0"/>
+              </a:rPr>
+              <a:t>everpeace</a:t>
+            </a:r>
+            <a:r>
+              <a:rPr lang="en-US" sz="1100" b="0" dirty="0">
+                <a:solidFill>
+                  <a:srgbClr val="CE9178"/>
+                </a:solidFill>
+                <a:effectLst/>
+                <a:latin typeface="Consolas" panose="020B0609020204030204" pitchFamily="49" charset="0"/>
+              </a:rPr>
+              <a:t>/curl-</a:t>
+            </a:r>
+            <a:r>
+              <a:rPr lang="en-US" sz="1100" b="0" dirty="0" err="1">
+                <a:solidFill>
+                  <a:srgbClr val="CE9178"/>
+                </a:solidFill>
+                <a:effectLst/>
+                <a:latin typeface="Consolas" panose="020B0609020204030204" pitchFamily="49" charset="0"/>
+              </a:rPr>
+              <a:t>jq</a:t>
+            </a:r>
+            <a:endParaRPr lang="en-US" sz="1100" b="0" dirty="0">
+              <a:solidFill>
+                <a:srgbClr val="D4D4D4"/>
+              </a:solidFill>
+              <a:effectLst/>
+              <a:latin typeface="Consolas" panose="020B0609020204030204" pitchFamily="49" charset="0"/>
+            </a:endParaRPr>
+          </a:p>
+          <a:p>
+            <a:pPr marL="2171700" indent="-2171700"/>
+            <a:r>
+              <a:rPr lang="en-US" sz="1100" b="0" dirty="0">
+                <a:solidFill>
+                  <a:srgbClr val="D4D4D4"/>
+                </a:solidFill>
+                <a:effectLst/>
+                <a:latin typeface="Consolas" panose="020B0609020204030204" pitchFamily="49" charset="0"/>
+              </a:rPr>
+              <a:t>        </a:t>
+            </a:r>
+            <a:r>
+              <a:rPr lang="en-US" sz="1100" b="0" dirty="0">
+                <a:solidFill>
+                  <a:srgbClr val="569CD6"/>
+                </a:solidFill>
+                <a:effectLst/>
+                <a:latin typeface="Consolas" panose="020B0609020204030204" pitchFamily="49" charset="0"/>
+              </a:rPr>
+              <a:t>caches</a:t>
+            </a:r>
+            <a:r>
+              <a:rPr lang="en-US" sz="1100" b="0" dirty="0">
+                <a:solidFill>
+                  <a:srgbClr val="D4D4D4"/>
+                </a:solidFill>
+                <a:effectLst/>
+                <a:latin typeface="Consolas" panose="020B0609020204030204" pitchFamily="49" charset="0"/>
+              </a:rPr>
+              <a:t>:</a:t>
+            </a:r>
+          </a:p>
+          <a:p>
+            <a:pPr marL="2171700" indent="-2171700"/>
+            <a:r>
+              <a:rPr lang="en-US" sz="1100" b="0" dirty="0">
+                <a:solidFill>
+                  <a:srgbClr val="D4D4D4"/>
+                </a:solidFill>
+                <a:effectLst/>
+                <a:latin typeface="Consolas" panose="020B0609020204030204" pitchFamily="49" charset="0"/>
+              </a:rPr>
+              <a:t>          - </a:t>
+            </a:r>
+            <a:r>
+              <a:rPr lang="en-US" sz="1100" b="0" dirty="0">
+                <a:solidFill>
+                  <a:srgbClr val="CE9178"/>
+                </a:solidFill>
+                <a:effectLst/>
+                <a:latin typeface="Consolas" panose="020B0609020204030204" pitchFamily="49" charset="0"/>
+              </a:rPr>
+              <a:t>node</a:t>
+            </a:r>
+            <a:endParaRPr lang="en-US" sz="1100" b="0" dirty="0">
+              <a:solidFill>
+                <a:srgbClr val="D4D4D4"/>
+              </a:solidFill>
+              <a:effectLst/>
+              <a:latin typeface="Consolas" panose="020B0609020204030204" pitchFamily="49" charset="0"/>
+            </a:endParaRPr>
+          </a:p>
+          <a:p>
+            <a:pPr marL="2171700" indent="-2171700"/>
+            <a:r>
+              <a:rPr lang="en-US" sz="1100" b="0" dirty="0">
+                <a:solidFill>
+                  <a:srgbClr val="D4D4D4"/>
+                </a:solidFill>
+                <a:effectLst/>
+                <a:latin typeface="Consolas" panose="020B0609020204030204" pitchFamily="49" charset="0"/>
+              </a:rPr>
+              <a:t>        </a:t>
+            </a:r>
+            <a:r>
+              <a:rPr lang="en-US" sz="1100" b="0" dirty="0">
+                <a:solidFill>
+                  <a:srgbClr val="569CD6"/>
+                </a:solidFill>
+                <a:effectLst/>
+                <a:latin typeface="Consolas" panose="020B0609020204030204" pitchFamily="49" charset="0"/>
+              </a:rPr>
+              <a:t>script</a:t>
+            </a:r>
+            <a:r>
+              <a:rPr lang="en-US" sz="1100" b="0" dirty="0">
+                <a:solidFill>
+                  <a:srgbClr val="D4D4D4"/>
+                </a:solidFill>
+                <a:effectLst/>
+                <a:latin typeface="Consolas" panose="020B0609020204030204" pitchFamily="49" charset="0"/>
+              </a:rPr>
+              <a:t>:</a:t>
+            </a:r>
+          </a:p>
+          <a:p>
+            <a:pPr marL="2171700" indent="-2171700"/>
+            <a:r>
+              <a:rPr lang="en-US" sz="1100" b="0" dirty="0">
+                <a:solidFill>
+                  <a:srgbClr val="D4D4D4"/>
+                </a:solidFill>
+                <a:effectLst/>
+                <a:latin typeface="Consolas" panose="020B0609020204030204" pitchFamily="49" charset="0"/>
+              </a:rPr>
+              <a:t>          - </a:t>
+            </a:r>
+            <a:r>
+              <a:rPr lang="en-US" sz="1100" b="0" dirty="0">
+                <a:solidFill>
+                  <a:srgbClr val="CE9178"/>
+                </a:solidFill>
+                <a:effectLst/>
+                <a:latin typeface="Consolas" panose="020B0609020204030204" pitchFamily="49" charset="0"/>
+              </a:rPr>
+              <a:t>export DESTINATION_BRANCH="${BITBUCKET_BRANCH}"</a:t>
+            </a:r>
+            <a:endParaRPr lang="en-US" sz="1100" b="0" dirty="0">
+              <a:solidFill>
+                <a:srgbClr val="D4D4D4"/>
+              </a:solidFill>
+              <a:effectLst/>
+              <a:latin typeface="Consolas" panose="020B0609020204030204" pitchFamily="49" charset="0"/>
+            </a:endParaRPr>
+          </a:p>
+          <a:p>
+            <a:pPr marL="2171700" indent="-2171700"/>
+            <a:r>
+              <a:rPr lang="en-US" sz="1100" b="0" dirty="0">
+                <a:solidFill>
+                  <a:srgbClr val="D4D4D4"/>
+                </a:solidFill>
+                <a:effectLst/>
+                <a:latin typeface="Consolas" panose="020B0609020204030204" pitchFamily="49" charset="0"/>
+              </a:rPr>
+              <a:t>          - </a:t>
+            </a:r>
+            <a:r>
+              <a:rPr lang="en-US" sz="1100" b="0" dirty="0">
+                <a:solidFill>
+                  <a:srgbClr val="CE9178"/>
+                </a:solidFill>
+                <a:effectLst/>
+                <a:latin typeface="Consolas" panose="020B0609020204030204" pitchFamily="49" charset="0"/>
+              </a:rPr>
+              <a:t>export CLOSE_ME=true</a:t>
+            </a:r>
+            <a:endParaRPr lang="en-US" sz="1100" b="0" dirty="0">
+              <a:solidFill>
+                <a:srgbClr val="D4D4D4"/>
+              </a:solidFill>
+              <a:effectLst/>
+              <a:latin typeface="Consolas" panose="020B0609020204030204" pitchFamily="49" charset="0"/>
+            </a:endParaRPr>
+          </a:p>
+          <a:p>
+            <a:pPr marL="2171700" indent="-2171700"/>
+            <a:r>
+              <a:rPr lang="en-US" sz="1100" b="0" dirty="0">
+                <a:solidFill>
+                  <a:srgbClr val="D4D4D4"/>
+                </a:solidFill>
+                <a:effectLst/>
+                <a:latin typeface="Consolas" panose="020B0609020204030204" pitchFamily="49" charset="0"/>
+              </a:rPr>
+              <a:t>          - </a:t>
+            </a:r>
+            <a:r>
+              <a:rPr lang="en-US" sz="1100" b="0" dirty="0">
+                <a:solidFill>
+                  <a:srgbClr val="C586C0"/>
+                </a:solidFill>
+                <a:effectLst/>
+                <a:latin typeface="Consolas" panose="020B0609020204030204" pitchFamily="49" charset="0"/>
+              </a:rPr>
+              <a:t>&gt;</a:t>
+            </a:r>
+            <a:endParaRPr lang="en-US" sz="1100" b="0" dirty="0">
+              <a:solidFill>
+                <a:srgbClr val="D4D4D4"/>
+              </a:solidFill>
+              <a:effectLst/>
+              <a:latin typeface="Consolas" panose="020B0609020204030204" pitchFamily="49" charset="0"/>
+            </a:endParaRPr>
+          </a:p>
+          <a:p>
+            <a:pPr marL="2171700" indent="-2171700"/>
+            <a:r>
+              <a:rPr lang="en-US" sz="1100" b="0" dirty="0">
+                <a:solidFill>
+                  <a:srgbClr val="CE9178"/>
+                </a:solidFill>
+                <a:effectLst/>
+                <a:latin typeface="Consolas" panose="020B0609020204030204" pitchFamily="49" charset="0"/>
+              </a:rPr>
+              <a:t>            export BB_TOKEN=$(curl -s -S -f -X POST -u "${BB_AUTH_STRING}" \</a:t>
+            </a:r>
+            <a:endParaRPr lang="en-US" sz="1100" b="0" dirty="0">
+              <a:solidFill>
+                <a:srgbClr val="D4D4D4"/>
+              </a:solidFill>
+              <a:effectLst/>
+              <a:latin typeface="Consolas" panose="020B0609020204030204" pitchFamily="49" charset="0"/>
+            </a:endParaRPr>
+          </a:p>
+          <a:p>
+            <a:pPr marL="2171700" indent="-2171700"/>
+            <a:r>
+              <a:rPr lang="en-US" sz="1100" b="0" dirty="0">
+                <a:solidFill>
+                  <a:srgbClr val="CE9178"/>
+                </a:solidFill>
+                <a:effectLst/>
+                <a:latin typeface="Consolas" panose="020B0609020204030204" pitchFamily="49" charset="0"/>
+              </a:rPr>
+              <a:t>              https://bitbucket.org/site/oauth2/access_token \</a:t>
+            </a:r>
+            <a:endParaRPr lang="en-US" sz="1100" b="0" dirty="0">
+              <a:solidFill>
+                <a:srgbClr val="D4D4D4"/>
+              </a:solidFill>
+              <a:effectLst/>
+              <a:latin typeface="Consolas" panose="020B0609020204030204" pitchFamily="49" charset="0"/>
+            </a:endParaRPr>
+          </a:p>
+          <a:p>
+            <a:pPr marL="2171700" indent="-2171700"/>
+            <a:r>
+              <a:rPr lang="en-US" sz="1100" b="0" dirty="0">
+                <a:solidFill>
+                  <a:srgbClr val="CE9178"/>
+                </a:solidFill>
+                <a:effectLst/>
+                <a:latin typeface="Consolas" panose="020B0609020204030204" pitchFamily="49" charset="0"/>
+              </a:rPr>
+              <a:t>              -d </a:t>
+            </a:r>
+            <a:r>
+              <a:rPr lang="en-US" sz="1100" b="0" dirty="0" err="1">
+                <a:solidFill>
+                  <a:srgbClr val="CE9178"/>
+                </a:solidFill>
+                <a:effectLst/>
+                <a:latin typeface="Consolas" panose="020B0609020204030204" pitchFamily="49" charset="0"/>
+              </a:rPr>
+              <a:t>grant_type</a:t>
+            </a:r>
+            <a:r>
+              <a:rPr lang="en-US" sz="1100" b="0" dirty="0">
+                <a:solidFill>
+                  <a:srgbClr val="CE9178"/>
+                </a:solidFill>
+                <a:effectLst/>
+                <a:latin typeface="Consolas" panose="020B0609020204030204" pitchFamily="49" charset="0"/>
+              </a:rPr>
+              <a:t>=</a:t>
+            </a:r>
+            <a:r>
+              <a:rPr lang="en-US" sz="1100" b="0" dirty="0" err="1">
+                <a:solidFill>
+                  <a:srgbClr val="CE9178"/>
+                </a:solidFill>
+                <a:effectLst/>
+                <a:latin typeface="Consolas" panose="020B0609020204030204" pitchFamily="49" charset="0"/>
+              </a:rPr>
+              <a:t>client_credentials</a:t>
+            </a:r>
+            <a:r>
+              <a:rPr lang="en-US" sz="1100" b="0" dirty="0">
+                <a:solidFill>
+                  <a:srgbClr val="CE9178"/>
+                </a:solidFill>
+                <a:effectLst/>
+                <a:latin typeface="Consolas" panose="020B0609020204030204" pitchFamily="49" charset="0"/>
+              </a:rPr>
+              <a:t> -d scopes="repository" | </a:t>
+            </a:r>
+            <a:r>
+              <a:rPr lang="en-US" sz="1100" b="0" dirty="0" err="1">
+                <a:solidFill>
+                  <a:srgbClr val="CE9178"/>
+                </a:solidFill>
+                <a:effectLst/>
+                <a:latin typeface="Consolas" panose="020B0609020204030204" pitchFamily="49" charset="0"/>
+              </a:rPr>
+              <a:t>jq</a:t>
+            </a:r>
+            <a:r>
+              <a:rPr lang="en-US" sz="1100" b="0" dirty="0">
+                <a:solidFill>
+                  <a:srgbClr val="CE9178"/>
+                </a:solidFill>
+                <a:effectLst/>
+                <a:latin typeface="Consolas" panose="020B0609020204030204" pitchFamily="49" charset="0"/>
+              </a:rPr>
+              <a:t> --raw-output '.</a:t>
+            </a:r>
+            <a:r>
+              <a:rPr lang="en-US" sz="1100" b="0" dirty="0" err="1">
+                <a:solidFill>
+                  <a:srgbClr val="CE9178"/>
+                </a:solidFill>
+                <a:effectLst/>
+                <a:latin typeface="Consolas" panose="020B0609020204030204" pitchFamily="49" charset="0"/>
+              </a:rPr>
+              <a:t>access_token</a:t>
+            </a:r>
+            <a:r>
+              <a:rPr lang="en-US" sz="1100" b="0" dirty="0">
+                <a:solidFill>
+                  <a:srgbClr val="CE9178"/>
+                </a:solidFill>
+                <a:effectLst/>
+                <a:latin typeface="Consolas" panose="020B0609020204030204" pitchFamily="49" charset="0"/>
+              </a:rPr>
+              <a:t>')</a:t>
+            </a:r>
+            <a:endParaRPr lang="en-US" sz="1100" b="0" dirty="0">
+              <a:solidFill>
+                <a:srgbClr val="D4D4D4"/>
+              </a:solidFill>
+              <a:effectLst/>
+              <a:latin typeface="Consolas" panose="020B0609020204030204" pitchFamily="49" charset="0"/>
+            </a:endParaRPr>
+          </a:p>
+          <a:p>
+            <a:pPr marL="2171700" indent="-2171700"/>
+            <a:r>
+              <a:rPr lang="en-US" sz="1100" b="0" dirty="0">
+                <a:solidFill>
+                  <a:srgbClr val="D4D4D4"/>
+                </a:solidFill>
+                <a:effectLst/>
+                <a:latin typeface="Consolas" panose="020B0609020204030204" pitchFamily="49" charset="0"/>
+              </a:rPr>
+              <a:t>          - </a:t>
+            </a:r>
+            <a:r>
+              <a:rPr lang="en-US" sz="1100" b="0" dirty="0">
+                <a:solidFill>
+                  <a:srgbClr val="C586C0"/>
+                </a:solidFill>
+                <a:effectLst/>
+                <a:latin typeface="Consolas" panose="020B0609020204030204" pitchFamily="49" charset="0"/>
+              </a:rPr>
+              <a:t>&gt;</a:t>
+            </a:r>
+            <a:endParaRPr lang="en-US" sz="1100" b="0" dirty="0">
+              <a:solidFill>
+                <a:srgbClr val="D4D4D4"/>
+              </a:solidFill>
+              <a:effectLst/>
+              <a:latin typeface="Consolas" panose="020B0609020204030204" pitchFamily="49" charset="0"/>
+            </a:endParaRPr>
+          </a:p>
+          <a:p>
+            <a:pPr marL="2171700" indent="-2171700"/>
+            <a:r>
+              <a:rPr lang="en-US" sz="1100" b="0" dirty="0">
+                <a:solidFill>
+                  <a:srgbClr val="CE9178"/>
+                </a:solidFill>
+                <a:effectLst/>
+                <a:latin typeface="Consolas" panose="020B0609020204030204" pitchFamily="49" charset="0"/>
+              </a:rPr>
+              <a:t>            export DEFAULT_REVIEWERS=$(curl https://api.bitbucket.org/2.0/repositories/${BITBUCKET_REPO_OWNER}/${BITBUCKET_REPO_SLUG}/default-reviewers \</a:t>
+            </a:r>
+            <a:endParaRPr lang="en-US" sz="1100" b="0" dirty="0">
+              <a:solidFill>
+                <a:srgbClr val="D4D4D4"/>
+              </a:solidFill>
+              <a:effectLst/>
+              <a:latin typeface="Consolas" panose="020B0609020204030204" pitchFamily="49" charset="0"/>
+            </a:endParaRPr>
+          </a:p>
+          <a:p>
+            <a:pPr marL="2171700" indent="-2171700"/>
+            <a:r>
+              <a:rPr lang="en-US" sz="1100" b="0" dirty="0">
+                <a:solidFill>
+                  <a:srgbClr val="CE9178"/>
+                </a:solidFill>
+                <a:effectLst/>
+                <a:latin typeface="Consolas" panose="020B0609020204030204" pitchFamily="49" charset="0"/>
+              </a:rPr>
+              <a:t>              -s -S -f -X GET \</a:t>
+            </a:r>
+            <a:endParaRPr lang="en-US" sz="1100" b="0" dirty="0">
+              <a:solidFill>
+                <a:srgbClr val="D4D4D4"/>
+              </a:solidFill>
+              <a:effectLst/>
+              <a:latin typeface="Consolas" panose="020B0609020204030204" pitchFamily="49" charset="0"/>
+            </a:endParaRPr>
+          </a:p>
+          <a:p>
+            <a:pPr marL="2171700" indent="-2171700"/>
+            <a:r>
+              <a:rPr lang="en-US" sz="1100" b="0" dirty="0">
+                <a:solidFill>
+                  <a:srgbClr val="CE9178"/>
+                </a:solidFill>
+                <a:effectLst/>
+                <a:latin typeface="Consolas" panose="020B0609020204030204" pitchFamily="49" charset="0"/>
+              </a:rPr>
+              <a:t>              -H "Authorization: Bearer ${BB_TOKEN}" | </a:t>
+            </a:r>
+            <a:r>
+              <a:rPr lang="en-US" sz="1100" b="0" dirty="0" err="1">
+                <a:solidFill>
+                  <a:srgbClr val="CE9178"/>
+                </a:solidFill>
+                <a:effectLst/>
+                <a:latin typeface="Consolas" panose="020B0609020204030204" pitchFamily="49" charset="0"/>
+              </a:rPr>
+              <a:t>jq</a:t>
+            </a:r>
+            <a:r>
+              <a:rPr lang="en-US" sz="1100" b="0" dirty="0">
+                <a:solidFill>
+                  <a:srgbClr val="CE9178"/>
+                </a:solidFill>
+                <a:effectLst/>
+                <a:latin typeface="Consolas" panose="020B0609020204030204" pitchFamily="49" charset="0"/>
+              </a:rPr>
+              <a:t> '.values' | </a:t>
+            </a:r>
+            <a:r>
+              <a:rPr lang="en-US" sz="1100" b="0" dirty="0" err="1">
+                <a:solidFill>
+                  <a:srgbClr val="CE9178"/>
+                </a:solidFill>
+                <a:effectLst/>
+                <a:latin typeface="Consolas" panose="020B0609020204030204" pitchFamily="49" charset="0"/>
+              </a:rPr>
+              <a:t>jq</a:t>
+            </a:r>
+            <a:r>
+              <a:rPr lang="en-US" sz="1100" b="0" dirty="0">
+                <a:solidFill>
+                  <a:srgbClr val="CE9178"/>
+                </a:solidFill>
+                <a:effectLst/>
+                <a:latin typeface="Consolas" panose="020B0609020204030204" pitchFamily="49" charset="0"/>
+              </a:rPr>
+              <a:t> 'map({</a:t>
+            </a:r>
+            <a:r>
+              <a:rPr lang="en-US" sz="1100" b="0" dirty="0" err="1">
+                <a:solidFill>
+                  <a:srgbClr val="CE9178"/>
+                </a:solidFill>
+                <a:effectLst/>
+                <a:latin typeface="Consolas" panose="020B0609020204030204" pitchFamily="49" charset="0"/>
+              </a:rPr>
+              <a:t>uuid</a:t>
+            </a:r>
+            <a:r>
+              <a:rPr lang="en-US" sz="1100" b="0" dirty="0">
+                <a:solidFill>
+                  <a:srgbClr val="CE9178"/>
+                </a:solidFill>
+                <a:effectLst/>
+                <a:latin typeface="Consolas" panose="020B0609020204030204" pitchFamily="49" charset="0"/>
+              </a:rPr>
+              <a:t>})' )</a:t>
+            </a:r>
+            <a:endParaRPr lang="en-US" sz="1100" b="0" dirty="0">
+              <a:solidFill>
+                <a:srgbClr val="D4D4D4"/>
+              </a:solidFill>
+              <a:effectLst/>
+              <a:latin typeface="Consolas" panose="020B0609020204030204" pitchFamily="49" charset="0"/>
+            </a:endParaRPr>
+          </a:p>
+          <a:p>
+            <a:pPr marL="2171700" indent="-2171700"/>
+            <a:r>
+              <a:rPr lang="en-US" sz="1100" b="0" dirty="0">
+                <a:solidFill>
+                  <a:srgbClr val="D4D4D4"/>
+                </a:solidFill>
+                <a:effectLst/>
+                <a:latin typeface="Consolas" panose="020B0609020204030204" pitchFamily="49" charset="0"/>
+              </a:rPr>
+              <a:t>          - </a:t>
+            </a:r>
+            <a:r>
+              <a:rPr lang="en-US" sz="1100" b="0" dirty="0">
+                <a:solidFill>
+                  <a:srgbClr val="C586C0"/>
+                </a:solidFill>
+                <a:effectLst/>
+                <a:latin typeface="Consolas" panose="020B0609020204030204" pitchFamily="49" charset="0"/>
+              </a:rPr>
+              <a:t>&gt;</a:t>
+            </a:r>
+            <a:endParaRPr lang="en-US" sz="1100" b="0" dirty="0">
+              <a:solidFill>
+                <a:srgbClr val="D4D4D4"/>
+              </a:solidFill>
+              <a:effectLst/>
+              <a:latin typeface="Consolas" panose="020B0609020204030204" pitchFamily="49" charset="0"/>
+            </a:endParaRPr>
+          </a:p>
+          <a:p>
+            <a:pPr marL="2171700" indent="-2171700"/>
+            <a:r>
+              <a:rPr lang="en-US" sz="1100" b="0" dirty="0">
+                <a:solidFill>
+                  <a:srgbClr val="CE9178"/>
+                </a:solidFill>
+                <a:effectLst/>
+                <a:latin typeface="Consolas" panose="020B0609020204030204" pitchFamily="49" charset="0"/>
+              </a:rPr>
+              <a:t>            curl https://api.bitbucket.org/2.0/repositories/${BITBUCKET_REPO_OWNER}/${BITBUCKET_REPO_SLUG}/pullrequests \</a:t>
+            </a:r>
+            <a:endParaRPr lang="en-US" sz="1100" b="0" dirty="0">
+              <a:solidFill>
+                <a:srgbClr val="D4D4D4"/>
+              </a:solidFill>
+              <a:effectLst/>
+              <a:latin typeface="Consolas" panose="020B0609020204030204" pitchFamily="49" charset="0"/>
+            </a:endParaRPr>
+          </a:p>
+          <a:p>
+            <a:pPr marL="2171700" indent="-2171700"/>
+            <a:r>
+              <a:rPr lang="en-US" sz="1100" b="0" dirty="0">
+                <a:solidFill>
+                  <a:srgbClr val="CE9178"/>
+                </a:solidFill>
+                <a:effectLst/>
+                <a:latin typeface="Consolas" panose="020B0609020204030204" pitchFamily="49" charset="0"/>
+              </a:rPr>
+              <a:t>              -s -S -f -X POST \</a:t>
+            </a:r>
+            <a:endParaRPr lang="en-US" sz="1100" b="0" dirty="0">
+              <a:solidFill>
+                <a:srgbClr val="D4D4D4"/>
+              </a:solidFill>
+              <a:effectLst/>
+              <a:latin typeface="Consolas" panose="020B0609020204030204" pitchFamily="49" charset="0"/>
+            </a:endParaRPr>
+          </a:p>
+          <a:p>
+            <a:pPr marL="2171700" indent="-2171700"/>
+            <a:r>
+              <a:rPr lang="en-US" sz="1100" b="0" dirty="0">
+                <a:solidFill>
+                  <a:srgbClr val="CE9178"/>
+                </a:solidFill>
+                <a:effectLst/>
+                <a:latin typeface="Consolas" panose="020B0609020204030204" pitchFamily="49" charset="0"/>
+              </a:rPr>
+              <a:t>              -H 'Content-Type: application/</a:t>
+            </a:r>
+            <a:r>
+              <a:rPr lang="en-US" sz="1100" b="0" dirty="0" err="1">
+                <a:solidFill>
+                  <a:srgbClr val="CE9178"/>
+                </a:solidFill>
+                <a:effectLst/>
+                <a:latin typeface="Consolas" panose="020B0609020204030204" pitchFamily="49" charset="0"/>
+              </a:rPr>
+              <a:t>json</a:t>
+            </a:r>
+            <a:r>
+              <a:rPr lang="en-US" sz="1100" b="0" dirty="0">
+                <a:solidFill>
+                  <a:srgbClr val="CE9178"/>
+                </a:solidFill>
+                <a:effectLst/>
+                <a:latin typeface="Consolas" panose="020B0609020204030204" pitchFamily="49" charset="0"/>
+              </a:rPr>
+              <a:t>' \</a:t>
+            </a:r>
+            <a:endParaRPr lang="en-US" sz="1100" b="0" dirty="0">
+              <a:solidFill>
+                <a:srgbClr val="D4D4D4"/>
+              </a:solidFill>
+              <a:effectLst/>
+              <a:latin typeface="Consolas" panose="020B0609020204030204" pitchFamily="49" charset="0"/>
+            </a:endParaRPr>
+          </a:p>
+          <a:p>
+            <a:pPr marL="2171700" indent="-2171700"/>
+            <a:r>
+              <a:rPr lang="en-US" sz="1100" b="0" dirty="0">
+                <a:solidFill>
+                  <a:srgbClr val="CE9178"/>
+                </a:solidFill>
+                <a:effectLst/>
+                <a:latin typeface="Consolas" panose="020B0609020204030204" pitchFamily="49" charset="0"/>
+              </a:rPr>
+              <a:t>              -H "Authorization: Bearer ${BB_TOKEN}" \</a:t>
+            </a:r>
+            <a:endParaRPr lang="en-US" sz="1100" b="0" dirty="0">
+              <a:solidFill>
+                <a:srgbClr val="D4D4D4"/>
+              </a:solidFill>
+              <a:effectLst/>
+              <a:latin typeface="Consolas" panose="020B0609020204030204" pitchFamily="49" charset="0"/>
+            </a:endParaRPr>
+          </a:p>
+          <a:p>
+            <a:pPr marL="2171700" indent="-2171700"/>
+            <a:r>
+              <a:rPr lang="en-US" sz="1100" b="0" dirty="0">
+                <a:solidFill>
+                  <a:srgbClr val="CE9178"/>
+                </a:solidFill>
+                <a:effectLst/>
+                <a:latin typeface="Consolas" panose="020B0609020204030204" pitchFamily="49" charset="0"/>
+              </a:rPr>
+              <a:t>              -d '{ </a:t>
+            </a:r>
+            <a:endParaRPr lang="en-US" sz="1100" b="0" dirty="0">
+              <a:solidFill>
+                <a:srgbClr val="D4D4D4"/>
+              </a:solidFill>
+              <a:effectLst/>
+              <a:latin typeface="Consolas" panose="020B0609020204030204" pitchFamily="49" charset="0"/>
+            </a:endParaRPr>
+          </a:p>
+          <a:p>
+            <a:pPr marL="2171700" indent="-2171700"/>
+            <a:r>
+              <a:rPr lang="en-US" sz="1100" b="0" dirty="0">
+                <a:solidFill>
+                  <a:srgbClr val="CE9178"/>
+                </a:solidFill>
+                <a:effectLst/>
+                <a:latin typeface="Consolas" panose="020B0609020204030204" pitchFamily="49" charset="0"/>
+              </a:rPr>
+              <a:t>                    "title": "Merge in '"${BITBUCKET_BRANCH}-styler"'", </a:t>
+            </a:r>
+            <a:endParaRPr lang="en-US" sz="1100" b="0" dirty="0">
+              <a:solidFill>
+                <a:srgbClr val="D4D4D4"/>
+              </a:solidFill>
+              <a:effectLst/>
+              <a:latin typeface="Consolas" panose="020B0609020204030204" pitchFamily="49" charset="0"/>
+            </a:endParaRPr>
+          </a:p>
+          <a:p>
+            <a:pPr marL="2171700" indent="-2171700"/>
+            <a:r>
+              <a:rPr lang="en-US" sz="1100" b="0" dirty="0">
+                <a:solidFill>
+                  <a:srgbClr val="CE9178"/>
+                </a:solidFill>
+                <a:effectLst/>
+                <a:latin typeface="Consolas" panose="020B0609020204030204" pitchFamily="49" charset="0"/>
+              </a:rPr>
+              <a:t>                    "description": "Automated PR creation process :-)", </a:t>
+            </a:r>
+            <a:endParaRPr lang="en-US" sz="1100" b="0" dirty="0">
+              <a:solidFill>
+                <a:srgbClr val="D4D4D4"/>
+              </a:solidFill>
+              <a:effectLst/>
+              <a:latin typeface="Consolas" panose="020B0609020204030204" pitchFamily="49" charset="0"/>
+            </a:endParaRPr>
+          </a:p>
+          <a:p>
+            <a:pPr marL="2171700" indent="-2171700"/>
+            <a:r>
+              <a:rPr lang="en-US" sz="1100" b="0" dirty="0">
+                <a:solidFill>
+                  <a:srgbClr val="CE9178"/>
+                </a:solidFill>
+                <a:effectLst/>
+                <a:latin typeface="Consolas" panose="020B0609020204030204" pitchFamily="49" charset="0"/>
+              </a:rPr>
+              <a:t>                    "source": { </a:t>
+            </a:r>
+            <a:endParaRPr lang="en-US" sz="1100" b="0" dirty="0">
+              <a:solidFill>
+                <a:srgbClr val="D4D4D4"/>
+              </a:solidFill>
+              <a:effectLst/>
+              <a:latin typeface="Consolas" panose="020B0609020204030204" pitchFamily="49" charset="0"/>
+            </a:endParaRPr>
+          </a:p>
+          <a:p>
+            <a:pPr marL="2171700" indent="-2171700"/>
+            <a:r>
+              <a:rPr lang="en-US" sz="1100" b="0" dirty="0">
+                <a:solidFill>
+                  <a:srgbClr val="CE9178"/>
+                </a:solidFill>
+                <a:effectLst/>
+                <a:latin typeface="Consolas" panose="020B0609020204030204" pitchFamily="49" charset="0"/>
+              </a:rPr>
+              <a:t>                      "branch": { </a:t>
+            </a:r>
+            <a:endParaRPr lang="en-US" sz="1100" b="0" dirty="0">
+              <a:solidFill>
+                <a:srgbClr val="D4D4D4"/>
+              </a:solidFill>
+              <a:effectLst/>
+              <a:latin typeface="Consolas" panose="020B0609020204030204" pitchFamily="49" charset="0"/>
+            </a:endParaRPr>
+          </a:p>
+          <a:p>
+            <a:pPr marL="2171700" indent="-2171700"/>
+            <a:r>
+              <a:rPr lang="en-US" sz="1100" b="0" dirty="0">
+                <a:solidFill>
+                  <a:srgbClr val="CE9178"/>
+                </a:solidFill>
+                <a:effectLst/>
+                <a:latin typeface="Consolas" panose="020B0609020204030204" pitchFamily="49" charset="0"/>
+              </a:rPr>
+              <a:t>                        "name": "'"${BITBUCKET_BRANCH}-styler"'"</a:t>
+            </a:r>
+            <a:endParaRPr lang="en-US" sz="1100" b="0" dirty="0">
+              <a:solidFill>
+                <a:srgbClr val="D4D4D4"/>
+              </a:solidFill>
+              <a:effectLst/>
+              <a:latin typeface="Consolas" panose="020B0609020204030204" pitchFamily="49" charset="0"/>
+            </a:endParaRPr>
+          </a:p>
+          <a:p>
+            <a:pPr marL="2171700" indent="-2171700"/>
+            <a:r>
+              <a:rPr lang="en-US" sz="1100" b="0" dirty="0">
+                <a:solidFill>
+                  <a:srgbClr val="CE9178"/>
+                </a:solidFill>
+                <a:effectLst/>
+                <a:latin typeface="Consolas" panose="020B0609020204030204" pitchFamily="49" charset="0"/>
+              </a:rPr>
+              <a:t>                      }</a:t>
+            </a:r>
+            <a:endParaRPr lang="en-US" sz="1100" b="0" dirty="0">
+              <a:solidFill>
+                <a:srgbClr val="D4D4D4"/>
+              </a:solidFill>
+              <a:effectLst/>
+              <a:latin typeface="Consolas" panose="020B0609020204030204" pitchFamily="49" charset="0"/>
+            </a:endParaRPr>
+          </a:p>
+          <a:p>
+            <a:pPr marL="2171700" indent="-2171700"/>
+            <a:r>
+              <a:rPr lang="en-US" sz="1100" b="0" dirty="0">
+                <a:solidFill>
+                  <a:srgbClr val="CE9178"/>
+                </a:solidFill>
+                <a:effectLst/>
+                <a:latin typeface="Consolas" panose="020B0609020204030204" pitchFamily="49" charset="0"/>
+              </a:rPr>
+              <a:t>                    },</a:t>
+            </a:r>
+            <a:endParaRPr lang="en-US" sz="1100" b="0" dirty="0">
+              <a:solidFill>
+                <a:srgbClr val="D4D4D4"/>
+              </a:solidFill>
+              <a:effectLst/>
+              <a:latin typeface="Consolas" panose="020B0609020204030204" pitchFamily="49" charset="0"/>
+            </a:endParaRPr>
+          </a:p>
+          <a:p>
+            <a:pPr marL="2171700" indent="-2171700"/>
+            <a:r>
+              <a:rPr lang="en-US" sz="1100" b="0" dirty="0">
+                <a:solidFill>
+                  <a:srgbClr val="CE9178"/>
+                </a:solidFill>
+                <a:effectLst/>
+                <a:latin typeface="Consolas" panose="020B0609020204030204" pitchFamily="49" charset="0"/>
+              </a:rPr>
+              <a:t>                    "destination": { </a:t>
+            </a:r>
+            <a:endParaRPr lang="en-US" sz="1100" b="0" dirty="0">
+              <a:solidFill>
+                <a:srgbClr val="D4D4D4"/>
+              </a:solidFill>
+              <a:effectLst/>
+              <a:latin typeface="Consolas" panose="020B0609020204030204" pitchFamily="49" charset="0"/>
+            </a:endParaRPr>
+          </a:p>
+          <a:p>
+            <a:pPr marL="2171700" indent="-2171700"/>
+            <a:r>
+              <a:rPr lang="en-US" sz="1100" b="0" dirty="0">
+                <a:solidFill>
+                  <a:srgbClr val="CE9178"/>
+                </a:solidFill>
+                <a:effectLst/>
+                <a:latin typeface="Consolas" panose="020B0609020204030204" pitchFamily="49" charset="0"/>
+              </a:rPr>
+              <a:t>                      "branch": { </a:t>
+            </a:r>
+            <a:endParaRPr lang="en-US" sz="1100" b="0" dirty="0">
+              <a:solidFill>
+                <a:srgbClr val="D4D4D4"/>
+              </a:solidFill>
+              <a:effectLst/>
+              <a:latin typeface="Consolas" panose="020B0609020204030204" pitchFamily="49" charset="0"/>
+            </a:endParaRPr>
+          </a:p>
+          <a:p>
+            <a:pPr marL="2171700" indent="-2171700"/>
+            <a:r>
+              <a:rPr lang="en-US" sz="1100" b="0" dirty="0">
+                <a:solidFill>
+                  <a:srgbClr val="CE9178"/>
+                </a:solidFill>
+                <a:effectLst/>
+                <a:latin typeface="Consolas" panose="020B0609020204030204" pitchFamily="49" charset="0"/>
+              </a:rPr>
+              <a:t>                        "name": "'"${DESTINATION_BRANCH}"'"</a:t>
+            </a:r>
+            <a:endParaRPr lang="en-US" sz="1100" b="0" dirty="0">
+              <a:solidFill>
+                <a:srgbClr val="D4D4D4"/>
+              </a:solidFill>
+              <a:effectLst/>
+              <a:latin typeface="Consolas" panose="020B0609020204030204" pitchFamily="49" charset="0"/>
+            </a:endParaRPr>
+          </a:p>
+          <a:p>
+            <a:pPr marL="2171700" indent="-2171700"/>
+            <a:r>
+              <a:rPr lang="en-US" sz="1100" b="0" dirty="0">
+                <a:solidFill>
+                  <a:srgbClr val="CE9178"/>
+                </a:solidFill>
+                <a:effectLst/>
+                <a:latin typeface="Consolas" panose="020B0609020204030204" pitchFamily="49" charset="0"/>
+              </a:rPr>
+              <a:t>                      } </a:t>
+            </a:r>
+            <a:endParaRPr lang="en-US" sz="1100" b="0" dirty="0">
+              <a:solidFill>
+                <a:srgbClr val="D4D4D4"/>
+              </a:solidFill>
+              <a:effectLst/>
+              <a:latin typeface="Consolas" panose="020B0609020204030204" pitchFamily="49" charset="0"/>
+            </a:endParaRPr>
+          </a:p>
+          <a:p>
+            <a:pPr marL="2171700" indent="-2171700"/>
+            <a:r>
+              <a:rPr lang="en-US" sz="1100" b="0" dirty="0">
+                <a:solidFill>
+                  <a:srgbClr val="CE9178"/>
+                </a:solidFill>
+                <a:effectLst/>
+                <a:latin typeface="Consolas" panose="020B0609020204030204" pitchFamily="49" charset="0"/>
+              </a:rPr>
+              <a:t>                    }, </a:t>
+            </a:r>
+            <a:endParaRPr lang="en-US" sz="1100" b="0" dirty="0">
+              <a:solidFill>
+                <a:srgbClr val="D4D4D4"/>
+              </a:solidFill>
+              <a:effectLst/>
+              <a:latin typeface="Consolas" panose="020B0609020204030204" pitchFamily="49" charset="0"/>
+            </a:endParaRPr>
+          </a:p>
+          <a:p>
+            <a:pPr marL="2171700" indent="-2171700"/>
+            <a:r>
+              <a:rPr lang="en-US" sz="1100" b="0" dirty="0">
+                <a:solidFill>
+                  <a:srgbClr val="CE9178"/>
+                </a:solidFill>
+                <a:effectLst/>
+                <a:latin typeface="Consolas" panose="020B0609020204030204" pitchFamily="49" charset="0"/>
+              </a:rPr>
+              <a:t>                    "</a:t>
+            </a:r>
+            <a:r>
+              <a:rPr lang="en-US" sz="1100" b="0" dirty="0" err="1">
+                <a:solidFill>
+                  <a:srgbClr val="CE9178"/>
+                </a:solidFill>
+                <a:effectLst/>
+                <a:latin typeface="Consolas" panose="020B0609020204030204" pitchFamily="49" charset="0"/>
+              </a:rPr>
+              <a:t>close_source_branch</a:t>
+            </a:r>
+            <a:r>
+              <a:rPr lang="en-US" sz="1100" b="0" dirty="0">
+                <a:solidFill>
+                  <a:srgbClr val="CE9178"/>
+                </a:solidFill>
+                <a:effectLst/>
+                <a:latin typeface="Consolas" panose="020B0609020204030204" pitchFamily="49" charset="0"/>
+              </a:rPr>
+              <a:t>": '"${CLOSE_ME}"',</a:t>
+            </a:r>
+            <a:endParaRPr lang="en-US" sz="1100" b="0" dirty="0">
+              <a:solidFill>
+                <a:srgbClr val="D4D4D4"/>
+              </a:solidFill>
+              <a:effectLst/>
+              <a:latin typeface="Consolas" panose="020B0609020204030204" pitchFamily="49" charset="0"/>
+            </a:endParaRPr>
+          </a:p>
+          <a:p>
+            <a:pPr marL="2171700" indent="-2171700"/>
+            <a:r>
+              <a:rPr lang="en-US" sz="1100" b="0" dirty="0">
+                <a:solidFill>
+                  <a:srgbClr val="CE9178"/>
+                </a:solidFill>
+                <a:effectLst/>
+                <a:latin typeface="Consolas" panose="020B0609020204030204" pitchFamily="49" charset="0"/>
+              </a:rPr>
+              <a:t>                    "reviewers": '"${DEFAULT_REVIEWERS}"'</a:t>
+            </a:r>
+            <a:endParaRPr lang="en-US" sz="1100" b="0" dirty="0">
+              <a:solidFill>
+                <a:srgbClr val="D4D4D4"/>
+              </a:solidFill>
+              <a:effectLst/>
+              <a:latin typeface="Consolas" panose="020B0609020204030204" pitchFamily="49" charset="0"/>
+            </a:endParaRPr>
+          </a:p>
+          <a:p>
+            <a:pPr marL="2171700" indent="-2171700"/>
+            <a:r>
+              <a:rPr lang="en-US" sz="1100" b="0" dirty="0">
+                <a:solidFill>
+                  <a:srgbClr val="CE9178"/>
+                </a:solidFill>
+                <a:effectLst/>
+                <a:latin typeface="Consolas" panose="020B0609020204030204" pitchFamily="49" charset="0"/>
+              </a:rPr>
+              <a:t>                  }'</a:t>
+            </a:r>
+            <a:endParaRPr lang="en-US" sz="1100" b="0" dirty="0">
+              <a:solidFill>
+                <a:srgbClr val="D4D4D4"/>
+              </a:solidFill>
+              <a:effectLst/>
+              <a:latin typeface="Consolas" panose="020B0609020204030204" pitchFamily="49" charset="0"/>
+            </a:endParaRPr>
+          </a:p>
+        </p:txBody>
+      </p:sp>
+    </p:spTree>
+    <p:extLst>
+      <p:ext uri="{BB962C8B-B14F-4D97-AF65-F5344CB8AC3E}">
+        <p14:creationId xmlns:p14="http://schemas.microsoft.com/office/powerpoint/2010/main" val="542246410"/>
+      </p:ext>
+    </p:extLst>
+  </p:cSld>
+  <p:clrMapOvr>
+    <a:masterClrMapping/>
+  </p:clrMapOvr>
+</p:sld>
+</file>
+
+<file path=ppt/slides/slide33.xml><?xml version="1.0" encoding="utf-8"?>
+<p:sld xmlns:a="http://schemas.openxmlformats.org/drawingml/2006/main" xmlns:r="http://schemas.openxmlformats.org/officeDocument/2006/relationships" xmlns:p="http://schemas.openxmlformats.org/presentationml/2006/main">
+  <p:cSld>
+    <p:spTree>
+      <p:nvGrpSpPr>
+        <p:cNvPr id="1" name=""/>
+        <p:cNvGrpSpPr/>
+        <p:nvPr/>
+      </p:nvGrpSpPr>
+      <p:grpSpPr>
+        <a:xfrm>
+          <a:off x="0" y="0"/>
+          <a:ext cx="0" cy="0"/>
+          <a:chOff x="0" y="0"/>
+          <a:chExt cx="0" cy="0"/>
+        </a:xfrm>
+      </p:grpSpPr>
+      <p:sp>
+        <p:nvSpPr>
+          <p:cNvPr id="4" name="Title 3">
+            <a:extLst>
+              <a:ext uri="{FF2B5EF4-FFF2-40B4-BE49-F238E27FC236}">
+                <a16:creationId xmlns:a16="http://schemas.microsoft.com/office/drawing/2014/main" id="{505BD776-2FCF-451D-90C4-ABAA297A7172}"/>
+              </a:ext>
+            </a:extLst>
+          </p:cNvPr>
+          <p:cNvSpPr>
+            <a:spLocks noGrp="1"/>
+          </p:cNvSpPr>
+          <p:nvPr>
+            <p:ph type="title"/>
+          </p:nvPr>
+        </p:nvSpPr>
+        <p:spPr/>
+        <p:txBody>
+          <a:bodyPr/>
+          <a:lstStyle/>
+          <a:p>
+            <a:r>
+              <a:rPr lang="en-US" dirty="0"/>
+              <a:t>Example (Step 2b)</a:t>
+            </a:r>
+          </a:p>
+        </p:txBody>
+      </p:sp>
+      <p:sp>
+        <p:nvSpPr>
+          <p:cNvPr id="6" name="TextBox 5">
+            <a:extLst>
+              <a:ext uri="{FF2B5EF4-FFF2-40B4-BE49-F238E27FC236}">
+                <a16:creationId xmlns:a16="http://schemas.microsoft.com/office/drawing/2014/main" id="{7F40BFE2-5E90-4EAE-97D0-575834FAE1FD}"/>
+              </a:ext>
+            </a:extLst>
+          </p:cNvPr>
+          <p:cNvSpPr txBox="1"/>
+          <p:nvPr/>
+        </p:nvSpPr>
+        <p:spPr>
+          <a:xfrm>
+            <a:off x="519545" y="1477178"/>
+            <a:ext cx="7871980" cy="3139321"/>
+          </a:xfrm>
+          <a:prstGeom prst="rect">
+            <a:avLst/>
+          </a:prstGeom>
+          <a:solidFill>
+            <a:schemeClr val="tx1"/>
+          </a:solidFill>
+        </p:spPr>
+        <p:txBody>
+          <a:bodyPr wrap="square">
+            <a:spAutoFit/>
+          </a:bodyPr>
+          <a:lstStyle/>
+          <a:p>
+            <a:r>
+              <a:rPr lang="en-US" b="0" dirty="0">
+                <a:solidFill>
+                  <a:srgbClr val="D4D4D4"/>
+                </a:solidFill>
+                <a:effectLst/>
+                <a:latin typeface="Consolas" panose="020B0609020204030204" pitchFamily="49" charset="0"/>
+              </a:rPr>
+              <a:t>    - </a:t>
+            </a:r>
+            <a:r>
+              <a:rPr lang="en-US" b="0" dirty="0">
+                <a:solidFill>
+                  <a:srgbClr val="569CD6"/>
+                </a:solidFill>
+                <a:effectLst/>
+                <a:latin typeface="Consolas" panose="020B0609020204030204" pitchFamily="49" charset="0"/>
+              </a:rPr>
+              <a:t>step</a:t>
+            </a:r>
+            <a:r>
+              <a:rPr lang="en-US" b="0" dirty="0">
+                <a:solidFill>
+                  <a:srgbClr val="D4D4D4"/>
+                </a:solidFill>
+                <a:effectLst/>
+                <a:latin typeface="Consolas" panose="020B0609020204030204" pitchFamily="49" charset="0"/>
+              </a:rPr>
+              <a:t>:</a:t>
+            </a:r>
+          </a:p>
+          <a:p>
+            <a:r>
+              <a:rPr lang="en-US" b="0" dirty="0">
+                <a:solidFill>
+                  <a:srgbClr val="D4D4D4"/>
+                </a:solidFill>
+                <a:effectLst/>
+                <a:latin typeface="Consolas" panose="020B0609020204030204" pitchFamily="49" charset="0"/>
+              </a:rPr>
+              <a:t>        </a:t>
+            </a:r>
+            <a:r>
+              <a:rPr lang="en-US" b="0" dirty="0">
+                <a:solidFill>
+                  <a:srgbClr val="569CD6"/>
+                </a:solidFill>
+                <a:effectLst/>
+                <a:latin typeface="Consolas" panose="020B0609020204030204" pitchFamily="49" charset="0"/>
+              </a:rPr>
+              <a:t>name</a:t>
+            </a:r>
+            <a:r>
+              <a:rPr lang="en-US" b="0" dirty="0">
+                <a:solidFill>
+                  <a:srgbClr val="D4D4D4"/>
+                </a:solidFill>
+                <a:effectLst/>
+                <a:latin typeface="Consolas" panose="020B0609020204030204" pitchFamily="49" charset="0"/>
+              </a:rPr>
+              <a:t>: </a:t>
+            </a:r>
+            <a:r>
+              <a:rPr lang="en-US" b="0" dirty="0">
+                <a:solidFill>
+                  <a:srgbClr val="CE9178"/>
+                </a:solidFill>
+                <a:effectLst/>
+                <a:latin typeface="Consolas" panose="020B0609020204030204" pitchFamily="49" charset="0"/>
+              </a:rPr>
+              <a:t>"Automatic styler"</a:t>
+            </a:r>
+            <a:endParaRPr lang="en-US" b="0" dirty="0">
+              <a:solidFill>
+                <a:srgbClr val="D4D4D4"/>
+              </a:solidFill>
+              <a:effectLst/>
+              <a:latin typeface="Consolas" panose="020B0609020204030204" pitchFamily="49" charset="0"/>
+            </a:endParaRPr>
+          </a:p>
+          <a:p>
+            <a:r>
+              <a:rPr lang="en-US" b="0" dirty="0">
+                <a:solidFill>
+                  <a:srgbClr val="D4D4D4"/>
+                </a:solidFill>
+                <a:effectLst/>
+                <a:latin typeface="Consolas" panose="020B0609020204030204" pitchFamily="49" charset="0"/>
+              </a:rPr>
+              <a:t>        </a:t>
+            </a:r>
+            <a:r>
+              <a:rPr lang="en-US" b="0" dirty="0">
+                <a:solidFill>
+                  <a:srgbClr val="569CD6"/>
+                </a:solidFill>
+                <a:effectLst/>
+                <a:latin typeface="Consolas" panose="020B0609020204030204" pitchFamily="49" charset="0"/>
+              </a:rPr>
+              <a:t>image</a:t>
+            </a:r>
+            <a:r>
+              <a:rPr lang="en-US" b="0" dirty="0">
+                <a:solidFill>
+                  <a:srgbClr val="D4D4D4"/>
+                </a:solidFill>
+                <a:effectLst/>
+                <a:latin typeface="Consolas" panose="020B0609020204030204" pitchFamily="49" charset="0"/>
+              </a:rPr>
+              <a:t>: </a:t>
+            </a:r>
+            <a:r>
+              <a:rPr lang="en-US" b="0" dirty="0">
+                <a:solidFill>
+                  <a:srgbClr val="CE9178"/>
+                </a:solidFill>
+                <a:effectLst/>
+                <a:latin typeface="Consolas" panose="020B0609020204030204" pitchFamily="49" charset="0"/>
+              </a:rPr>
+              <a:t>rocker/tidyverse:4.0.2</a:t>
+            </a:r>
+            <a:endParaRPr lang="en-US" b="0" dirty="0">
+              <a:solidFill>
+                <a:srgbClr val="D4D4D4"/>
+              </a:solidFill>
+              <a:effectLst/>
+              <a:latin typeface="Consolas" panose="020B0609020204030204" pitchFamily="49" charset="0"/>
+            </a:endParaRPr>
+          </a:p>
+          <a:p>
+            <a:r>
+              <a:rPr lang="en-US" b="0" dirty="0">
+                <a:solidFill>
+                  <a:srgbClr val="D4D4D4"/>
+                </a:solidFill>
+                <a:effectLst/>
+                <a:latin typeface="Consolas" panose="020B0609020204030204" pitchFamily="49" charset="0"/>
+              </a:rPr>
+              <a:t>        </a:t>
+            </a:r>
+            <a:r>
+              <a:rPr lang="en-US" b="0" dirty="0">
+                <a:solidFill>
+                  <a:srgbClr val="569CD6"/>
+                </a:solidFill>
+                <a:effectLst/>
+                <a:latin typeface="Consolas" panose="020B0609020204030204" pitchFamily="49" charset="0"/>
+              </a:rPr>
+              <a:t>trigger</a:t>
+            </a:r>
+            <a:r>
+              <a:rPr lang="en-US" b="0" dirty="0">
+                <a:solidFill>
+                  <a:srgbClr val="D4D4D4"/>
+                </a:solidFill>
+                <a:effectLst/>
+                <a:latin typeface="Consolas" panose="020B0609020204030204" pitchFamily="49" charset="0"/>
+              </a:rPr>
+              <a:t>: </a:t>
+            </a:r>
+            <a:r>
+              <a:rPr lang="en-US" b="0" dirty="0">
+                <a:solidFill>
+                  <a:srgbClr val="CE9178"/>
+                </a:solidFill>
+                <a:effectLst/>
+                <a:latin typeface="Consolas" panose="020B0609020204030204" pitchFamily="49" charset="0"/>
+              </a:rPr>
+              <a:t>manual</a:t>
+            </a:r>
+            <a:endParaRPr lang="en-US" b="0" dirty="0">
+              <a:solidFill>
+                <a:srgbClr val="D4D4D4"/>
+              </a:solidFill>
+              <a:effectLst/>
+              <a:latin typeface="Consolas" panose="020B0609020204030204" pitchFamily="49" charset="0"/>
+            </a:endParaRPr>
+          </a:p>
+          <a:p>
+            <a:r>
+              <a:rPr lang="en-US" b="0" dirty="0">
+                <a:solidFill>
+                  <a:srgbClr val="D4D4D4"/>
+                </a:solidFill>
+                <a:effectLst/>
+                <a:latin typeface="Consolas" panose="020B0609020204030204" pitchFamily="49" charset="0"/>
+              </a:rPr>
+              <a:t>        </a:t>
+            </a:r>
+            <a:r>
+              <a:rPr lang="en-US" b="0" dirty="0">
+                <a:solidFill>
+                  <a:srgbClr val="569CD6"/>
+                </a:solidFill>
+                <a:effectLst/>
+                <a:latin typeface="Consolas" panose="020B0609020204030204" pitchFamily="49" charset="0"/>
+              </a:rPr>
+              <a:t>script</a:t>
+            </a:r>
+            <a:r>
+              <a:rPr lang="en-US" b="0" dirty="0">
+                <a:solidFill>
+                  <a:srgbClr val="D4D4D4"/>
+                </a:solidFill>
+                <a:effectLst/>
+                <a:latin typeface="Consolas" panose="020B0609020204030204" pitchFamily="49" charset="0"/>
+              </a:rPr>
+              <a:t>:</a:t>
+            </a:r>
+          </a:p>
+          <a:p>
+            <a:r>
+              <a:rPr lang="en-US" b="0" dirty="0">
+                <a:solidFill>
+                  <a:srgbClr val="D4D4D4"/>
+                </a:solidFill>
+                <a:effectLst/>
+                <a:latin typeface="Consolas" panose="020B0609020204030204" pitchFamily="49" charset="0"/>
+              </a:rPr>
+              <a:t>        - </a:t>
+            </a:r>
+            <a:r>
+              <a:rPr lang="en-US" b="0" dirty="0" err="1">
+                <a:solidFill>
+                  <a:srgbClr val="CE9178"/>
+                </a:solidFill>
+                <a:effectLst/>
+                <a:latin typeface="Consolas" panose="020B0609020204030204" pitchFamily="49" charset="0"/>
+              </a:rPr>
+              <a:t>Rscript</a:t>
+            </a:r>
+            <a:r>
+              <a:rPr lang="en-US" b="0" dirty="0">
+                <a:solidFill>
+                  <a:srgbClr val="CE9178"/>
+                </a:solidFill>
+                <a:effectLst/>
+                <a:latin typeface="Consolas" panose="020B0609020204030204" pitchFamily="49" charset="0"/>
+              </a:rPr>
+              <a:t> -e '</a:t>
+            </a:r>
+            <a:r>
+              <a:rPr lang="en-US" b="0" dirty="0" err="1">
+                <a:solidFill>
+                  <a:srgbClr val="CE9178"/>
+                </a:solidFill>
+                <a:effectLst/>
+                <a:latin typeface="Consolas" panose="020B0609020204030204" pitchFamily="49" charset="0"/>
+              </a:rPr>
+              <a:t>install.packages</a:t>
+            </a:r>
+            <a:r>
+              <a:rPr lang="en-US" b="0" dirty="0">
+                <a:solidFill>
+                  <a:srgbClr val="CE9178"/>
+                </a:solidFill>
+                <a:effectLst/>
+                <a:latin typeface="Consolas" panose="020B0609020204030204" pitchFamily="49" charset="0"/>
+              </a:rPr>
+              <a:t>("styler")'</a:t>
+            </a:r>
+            <a:endParaRPr lang="en-US" b="0" dirty="0">
+              <a:solidFill>
+                <a:srgbClr val="D4D4D4"/>
+              </a:solidFill>
+              <a:effectLst/>
+              <a:latin typeface="Consolas" panose="020B0609020204030204" pitchFamily="49" charset="0"/>
+            </a:endParaRPr>
+          </a:p>
+          <a:p>
+            <a:r>
+              <a:rPr lang="en-US" b="0" dirty="0">
+                <a:solidFill>
+                  <a:srgbClr val="D4D4D4"/>
+                </a:solidFill>
+                <a:effectLst/>
+                <a:latin typeface="Consolas" panose="020B0609020204030204" pitchFamily="49" charset="0"/>
+              </a:rPr>
+              <a:t>        - </a:t>
+            </a:r>
+            <a:r>
+              <a:rPr lang="en-US" b="0" dirty="0" err="1">
+                <a:solidFill>
+                  <a:srgbClr val="CE9178"/>
+                </a:solidFill>
+                <a:effectLst/>
+                <a:latin typeface="Consolas" panose="020B0609020204030204" pitchFamily="49" charset="0"/>
+              </a:rPr>
+              <a:t>Rscript</a:t>
+            </a:r>
+            <a:r>
+              <a:rPr lang="en-US" b="0" dirty="0">
+                <a:solidFill>
+                  <a:srgbClr val="CE9178"/>
+                </a:solidFill>
+                <a:effectLst/>
+                <a:latin typeface="Consolas" panose="020B0609020204030204" pitchFamily="49" charset="0"/>
+              </a:rPr>
+              <a:t> -e 'styler::</a:t>
+            </a:r>
+            <a:r>
+              <a:rPr lang="en-US" b="0" dirty="0" err="1">
+                <a:solidFill>
+                  <a:srgbClr val="CE9178"/>
+                </a:solidFill>
+                <a:effectLst/>
+                <a:latin typeface="Consolas" panose="020B0609020204030204" pitchFamily="49" charset="0"/>
+              </a:rPr>
+              <a:t>style_pkg</a:t>
+            </a:r>
+            <a:r>
+              <a:rPr lang="en-US" b="0" dirty="0">
+                <a:solidFill>
+                  <a:srgbClr val="CE9178"/>
+                </a:solidFill>
+                <a:effectLst/>
+                <a:latin typeface="Consolas" panose="020B0609020204030204" pitchFamily="49" charset="0"/>
+              </a:rPr>
+              <a:t>()'</a:t>
+            </a:r>
+            <a:endParaRPr lang="en-US" b="0" dirty="0">
+              <a:solidFill>
+                <a:srgbClr val="D4D4D4"/>
+              </a:solidFill>
+              <a:effectLst/>
+              <a:latin typeface="Consolas" panose="020B0609020204030204" pitchFamily="49" charset="0"/>
+            </a:endParaRPr>
+          </a:p>
+          <a:p>
+            <a:r>
+              <a:rPr lang="en-US" b="0" dirty="0">
+                <a:solidFill>
+                  <a:srgbClr val="D4D4D4"/>
+                </a:solidFill>
+                <a:effectLst/>
+                <a:latin typeface="Consolas" panose="020B0609020204030204" pitchFamily="49" charset="0"/>
+              </a:rPr>
+              <a:t>        - </a:t>
+            </a:r>
+            <a:r>
+              <a:rPr lang="en-US" b="0" dirty="0">
+                <a:solidFill>
+                  <a:srgbClr val="CE9178"/>
+                </a:solidFill>
+                <a:effectLst/>
+                <a:latin typeface="Consolas" panose="020B0609020204030204" pitchFamily="49" charset="0"/>
+              </a:rPr>
+              <a:t>git checkout -b ${BITBUCKET_BRANCH}-styler</a:t>
+            </a:r>
+            <a:endParaRPr lang="en-US" b="0" dirty="0">
+              <a:solidFill>
+                <a:srgbClr val="D4D4D4"/>
+              </a:solidFill>
+              <a:effectLst/>
+              <a:latin typeface="Consolas" panose="020B0609020204030204" pitchFamily="49" charset="0"/>
+            </a:endParaRPr>
+          </a:p>
+          <a:p>
+            <a:r>
+              <a:rPr lang="en-US" b="0" dirty="0">
+                <a:solidFill>
+                  <a:srgbClr val="D4D4D4"/>
+                </a:solidFill>
+                <a:effectLst/>
+                <a:latin typeface="Consolas" panose="020B0609020204030204" pitchFamily="49" charset="0"/>
+              </a:rPr>
+              <a:t>        - </a:t>
+            </a:r>
+            <a:r>
+              <a:rPr lang="en-US" b="0" dirty="0">
+                <a:solidFill>
+                  <a:srgbClr val="CE9178"/>
+                </a:solidFill>
+                <a:effectLst/>
+                <a:latin typeface="Consolas" panose="020B0609020204030204" pitchFamily="49" charset="0"/>
+              </a:rPr>
+              <a:t>git commit -am "[skip ci] Automatic styler."</a:t>
+            </a:r>
+            <a:endParaRPr lang="en-US" b="0" dirty="0">
+              <a:solidFill>
+                <a:srgbClr val="D4D4D4"/>
+              </a:solidFill>
+              <a:effectLst/>
+              <a:latin typeface="Consolas" panose="020B0609020204030204" pitchFamily="49" charset="0"/>
+            </a:endParaRPr>
+          </a:p>
+          <a:p>
+            <a:r>
+              <a:rPr lang="en-US" b="0" dirty="0">
+                <a:solidFill>
+                  <a:srgbClr val="D4D4D4"/>
+                </a:solidFill>
+                <a:effectLst/>
+                <a:latin typeface="Consolas" panose="020B0609020204030204" pitchFamily="49" charset="0"/>
+              </a:rPr>
+              <a:t>        - </a:t>
+            </a:r>
+            <a:r>
+              <a:rPr lang="en-US" b="0" dirty="0">
+                <a:solidFill>
+                  <a:srgbClr val="CE9178"/>
+                </a:solidFill>
+                <a:effectLst/>
+                <a:latin typeface="Consolas" panose="020B0609020204030204" pitchFamily="49" charset="0"/>
+              </a:rPr>
+              <a:t>git push</a:t>
+            </a:r>
+            <a:endParaRPr lang="en-US" b="0" dirty="0">
+              <a:solidFill>
+                <a:srgbClr val="D4D4D4"/>
+              </a:solidFill>
+              <a:effectLst/>
+              <a:latin typeface="Consolas" panose="020B0609020204030204" pitchFamily="49" charset="0"/>
+            </a:endParaRPr>
+          </a:p>
+          <a:p>
+            <a:r>
+              <a:rPr lang="en-US" b="0" dirty="0">
+                <a:solidFill>
+                  <a:srgbClr val="D4D4D4"/>
+                </a:solidFill>
+                <a:effectLst/>
+                <a:latin typeface="Consolas" panose="020B0609020204030204" pitchFamily="49" charset="0"/>
+              </a:rPr>
+              <a:t>    - </a:t>
+            </a:r>
+            <a:r>
+              <a:rPr lang="en-US" b="0" dirty="0">
+                <a:solidFill>
+                  <a:srgbClr val="569CD6"/>
+                </a:solidFill>
+                <a:effectLst/>
+                <a:latin typeface="Consolas" panose="020B0609020204030204" pitchFamily="49" charset="0"/>
+              </a:rPr>
+              <a:t>step</a:t>
+            </a:r>
+            <a:r>
+              <a:rPr lang="en-US" b="0" dirty="0">
+                <a:solidFill>
+                  <a:srgbClr val="D4D4D4"/>
+                </a:solidFill>
+                <a:effectLst/>
+                <a:latin typeface="Consolas" panose="020B0609020204030204" pitchFamily="49" charset="0"/>
+              </a:rPr>
+              <a:t>: </a:t>
+            </a:r>
+            <a:r>
+              <a:rPr lang="en-US" b="0" dirty="0">
+                <a:solidFill>
+                  <a:srgbClr val="C586C0"/>
+                </a:solidFill>
+                <a:effectLst/>
+                <a:latin typeface="Consolas" panose="020B0609020204030204" pitchFamily="49" charset="0"/>
+              </a:rPr>
+              <a:t>*</a:t>
+            </a:r>
+            <a:r>
+              <a:rPr lang="en-US" b="0" dirty="0">
+                <a:solidFill>
+                  <a:srgbClr val="9CDCFE"/>
+                </a:solidFill>
+                <a:effectLst/>
+                <a:latin typeface="Consolas" panose="020B0609020204030204" pitchFamily="49" charset="0"/>
+              </a:rPr>
+              <a:t>create-pr</a:t>
+            </a:r>
+            <a:endParaRPr lang="en-US" b="0" dirty="0">
+              <a:solidFill>
+                <a:srgbClr val="D4D4D4"/>
+              </a:solidFill>
+              <a:effectLst/>
+              <a:latin typeface="Consolas" panose="020B0609020204030204" pitchFamily="49" charset="0"/>
+            </a:endParaRPr>
+          </a:p>
+        </p:txBody>
+      </p:sp>
+    </p:spTree>
+    <p:extLst>
+      <p:ext uri="{BB962C8B-B14F-4D97-AF65-F5344CB8AC3E}">
+        <p14:creationId xmlns:p14="http://schemas.microsoft.com/office/powerpoint/2010/main" val="338783482"/>
+      </p:ext>
+    </p:extLst>
+  </p:cSld>
+  <p:clrMapOvr>
+    <a:masterClrMapping/>
+  </p:clrMapOvr>
+</p:sld>
+</file>
+
+<file path=ppt/slides/slide34.xml><?xml version="1.0" encoding="utf-8"?>
+<p:sld xmlns:a="http://schemas.openxmlformats.org/drawingml/2006/main" xmlns:r="http://schemas.openxmlformats.org/officeDocument/2006/relationships" xmlns:p="http://schemas.openxmlformats.org/presentationml/2006/main">
+  <p:cSld>
+    <p:spTree>
+      <p:nvGrpSpPr>
+        <p:cNvPr id="1" name=""/>
+        <p:cNvGrpSpPr/>
+        <p:nvPr/>
+      </p:nvGrpSpPr>
+      <p:grpSpPr>
+        <a:xfrm>
+          <a:off x="0" y="0"/>
+          <a:ext cx="0" cy="0"/>
+          <a:chOff x="0" y="0"/>
+          <a:chExt cx="0" cy="0"/>
+        </a:xfrm>
+      </p:grpSpPr>
+      <p:sp>
+        <p:nvSpPr>
+          <p:cNvPr id="4" name="Title 3">
+            <a:extLst>
+              <a:ext uri="{FF2B5EF4-FFF2-40B4-BE49-F238E27FC236}">
+                <a16:creationId xmlns:a16="http://schemas.microsoft.com/office/drawing/2014/main" id="{505BD776-2FCF-451D-90C4-ABAA297A7172}"/>
+              </a:ext>
+            </a:extLst>
+          </p:cNvPr>
+          <p:cNvSpPr>
+            <a:spLocks noGrp="1"/>
+          </p:cNvSpPr>
+          <p:nvPr>
+            <p:ph type="title"/>
+          </p:nvPr>
+        </p:nvSpPr>
+        <p:spPr/>
+        <p:txBody>
+          <a:bodyPr/>
+          <a:lstStyle/>
+          <a:p>
+            <a:r>
+              <a:rPr lang="en-US" dirty="0"/>
+              <a:t>Example output</a:t>
+            </a:r>
+          </a:p>
+        </p:txBody>
+      </p:sp>
+      <p:pic>
+        <p:nvPicPr>
+          <p:cNvPr id="5" name="Content Placeholder 4">
+            <a:extLst>
+              <a:ext uri="{FF2B5EF4-FFF2-40B4-BE49-F238E27FC236}">
+                <a16:creationId xmlns:a16="http://schemas.microsoft.com/office/drawing/2014/main" id="{38F4FF4C-24E5-4415-8A4D-C2C4C19301E3}"/>
+              </a:ext>
+            </a:extLst>
+          </p:cNvPr>
+          <p:cNvPicPr>
+            <a:picLocks noGrp="1" noChangeAspect="1"/>
+          </p:cNvPicPr>
+          <p:nvPr>
+            <p:ph sz="quarter" idx="14"/>
+          </p:nvPr>
+        </p:nvPicPr>
+        <p:blipFill>
+          <a:blip r:embed="rId2"/>
+          <a:stretch>
+            <a:fillRect/>
+          </a:stretch>
+        </p:blipFill>
+        <p:spPr>
+          <a:xfrm>
+            <a:off x="595745" y="1131082"/>
+            <a:ext cx="11178244" cy="5647525"/>
+          </a:xfrm>
+        </p:spPr>
+      </p:pic>
+    </p:spTree>
+    <p:extLst>
+      <p:ext uri="{BB962C8B-B14F-4D97-AF65-F5344CB8AC3E}">
+        <p14:creationId xmlns:p14="http://schemas.microsoft.com/office/powerpoint/2010/main" val="2750342354"/>
+      </p:ext>
+    </p:extLst>
+  </p:cSld>
+  <p:clrMapOvr>
+    <a:masterClrMapping/>
+  </p:clrMapOvr>
+</p:sld>
+</file>
+
+<file path=ppt/slides/slide35.xml><?xml version="1.0" encoding="utf-8"?>
+<p:sld xmlns:a="http://schemas.openxmlformats.org/drawingml/2006/main" xmlns:r="http://schemas.openxmlformats.org/officeDocument/2006/relationships" xmlns:p="http://schemas.openxmlformats.org/presentationml/2006/main">
+  <p:cSld>
+    <p:spTree>
+      <p:nvGrpSpPr>
+        <p:cNvPr id="1" name=""/>
+        <p:cNvGrpSpPr/>
+        <p:nvPr/>
+      </p:nvGrpSpPr>
+      <p:grpSpPr>
+        <a:xfrm>
+          <a:off x="0" y="0"/>
+          <a:ext cx="0" cy="0"/>
+          <a:chOff x="0" y="0"/>
+          <a:chExt cx="0" cy="0"/>
+        </a:xfrm>
+      </p:grpSpPr>
+      <p:sp>
+        <p:nvSpPr>
+          <p:cNvPr id="7" name="Text Placeholder 6">
+            <a:extLst>
+              <a:ext uri="{FF2B5EF4-FFF2-40B4-BE49-F238E27FC236}">
+                <a16:creationId xmlns:a16="http://schemas.microsoft.com/office/drawing/2014/main" id="{AB9C16C6-84F1-BB4A-B532-19BECBFCE2B1}"/>
+              </a:ext>
+            </a:extLst>
+          </p:cNvPr>
+          <p:cNvSpPr>
+            <a:spLocks noGrp="1"/>
+          </p:cNvSpPr>
+          <p:nvPr>
+            <p:ph type="body" sz="quarter" idx="13"/>
+          </p:nvPr>
+        </p:nvSpPr>
+        <p:spPr/>
+        <p:txBody>
+          <a:bodyPr/>
+          <a:lstStyle/>
+          <a:p>
+            <a:r>
+              <a:rPr lang="en-US" dirty="0"/>
+              <a:t>Coverage, badges, etc.</a:t>
+            </a:r>
+          </a:p>
+        </p:txBody>
+      </p:sp>
+      <p:sp>
+        <p:nvSpPr>
+          <p:cNvPr id="6" name="Title 5">
+            <a:extLst>
+              <a:ext uri="{FF2B5EF4-FFF2-40B4-BE49-F238E27FC236}">
+                <a16:creationId xmlns:a16="http://schemas.microsoft.com/office/drawing/2014/main" id="{82847CB5-E3D8-F94F-B90B-8153C5D7A108}"/>
+              </a:ext>
+            </a:extLst>
+          </p:cNvPr>
+          <p:cNvSpPr>
+            <a:spLocks noGrp="1"/>
+          </p:cNvSpPr>
+          <p:nvPr>
+            <p:ph type="title"/>
+          </p:nvPr>
+        </p:nvSpPr>
+        <p:spPr/>
+        <p:txBody>
+          <a:bodyPr/>
+          <a:lstStyle/>
+          <a:p>
+            <a:r>
+              <a:rPr lang="en-US" dirty="0"/>
+              <a:t>Automation next steps</a:t>
+            </a:r>
+          </a:p>
+        </p:txBody>
+      </p:sp>
+    </p:spTree>
+    <p:extLst>
+      <p:ext uri="{BB962C8B-B14F-4D97-AF65-F5344CB8AC3E}">
+        <p14:creationId xmlns:p14="http://schemas.microsoft.com/office/powerpoint/2010/main" val="3218003630"/>
+      </p:ext>
+    </p:extLst>
+  </p:cSld>
+  <p:clrMapOvr>
+    <a:masterClrMapping/>
+  </p:clrMapOvr>
+</p:sld>
+</file>
+
+<file path=ppt/slides/slide36.xml><?xml version="1.0" encoding="utf-8"?>
+<p:sld xmlns:a="http://schemas.openxmlformats.org/drawingml/2006/main" xmlns:r="http://schemas.openxmlformats.org/officeDocument/2006/relationships" xmlns:p="http://schemas.openxmlformats.org/presentationml/2006/main">
+  <p:cSld>
+    <p:spTree>
+      <p:nvGrpSpPr>
+        <p:cNvPr id="1" name=""/>
+        <p:cNvGrpSpPr/>
+        <p:nvPr/>
+      </p:nvGrpSpPr>
+      <p:grpSpPr>
+        <a:xfrm>
+          <a:off x="0" y="0"/>
+          <a:ext cx="0" cy="0"/>
+          <a:chOff x="0" y="0"/>
+          <a:chExt cx="0" cy="0"/>
+        </a:xfrm>
+      </p:grpSpPr>
+      <p:sp>
+        <p:nvSpPr>
+          <p:cNvPr id="4" name="Title 3">
+            <a:extLst>
+              <a:ext uri="{FF2B5EF4-FFF2-40B4-BE49-F238E27FC236}">
+                <a16:creationId xmlns:a16="http://schemas.microsoft.com/office/drawing/2014/main" id="{4FEF3F27-AE32-4C76-B732-4A03608B065D}"/>
+              </a:ext>
+            </a:extLst>
+          </p:cNvPr>
+          <p:cNvSpPr>
+            <a:spLocks noGrp="1"/>
+          </p:cNvSpPr>
+          <p:nvPr>
+            <p:ph type="title"/>
+          </p:nvPr>
+        </p:nvSpPr>
+        <p:spPr/>
+        <p:txBody>
+          <a:bodyPr/>
+          <a:lstStyle/>
+          <a:p>
+            <a:r>
+              <a:rPr lang="en-US" dirty="0"/>
+              <a:t>Appendix – Additional Sources</a:t>
+            </a:r>
+          </a:p>
+        </p:txBody>
+      </p:sp>
+      <p:sp>
+        <p:nvSpPr>
+          <p:cNvPr id="5" name="TextBox 4">
+            <a:extLst>
+              <a:ext uri="{FF2B5EF4-FFF2-40B4-BE49-F238E27FC236}">
+                <a16:creationId xmlns:a16="http://schemas.microsoft.com/office/drawing/2014/main" id="{29DE7D34-1328-48C6-91E6-26134F720E83}"/>
+              </a:ext>
+            </a:extLst>
+          </p:cNvPr>
+          <p:cNvSpPr txBox="1"/>
+          <p:nvPr/>
+        </p:nvSpPr>
+        <p:spPr>
+          <a:xfrm>
+            <a:off x="519545" y="1491734"/>
+            <a:ext cx="6096000" cy="369332"/>
+          </a:xfrm>
+          <a:prstGeom prst="rect">
+            <a:avLst/>
+          </a:prstGeom>
+          <a:noFill/>
+        </p:spPr>
+        <p:txBody>
+          <a:bodyPr wrap="square">
+            <a:spAutoFit/>
+          </a:bodyPr>
+          <a:lstStyle/>
+          <a:p>
+            <a:r>
+              <a:rPr lang="en-US">
+                <a:hlinkClick r:id="rId2"/>
+              </a:rPr>
+              <a:t>Automate Package and Project Setup • usethis (r-lib.org)</a:t>
+            </a:r>
+            <a:endParaRPr lang="en-US" dirty="0"/>
+          </a:p>
+        </p:txBody>
+      </p:sp>
+      <p:sp>
+        <p:nvSpPr>
+          <p:cNvPr id="6" name="TextBox 5">
+            <a:extLst>
+              <a:ext uri="{FF2B5EF4-FFF2-40B4-BE49-F238E27FC236}">
+                <a16:creationId xmlns:a16="http://schemas.microsoft.com/office/drawing/2014/main" id="{54AA5C1C-42E7-4C8B-A84F-9D2FA0980587}"/>
+              </a:ext>
+            </a:extLst>
+          </p:cNvPr>
+          <p:cNvSpPr txBox="1"/>
+          <p:nvPr/>
+        </p:nvSpPr>
+        <p:spPr>
+          <a:xfrm>
+            <a:off x="519545" y="2037052"/>
+            <a:ext cx="6096000" cy="369332"/>
+          </a:xfrm>
+          <a:prstGeom prst="rect">
+            <a:avLst/>
+          </a:prstGeom>
+          <a:noFill/>
+        </p:spPr>
+        <p:txBody>
+          <a:bodyPr wrap="square">
+            <a:spAutoFit/>
+          </a:bodyPr>
+          <a:lstStyle/>
+          <a:p>
+            <a:r>
+              <a:rPr lang="en-US" dirty="0">
+                <a:hlinkClick r:id="rId3"/>
+              </a:rPr>
+              <a:t>In-Line Documentation for R • roxygen2 (r-lib.org)</a:t>
+            </a:r>
+            <a:endParaRPr lang="en-US" dirty="0"/>
+          </a:p>
+        </p:txBody>
+      </p:sp>
+      <p:sp>
+        <p:nvSpPr>
+          <p:cNvPr id="8" name="TextBox 7">
+            <a:extLst>
+              <a:ext uri="{FF2B5EF4-FFF2-40B4-BE49-F238E27FC236}">
+                <a16:creationId xmlns:a16="http://schemas.microsoft.com/office/drawing/2014/main" id="{5019250F-8E2F-4C11-BA38-079B407CA073}"/>
+              </a:ext>
+            </a:extLst>
+          </p:cNvPr>
+          <p:cNvSpPr txBox="1"/>
+          <p:nvPr/>
+        </p:nvSpPr>
+        <p:spPr>
+          <a:xfrm>
+            <a:off x="519545" y="2582370"/>
+            <a:ext cx="7924800" cy="369332"/>
+          </a:xfrm>
+          <a:prstGeom prst="rect">
+            <a:avLst/>
+          </a:prstGeom>
+          <a:noFill/>
+        </p:spPr>
+        <p:txBody>
+          <a:bodyPr wrap="square">
+            <a:spAutoFit/>
+          </a:bodyPr>
+          <a:lstStyle/>
+          <a:p>
+            <a:r>
+              <a:rPr lang="en-US" dirty="0">
+                <a:hlinkClick r:id="rId4"/>
+              </a:rPr>
+              <a:t>Mixing Up Your Office March Madness Competition · nielsenmark.us</a:t>
+            </a:r>
+            <a:endParaRPr lang="en-US" dirty="0"/>
+          </a:p>
+        </p:txBody>
+      </p:sp>
+      <p:sp>
+        <p:nvSpPr>
+          <p:cNvPr id="10" name="TextBox 9">
+            <a:extLst>
+              <a:ext uri="{FF2B5EF4-FFF2-40B4-BE49-F238E27FC236}">
+                <a16:creationId xmlns:a16="http://schemas.microsoft.com/office/drawing/2014/main" id="{1F6B3A8A-1139-49B9-9545-CE6A98497B31}"/>
+              </a:ext>
+            </a:extLst>
+          </p:cNvPr>
+          <p:cNvSpPr txBox="1"/>
+          <p:nvPr/>
+        </p:nvSpPr>
+        <p:spPr>
+          <a:xfrm>
+            <a:off x="519545" y="3127688"/>
+            <a:ext cx="8144933" cy="369332"/>
+          </a:xfrm>
+          <a:prstGeom prst="rect">
+            <a:avLst/>
+          </a:prstGeom>
+          <a:noFill/>
+        </p:spPr>
+        <p:txBody>
+          <a:bodyPr wrap="square">
+            <a:spAutoFit/>
+          </a:bodyPr>
+          <a:lstStyle/>
+          <a:p>
+            <a:r>
+              <a:rPr lang="en-US" dirty="0">
+                <a:hlinkClick r:id="rId5"/>
+              </a:rPr>
+              <a:t>Nexus Repository Manager - Binary &amp; Artifact Management | </a:t>
+            </a:r>
+            <a:r>
+              <a:rPr lang="en-US" dirty="0" err="1">
+                <a:hlinkClick r:id="rId5"/>
+              </a:rPr>
+              <a:t>Sonatype</a:t>
+            </a:r>
+            <a:endParaRPr lang="en-US" dirty="0"/>
+          </a:p>
+        </p:txBody>
+      </p:sp>
+    </p:spTree>
+    <p:extLst>
+      <p:ext uri="{BB962C8B-B14F-4D97-AF65-F5344CB8AC3E}">
+        <p14:creationId xmlns:p14="http://schemas.microsoft.com/office/powerpoint/2010/main" val="3447645022"/>
+      </p:ext>
+    </p:extLst>
+  </p:cSld>
+  <p:clrMapOvr>
+    <a:masterClrMapping/>
+  </p:clrMapOvr>
+</p:sld>
+</file>
+
+<file path=ppt/slides/slide4.xml><?xml version="1.0" encoding="utf-8"?>
+<p:sld xmlns:a="http://schemas.openxmlformats.org/drawingml/2006/main" xmlns:r="http://schemas.openxmlformats.org/officeDocument/2006/relationships" xmlns:p="http://schemas.openxmlformats.org/presentationml/2006/main">
+  <p:cSld>
+    <p:spTree>
+      <p:nvGrpSpPr>
+        <p:cNvPr id="1" name=""/>
+        <p:cNvGrpSpPr/>
+        <p:nvPr/>
+      </p:nvGrpSpPr>
+      <p:grpSpPr>
+        <a:xfrm>
+          <a:off x="0" y="0"/>
+          <a:ext cx="0" cy="0"/>
+          <a:chOff x="0" y="0"/>
+          <a:chExt cx="0" cy="0"/>
+        </a:xfrm>
+      </p:grpSpPr>
+      <p:sp>
+        <p:nvSpPr>
+          <p:cNvPr id="7" name="Text Placeholder 6">
+            <a:extLst>
+              <a:ext uri="{FF2B5EF4-FFF2-40B4-BE49-F238E27FC236}">
+                <a16:creationId xmlns:a16="http://schemas.microsoft.com/office/drawing/2014/main" id="{AB9C16C6-84F1-BB4A-B532-19BECBFCE2B1}"/>
+              </a:ext>
+            </a:extLst>
+          </p:cNvPr>
+          <p:cNvSpPr>
+            <a:spLocks noGrp="1"/>
+          </p:cNvSpPr>
+          <p:nvPr>
+            <p:ph type="body" sz="quarter" idx="13"/>
+          </p:nvPr>
+        </p:nvSpPr>
+        <p:spPr/>
+        <p:txBody>
+          <a:bodyPr/>
+          <a:lstStyle/>
+          <a:p>
+            <a:r>
+              <a:rPr lang="en-US" dirty="0" err="1"/>
+              <a:t>usethis</a:t>
+            </a:r>
+            <a:r>
+              <a:rPr lang="en-US" dirty="0"/>
+              <a:t>, </a:t>
+            </a:r>
+            <a:r>
+              <a:rPr lang="en-US" dirty="0" err="1"/>
+              <a:t>devtools</a:t>
+            </a:r>
+            <a:r>
+              <a:rPr lang="en-US" dirty="0"/>
+              <a:t>, and other packages</a:t>
+            </a:r>
+          </a:p>
+        </p:txBody>
+      </p:sp>
+      <p:sp>
+        <p:nvSpPr>
+          <p:cNvPr id="6" name="Title 5">
+            <a:extLst>
+              <a:ext uri="{FF2B5EF4-FFF2-40B4-BE49-F238E27FC236}">
+                <a16:creationId xmlns:a16="http://schemas.microsoft.com/office/drawing/2014/main" id="{82847CB5-E3D8-F94F-B90B-8153C5D7A108}"/>
+              </a:ext>
+            </a:extLst>
+          </p:cNvPr>
+          <p:cNvSpPr>
+            <a:spLocks noGrp="1"/>
+          </p:cNvSpPr>
+          <p:nvPr>
+            <p:ph type="title"/>
+          </p:nvPr>
+        </p:nvSpPr>
+        <p:spPr/>
+        <p:txBody>
+          <a:bodyPr/>
+          <a:lstStyle/>
+          <a:p>
+            <a:r>
+              <a:rPr lang="en-US" dirty="0"/>
+              <a:t>Package Development in R</a:t>
+            </a:r>
+          </a:p>
+        </p:txBody>
+      </p:sp>
+    </p:spTree>
+    <p:extLst>
+      <p:ext uri="{BB962C8B-B14F-4D97-AF65-F5344CB8AC3E}">
+        <p14:creationId xmlns:p14="http://schemas.microsoft.com/office/powerpoint/2010/main" val="3515444498"/>
+      </p:ext>
+    </p:extLst>
+  </p:cSld>
+  <p:clrMapOvr>
+    <a:masterClrMapping/>
+  </p:clrMapOvr>
+</p:sld>
+</file>
+
+<file path=ppt/slides/slide5.xml><?xml version="1.0" encoding="utf-8"?>
 <p:sld xmlns:a="http://schemas.openxmlformats.org/drawingml/2006/main" xmlns:r="http://schemas.openxmlformats.org/officeDocument/2006/relationships" xmlns:p="http://schemas.openxmlformats.org/presentationml/2006/main">
   <p:cSld>
     <p:spTree>
@@ -10361,2227 +13487,7 @@
 </p:sld>
 </file>
 
-<file path=ppt/slides/slide30.xml><?xml version="1.0" encoding="utf-8"?>
-<p:sld xmlns:a="http://schemas.openxmlformats.org/drawingml/2006/main" xmlns:r="http://schemas.openxmlformats.org/officeDocument/2006/relationships" xmlns:p="http://schemas.openxmlformats.org/presentationml/2006/main">
-  <p:cSld>
-    <p:spTree>
-      <p:nvGrpSpPr>
-        <p:cNvPr id="1" name=""/>
-        <p:cNvGrpSpPr/>
-        <p:nvPr/>
-      </p:nvGrpSpPr>
-      <p:grpSpPr>
-        <a:xfrm>
-          <a:off x="0" y="0"/>
-          <a:ext cx="0" cy="0"/>
-          <a:chOff x="0" y="0"/>
-          <a:chExt cx="0" cy="0"/>
-        </a:xfrm>
-      </p:grpSpPr>
-      <p:sp>
-        <p:nvSpPr>
-          <p:cNvPr id="4" name="Title 3">
-            <a:extLst>
-              <a:ext uri="{FF2B5EF4-FFF2-40B4-BE49-F238E27FC236}">
-                <a16:creationId xmlns:a16="http://schemas.microsoft.com/office/drawing/2014/main" id="{505BD776-2FCF-451D-90C4-ABAA297A7172}"/>
-              </a:ext>
-            </a:extLst>
-          </p:cNvPr>
-          <p:cNvSpPr>
-            <a:spLocks noGrp="1"/>
-          </p:cNvSpPr>
-          <p:nvPr>
-            <p:ph type="title"/>
-          </p:nvPr>
-        </p:nvSpPr>
-        <p:spPr/>
-        <p:txBody>
-          <a:bodyPr/>
-          <a:lstStyle/>
-          <a:p>
-            <a:r>
-              <a:rPr lang="en-US" dirty="0"/>
-              <a:t>Example (Step 1)</a:t>
-            </a:r>
-          </a:p>
-        </p:txBody>
-      </p:sp>
-      <p:sp>
-        <p:nvSpPr>
-          <p:cNvPr id="2" name="Content Placeholder 1">
-            <a:extLst>
-              <a:ext uri="{FF2B5EF4-FFF2-40B4-BE49-F238E27FC236}">
-                <a16:creationId xmlns:a16="http://schemas.microsoft.com/office/drawing/2014/main" id="{438B141D-1243-4F21-B4B5-2FBF160EDB2D}"/>
-              </a:ext>
-            </a:extLst>
-          </p:cNvPr>
-          <p:cNvSpPr>
-            <a:spLocks noGrp="1"/>
-          </p:cNvSpPr>
-          <p:nvPr>
-            <p:ph sz="quarter" idx="14"/>
-          </p:nvPr>
-        </p:nvSpPr>
-        <p:spPr/>
-        <p:txBody>
-          <a:bodyPr/>
-          <a:lstStyle/>
-          <a:p>
-            <a:r>
-              <a:rPr lang="en-US" dirty="0"/>
-              <a:t>Set up Oauth2 for Bitbucket…</a:t>
-            </a:r>
-          </a:p>
-          <a:p>
-            <a:r>
-              <a:rPr lang="en-US" dirty="0"/>
-              <a:t>… may be a premium feature.</a:t>
-            </a:r>
-          </a:p>
-        </p:txBody>
-      </p:sp>
-    </p:spTree>
-    <p:extLst>
-      <p:ext uri="{BB962C8B-B14F-4D97-AF65-F5344CB8AC3E}">
-        <p14:creationId xmlns:p14="http://schemas.microsoft.com/office/powerpoint/2010/main" val="1326690452"/>
-      </p:ext>
-    </p:extLst>
-  </p:cSld>
-  <p:clrMapOvr>
-    <a:masterClrMapping/>
-  </p:clrMapOvr>
-  <p:timing>
-    <p:tnLst>
-      <p:par>
-        <p:cTn id="1" dur="indefinite" restart="never" nodeType="tmRoot">
-          <p:childTnLst>
-            <p:seq concurrent="1" nextAc="seek">
-              <p:cTn id="2" dur="indefinite" nodeType="mainSeq">
-                <p:childTnLst>
-                  <p:par>
-                    <p:cTn id="3" fill="hold">
-                      <p:stCondLst>
-                        <p:cond delay="indefinite"/>
-                        <p:cond evt="onBegin" delay="0">
-                          <p:tn val="2"/>
-                        </p:cond>
-                      </p:stCondLst>
-                      <p:childTnLst>
-                        <p:par>
-                          <p:cTn id="4" fill="hold">
-                            <p:stCondLst>
-                              <p:cond delay="0"/>
-                            </p:stCondLst>
-                            <p:childTnLst>
-                              <p:par>
-                                <p:cTn id="5" presetID="1" presetClass="entr" presetSubtype="0" fill="hold" grpId="0" nodeType="withEffect">
-                                  <p:stCondLst>
-                                    <p:cond delay="0"/>
-                                  </p:stCondLst>
-                                  <p:childTnLst>
-                                    <p:set>
-                                      <p:cBhvr>
-                                        <p:cTn id="6" dur="1" fill="hold">
-                                          <p:stCondLst>
-                                            <p:cond delay="0"/>
-                                          </p:stCondLst>
-                                        </p:cTn>
-                                        <p:tgtEl>
-                                          <p:spTgt spid="2">
-                                            <p:txEl>
-                                              <p:pRg st="0" end="0"/>
-                                            </p:txEl>
-                                          </p:spTgt>
-                                        </p:tgtEl>
-                                        <p:attrNameLst>
-                                          <p:attrName>style.visibility</p:attrName>
-                                        </p:attrNameLst>
-                                      </p:cBhvr>
-                                      <p:to>
-                                        <p:strVal val="visible"/>
-                                      </p:to>
-                                    </p:set>
-                                  </p:childTnLst>
-                                </p:cTn>
-                              </p:par>
-                            </p:childTnLst>
-                          </p:cTn>
-                        </p:par>
-                      </p:childTnLst>
-                    </p:cTn>
-                  </p:par>
-                  <p:par>
-                    <p:cTn id="7" fill="hold">
-                      <p:stCondLst>
-                        <p:cond delay="indefinite"/>
-                      </p:stCondLst>
-                      <p:childTnLst>
-                        <p:par>
-                          <p:cTn id="8" fill="hold">
-                            <p:stCondLst>
-                              <p:cond delay="0"/>
-                            </p:stCondLst>
-                            <p:childTnLst>
-                              <p:par>
-                                <p:cTn id="9" presetID="1" presetClass="entr" presetSubtype="0" fill="hold" grpId="0" nodeType="clickEffect">
-                                  <p:stCondLst>
-                                    <p:cond delay="0"/>
-                                  </p:stCondLst>
-                                  <p:childTnLst>
-                                    <p:set>
-                                      <p:cBhvr>
-                                        <p:cTn id="10" dur="1" fill="hold">
-                                          <p:stCondLst>
-                                            <p:cond delay="0"/>
-                                          </p:stCondLst>
-                                        </p:cTn>
-                                        <p:tgtEl>
-                                          <p:spTgt spid="2">
-                                            <p:txEl>
-                                              <p:pRg st="1" end="1"/>
-                                            </p:txEl>
-                                          </p:spTgt>
-                                        </p:tgtEl>
-                                        <p:attrNameLst>
-                                          <p:attrName>style.visibility</p:attrName>
-                                        </p:attrNameLst>
-                                      </p:cBhvr>
-                                      <p:to>
-                                        <p:strVal val="visible"/>
-                                      </p:to>
-                                    </p:set>
-                                  </p:childTnLst>
-                                </p:cTn>
-                              </p:par>
-                            </p:childTnLst>
-                          </p:cTn>
-                        </p:par>
-                      </p:childTnLst>
-                    </p:cTn>
-                  </p:par>
-                </p:childTnLst>
-              </p:cTn>
-              <p:prevCondLst>
-                <p:cond evt="onPrev" delay="0">
-                  <p:tgtEl>
-                    <p:sldTgt/>
-                  </p:tgtEl>
-                </p:cond>
-              </p:prevCondLst>
-              <p:nextCondLst>
-                <p:cond evt="onNext" delay="0">
-                  <p:tgtEl>
-                    <p:sldTgt/>
-                  </p:tgtEl>
-                </p:cond>
-              </p:nextCondLst>
-            </p:seq>
-          </p:childTnLst>
-        </p:cTn>
-      </p:par>
-    </p:tnLst>
-    <p:bldLst>
-      <p:bldP spid="2" grpId="0" uiExpand="1" build="p"/>
-    </p:bldLst>
-  </p:timing>
-</p:sld>
-</file>
-
-<file path=ppt/slides/slide31.xml><?xml version="1.0" encoding="utf-8"?>
-<p:sld xmlns:a="http://schemas.openxmlformats.org/drawingml/2006/main" xmlns:r="http://schemas.openxmlformats.org/officeDocument/2006/relationships" xmlns:p="http://schemas.openxmlformats.org/presentationml/2006/main">
-  <p:cSld>
-    <p:spTree>
-      <p:nvGrpSpPr>
-        <p:cNvPr id="1" name=""/>
-        <p:cNvGrpSpPr/>
-        <p:nvPr/>
-      </p:nvGrpSpPr>
-      <p:grpSpPr>
-        <a:xfrm>
-          <a:off x="0" y="0"/>
-          <a:ext cx="0" cy="0"/>
-          <a:chOff x="0" y="0"/>
-          <a:chExt cx="0" cy="0"/>
-        </a:xfrm>
-      </p:grpSpPr>
-      <p:sp>
-        <p:nvSpPr>
-          <p:cNvPr id="4" name="Title 3">
-            <a:extLst>
-              <a:ext uri="{FF2B5EF4-FFF2-40B4-BE49-F238E27FC236}">
-                <a16:creationId xmlns:a16="http://schemas.microsoft.com/office/drawing/2014/main" id="{505BD776-2FCF-451D-90C4-ABAA297A7172}"/>
-              </a:ext>
-            </a:extLst>
-          </p:cNvPr>
-          <p:cNvSpPr>
-            <a:spLocks noGrp="1"/>
-          </p:cNvSpPr>
-          <p:nvPr>
-            <p:ph type="title"/>
-          </p:nvPr>
-        </p:nvSpPr>
-        <p:spPr/>
-        <p:txBody>
-          <a:bodyPr/>
-          <a:lstStyle/>
-          <a:p>
-            <a:r>
-              <a:rPr lang="en-US" dirty="0"/>
-              <a:t>Example (Step 1)</a:t>
-            </a:r>
-          </a:p>
-        </p:txBody>
-      </p:sp>
-      <p:sp>
-        <p:nvSpPr>
-          <p:cNvPr id="6" name="TextBox 5">
-            <a:extLst>
-              <a:ext uri="{FF2B5EF4-FFF2-40B4-BE49-F238E27FC236}">
-                <a16:creationId xmlns:a16="http://schemas.microsoft.com/office/drawing/2014/main" id="{1E86D28C-7443-457F-A312-E91BBF091EE1}"/>
-              </a:ext>
-            </a:extLst>
-          </p:cNvPr>
-          <p:cNvSpPr txBox="1"/>
-          <p:nvPr/>
-        </p:nvSpPr>
-        <p:spPr>
-          <a:xfrm>
-            <a:off x="84761" y="6488668"/>
-            <a:ext cx="8625852" cy="369332"/>
-          </a:xfrm>
-          <a:prstGeom prst="rect">
-            <a:avLst/>
-          </a:prstGeom>
-          <a:noFill/>
-        </p:spPr>
-        <p:txBody>
-          <a:bodyPr wrap="square">
-            <a:spAutoFit/>
-          </a:bodyPr>
-          <a:lstStyle/>
-          <a:p>
-            <a:r>
-              <a:rPr lang="en-US" dirty="0">
-                <a:hlinkClick r:id="rId2"/>
-              </a:rPr>
-              <a:t>Bitbucket Pipelines - Create Pull Request (PR) with default reviewers · GitHub</a:t>
-            </a:r>
-            <a:endParaRPr lang="en-US" dirty="0"/>
-          </a:p>
-        </p:txBody>
-      </p:sp>
-      <p:sp>
-        <p:nvSpPr>
-          <p:cNvPr id="7" name="TextBox 6">
-            <a:extLst>
-              <a:ext uri="{FF2B5EF4-FFF2-40B4-BE49-F238E27FC236}">
-                <a16:creationId xmlns:a16="http://schemas.microsoft.com/office/drawing/2014/main" id="{CD92111F-8786-40BC-82B5-3E4017F9FA75}"/>
-              </a:ext>
-            </a:extLst>
-          </p:cNvPr>
-          <p:cNvSpPr txBox="1"/>
-          <p:nvPr/>
-        </p:nvSpPr>
-        <p:spPr>
-          <a:xfrm>
-            <a:off x="0" y="0"/>
-            <a:ext cx="12192000" cy="6524863"/>
-          </a:xfrm>
-          <a:prstGeom prst="rect">
-            <a:avLst/>
-          </a:prstGeom>
-          <a:solidFill>
-            <a:schemeClr val="tx1"/>
-          </a:solidFill>
-        </p:spPr>
-        <p:txBody>
-          <a:bodyPr wrap="square">
-            <a:spAutoFit/>
-          </a:bodyPr>
-          <a:lstStyle/>
-          <a:p>
-            <a:pPr marL="2171700" indent="-2171700"/>
-            <a:r>
-              <a:rPr lang="en-US" sz="1100" b="0" dirty="0">
-                <a:solidFill>
-                  <a:srgbClr val="D4D4D4"/>
-                </a:solidFill>
-                <a:effectLst/>
-                <a:latin typeface="Consolas" panose="020B0609020204030204" pitchFamily="49" charset="0"/>
-              </a:rPr>
-              <a:t>  </a:t>
-            </a:r>
-            <a:r>
-              <a:rPr lang="en-US" sz="1100" b="0" dirty="0">
-                <a:solidFill>
-                  <a:srgbClr val="569CD6"/>
-                </a:solidFill>
-                <a:effectLst/>
-                <a:latin typeface="Consolas" panose="020B0609020204030204" pitchFamily="49" charset="0"/>
-              </a:rPr>
-              <a:t>steps</a:t>
-            </a:r>
-            <a:r>
-              <a:rPr lang="en-US" sz="1100" b="0" dirty="0">
-                <a:solidFill>
-                  <a:srgbClr val="D4D4D4"/>
-                </a:solidFill>
-                <a:effectLst/>
-                <a:latin typeface="Consolas" panose="020B0609020204030204" pitchFamily="49" charset="0"/>
-              </a:rPr>
-              <a:t>:</a:t>
-            </a:r>
-          </a:p>
-          <a:p>
-            <a:pPr marL="2171700" indent="-2171700"/>
-            <a:r>
-              <a:rPr lang="en-US" sz="1100" b="0" dirty="0">
-                <a:solidFill>
-                  <a:srgbClr val="D4D4D4"/>
-                </a:solidFill>
-                <a:effectLst/>
-                <a:latin typeface="Consolas" panose="020B0609020204030204" pitchFamily="49" charset="0"/>
-              </a:rPr>
-              <a:t>    - </a:t>
-            </a:r>
-            <a:r>
-              <a:rPr lang="en-US" sz="1100" b="0" dirty="0">
-                <a:solidFill>
-                  <a:srgbClr val="569CD6"/>
-                </a:solidFill>
-                <a:effectLst/>
-                <a:latin typeface="Consolas" panose="020B0609020204030204" pitchFamily="49" charset="0"/>
-              </a:rPr>
-              <a:t>step</a:t>
-            </a:r>
-            <a:r>
-              <a:rPr lang="en-US" sz="1100" b="0" dirty="0">
-                <a:solidFill>
-                  <a:srgbClr val="D4D4D4"/>
-                </a:solidFill>
-                <a:effectLst/>
-                <a:latin typeface="Consolas" panose="020B0609020204030204" pitchFamily="49" charset="0"/>
-              </a:rPr>
-              <a:t>: </a:t>
-            </a:r>
-            <a:r>
-              <a:rPr lang="en-US" sz="1100" b="0" dirty="0">
-                <a:solidFill>
-                  <a:srgbClr val="C586C0"/>
-                </a:solidFill>
-                <a:effectLst/>
-                <a:latin typeface="Consolas" panose="020B0609020204030204" pitchFamily="49" charset="0"/>
-              </a:rPr>
-              <a:t>&amp;</a:t>
-            </a:r>
-            <a:r>
-              <a:rPr lang="en-US" sz="1100" b="0" dirty="0">
-                <a:solidFill>
-                  <a:srgbClr val="4EC9B0"/>
-                </a:solidFill>
-                <a:effectLst/>
-                <a:latin typeface="Consolas" panose="020B0609020204030204" pitchFamily="49" charset="0"/>
-              </a:rPr>
-              <a:t>create-pr</a:t>
-            </a:r>
-            <a:endParaRPr lang="en-US" sz="1100" b="0" dirty="0">
-              <a:solidFill>
-                <a:srgbClr val="D4D4D4"/>
-              </a:solidFill>
-              <a:effectLst/>
-              <a:latin typeface="Consolas" panose="020B0609020204030204" pitchFamily="49" charset="0"/>
-            </a:endParaRPr>
-          </a:p>
-          <a:p>
-            <a:pPr marL="2171700" indent="-2171700"/>
-            <a:r>
-              <a:rPr lang="en-US" sz="1100" b="0" dirty="0">
-                <a:solidFill>
-                  <a:srgbClr val="D4D4D4"/>
-                </a:solidFill>
-                <a:effectLst/>
-                <a:latin typeface="Consolas" panose="020B0609020204030204" pitchFamily="49" charset="0"/>
-              </a:rPr>
-              <a:t>        </a:t>
-            </a:r>
-            <a:r>
-              <a:rPr lang="en-US" sz="1100" b="0" dirty="0">
-                <a:solidFill>
-                  <a:srgbClr val="569CD6"/>
-                </a:solidFill>
-                <a:effectLst/>
-                <a:latin typeface="Consolas" panose="020B0609020204030204" pitchFamily="49" charset="0"/>
-              </a:rPr>
-              <a:t>name</a:t>
-            </a:r>
-            <a:r>
-              <a:rPr lang="en-US" sz="1100" b="0" dirty="0">
-                <a:solidFill>
-                  <a:srgbClr val="D4D4D4"/>
-                </a:solidFill>
-                <a:effectLst/>
-                <a:latin typeface="Consolas" panose="020B0609020204030204" pitchFamily="49" charset="0"/>
-              </a:rPr>
-              <a:t>: </a:t>
-            </a:r>
-            <a:r>
-              <a:rPr lang="en-US" sz="1100" b="0" dirty="0">
-                <a:solidFill>
-                  <a:srgbClr val="CE9178"/>
-                </a:solidFill>
-                <a:effectLst/>
-                <a:latin typeface="Consolas" panose="020B0609020204030204" pitchFamily="49" charset="0"/>
-              </a:rPr>
-              <a:t>Create Pull Request</a:t>
-            </a:r>
-            <a:endParaRPr lang="en-US" sz="1100" b="0" dirty="0">
-              <a:solidFill>
-                <a:srgbClr val="D4D4D4"/>
-              </a:solidFill>
-              <a:effectLst/>
-              <a:latin typeface="Consolas" panose="020B0609020204030204" pitchFamily="49" charset="0"/>
-            </a:endParaRPr>
-          </a:p>
-          <a:p>
-            <a:pPr marL="2171700" indent="-2171700"/>
-            <a:r>
-              <a:rPr lang="en-US" sz="1100" b="0" dirty="0">
-                <a:solidFill>
-                  <a:srgbClr val="D4D4D4"/>
-                </a:solidFill>
-                <a:effectLst/>
-                <a:latin typeface="Consolas" panose="020B0609020204030204" pitchFamily="49" charset="0"/>
-              </a:rPr>
-              <a:t>        </a:t>
-            </a:r>
-            <a:r>
-              <a:rPr lang="en-US" sz="1100" b="0" dirty="0">
-                <a:solidFill>
-                  <a:srgbClr val="569CD6"/>
-                </a:solidFill>
-                <a:effectLst/>
-                <a:latin typeface="Consolas" panose="020B0609020204030204" pitchFamily="49" charset="0"/>
-              </a:rPr>
-              <a:t>image</a:t>
-            </a:r>
-            <a:r>
-              <a:rPr lang="en-US" sz="1100" b="0" dirty="0">
-                <a:solidFill>
-                  <a:srgbClr val="D4D4D4"/>
-                </a:solidFill>
-                <a:effectLst/>
-                <a:latin typeface="Consolas" panose="020B0609020204030204" pitchFamily="49" charset="0"/>
-              </a:rPr>
-              <a:t>: </a:t>
-            </a:r>
-            <a:r>
-              <a:rPr lang="en-US" sz="1100" b="0" dirty="0" err="1">
-                <a:solidFill>
-                  <a:srgbClr val="CE9178"/>
-                </a:solidFill>
-                <a:effectLst/>
-                <a:latin typeface="Consolas" panose="020B0609020204030204" pitchFamily="49" charset="0"/>
-              </a:rPr>
-              <a:t>everpeace</a:t>
-            </a:r>
-            <a:r>
-              <a:rPr lang="en-US" sz="1100" b="0" dirty="0">
-                <a:solidFill>
-                  <a:srgbClr val="CE9178"/>
-                </a:solidFill>
-                <a:effectLst/>
-                <a:latin typeface="Consolas" panose="020B0609020204030204" pitchFamily="49" charset="0"/>
-              </a:rPr>
-              <a:t>/curl-</a:t>
-            </a:r>
-            <a:r>
-              <a:rPr lang="en-US" sz="1100" b="0" dirty="0" err="1">
-                <a:solidFill>
-                  <a:srgbClr val="CE9178"/>
-                </a:solidFill>
-                <a:effectLst/>
-                <a:latin typeface="Consolas" panose="020B0609020204030204" pitchFamily="49" charset="0"/>
-              </a:rPr>
-              <a:t>jq</a:t>
-            </a:r>
-            <a:endParaRPr lang="en-US" sz="1100" b="0" dirty="0">
-              <a:solidFill>
-                <a:srgbClr val="D4D4D4"/>
-              </a:solidFill>
-              <a:effectLst/>
-              <a:latin typeface="Consolas" panose="020B0609020204030204" pitchFamily="49" charset="0"/>
-            </a:endParaRPr>
-          </a:p>
-          <a:p>
-            <a:pPr marL="2171700" indent="-2171700"/>
-            <a:r>
-              <a:rPr lang="en-US" sz="1100" b="0" dirty="0">
-                <a:solidFill>
-                  <a:srgbClr val="D4D4D4"/>
-                </a:solidFill>
-                <a:effectLst/>
-                <a:latin typeface="Consolas" panose="020B0609020204030204" pitchFamily="49" charset="0"/>
-              </a:rPr>
-              <a:t>        </a:t>
-            </a:r>
-            <a:r>
-              <a:rPr lang="en-US" sz="1100" b="0" dirty="0">
-                <a:solidFill>
-                  <a:srgbClr val="569CD6"/>
-                </a:solidFill>
-                <a:effectLst/>
-                <a:latin typeface="Consolas" panose="020B0609020204030204" pitchFamily="49" charset="0"/>
-              </a:rPr>
-              <a:t>caches</a:t>
-            </a:r>
-            <a:r>
-              <a:rPr lang="en-US" sz="1100" b="0" dirty="0">
-                <a:solidFill>
-                  <a:srgbClr val="D4D4D4"/>
-                </a:solidFill>
-                <a:effectLst/>
-                <a:latin typeface="Consolas" panose="020B0609020204030204" pitchFamily="49" charset="0"/>
-              </a:rPr>
-              <a:t>:</a:t>
-            </a:r>
-          </a:p>
-          <a:p>
-            <a:pPr marL="2171700" indent="-2171700"/>
-            <a:r>
-              <a:rPr lang="en-US" sz="1100" b="0" dirty="0">
-                <a:solidFill>
-                  <a:srgbClr val="D4D4D4"/>
-                </a:solidFill>
-                <a:effectLst/>
-                <a:latin typeface="Consolas" panose="020B0609020204030204" pitchFamily="49" charset="0"/>
-              </a:rPr>
-              <a:t>          - </a:t>
-            </a:r>
-            <a:r>
-              <a:rPr lang="en-US" sz="1100" b="0" dirty="0">
-                <a:solidFill>
-                  <a:srgbClr val="CE9178"/>
-                </a:solidFill>
-                <a:effectLst/>
-                <a:latin typeface="Consolas" panose="020B0609020204030204" pitchFamily="49" charset="0"/>
-              </a:rPr>
-              <a:t>node</a:t>
-            </a:r>
-            <a:endParaRPr lang="en-US" sz="1100" b="0" dirty="0">
-              <a:solidFill>
-                <a:srgbClr val="D4D4D4"/>
-              </a:solidFill>
-              <a:effectLst/>
-              <a:latin typeface="Consolas" panose="020B0609020204030204" pitchFamily="49" charset="0"/>
-            </a:endParaRPr>
-          </a:p>
-          <a:p>
-            <a:pPr marL="2171700" indent="-2171700"/>
-            <a:r>
-              <a:rPr lang="en-US" sz="1100" b="0" dirty="0">
-                <a:solidFill>
-                  <a:srgbClr val="D4D4D4"/>
-                </a:solidFill>
-                <a:effectLst/>
-                <a:latin typeface="Consolas" panose="020B0609020204030204" pitchFamily="49" charset="0"/>
-              </a:rPr>
-              <a:t>        </a:t>
-            </a:r>
-            <a:r>
-              <a:rPr lang="en-US" sz="1100" b="0" dirty="0">
-                <a:solidFill>
-                  <a:srgbClr val="569CD6"/>
-                </a:solidFill>
-                <a:effectLst/>
-                <a:latin typeface="Consolas" panose="020B0609020204030204" pitchFamily="49" charset="0"/>
-              </a:rPr>
-              <a:t>script</a:t>
-            </a:r>
-            <a:r>
-              <a:rPr lang="en-US" sz="1100" b="0" dirty="0">
-                <a:solidFill>
-                  <a:srgbClr val="D4D4D4"/>
-                </a:solidFill>
-                <a:effectLst/>
-                <a:latin typeface="Consolas" panose="020B0609020204030204" pitchFamily="49" charset="0"/>
-              </a:rPr>
-              <a:t>:</a:t>
-            </a:r>
-          </a:p>
-          <a:p>
-            <a:pPr marL="2171700" indent="-2171700"/>
-            <a:r>
-              <a:rPr lang="en-US" sz="1100" b="0" dirty="0">
-                <a:solidFill>
-                  <a:srgbClr val="D4D4D4"/>
-                </a:solidFill>
-                <a:effectLst/>
-                <a:latin typeface="Consolas" panose="020B0609020204030204" pitchFamily="49" charset="0"/>
-              </a:rPr>
-              <a:t>          - </a:t>
-            </a:r>
-            <a:r>
-              <a:rPr lang="en-US" sz="1100" b="0" dirty="0">
-                <a:solidFill>
-                  <a:srgbClr val="CE9178"/>
-                </a:solidFill>
-                <a:effectLst/>
-                <a:latin typeface="Consolas" panose="020B0609020204030204" pitchFamily="49" charset="0"/>
-              </a:rPr>
-              <a:t>export DESTINATION_BRANCH="${BITBUCKET_BRANCH}"</a:t>
-            </a:r>
-            <a:endParaRPr lang="en-US" sz="1100" b="0" dirty="0">
-              <a:solidFill>
-                <a:srgbClr val="D4D4D4"/>
-              </a:solidFill>
-              <a:effectLst/>
-              <a:latin typeface="Consolas" panose="020B0609020204030204" pitchFamily="49" charset="0"/>
-            </a:endParaRPr>
-          </a:p>
-          <a:p>
-            <a:pPr marL="2171700" indent="-2171700"/>
-            <a:r>
-              <a:rPr lang="en-US" sz="1100" b="0" dirty="0">
-                <a:solidFill>
-                  <a:srgbClr val="D4D4D4"/>
-                </a:solidFill>
-                <a:effectLst/>
-                <a:latin typeface="Consolas" panose="020B0609020204030204" pitchFamily="49" charset="0"/>
-              </a:rPr>
-              <a:t>          - </a:t>
-            </a:r>
-            <a:r>
-              <a:rPr lang="en-US" sz="1100" b="0" dirty="0">
-                <a:solidFill>
-                  <a:srgbClr val="CE9178"/>
-                </a:solidFill>
-                <a:effectLst/>
-                <a:latin typeface="Consolas" panose="020B0609020204030204" pitchFamily="49" charset="0"/>
-              </a:rPr>
-              <a:t>export CLOSE_ME=true</a:t>
-            </a:r>
-            <a:endParaRPr lang="en-US" sz="1100" b="0" dirty="0">
-              <a:solidFill>
-                <a:srgbClr val="D4D4D4"/>
-              </a:solidFill>
-              <a:effectLst/>
-              <a:latin typeface="Consolas" panose="020B0609020204030204" pitchFamily="49" charset="0"/>
-            </a:endParaRPr>
-          </a:p>
-          <a:p>
-            <a:pPr marL="2171700" indent="-2171700"/>
-            <a:r>
-              <a:rPr lang="en-US" sz="1100" b="0" dirty="0">
-                <a:solidFill>
-                  <a:srgbClr val="D4D4D4"/>
-                </a:solidFill>
-                <a:effectLst/>
-                <a:latin typeface="Consolas" panose="020B0609020204030204" pitchFamily="49" charset="0"/>
-              </a:rPr>
-              <a:t>          - </a:t>
-            </a:r>
-            <a:r>
-              <a:rPr lang="en-US" sz="1100" b="0" dirty="0">
-                <a:solidFill>
-                  <a:srgbClr val="C586C0"/>
-                </a:solidFill>
-                <a:effectLst/>
-                <a:latin typeface="Consolas" panose="020B0609020204030204" pitchFamily="49" charset="0"/>
-              </a:rPr>
-              <a:t>&gt;</a:t>
-            </a:r>
-            <a:endParaRPr lang="en-US" sz="1100" b="0" dirty="0">
-              <a:solidFill>
-                <a:srgbClr val="D4D4D4"/>
-              </a:solidFill>
-              <a:effectLst/>
-              <a:latin typeface="Consolas" panose="020B0609020204030204" pitchFamily="49" charset="0"/>
-            </a:endParaRPr>
-          </a:p>
-          <a:p>
-            <a:pPr marL="2171700" indent="-2171700"/>
-            <a:r>
-              <a:rPr lang="en-US" sz="1100" b="0" dirty="0">
-                <a:solidFill>
-                  <a:srgbClr val="CE9178"/>
-                </a:solidFill>
-                <a:effectLst/>
-                <a:latin typeface="Consolas" panose="020B0609020204030204" pitchFamily="49" charset="0"/>
-              </a:rPr>
-              <a:t>            export BB_TOKEN=$(curl -s -S -f -X POST -u "${BB_AUTH_STRING}" \</a:t>
-            </a:r>
-            <a:endParaRPr lang="en-US" sz="1100" b="0" dirty="0">
-              <a:solidFill>
-                <a:srgbClr val="D4D4D4"/>
-              </a:solidFill>
-              <a:effectLst/>
-              <a:latin typeface="Consolas" panose="020B0609020204030204" pitchFamily="49" charset="0"/>
-            </a:endParaRPr>
-          </a:p>
-          <a:p>
-            <a:pPr marL="2171700" indent="-2171700"/>
-            <a:r>
-              <a:rPr lang="en-US" sz="1100" b="0" dirty="0">
-                <a:solidFill>
-                  <a:srgbClr val="CE9178"/>
-                </a:solidFill>
-                <a:effectLst/>
-                <a:latin typeface="Consolas" panose="020B0609020204030204" pitchFamily="49" charset="0"/>
-              </a:rPr>
-              <a:t>              https://bitbucket.org/site/oauth2/access_token \</a:t>
-            </a:r>
-            <a:endParaRPr lang="en-US" sz="1100" b="0" dirty="0">
-              <a:solidFill>
-                <a:srgbClr val="D4D4D4"/>
-              </a:solidFill>
-              <a:effectLst/>
-              <a:latin typeface="Consolas" panose="020B0609020204030204" pitchFamily="49" charset="0"/>
-            </a:endParaRPr>
-          </a:p>
-          <a:p>
-            <a:pPr marL="2171700" indent="-2171700"/>
-            <a:r>
-              <a:rPr lang="en-US" sz="1100" b="0" dirty="0">
-                <a:solidFill>
-                  <a:srgbClr val="CE9178"/>
-                </a:solidFill>
-                <a:effectLst/>
-                <a:latin typeface="Consolas" panose="020B0609020204030204" pitchFamily="49" charset="0"/>
-              </a:rPr>
-              <a:t>              -d </a:t>
-            </a:r>
-            <a:r>
-              <a:rPr lang="en-US" sz="1100" b="0" dirty="0" err="1">
-                <a:solidFill>
-                  <a:srgbClr val="CE9178"/>
-                </a:solidFill>
-                <a:effectLst/>
-                <a:latin typeface="Consolas" panose="020B0609020204030204" pitchFamily="49" charset="0"/>
-              </a:rPr>
-              <a:t>grant_type</a:t>
-            </a:r>
-            <a:r>
-              <a:rPr lang="en-US" sz="1100" b="0" dirty="0">
-                <a:solidFill>
-                  <a:srgbClr val="CE9178"/>
-                </a:solidFill>
-                <a:effectLst/>
-                <a:latin typeface="Consolas" panose="020B0609020204030204" pitchFamily="49" charset="0"/>
-              </a:rPr>
-              <a:t>=</a:t>
-            </a:r>
-            <a:r>
-              <a:rPr lang="en-US" sz="1100" b="0" dirty="0" err="1">
-                <a:solidFill>
-                  <a:srgbClr val="CE9178"/>
-                </a:solidFill>
-                <a:effectLst/>
-                <a:latin typeface="Consolas" panose="020B0609020204030204" pitchFamily="49" charset="0"/>
-              </a:rPr>
-              <a:t>client_credentials</a:t>
-            </a:r>
-            <a:r>
-              <a:rPr lang="en-US" sz="1100" b="0" dirty="0">
-                <a:solidFill>
-                  <a:srgbClr val="CE9178"/>
-                </a:solidFill>
-                <a:effectLst/>
-                <a:latin typeface="Consolas" panose="020B0609020204030204" pitchFamily="49" charset="0"/>
-              </a:rPr>
-              <a:t> -d scopes="repository" | </a:t>
-            </a:r>
-            <a:r>
-              <a:rPr lang="en-US" sz="1100" b="0" dirty="0" err="1">
-                <a:solidFill>
-                  <a:srgbClr val="CE9178"/>
-                </a:solidFill>
-                <a:effectLst/>
-                <a:latin typeface="Consolas" panose="020B0609020204030204" pitchFamily="49" charset="0"/>
-              </a:rPr>
-              <a:t>jq</a:t>
-            </a:r>
-            <a:r>
-              <a:rPr lang="en-US" sz="1100" b="0" dirty="0">
-                <a:solidFill>
-                  <a:srgbClr val="CE9178"/>
-                </a:solidFill>
-                <a:effectLst/>
-                <a:latin typeface="Consolas" panose="020B0609020204030204" pitchFamily="49" charset="0"/>
-              </a:rPr>
-              <a:t> --raw-output '.</a:t>
-            </a:r>
-            <a:r>
-              <a:rPr lang="en-US" sz="1100" b="0" dirty="0" err="1">
-                <a:solidFill>
-                  <a:srgbClr val="CE9178"/>
-                </a:solidFill>
-                <a:effectLst/>
-                <a:latin typeface="Consolas" panose="020B0609020204030204" pitchFamily="49" charset="0"/>
-              </a:rPr>
-              <a:t>access_token</a:t>
-            </a:r>
-            <a:r>
-              <a:rPr lang="en-US" sz="1100" b="0" dirty="0">
-                <a:solidFill>
-                  <a:srgbClr val="CE9178"/>
-                </a:solidFill>
-                <a:effectLst/>
-                <a:latin typeface="Consolas" panose="020B0609020204030204" pitchFamily="49" charset="0"/>
-              </a:rPr>
-              <a:t>')</a:t>
-            </a:r>
-            <a:endParaRPr lang="en-US" sz="1100" b="0" dirty="0">
-              <a:solidFill>
-                <a:srgbClr val="D4D4D4"/>
-              </a:solidFill>
-              <a:effectLst/>
-              <a:latin typeface="Consolas" panose="020B0609020204030204" pitchFamily="49" charset="0"/>
-            </a:endParaRPr>
-          </a:p>
-          <a:p>
-            <a:pPr marL="2171700" indent="-2171700"/>
-            <a:r>
-              <a:rPr lang="en-US" sz="1100" b="0" dirty="0">
-                <a:solidFill>
-                  <a:srgbClr val="D4D4D4"/>
-                </a:solidFill>
-                <a:effectLst/>
-                <a:latin typeface="Consolas" panose="020B0609020204030204" pitchFamily="49" charset="0"/>
-              </a:rPr>
-              <a:t>          - </a:t>
-            </a:r>
-            <a:r>
-              <a:rPr lang="en-US" sz="1100" b="0" dirty="0">
-                <a:solidFill>
-                  <a:srgbClr val="C586C0"/>
-                </a:solidFill>
-                <a:effectLst/>
-                <a:latin typeface="Consolas" panose="020B0609020204030204" pitchFamily="49" charset="0"/>
-              </a:rPr>
-              <a:t>&gt;</a:t>
-            </a:r>
-            <a:endParaRPr lang="en-US" sz="1100" b="0" dirty="0">
-              <a:solidFill>
-                <a:srgbClr val="D4D4D4"/>
-              </a:solidFill>
-              <a:effectLst/>
-              <a:latin typeface="Consolas" panose="020B0609020204030204" pitchFamily="49" charset="0"/>
-            </a:endParaRPr>
-          </a:p>
-          <a:p>
-            <a:pPr marL="2171700" indent="-2171700"/>
-            <a:r>
-              <a:rPr lang="en-US" sz="1100" b="0" dirty="0">
-                <a:solidFill>
-                  <a:srgbClr val="CE9178"/>
-                </a:solidFill>
-                <a:effectLst/>
-                <a:latin typeface="Consolas" panose="020B0609020204030204" pitchFamily="49" charset="0"/>
-              </a:rPr>
-              <a:t>            export DEFAULT_REVIEWERS=$(curl https://api.bitbucket.org/2.0/repositories/${BITBUCKET_REPO_OWNER}/${BITBUCKET_REPO_SLUG}/default-reviewers \</a:t>
-            </a:r>
-            <a:endParaRPr lang="en-US" sz="1100" b="0" dirty="0">
-              <a:solidFill>
-                <a:srgbClr val="D4D4D4"/>
-              </a:solidFill>
-              <a:effectLst/>
-              <a:latin typeface="Consolas" panose="020B0609020204030204" pitchFamily="49" charset="0"/>
-            </a:endParaRPr>
-          </a:p>
-          <a:p>
-            <a:pPr marL="2171700" indent="-2171700"/>
-            <a:r>
-              <a:rPr lang="en-US" sz="1100" b="0" dirty="0">
-                <a:solidFill>
-                  <a:srgbClr val="CE9178"/>
-                </a:solidFill>
-                <a:effectLst/>
-                <a:latin typeface="Consolas" panose="020B0609020204030204" pitchFamily="49" charset="0"/>
-              </a:rPr>
-              <a:t>              -s -S -f -X GET \</a:t>
-            </a:r>
-            <a:endParaRPr lang="en-US" sz="1100" b="0" dirty="0">
-              <a:solidFill>
-                <a:srgbClr val="D4D4D4"/>
-              </a:solidFill>
-              <a:effectLst/>
-              <a:latin typeface="Consolas" panose="020B0609020204030204" pitchFamily="49" charset="0"/>
-            </a:endParaRPr>
-          </a:p>
-          <a:p>
-            <a:pPr marL="2171700" indent="-2171700"/>
-            <a:r>
-              <a:rPr lang="en-US" sz="1100" b="0" dirty="0">
-                <a:solidFill>
-                  <a:srgbClr val="CE9178"/>
-                </a:solidFill>
-                <a:effectLst/>
-                <a:latin typeface="Consolas" panose="020B0609020204030204" pitchFamily="49" charset="0"/>
-              </a:rPr>
-              <a:t>              -H "Authorization: Bearer ${BB_TOKEN}" | </a:t>
-            </a:r>
-            <a:r>
-              <a:rPr lang="en-US" sz="1100" b="0" dirty="0" err="1">
-                <a:solidFill>
-                  <a:srgbClr val="CE9178"/>
-                </a:solidFill>
-                <a:effectLst/>
-                <a:latin typeface="Consolas" panose="020B0609020204030204" pitchFamily="49" charset="0"/>
-              </a:rPr>
-              <a:t>jq</a:t>
-            </a:r>
-            <a:r>
-              <a:rPr lang="en-US" sz="1100" b="0" dirty="0">
-                <a:solidFill>
-                  <a:srgbClr val="CE9178"/>
-                </a:solidFill>
-                <a:effectLst/>
-                <a:latin typeface="Consolas" panose="020B0609020204030204" pitchFamily="49" charset="0"/>
-              </a:rPr>
-              <a:t> '.values' | </a:t>
-            </a:r>
-            <a:r>
-              <a:rPr lang="en-US" sz="1100" b="0" dirty="0" err="1">
-                <a:solidFill>
-                  <a:srgbClr val="CE9178"/>
-                </a:solidFill>
-                <a:effectLst/>
-                <a:latin typeface="Consolas" panose="020B0609020204030204" pitchFamily="49" charset="0"/>
-              </a:rPr>
-              <a:t>jq</a:t>
-            </a:r>
-            <a:r>
-              <a:rPr lang="en-US" sz="1100" b="0" dirty="0">
-                <a:solidFill>
-                  <a:srgbClr val="CE9178"/>
-                </a:solidFill>
-                <a:effectLst/>
-                <a:latin typeface="Consolas" panose="020B0609020204030204" pitchFamily="49" charset="0"/>
-              </a:rPr>
-              <a:t> 'map({</a:t>
-            </a:r>
-            <a:r>
-              <a:rPr lang="en-US" sz="1100" b="0" dirty="0" err="1">
-                <a:solidFill>
-                  <a:srgbClr val="CE9178"/>
-                </a:solidFill>
-                <a:effectLst/>
-                <a:latin typeface="Consolas" panose="020B0609020204030204" pitchFamily="49" charset="0"/>
-              </a:rPr>
-              <a:t>uuid</a:t>
-            </a:r>
-            <a:r>
-              <a:rPr lang="en-US" sz="1100" b="0" dirty="0">
-                <a:solidFill>
-                  <a:srgbClr val="CE9178"/>
-                </a:solidFill>
-                <a:effectLst/>
-                <a:latin typeface="Consolas" panose="020B0609020204030204" pitchFamily="49" charset="0"/>
-              </a:rPr>
-              <a:t>})' )</a:t>
-            </a:r>
-            <a:endParaRPr lang="en-US" sz="1100" b="0" dirty="0">
-              <a:solidFill>
-                <a:srgbClr val="D4D4D4"/>
-              </a:solidFill>
-              <a:effectLst/>
-              <a:latin typeface="Consolas" panose="020B0609020204030204" pitchFamily="49" charset="0"/>
-            </a:endParaRPr>
-          </a:p>
-          <a:p>
-            <a:pPr marL="2171700" indent="-2171700"/>
-            <a:r>
-              <a:rPr lang="en-US" sz="1100" b="0" dirty="0">
-                <a:solidFill>
-                  <a:srgbClr val="D4D4D4"/>
-                </a:solidFill>
-                <a:effectLst/>
-                <a:latin typeface="Consolas" panose="020B0609020204030204" pitchFamily="49" charset="0"/>
-              </a:rPr>
-              <a:t>          - </a:t>
-            </a:r>
-            <a:r>
-              <a:rPr lang="en-US" sz="1100" b="0" dirty="0">
-                <a:solidFill>
-                  <a:srgbClr val="C586C0"/>
-                </a:solidFill>
-                <a:effectLst/>
-                <a:latin typeface="Consolas" panose="020B0609020204030204" pitchFamily="49" charset="0"/>
-              </a:rPr>
-              <a:t>&gt;</a:t>
-            </a:r>
-            <a:endParaRPr lang="en-US" sz="1100" b="0" dirty="0">
-              <a:solidFill>
-                <a:srgbClr val="D4D4D4"/>
-              </a:solidFill>
-              <a:effectLst/>
-              <a:latin typeface="Consolas" panose="020B0609020204030204" pitchFamily="49" charset="0"/>
-            </a:endParaRPr>
-          </a:p>
-          <a:p>
-            <a:pPr marL="2171700" indent="-2171700"/>
-            <a:r>
-              <a:rPr lang="en-US" sz="1100" b="0" dirty="0">
-                <a:solidFill>
-                  <a:srgbClr val="CE9178"/>
-                </a:solidFill>
-                <a:effectLst/>
-                <a:latin typeface="Consolas" panose="020B0609020204030204" pitchFamily="49" charset="0"/>
-              </a:rPr>
-              <a:t>            curl https://api.bitbucket.org/2.0/repositories/${BITBUCKET_REPO_OWNER}/${BITBUCKET_REPO_SLUG}/pullrequests \</a:t>
-            </a:r>
-            <a:endParaRPr lang="en-US" sz="1100" b="0" dirty="0">
-              <a:solidFill>
-                <a:srgbClr val="D4D4D4"/>
-              </a:solidFill>
-              <a:effectLst/>
-              <a:latin typeface="Consolas" panose="020B0609020204030204" pitchFamily="49" charset="0"/>
-            </a:endParaRPr>
-          </a:p>
-          <a:p>
-            <a:pPr marL="2171700" indent="-2171700"/>
-            <a:r>
-              <a:rPr lang="en-US" sz="1100" b="0" dirty="0">
-                <a:solidFill>
-                  <a:srgbClr val="CE9178"/>
-                </a:solidFill>
-                <a:effectLst/>
-                <a:latin typeface="Consolas" panose="020B0609020204030204" pitchFamily="49" charset="0"/>
-              </a:rPr>
-              <a:t>              -s -S -f -X POST \</a:t>
-            </a:r>
-            <a:endParaRPr lang="en-US" sz="1100" b="0" dirty="0">
-              <a:solidFill>
-                <a:srgbClr val="D4D4D4"/>
-              </a:solidFill>
-              <a:effectLst/>
-              <a:latin typeface="Consolas" panose="020B0609020204030204" pitchFamily="49" charset="0"/>
-            </a:endParaRPr>
-          </a:p>
-          <a:p>
-            <a:pPr marL="2171700" indent="-2171700"/>
-            <a:r>
-              <a:rPr lang="en-US" sz="1100" b="0" dirty="0">
-                <a:solidFill>
-                  <a:srgbClr val="CE9178"/>
-                </a:solidFill>
-                <a:effectLst/>
-                <a:latin typeface="Consolas" panose="020B0609020204030204" pitchFamily="49" charset="0"/>
-              </a:rPr>
-              <a:t>              -H 'Content-Type: application/</a:t>
-            </a:r>
-            <a:r>
-              <a:rPr lang="en-US" sz="1100" b="0" dirty="0" err="1">
-                <a:solidFill>
-                  <a:srgbClr val="CE9178"/>
-                </a:solidFill>
-                <a:effectLst/>
-                <a:latin typeface="Consolas" panose="020B0609020204030204" pitchFamily="49" charset="0"/>
-              </a:rPr>
-              <a:t>json</a:t>
-            </a:r>
-            <a:r>
-              <a:rPr lang="en-US" sz="1100" b="0" dirty="0">
-                <a:solidFill>
-                  <a:srgbClr val="CE9178"/>
-                </a:solidFill>
-                <a:effectLst/>
-                <a:latin typeface="Consolas" panose="020B0609020204030204" pitchFamily="49" charset="0"/>
-              </a:rPr>
-              <a:t>' \</a:t>
-            </a:r>
-            <a:endParaRPr lang="en-US" sz="1100" b="0" dirty="0">
-              <a:solidFill>
-                <a:srgbClr val="D4D4D4"/>
-              </a:solidFill>
-              <a:effectLst/>
-              <a:latin typeface="Consolas" panose="020B0609020204030204" pitchFamily="49" charset="0"/>
-            </a:endParaRPr>
-          </a:p>
-          <a:p>
-            <a:pPr marL="2171700" indent="-2171700"/>
-            <a:r>
-              <a:rPr lang="en-US" sz="1100" b="0" dirty="0">
-                <a:solidFill>
-                  <a:srgbClr val="CE9178"/>
-                </a:solidFill>
-                <a:effectLst/>
-                <a:latin typeface="Consolas" panose="020B0609020204030204" pitchFamily="49" charset="0"/>
-              </a:rPr>
-              <a:t>              -H "Authorization: Bearer ${BB_TOKEN}" \</a:t>
-            </a:r>
-            <a:endParaRPr lang="en-US" sz="1100" b="0" dirty="0">
-              <a:solidFill>
-                <a:srgbClr val="D4D4D4"/>
-              </a:solidFill>
-              <a:effectLst/>
-              <a:latin typeface="Consolas" panose="020B0609020204030204" pitchFamily="49" charset="0"/>
-            </a:endParaRPr>
-          </a:p>
-          <a:p>
-            <a:pPr marL="2171700" indent="-2171700"/>
-            <a:r>
-              <a:rPr lang="en-US" sz="1100" b="0" dirty="0">
-                <a:solidFill>
-                  <a:srgbClr val="CE9178"/>
-                </a:solidFill>
-                <a:effectLst/>
-                <a:latin typeface="Consolas" panose="020B0609020204030204" pitchFamily="49" charset="0"/>
-              </a:rPr>
-              <a:t>              -d '{ </a:t>
-            </a:r>
-            <a:endParaRPr lang="en-US" sz="1100" b="0" dirty="0">
-              <a:solidFill>
-                <a:srgbClr val="D4D4D4"/>
-              </a:solidFill>
-              <a:effectLst/>
-              <a:latin typeface="Consolas" panose="020B0609020204030204" pitchFamily="49" charset="0"/>
-            </a:endParaRPr>
-          </a:p>
-          <a:p>
-            <a:pPr marL="2171700" indent="-2171700"/>
-            <a:r>
-              <a:rPr lang="en-US" sz="1100" b="0" dirty="0">
-                <a:solidFill>
-                  <a:srgbClr val="CE9178"/>
-                </a:solidFill>
-                <a:effectLst/>
-                <a:latin typeface="Consolas" panose="020B0609020204030204" pitchFamily="49" charset="0"/>
-              </a:rPr>
-              <a:t>                    "title": "Merge in '"${BITBUCKET_BRANCH}-styler"'", </a:t>
-            </a:r>
-            <a:endParaRPr lang="en-US" sz="1100" b="0" dirty="0">
-              <a:solidFill>
-                <a:srgbClr val="D4D4D4"/>
-              </a:solidFill>
-              <a:effectLst/>
-              <a:latin typeface="Consolas" panose="020B0609020204030204" pitchFamily="49" charset="0"/>
-            </a:endParaRPr>
-          </a:p>
-          <a:p>
-            <a:pPr marL="2171700" indent="-2171700"/>
-            <a:r>
-              <a:rPr lang="en-US" sz="1100" b="0" dirty="0">
-                <a:solidFill>
-                  <a:srgbClr val="CE9178"/>
-                </a:solidFill>
-                <a:effectLst/>
-                <a:latin typeface="Consolas" panose="020B0609020204030204" pitchFamily="49" charset="0"/>
-              </a:rPr>
-              <a:t>                    "description": "Automated PR creation process :-)", </a:t>
-            </a:r>
-            <a:endParaRPr lang="en-US" sz="1100" b="0" dirty="0">
-              <a:solidFill>
-                <a:srgbClr val="D4D4D4"/>
-              </a:solidFill>
-              <a:effectLst/>
-              <a:latin typeface="Consolas" panose="020B0609020204030204" pitchFamily="49" charset="0"/>
-            </a:endParaRPr>
-          </a:p>
-          <a:p>
-            <a:pPr marL="2171700" indent="-2171700"/>
-            <a:r>
-              <a:rPr lang="en-US" sz="1100" b="0" dirty="0">
-                <a:solidFill>
-                  <a:srgbClr val="CE9178"/>
-                </a:solidFill>
-                <a:effectLst/>
-                <a:latin typeface="Consolas" panose="020B0609020204030204" pitchFamily="49" charset="0"/>
-              </a:rPr>
-              <a:t>                    "source": { </a:t>
-            </a:r>
-            <a:endParaRPr lang="en-US" sz="1100" b="0" dirty="0">
-              <a:solidFill>
-                <a:srgbClr val="D4D4D4"/>
-              </a:solidFill>
-              <a:effectLst/>
-              <a:latin typeface="Consolas" panose="020B0609020204030204" pitchFamily="49" charset="0"/>
-            </a:endParaRPr>
-          </a:p>
-          <a:p>
-            <a:pPr marL="2171700" indent="-2171700"/>
-            <a:r>
-              <a:rPr lang="en-US" sz="1100" b="0" dirty="0">
-                <a:solidFill>
-                  <a:srgbClr val="CE9178"/>
-                </a:solidFill>
-                <a:effectLst/>
-                <a:latin typeface="Consolas" panose="020B0609020204030204" pitchFamily="49" charset="0"/>
-              </a:rPr>
-              <a:t>                      "branch": { </a:t>
-            </a:r>
-            <a:endParaRPr lang="en-US" sz="1100" b="0" dirty="0">
-              <a:solidFill>
-                <a:srgbClr val="D4D4D4"/>
-              </a:solidFill>
-              <a:effectLst/>
-              <a:latin typeface="Consolas" panose="020B0609020204030204" pitchFamily="49" charset="0"/>
-            </a:endParaRPr>
-          </a:p>
-          <a:p>
-            <a:pPr marL="2171700" indent="-2171700"/>
-            <a:r>
-              <a:rPr lang="en-US" sz="1100" b="0" dirty="0">
-                <a:solidFill>
-                  <a:srgbClr val="CE9178"/>
-                </a:solidFill>
-                <a:effectLst/>
-                <a:latin typeface="Consolas" panose="020B0609020204030204" pitchFamily="49" charset="0"/>
-              </a:rPr>
-              <a:t>                        "name": "'"${BITBUCKET_BRANCH}-styler"'"</a:t>
-            </a:r>
-            <a:endParaRPr lang="en-US" sz="1100" b="0" dirty="0">
-              <a:solidFill>
-                <a:srgbClr val="D4D4D4"/>
-              </a:solidFill>
-              <a:effectLst/>
-              <a:latin typeface="Consolas" panose="020B0609020204030204" pitchFamily="49" charset="0"/>
-            </a:endParaRPr>
-          </a:p>
-          <a:p>
-            <a:pPr marL="2171700" indent="-2171700"/>
-            <a:r>
-              <a:rPr lang="en-US" sz="1100" b="0" dirty="0">
-                <a:solidFill>
-                  <a:srgbClr val="CE9178"/>
-                </a:solidFill>
-                <a:effectLst/>
-                <a:latin typeface="Consolas" panose="020B0609020204030204" pitchFamily="49" charset="0"/>
-              </a:rPr>
-              <a:t>                      }</a:t>
-            </a:r>
-            <a:endParaRPr lang="en-US" sz="1100" b="0" dirty="0">
-              <a:solidFill>
-                <a:srgbClr val="D4D4D4"/>
-              </a:solidFill>
-              <a:effectLst/>
-              <a:latin typeface="Consolas" panose="020B0609020204030204" pitchFamily="49" charset="0"/>
-            </a:endParaRPr>
-          </a:p>
-          <a:p>
-            <a:pPr marL="2171700" indent="-2171700"/>
-            <a:r>
-              <a:rPr lang="en-US" sz="1100" b="0" dirty="0">
-                <a:solidFill>
-                  <a:srgbClr val="CE9178"/>
-                </a:solidFill>
-                <a:effectLst/>
-                <a:latin typeface="Consolas" panose="020B0609020204030204" pitchFamily="49" charset="0"/>
-              </a:rPr>
-              <a:t>                    },</a:t>
-            </a:r>
-            <a:endParaRPr lang="en-US" sz="1100" b="0" dirty="0">
-              <a:solidFill>
-                <a:srgbClr val="D4D4D4"/>
-              </a:solidFill>
-              <a:effectLst/>
-              <a:latin typeface="Consolas" panose="020B0609020204030204" pitchFamily="49" charset="0"/>
-            </a:endParaRPr>
-          </a:p>
-          <a:p>
-            <a:pPr marL="2171700" indent="-2171700"/>
-            <a:r>
-              <a:rPr lang="en-US" sz="1100" b="0" dirty="0">
-                <a:solidFill>
-                  <a:srgbClr val="CE9178"/>
-                </a:solidFill>
-                <a:effectLst/>
-                <a:latin typeface="Consolas" panose="020B0609020204030204" pitchFamily="49" charset="0"/>
-              </a:rPr>
-              <a:t>                    "destination": { </a:t>
-            </a:r>
-            <a:endParaRPr lang="en-US" sz="1100" b="0" dirty="0">
-              <a:solidFill>
-                <a:srgbClr val="D4D4D4"/>
-              </a:solidFill>
-              <a:effectLst/>
-              <a:latin typeface="Consolas" panose="020B0609020204030204" pitchFamily="49" charset="0"/>
-            </a:endParaRPr>
-          </a:p>
-          <a:p>
-            <a:pPr marL="2171700" indent="-2171700"/>
-            <a:r>
-              <a:rPr lang="en-US" sz="1100" b="0" dirty="0">
-                <a:solidFill>
-                  <a:srgbClr val="CE9178"/>
-                </a:solidFill>
-                <a:effectLst/>
-                <a:latin typeface="Consolas" panose="020B0609020204030204" pitchFamily="49" charset="0"/>
-              </a:rPr>
-              <a:t>                      "branch": { </a:t>
-            </a:r>
-            <a:endParaRPr lang="en-US" sz="1100" b="0" dirty="0">
-              <a:solidFill>
-                <a:srgbClr val="D4D4D4"/>
-              </a:solidFill>
-              <a:effectLst/>
-              <a:latin typeface="Consolas" panose="020B0609020204030204" pitchFamily="49" charset="0"/>
-            </a:endParaRPr>
-          </a:p>
-          <a:p>
-            <a:pPr marL="2171700" indent="-2171700"/>
-            <a:r>
-              <a:rPr lang="en-US" sz="1100" b="0" dirty="0">
-                <a:solidFill>
-                  <a:srgbClr val="CE9178"/>
-                </a:solidFill>
-                <a:effectLst/>
-                <a:latin typeface="Consolas" panose="020B0609020204030204" pitchFamily="49" charset="0"/>
-              </a:rPr>
-              <a:t>                        "name": "'"${DESTINATION_BRANCH}"'"</a:t>
-            </a:r>
-            <a:endParaRPr lang="en-US" sz="1100" b="0" dirty="0">
-              <a:solidFill>
-                <a:srgbClr val="D4D4D4"/>
-              </a:solidFill>
-              <a:effectLst/>
-              <a:latin typeface="Consolas" panose="020B0609020204030204" pitchFamily="49" charset="0"/>
-            </a:endParaRPr>
-          </a:p>
-          <a:p>
-            <a:pPr marL="2171700" indent="-2171700"/>
-            <a:r>
-              <a:rPr lang="en-US" sz="1100" b="0" dirty="0">
-                <a:solidFill>
-                  <a:srgbClr val="CE9178"/>
-                </a:solidFill>
-                <a:effectLst/>
-                <a:latin typeface="Consolas" panose="020B0609020204030204" pitchFamily="49" charset="0"/>
-              </a:rPr>
-              <a:t>                      } </a:t>
-            </a:r>
-            <a:endParaRPr lang="en-US" sz="1100" b="0" dirty="0">
-              <a:solidFill>
-                <a:srgbClr val="D4D4D4"/>
-              </a:solidFill>
-              <a:effectLst/>
-              <a:latin typeface="Consolas" panose="020B0609020204030204" pitchFamily="49" charset="0"/>
-            </a:endParaRPr>
-          </a:p>
-          <a:p>
-            <a:pPr marL="2171700" indent="-2171700"/>
-            <a:r>
-              <a:rPr lang="en-US" sz="1100" b="0" dirty="0">
-                <a:solidFill>
-                  <a:srgbClr val="CE9178"/>
-                </a:solidFill>
-                <a:effectLst/>
-                <a:latin typeface="Consolas" panose="020B0609020204030204" pitchFamily="49" charset="0"/>
-              </a:rPr>
-              <a:t>                    }, </a:t>
-            </a:r>
-            <a:endParaRPr lang="en-US" sz="1100" b="0" dirty="0">
-              <a:solidFill>
-                <a:srgbClr val="D4D4D4"/>
-              </a:solidFill>
-              <a:effectLst/>
-              <a:latin typeface="Consolas" panose="020B0609020204030204" pitchFamily="49" charset="0"/>
-            </a:endParaRPr>
-          </a:p>
-          <a:p>
-            <a:pPr marL="2171700" indent="-2171700"/>
-            <a:r>
-              <a:rPr lang="en-US" sz="1100" b="0" dirty="0">
-                <a:solidFill>
-                  <a:srgbClr val="CE9178"/>
-                </a:solidFill>
-                <a:effectLst/>
-                <a:latin typeface="Consolas" panose="020B0609020204030204" pitchFamily="49" charset="0"/>
-              </a:rPr>
-              <a:t>                    "</a:t>
-            </a:r>
-            <a:r>
-              <a:rPr lang="en-US" sz="1100" b="0" dirty="0" err="1">
-                <a:solidFill>
-                  <a:srgbClr val="CE9178"/>
-                </a:solidFill>
-                <a:effectLst/>
-                <a:latin typeface="Consolas" panose="020B0609020204030204" pitchFamily="49" charset="0"/>
-              </a:rPr>
-              <a:t>close_source_branch</a:t>
-            </a:r>
-            <a:r>
-              <a:rPr lang="en-US" sz="1100" b="0" dirty="0">
-                <a:solidFill>
-                  <a:srgbClr val="CE9178"/>
-                </a:solidFill>
-                <a:effectLst/>
-                <a:latin typeface="Consolas" panose="020B0609020204030204" pitchFamily="49" charset="0"/>
-              </a:rPr>
-              <a:t>": '"${CLOSE_ME}"',</a:t>
-            </a:r>
-            <a:endParaRPr lang="en-US" sz="1100" b="0" dirty="0">
-              <a:solidFill>
-                <a:srgbClr val="D4D4D4"/>
-              </a:solidFill>
-              <a:effectLst/>
-              <a:latin typeface="Consolas" panose="020B0609020204030204" pitchFamily="49" charset="0"/>
-            </a:endParaRPr>
-          </a:p>
-          <a:p>
-            <a:pPr marL="2171700" indent="-2171700"/>
-            <a:r>
-              <a:rPr lang="en-US" sz="1100" b="0" dirty="0">
-                <a:solidFill>
-                  <a:srgbClr val="CE9178"/>
-                </a:solidFill>
-                <a:effectLst/>
-                <a:latin typeface="Consolas" panose="020B0609020204030204" pitchFamily="49" charset="0"/>
-              </a:rPr>
-              <a:t>                    "reviewers": '"${DEFAULT_REVIEWERS}"'</a:t>
-            </a:r>
-            <a:endParaRPr lang="en-US" sz="1100" b="0" dirty="0">
-              <a:solidFill>
-                <a:srgbClr val="D4D4D4"/>
-              </a:solidFill>
-              <a:effectLst/>
-              <a:latin typeface="Consolas" panose="020B0609020204030204" pitchFamily="49" charset="0"/>
-            </a:endParaRPr>
-          </a:p>
-          <a:p>
-            <a:pPr marL="2171700" indent="-2171700"/>
-            <a:r>
-              <a:rPr lang="en-US" sz="1100" b="0" dirty="0">
-                <a:solidFill>
-                  <a:srgbClr val="CE9178"/>
-                </a:solidFill>
-                <a:effectLst/>
-                <a:latin typeface="Consolas" panose="020B0609020204030204" pitchFamily="49" charset="0"/>
-              </a:rPr>
-              <a:t>                  }'</a:t>
-            </a:r>
-            <a:endParaRPr lang="en-US" sz="1100" b="0" dirty="0">
-              <a:solidFill>
-                <a:srgbClr val="D4D4D4"/>
-              </a:solidFill>
-              <a:effectLst/>
-              <a:latin typeface="Consolas" panose="020B0609020204030204" pitchFamily="49" charset="0"/>
-            </a:endParaRPr>
-          </a:p>
-        </p:txBody>
-      </p:sp>
-    </p:spTree>
-    <p:extLst>
-      <p:ext uri="{BB962C8B-B14F-4D97-AF65-F5344CB8AC3E}">
-        <p14:creationId xmlns:p14="http://schemas.microsoft.com/office/powerpoint/2010/main" val="542246410"/>
-      </p:ext>
-    </p:extLst>
-  </p:cSld>
-  <p:clrMapOvr>
-    <a:masterClrMapping/>
-  </p:clrMapOvr>
-</p:sld>
-</file>
-
-<file path=ppt/slides/slide32.xml><?xml version="1.0" encoding="utf-8"?>
-<p:sld xmlns:a="http://schemas.openxmlformats.org/drawingml/2006/main" xmlns:r="http://schemas.openxmlformats.org/officeDocument/2006/relationships" xmlns:p="http://schemas.openxmlformats.org/presentationml/2006/main">
-  <p:cSld>
-    <p:spTree>
-      <p:nvGrpSpPr>
-        <p:cNvPr id="1" name=""/>
-        <p:cNvGrpSpPr/>
-        <p:nvPr/>
-      </p:nvGrpSpPr>
-      <p:grpSpPr>
-        <a:xfrm>
-          <a:off x="0" y="0"/>
-          <a:ext cx="0" cy="0"/>
-          <a:chOff x="0" y="0"/>
-          <a:chExt cx="0" cy="0"/>
-        </a:xfrm>
-      </p:grpSpPr>
-      <p:sp>
-        <p:nvSpPr>
-          <p:cNvPr id="4" name="Title 3">
-            <a:extLst>
-              <a:ext uri="{FF2B5EF4-FFF2-40B4-BE49-F238E27FC236}">
-                <a16:creationId xmlns:a16="http://schemas.microsoft.com/office/drawing/2014/main" id="{505BD776-2FCF-451D-90C4-ABAA297A7172}"/>
-              </a:ext>
-            </a:extLst>
-          </p:cNvPr>
-          <p:cNvSpPr>
-            <a:spLocks noGrp="1"/>
-          </p:cNvSpPr>
-          <p:nvPr>
-            <p:ph type="title"/>
-          </p:nvPr>
-        </p:nvSpPr>
-        <p:spPr/>
-        <p:txBody>
-          <a:bodyPr/>
-          <a:lstStyle/>
-          <a:p>
-            <a:r>
-              <a:rPr lang="en-US" dirty="0"/>
-              <a:t>Example (Step 2b)</a:t>
-            </a:r>
-          </a:p>
-        </p:txBody>
-      </p:sp>
-      <p:sp>
-        <p:nvSpPr>
-          <p:cNvPr id="6" name="TextBox 5">
-            <a:extLst>
-              <a:ext uri="{FF2B5EF4-FFF2-40B4-BE49-F238E27FC236}">
-                <a16:creationId xmlns:a16="http://schemas.microsoft.com/office/drawing/2014/main" id="{7F40BFE2-5E90-4EAE-97D0-575834FAE1FD}"/>
-              </a:ext>
-            </a:extLst>
-          </p:cNvPr>
-          <p:cNvSpPr txBox="1"/>
-          <p:nvPr/>
-        </p:nvSpPr>
-        <p:spPr>
-          <a:xfrm>
-            <a:off x="519545" y="1477178"/>
-            <a:ext cx="7871980" cy="3139321"/>
-          </a:xfrm>
-          <a:prstGeom prst="rect">
-            <a:avLst/>
-          </a:prstGeom>
-          <a:solidFill>
-            <a:schemeClr val="tx1"/>
-          </a:solidFill>
-        </p:spPr>
-        <p:txBody>
-          <a:bodyPr wrap="square">
-            <a:spAutoFit/>
-          </a:bodyPr>
-          <a:lstStyle/>
-          <a:p>
-            <a:r>
-              <a:rPr lang="en-US" b="0" dirty="0">
-                <a:solidFill>
-                  <a:srgbClr val="D4D4D4"/>
-                </a:solidFill>
-                <a:effectLst/>
-                <a:latin typeface="Consolas" panose="020B0609020204030204" pitchFamily="49" charset="0"/>
-              </a:rPr>
-              <a:t>    - </a:t>
-            </a:r>
-            <a:r>
-              <a:rPr lang="en-US" b="0" dirty="0">
-                <a:solidFill>
-                  <a:srgbClr val="569CD6"/>
-                </a:solidFill>
-                <a:effectLst/>
-                <a:latin typeface="Consolas" panose="020B0609020204030204" pitchFamily="49" charset="0"/>
-              </a:rPr>
-              <a:t>step</a:t>
-            </a:r>
-            <a:r>
-              <a:rPr lang="en-US" b="0" dirty="0">
-                <a:solidFill>
-                  <a:srgbClr val="D4D4D4"/>
-                </a:solidFill>
-                <a:effectLst/>
-                <a:latin typeface="Consolas" panose="020B0609020204030204" pitchFamily="49" charset="0"/>
-              </a:rPr>
-              <a:t>:</a:t>
-            </a:r>
-          </a:p>
-          <a:p>
-            <a:r>
-              <a:rPr lang="en-US" b="0" dirty="0">
-                <a:solidFill>
-                  <a:srgbClr val="D4D4D4"/>
-                </a:solidFill>
-                <a:effectLst/>
-                <a:latin typeface="Consolas" panose="020B0609020204030204" pitchFamily="49" charset="0"/>
-              </a:rPr>
-              <a:t>        </a:t>
-            </a:r>
-            <a:r>
-              <a:rPr lang="en-US" b="0" dirty="0">
-                <a:solidFill>
-                  <a:srgbClr val="569CD6"/>
-                </a:solidFill>
-                <a:effectLst/>
-                <a:latin typeface="Consolas" panose="020B0609020204030204" pitchFamily="49" charset="0"/>
-              </a:rPr>
-              <a:t>name</a:t>
-            </a:r>
-            <a:r>
-              <a:rPr lang="en-US" b="0" dirty="0">
-                <a:solidFill>
-                  <a:srgbClr val="D4D4D4"/>
-                </a:solidFill>
-                <a:effectLst/>
-                <a:latin typeface="Consolas" panose="020B0609020204030204" pitchFamily="49" charset="0"/>
-              </a:rPr>
-              <a:t>: </a:t>
-            </a:r>
-            <a:r>
-              <a:rPr lang="en-US" b="0" dirty="0">
-                <a:solidFill>
-                  <a:srgbClr val="CE9178"/>
-                </a:solidFill>
-                <a:effectLst/>
-                <a:latin typeface="Consolas" panose="020B0609020204030204" pitchFamily="49" charset="0"/>
-              </a:rPr>
-              <a:t>"Automatic styler"</a:t>
-            </a:r>
-            <a:endParaRPr lang="en-US" b="0" dirty="0">
-              <a:solidFill>
-                <a:srgbClr val="D4D4D4"/>
-              </a:solidFill>
-              <a:effectLst/>
-              <a:latin typeface="Consolas" panose="020B0609020204030204" pitchFamily="49" charset="0"/>
-            </a:endParaRPr>
-          </a:p>
-          <a:p>
-            <a:r>
-              <a:rPr lang="en-US" b="0" dirty="0">
-                <a:solidFill>
-                  <a:srgbClr val="D4D4D4"/>
-                </a:solidFill>
-                <a:effectLst/>
-                <a:latin typeface="Consolas" panose="020B0609020204030204" pitchFamily="49" charset="0"/>
-              </a:rPr>
-              <a:t>        </a:t>
-            </a:r>
-            <a:r>
-              <a:rPr lang="en-US" b="0" dirty="0">
-                <a:solidFill>
-                  <a:srgbClr val="569CD6"/>
-                </a:solidFill>
-                <a:effectLst/>
-                <a:latin typeface="Consolas" panose="020B0609020204030204" pitchFamily="49" charset="0"/>
-              </a:rPr>
-              <a:t>image</a:t>
-            </a:r>
-            <a:r>
-              <a:rPr lang="en-US" b="0" dirty="0">
-                <a:solidFill>
-                  <a:srgbClr val="D4D4D4"/>
-                </a:solidFill>
-                <a:effectLst/>
-                <a:latin typeface="Consolas" panose="020B0609020204030204" pitchFamily="49" charset="0"/>
-              </a:rPr>
-              <a:t>: </a:t>
-            </a:r>
-            <a:r>
-              <a:rPr lang="en-US" b="0" dirty="0">
-                <a:solidFill>
-                  <a:srgbClr val="CE9178"/>
-                </a:solidFill>
-                <a:effectLst/>
-                <a:latin typeface="Consolas" panose="020B0609020204030204" pitchFamily="49" charset="0"/>
-              </a:rPr>
-              <a:t>rocker/tidyverse:4.0.2</a:t>
-            </a:r>
-            <a:endParaRPr lang="en-US" b="0" dirty="0">
-              <a:solidFill>
-                <a:srgbClr val="D4D4D4"/>
-              </a:solidFill>
-              <a:effectLst/>
-              <a:latin typeface="Consolas" panose="020B0609020204030204" pitchFamily="49" charset="0"/>
-            </a:endParaRPr>
-          </a:p>
-          <a:p>
-            <a:r>
-              <a:rPr lang="en-US" b="0" dirty="0">
-                <a:solidFill>
-                  <a:srgbClr val="D4D4D4"/>
-                </a:solidFill>
-                <a:effectLst/>
-                <a:latin typeface="Consolas" panose="020B0609020204030204" pitchFamily="49" charset="0"/>
-              </a:rPr>
-              <a:t>        </a:t>
-            </a:r>
-            <a:r>
-              <a:rPr lang="en-US" b="0" dirty="0">
-                <a:solidFill>
-                  <a:srgbClr val="569CD6"/>
-                </a:solidFill>
-                <a:effectLst/>
-                <a:latin typeface="Consolas" panose="020B0609020204030204" pitchFamily="49" charset="0"/>
-              </a:rPr>
-              <a:t>trigger</a:t>
-            </a:r>
-            <a:r>
-              <a:rPr lang="en-US" b="0" dirty="0">
-                <a:solidFill>
-                  <a:srgbClr val="D4D4D4"/>
-                </a:solidFill>
-                <a:effectLst/>
-                <a:latin typeface="Consolas" panose="020B0609020204030204" pitchFamily="49" charset="0"/>
-              </a:rPr>
-              <a:t>: </a:t>
-            </a:r>
-            <a:r>
-              <a:rPr lang="en-US" b="0" dirty="0">
-                <a:solidFill>
-                  <a:srgbClr val="CE9178"/>
-                </a:solidFill>
-                <a:effectLst/>
-                <a:latin typeface="Consolas" panose="020B0609020204030204" pitchFamily="49" charset="0"/>
-              </a:rPr>
-              <a:t>manual</a:t>
-            </a:r>
-            <a:endParaRPr lang="en-US" b="0" dirty="0">
-              <a:solidFill>
-                <a:srgbClr val="D4D4D4"/>
-              </a:solidFill>
-              <a:effectLst/>
-              <a:latin typeface="Consolas" panose="020B0609020204030204" pitchFamily="49" charset="0"/>
-            </a:endParaRPr>
-          </a:p>
-          <a:p>
-            <a:r>
-              <a:rPr lang="en-US" b="0" dirty="0">
-                <a:solidFill>
-                  <a:srgbClr val="D4D4D4"/>
-                </a:solidFill>
-                <a:effectLst/>
-                <a:latin typeface="Consolas" panose="020B0609020204030204" pitchFamily="49" charset="0"/>
-              </a:rPr>
-              <a:t>        </a:t>
-            </a:r>
-            <a:r>
-              <a:rPr lang="en-US" b="0" dirty="0">
-                <a:solidFill>
-                  <a:srgbClr val="569CD6"/>
-                </a:solidFill>
-                <a:effectLst/>
-                <a:latin typeface="Consolas" panose="020B0609020204030204" pitchFamily="49" charset="0"/>
-              </a:rPr>
-              <a:t>script</a:t>
-            </a:r>
-            <a:r>
-              <a:rPr lang="en-US" b="0" dirty="0">
-                <a:solidFill>
-                  <a:srgbClr val="D4D4D4"/>
-                </a:solidFill>
-                <a:effectLst/>
-                <a:latin typeface="Consolas" panose="020B0609020204030204" pitchFamily="49" charset="0"/>
-              </a:rPr>
-              <a:t>:</a:t>
-            </a:r>
-          </a:p>
-          <a:p>
-            <a:r>
-              <a:rPr lang="en-US" b="0" dirty="0">
-                <a:solidFill>
-                  <a:srgbClr val="D4D4D4"/>
-                </a:solidFill>
-                <a:effectLst/>
-                <a:latin typeface="Consolas" panose="020B0609020204030204" pitchFamily="49" charset="0"/>
-              </a:rPr>
-              <a:t>        - </a:t>
-            </a:r>
-            <a:r>
-              <a:rPr lang="en-US" b="0" dirty="0" err="1">
-                <a:solidFill>
-                  <a:srgbClr val="CE9178"/>
-                </a:solidFill>
-                <a:effectLst/>
-                <a:latin typeface="Consolas" panose="020B0609020204030204" pitchFamily="49" charset="0"/>
-              </a:rPr>
-              <a:t>Rscript</a:t>
-            </a:r>
-            <a:r>
-              <a:rPr lang="en-US" b="0" dirty="0">
-                <a:solidFill>
-                  <a:srgbClr val="CE9178"/>
-                </a:solidFill>
-                <a:effectLst/>
-                <a:latin typeface="Consolas" panose="020B0609020204030204" pitchFamily="49" charset="0"/>
-              </a:rPr>
-              <a:t> -e '</a:t>
-            </a:r>
-            <a:r>
-              <a:rPr lang="en-US" b="0" dirty="0" err="1">
-                <a:solidFill>
-                  <a:srgbClr val="CE9178"/>
-                </a:solidFill>
-                <a:effectLst/>
-                <a:latin typeface="Consolas" panose="020B0609020204030204" pitchFamily="49" charset="0"/>
-              </a:rPr>
-              <a:t>install.packages</a:t>
-            </a:r>
-            <a:r>
-              <a:rPr lang="en-US" b="0" dirty="0">
-                <a:solidFill>
-                  <a:srgbClr val="CE9178"/>
-                </a:solidFill>
-                <a:effectLst/>
-                <a:latin typeface="Consolas" panose="020B0609020204030204" pitchFamily="49" charset="0"/>
-              </a:rPr>
-              <a:t>("styler")'</a:t>
-            </a:r>
-            <a:endParaRPr lang="en-US" b="0" dirty="0">
-              <a:solidFill>
-                <a:srgbClr val="D4D4D4"/>
-              </a:solidFill>
-              <a:effectLst/>
-              <a:latin typeface="Consolas" panose="020B0609020204030204" pitchFamily="49" charset="0"/>
-            </a:endParaRPr>
-          </a:p>
-          <a:p>
-            <a:r>
-              <a:rPr lang="en-US" b="0" dirty="0">
-                <a:solidFill>
-                  <a:srgbClr val="D4D4D4"/>
-                </a:solidFill>
-                <a:effectLst/>
-                <a:latin typeface="Consolas" panose="020B0609020204030204" pitchFamily="49" charset="0"/>
-              </a:rPr>
-              <a:t>        - </a:t>
-            </a:r>
-            <a:r>
-              <a:rPr lang="en-US" b="0" dirty="0" err="1">
-                <a:solidFill>
-                  <a:srgbClr val="CE9178"/>
-                </a:solidFill>
-                <a:effectLst/>
-                <a:latin typeface="Consolas" panose="020B0609020204030204" pitchFamily="49" charset="0"/>
-              </a:rPr>
-              <a:t>Rscript</a:t>
-            </a:r>
-            <a:r>
-              <a:rPr lang="en-US" b="0" dirty="0">
-                <a:solidFill>
-                  <a:srgbClr val="CE9178"/>
-                </a:solidFill>
-                <a:effectLst/>
-                <a:latin typeface="Consolas" panose="020B0609020204030204" pitchFamily="49" charset="0"/>
-              </a:rPr>
-              <a:t> -e 'styler::</a:t>
-            </a:r>
-            <a:r>
-              <a:rPr lang="en-US" b="0" dirty="0" err="1">
-                <a:solidFill>
-                  <a:srgbClr val="CE9178"/>
-                </a:solidFill>
-                <a:effectLst/>
-                <a:latin typeface="Consolas" panose="020B0609020204030204" pitchFamily="49" charset="0"/>
-              </a:rPr>
-              <a:t>style_pkg</a:t>
-            </a:r>
-            <a:r>
-              <a:rPr lang="en-US" b="0" dirty="0">
-                <a:solidFill>
-                  <a:srgbClr val="CE9178"/>
-                </a:solidFill>
-                <a:effectLst/>
-                <a:latin typeface="Consolas" panose="020B0609020204030204" pitchFamily="49" charset="0"/>
-              </a:rPr>
-              <a:t>()'</a:t>
-            </a:r>
-            <a:endParaRPr lang="en-US" b="0" dirty="0">
-              <a:solidFill>
-                <a:srgbClr val="D4D4D4"/>
-              </a:solidFill>
-              <a:effectLst/>
-              <a:latin typeface="Consolas" panose="020B0609020204030204" pitchFamily="49" charset="0"/>
-            </a:endParaRPr>
-          </a:p>
-          <a:p>
-            <a:r>
-              <a:rPr lang="en-US" b="0" dirty="0">
-                <a:solidFill>
-                  <a:srgbClr val="D4D4D4"/>
-                </a:solidFill>
-                <a:effectLst/>
-                <a:latin typeface="Consolas" panose="020B0609020204030204" pitchFamily="49" charset="0"/>
-              </a:rPr>
-              <a:t>        - </a:t>
-            </a:r>
-            <a:r>
-              <a:rPr lang="en-US" b="0" dirty="0">
-                <a:solidFill>
-                  <a:srgbClr val="CE9178"/>
-                </a:solidFill>
-                <a:effectLst/>
-                <a:latin typeface="Consolas" panose="020B0609020204030204" pitchFamily="49" charset="0"/>
-              </a:rPr>
-              <a:t>git checkout -b ${BITBUCKET_BRANCH}-styler</a:t>
-            </a:r>
-            <a:endParaRPr lang="en-US" b="0" dirty="0">
-              <a:solidFill>
-                <a:srgbClr val="D4D4D4"/>
-              </a:solidFill>
-              <a:effectLst/>
-              <a:latin typeface="Consolas" panose="020B0609020204030204" pitchFamily="49" charset="0"/>
-            </a:endParaRPr>
-          </a:p>
-          <a:p>
-            <a:r>
-              <a:rPr lang="en-US" b="0" dirty="0">
-                <a:solidFill>
-                  <a:srgbClr val="D4D4D4"/>
-                </a:solidFill>
-                <a:effectLst/>
-                <a:latin typeface="Consolas" panose="020B0609020204030204" pitchFamily="49" charset="0"/>
-              </a:rPr>
-              <a:t>        - </a:t>
-            </a:r>
-            <a:r>
-              <a:rPr lang="en-US" b="0" dirty="0">
-                <a:solidFill>
-                  <a:srgbClr val="CE9178"/>
-                </a:solidFill>
-                <a:effectLst/>
-                <a:latin typeface="Consolas" panose="020B0609020204030204" pitchFamily="49" charset="0"/>
-              </a:rPr>
-              <a:t>git commit -am "[skip ci] Automatic styler."</a:t>
-            </a:r>
-            <a:endParaRPr lang="en-US" b="0" dirty="0">
-              <a:solidFill>
-                <a:srgbClr val="D4D4D4"/>
-              </a:solidFill>
-              <a:effectLst/>
-              <a:latin typeface="Consolas" panose="020B0609020204030204" pitchFamily="49" charset="0"/>
-            </a:endParaRPr>
-          </a:p>
-          <a:p>
-            <a:r>
-              <a:rPr lang="en-US" b="0" dirty="0">
-                <a:solidFill>
-                  <a:srgbClr val="D4D4D4"/>
-                </a:solidFill>
-                <a:effectLst/>
-                <a:latin typeface="Consolas" panose="020B0609020204030204" pitchFamily="49" charset="0"/>
-              </a:rPr>
-              <a:t>        - </a:t>
-            </a:r>
-            <a:r>
-              <a:rPr lang="en-US" b="0" dirty="0">
-                <a:solidFill>
-                  <a:srgbClr val="CE9178"/>
-                </a:solidFill>
-                <a:effectLst/>
-                <a:latin typeface="Consolas" panose="020B0609020204030204" pitchFamily="49" charset="0"/>
-              </a:rPr>
-              <a:t>git push</a:t>
-            </a:r>
-            <a:endParaRPr lang="en-US" b="0" dirty="0">
-              <a:solidFill>
-                <a:srgbClr val="D4D4D4"/>
-              </a:solidFill>
-              <a:effectLst/>
-              <a:latin typeface="Consolas" panose="020B0609020204030204" pitchFamily="49" charset="0"/>
-            </a:endParaRPr>
-          </a:p>
-          <a:p>
-            <a:r>
-              <a:rPr lang="en-US" b="0" dirty="0">
-                <a:solidFill>
-                  <a:srgbClr val="D4D4D4"/>
-                </a:solidFill>
-                <a:effectLst/>
-                <a:latin typeface="Consolas" panose="020B0609020204030204" pitchFamily="49" charset="0"/>
-              </a:rPr>
-              <a:t>    - </a:t>
-            </a:r>
-            <a:r>
-              <a:rPr lang="en-US" b="0" dirty="0">
-                <a:solidFill>
-                  <a:srgbClr val="569CD6"/>
-                </a:solidFill>
-                <a:effectLst/>
-                <a:latin typeface="Consolas" panose="020B0609020204030204" pitchFamily="49" charset="0"/>
-              </a:rPr>
-              <a:t>step</a:t>
-            </a:r>
-            <a:r>
-              <a:rPr lang="en-US" b="0" dirty="0">
-                <a:solidFill>
-                  <a:srgbClr val="D4D4D4"/>
-                </a:solidFill>
-                <a:effectLst/>
-                <a:latin typeface="Consolas" panose="020B0609020204030204" pitchFamily="49" charset="0"/>
-              </a:rPr>
-              <a:t>: </a:t>
-            </a:r>
-            <a:r>
-              <a:rPr lang="en-US" b="0" dirty="0">
-                <a:solidFill>
-                  <a:srgbClr val="C586C0"/>
-                </a:solidFill>
-                <a:effectLst/>
-                <a:latin typeface="Consolas" panose="020B0609020204030204" pitchFamily="49" charset="0"/>
-              </a:rPr>
-              <a:t>*</a:t>
-            </a:r>
-            <a:r>
-              <a:rPr lang="en-US" b="0" dirty="0">
-                <a:solidFill>
-                  <a:srgbClr val="9CDCFE"/>
-                </a:solidFill>
-                <a:effectLst/>
-                <a:latin typeface="Consolas" panose="020B0609020204030204" pitchFamily="49" charset="0"/>
-              </a:rPr>
-              <a:t>create-pr</a:t>
-            </a:r>
-            <a:endParaRPr lang="en-US" b="0" dirty="0">
-              <a:solidFill>
-                <a:srgbClr val="D4D4D4"/>
-              </a:solidFill>
-              <a:effectLst/>
-              <a:latin typeface="Consolas" panose="020B0609020204030204" pitchFamily="49" charset="0"/>
-            </a:endParaRPr>
-          </a:p>
-        </p:txBody>
-      </p:sp>
-    </p:spTree>
-    <p:extLst>
-      <p:ext uri="{BB962C8B-B14F-4D97-AF65-F5344CB8AC3E}">
-        <p14:creationId xmlns:p14="http://schemas.microsoft.com/office/powerpoint/2010/main" val="338783482"/>
-      </p:ext>
-    </p:extLst>
-  </p:cSld>
-  <p:clrMapOvr>
-    <a:masterClrMapping/>
-  </p:clrMapOvr>
-</p:sld>
-</file>
-
-<file path=ppt/slides/slide33.xml><?xml version="1.0" encoding="utf-8"?>
-<p:sld xmlns:a="http://schemas.openxmlformats.org/drawingml/2006/main" xmlns:r="http://schemas.openxmlformats.org/officeDocument/2006/relationships" xmlns:p="http://schemas.openxmlformats.org/presentationml/2006/main">
-  <p:cSld>
-    <p:spTree>
-      <p:nvGrpSpPr>
-        <p:cNvPr id="1" name=""/>
-        <p:cNvGrpSpPr/>
-        <p:nvPr/>
-      </p:nvGrpSpPr>
-      <p:grpSpPr>
-        <a:xfrm>
-          <a:off x="0" y="0"/>
-          <a:ext cx="0" cy="0"/>
-          <a:chOff x="0" y="0"/>
-          <a:chExt cx="0" cy="0"/>
-        </a:xfrm>
-      </p:grpSpPr>
-      <p:sp>
-        <p:nvSpPr>
-          <p:cNvPr id="7" name="Text Placeholder 6">
-            <a:extLst>
-              <a:ext uri="{FF2B5EF4-FFF2-40B4-BE49-F238E27FC236}">
-                <a16:creationId xmlns:a16="http://schemas.microsoft.com/office/drawing/2014/main" id="{AB9C16C6-84F1-BB4A-B532-19BECBFCE2B1}"/>
-              </a:ext>
-            </a:extLst>
-          </p:cNvPr>
-          <p:cNvSpPr>
-            <a:spLocks noGrp="1"/>
-          </p:cNvSpPr>
-          <p:nvPr>
-            <p:ph type="body" sz="quarter" idx="13"/>
-          </p:nvPr>
-        </p:nvSpPr>
-        <p:spPr/>
-        <p:txBody>
-          <a:bodyPr/>
-          <a:lstStyle/>
-          <a:p>
-            <a:r>
-              <a:rPr lang="en-US" dirty="0"/>
-              <a:t>Coverage, badges, etc.</a:t>
-            </a:r>
-          </a:p>
-        </p:txBody>
-      </p:sp>
-      <p:sp>
-        <p:nvSpPr>
-          <p:cNvPr id="6" name="Title 5">
-            <a:extLst>
-              <a:ext uri="{FF2B5EF4-FFF2-40B4-BE49-F238E27FC236}">
-                <a16:creationId xmlns:a16="http://schemas.microsoft.com/office/drawing/2014/main" id="{82847CB5-E3D8-F94F-B90B-8153C5D7A108}"/>
-              </a:ext>
-            </a:extLst>
-          </p:cNvPr>
-          <p:cNvSpPr>
-            <a:spLocks noGrp="1"/>
-          </p:cNvSpPr>
-          <p:nvPr>
-            <p:ph type="title"/>
-          </p:nvPr>
-        </p:nvSpPr>
-        <p:spPr/>
-        <p:txBody>
-          <a:bodyPr/>
-          <a:lstStyle/>
-          <a:p>
-            <a:r>
-              <a:rPr lang="en-US" dirty="0"/>
-              <a:t>Automation next steps</a:t>
-            </a:r>
-          </a:p>
-        </p:txBody>
-      </p:sp>
-    </p:spTree>
-    <p:extLst>
-      <p:ext uri="{BB962C8B-B14F-4D97-AF65-F5344CB8AC3E}">
-        <p14:creationId xmlns:p14="http://schemas.microsoft.com/office/powerpoint/2010/main" val="3218003630"/>
-      </p:ext>
-    </p:extLst>
-  </p:cSld>
-  <p:clrMapOvr>
-    <a:masterClrMapping/>
-  </p:clrMapOvr>
-</p:sld>
-</file>
-
-<file path=ppt/slides/slide34.xml><?xml version="1.0" encoding="utf-8"?>
-<p:sld xmlns:a="http://schemas.openxmlformats.org/drawingml/2006/main" xmlns:r="http://schemas.openxmlformats.org/officeDocument/2006/relationships" xmlns:p="http://schemas.openxmlformats.org/presentationml/2006/main">
-  <p:cSld>
-    <p:spTree>
-      <p:nvGrpSpPr>
-        <p:cNvPr id="1" name=""/>
-        <p:cNvGrpSpPr/>
-        <p:nvPr/>
-      </p:nvGrpSpPr>
-      <p:grpSpPr>
-        <a:xfrm>
-          <a:off x="0" y="0"/>
-          <a:ext cx="0" cy="0"/>
-          <a:chOff x="0" y="0"/>
-          <a:chExt cx="0" cy="0"/>
-        </a:xfrm>
-      </p:grpSpPr>
-      <p:sp>
-        <p:nvSpPr>
-          <p:cNvPr id="4" name="Title 3">
-            <a:extLst>
-              <a:ext uri="{FF2B5EF4-FFF2-40B4-BE49-F238E27FC236}">
-                <a16:creationId xmlns:a16="http://schemas.microsoft.com/office/drawing/2014/main" id="{4FEF3F27-AE32-4C76-B732-4A03608B065D}"/>
-              </a:ext>
-            </a:extLst>
-          </p:cNvPr>
-          <p:cNvSpPr>
-            <a:spLocks noGrp="1"/>
-          </p:cNvSpPr>
-          <p:nvPr>
-            <p:ph type="title"/>
-          </p:nvPr>
-        </p:nvSpPr>
-        <p:spPr/>
-        <p:txBody>
-          <a:bodyPr/>
-          <a:lstStyle/>
-          <a:p>
-            <a:r>
-              <a:rPr lang="en-US" dirty="0"/>
-              <a:t>Appendix – Additional Sources</a:t>
-            </a:r>
-          </a:p>
-        </p:txBody>
-      </p:sp>
-    </p:spTree>
-    <p:extLst>
-      <p:ext uri="{BB962C8B-B14F-4D97-AF65-F5344CB8AC3E}">
-        <p14:creationId xmlns:p14="http://schemas.microsoft.com/office/powerpoint/2010/main" val="3447645022"/>
-      </p:ext>
-    </p:extLst>
-  </p:cSld>
-  <p:clrMapOvr>
-    <a:masterClrMapping/>
-  </p:clrMapOvr>
-</p:sld>
-</file>
-
-<file path=ppt/slides/slide4.xml><?xml version="1.0" encoding="utf-8"?>
+<file path=ppt/slides/slide6.xml><?xml version="1.0" encoding="utf-8"?>
 <p:sld xmlns:a="http://schemas.openxmlformats.org/drawingml/2006/main" xmlns:r="http://schemas.openxmlformats.org/officeDocument/2006/relationships" xmlns:p="http://schemas.openxmlformats.org/presentationml/2006/main">
   <p:cSld>
     <p:spTree>
@@ -12728,7 +13634,7 @@
 </p:sld>
 </file>
 
-<file path=ppt/slides/slide5.xml><?xml version="1.0" encoding="utf-8"?>
+<file path=ppt/slides/slide7.xml><?xml version="1.0" encoding="utf-8"?>
 <p:sld xmlns:a="http://schemas.openxmlformats.org/drawingml/2006/main" xmlns:r="http://schemas.openxmlformats.org/officeDocument/2006/relationships" xmlns:p="http://schemas.openxmlformats.org/presentationml/2006/main">
   <p:cSld>
     <p:spTree>
@@ -12794,249 +13700,6 @@
 </p:sld>
 </file>
 
-<file path=ppt/slides/slide6.xml><?xml version="1.0" encoding="utf-8"?>
-<p:sld xmlns:a="http://schemas.openxmlformats.org/drawingml/2006/main" xmlns:r="http://schemas.openxmlformats.org/officeDocument/2006/relationships" xmlns:p="http://schemas.openxmlformats.org/presentationml/2006/main">
-  <p:cSld>
-    <p:spTree>
-      <p:nvGrpSpPr>
-        <p:cNvPr id="1" name=""/>
-        <p:cNvGrpSpPr/>
-        <p:nvPr/>
-      </p:nvGrpSpPr>
-      <p:grpSpPr>
-        <a:xfrm>
-          <a:off x="0" y="0"/>
-          <a:ext cx="0" cy="0"/>
-          <a:chOff x="0" y="0"/>
-          <a:chExt cx="0" cy="0"/>
-        </a:xfrm>
-      </p:grpSpPr>
-      <p:sp>
-        <p:nvSpPr>
-          <p:cNvPr id="7" name="Text Placeholder 6">
-            <a:extLst>
-              <a:ext uri="{FF2B5EF4-FFF2-40B4-BE49-F238E27FC236}">
-                <a16:creationId xmlns:a16="http://schemas.microsoft.com/office/drawing/2014/main" id="{AB9C16C6-84F1-BB4A-B532-19BECBFCE2B1}"/>
-              </a:ext>
-            </a:extLst>
-          </p:cNvPr>
-          <p:cNvSpPr>
-            <a:spLocks noGrp="1"/>
-          </p:cNvSpPr>
-          <p:nvPr>
-            <p:ph type="body" sz="quarter" idx="13"/>
-          </p:nvPr>
-        </p:nvSpPr>
-        <p:spPr/>
-        <p:txBody>
-          <a:bodyPr/>
-          <a:lstStyle/>
-          <a:p>
-            <a:r>
-              <a:rPr lang="en-US" dirty="0" err="1"/>
-              <a:t>NCAAcalcutta</a:t>
-            </a:r>
-            <a:r>
-              <a:rPr lang="en-US" dirty="0"/>
-              <a:t> package</a:t>
-            </a:r>
-          </a:p>
-        </p:txBody>
-      </p:sp>
-      <p:sp>
-        <p:nvSpPr>
-          <p:cNvPr id="6" name="Title 5">
-            <a:extLst>
-              <a:ext uri="{FF2B5EF4-FFF2-40B4-BE49-F238E27FC236}">
-                <a16:creationId xmlns:a16="http://schemas.microsoft.com/office/drawing/2014/main" id="{82847CB5-E3D8-F94F-B90B-8153C5D7A108}"/>
-              </a:ext>
-            </a:extLst>
-          </p:cNvPr>
-          <p:cNvSpPr>
-            <a:spLocks noGrp="1"/>
-          </p:cNvSpPr>
-          <p:nvPr>
-            <p:ph type="title"/>
-          </p:nvPr>
-        </p:nvSpPr>
-        <p:spPr/>
-        <p:txBody>
-          <a:bodyPr/>
-          <a:lstStyle/>
-          <a:p>
-            <a:r>
-              <a:rPr lang="en-US" dirty="0"/>
-              <a:t>Case Study</a:t>
-            </a:r>
-          </a:p>
-        </p:txBody>
-      </p:sp>
-    </p:spTree>
-    <p:extLst>
-      <p:ext uri="{BB962C8B-B14F-4D97-AF65-F5344CB8AC3E}">
-        <p14:creationId xmlns:p14="http://schemas.microsoft.com/office/powerpoint/2010/main" val="4169262914"/>
-      </p:ext>
-    </p:extLst>
-  </p:cSld>
-  <p:clrMapOvr>
-    <a:masterClrMapping/>
-  </p:clrMapOvr>
-</p:sld>
-</file>
-
-<file path=ppt/slides/slide7.xml><?xml version="1.0" encoding="utf-8"?>
-<p:sld xmlns:a="http://schemas.openxmlformats.org/drawingml/2006/main" xmlns:r="http://schemas.openxmlformats.org/officeDocument/2006/relationships" xmlns:p="http://schemas.openxmlformats.org/presentationml/2006/main">
-  <p:cSld>
-    <p:spTree>
-      <p:nvGrpSpPr>
-        <p:cNvPr id="1" name=""/>
-        <p:cNvGrpSpPr/>
-        <p:nvPr/>
-      </p:nvGrpSpPr>
-      <p:grpSpPr>
-        <a:xfrm>
-          <a:off x="0" y="0"/>
-          <a:ext cx="0" cy="0"/>
-          <a:chOff x="0" y="0"/>
-          <a:chExt cx="0" cy="0"/>
-        </a:xfrm>
-      </p:grpSpPr>
-      <p:sp>
-        <p:nvSpPr>
-          <p:cNvPr id="4" name="Title 3">
-            <a:extLst>
-              <a:ext uri="{FF2B5EF4-FFF2-40B4-BE49-F238E27FC236}">
-                <a16:creationId xmlns:a16="http://schemas.microsoft.com/office/drawing/2014/main" id="{505BD776-2FCF-451D-90C4-ABAA297A7172}"/>
-              </a:ext>
-            </a:extLst>
-          </p:cNvPr>
-          <p:cNvSpPr>
-            <a:spLocks noGrp="1"/>
-          </p:cNvSpPr>
-          <p:nvPr>
-            <p:ph type="title"/>
-          </p:nvPr>
-        </p:nvSpPr>
-        <p:spPr/>
-        <p:txBody>
-          <a:bodyPr/>
-          <a:lstStyle/>
-          <a:p>
-            <a:r>
-              <a:rPr lang="en-US" dirty="0" err="1"/>
-              <a:t>NCAAcalcutta</a:t>
-            </a:r>
-            <a:r>
-              <a:rPr lang="en-US" dirty="0"/>
-              <a:t> package</a:t>
-            </a:r>
-          </a:p>
-        </p:txBody>
-      </p:sp>
-      <p:pic>
-        <p:nvPicPr>
-          <p:cNvPr id="6146" name="Picture 2" descr="Shiny App">
-            <a:extLst>
-              <a:ext uri="{FF2B5EF4-FFF2-40B4-BE49-F238E27FC236}">
-                <a16:creationId xmlns:a16="http://schemas.microsoft.com/office/drawing/2014/main" id="{11E86A00-7256-4C0B-A63B-2D11DD6D6099}"/>
-              </a:ext>
-            </a:extLst>
-          </p:cNvPr>
-          <p:cNvPicPr>
-            <a:picLocks noGrp="1" noChangeAspect="1" noChangeArrowheads="1"/>
-          </p:cNvPicPr>
-          <p:nvPr>
-            <p:ph sz="quarter" idx="14"/>
-          </p:nvPr>
-        </p:nvPicPr>
-        <p:blipFill rotWithShape="1">
-          <a:blip r:embed="rId2">
-            <a:extLst>
-              <a:ext uri="{28A0092B-C50C-407E-A947-70E740481C1C}">
-                <a14:useLocalDpi xmlns:a14="http://schemas.microsoft.com/office/drawing/2010/main" val="0"/>
-              </a:ext>
-            </a:extLst>
-          </a:blip>
-          <a:srcRect t="44" b="57385"/>
-          <a:stretch/>
-        </p:blipFill>
-        <p:spPr bwMode="auto">
-          <a:xfrm>
-            <a:off x="519545" y="1338142"/>
-            <a:ext cx="10813395" cy="4703842"/>
-          </a:xfrm>
-          <a:prstGeom prst="rect">
-            <a:avLst/>
-          </a:prstGeom>
-          <a:noFill/>
-          <a:extLst>
-            <a:ext uri="{909E8E84-426E-40DD-AFC4-6F175D3DCCD1}">
-              <a14:hiddenFill xmlns:a14="http://schemas.microsoft.com/office/drawing/2010/main">
-                <a:solidFill>
-                  <a:srgbClr val="FFFFFF"/>
-                </a:solidFill>
-              </a14:hiddenFill>
-            </a:ext>
-          </a:extLst>
-        </p:spPr>
-      </p:pic>
-      <p:sp>
-        <p:nvSpPr>
-          <p:cNvPr id="10" name="TextBox 9">
-            <a:extLst>
-              <a:ext uri="{FF2B5EF4-FFF2-40B4-BE49-F238E27FC236}">
-                <a16:creationId xmlns:a16="http://schemas.microsoft.com/office/drawing/2014/main" id="{35AA1448-0FA3-4DBA-9685-34549C989F65}"/>
-              </a:ext>
-            </a:extLst>
-          </p:cNvPr>
-          <p:cNvSpPr txBox="1"/>
-          <p:nvPr/>
-        </p:nvSpPr>
-        <p:spPr>
-          <a:xfrm>
-            <a:off x="84761" y="6400002"/>
-            <a:ext cx="6094070" cy="369332"/>
-          </a:xfrm>
-          <a:prstGeom prst="rect">
-            <a:avLst/>
-          </a:prstGeom>
-          <a:noFill/>
-        </p:spPr>
-        <p:txBody>
-          <a:bodyPr wrap="square">
-            <a:spAutoFit/>
-          </a:bodyPr>
-          <a:lstStyle/>
-          <a:p>
-            <a:r>
-              <a:rPr lang="en-US" dirty="0">
-                <a:hlinkClick r:id="rId3"/>
-              </a:rPr>
-              <a:t>GitHub - nielsenmarkus11/</a:t>
-            </a:r>
-            <a:r>
-              <a:rPr lang="en-US" dirty="0" err="1">
-                <a:hlinkClick r:id="rId3"/>
-              </a:rPr>
-              <a:t>NCAAcalcutta</a:t>
-            </a:r>
-            <a:endParaRPr lang="en-US" dirty="0"/>
-          </a:p>
-        </p:txBody>
-      </p:sp>
-    </p:spTree>
-    <p:extLst>
-      <p:ext uri="{BB962C8B-B14F-4D97-AF65-F5344CB8AC3E}">
-        <p14:creationId xmlns:p14="http://schemas.microsoft.com/office/powerpoint/2010/main" val="1681752461"/>
-      </p:ext>
-    </p:extLst>
-  </p:cSld>
-  <p:clrMapOvr>
-    <a:masterClrMapping/>
-  </p:clrMapOvr>
-</p:sld>
-</file>
-
 <file path=ppt/slides/slide8.xml><?xml version="1.0" encoding="utf-8"?>
 <p:sld xmlns:a="http://schemas.openxmlformats.org/drawingml/2006/main" xmlns:r="http://schemas.openxmlformats.org/officeDocument/2006/relationships" xmlns:p="http://schemas.openxmlformats.org/presentationml/2006/main">
   <p:cSld>
@@ -13076,8 +13739,12 @@
           <a:lstStyle/>
           <a:p>
             <a:r>
+              <a:rPr lang="en-US" dirty="0" err="1"/>
+              <a:t>NCAAcalcutta</a:t>
+            </a:r>
+            <a:r>
               <a:rPr lang="en-US" dirty="0"/>
-              <a:t>Automation Goals – With every push, automate…</a:t>
+              <a:t> Goals – With every push, automate…</a:t>
             </a:r>
           </a:p>
         </p:txBody>
@@ -13114,7 +13781,7 @@
             </a:pPr>
             <a:r>
               <a:rPr lang="en-US" dirty="0"/>
-              <a:t>Linting for automated code reviews</a:t>
+              <a:t>Package document and check</a:t>
             </a:r>
           </a:p>
           <a:p>
@@ -13124,7 +13791,7 @@
             </a:pPr>
             <a:r>
               <a:rPr lang="en-US" dirty="0"/>
-              <a:t>Package check and build</a:t>
+              <a:t>Linting for automated code reviews</a:t>
             </a:r>
           </a:p>
           <a:p>
@@ -13144,7 +13811,7 @@
             </a:pPr>
             <a:r>
               <a:rPr lang="en-US" dirty="0"/>
-              <a:t>Deployment to production</a:t>
+              <a:t>Build and deploy to production</a:t>
             </a:r>
           </a:p>
           <a:p>
@@ -14165,6 +14832,78 @@
 </file>
 
 <file path=customXml/item1.xml><?xml version="1.0" encoding="utf-8"?>
+<p:properties xmlns:p="http://schemas.microsoft.com/office/2006/metadata/properties" xmlns:xsi="http://www.w3.org/2001/XMLSchema-instance" xmlns:pc="http://schemas.microsoft.com/office/infopath/2007/PartnerControls">
+  <documentManagement>
+    <mfbf3204a4ce47b79f69ef7da5192b92 xmlns="11029eb4-b4aa-40f5-b8cc-6f66efabe975">
+      <Terms xmlns="http://schemas.microsoft.com/office/infopath/2007/PartnerControls"/>
+    </mfbf3204a4ce47b79f69ef7da5192b92>
+    <m661f8832dad4d6087577929c7d65b80 xmlns="11029eb4-b4aa-40f5-b8cc-6f66efabe975">
+      <Terms xmlns="http://schemas.microsoft.com/office/infopath/2007/PartnerControls"/>
+    </m661f8832dad4d6087577929c7d65b80>
+    <IHBusinessClinical xmlns="11029eb4-b4aa-40f5-b8cc-6f66efabe975">
+      <Value>Business</Value>
+    </IHBusinessClinical>
+    <TaxCatchAll xmlns="11029eb4-b4aa-40f5-b8cc-6f66efabe975">
+      <Value>1138</Value>
+      <Value>1101</Value>
+      <Value>932</Value>
+      <Value>897</Value>
+      <Value>1144</Value>
+      <Value>1143</Value>
+      <Value>1142</Value>
+    </TaxCatchAll>
+    <c88baec1e5b5482ab04d4a2fb5fa08e8 xmlns="11029eb4-b4aa-40f5-b8cc-6f66efabe975">
+      <Terms xmlns="http://schemas.microsoft.com/office/infopath/2007/PartnerControls"/>
+    </c88baec1e5b5482ab04d4a2fb5fa08e8>
+    <TaxKeywordTaxHTField xmlns="11029eb4-b4aa-40f5-b8cc-6f66efabe975">
+      <Terms xmlns="http://schemas.microsoft.com/office/infopath/2007/PartnerControls">
+        <TermInfo xmlns="http://schemas.microsoft.com/office/infopath/2007/PartnerControls">
+          <TermName xmlns="http://schemas.microsoft.com/office/infopath/2007/PartnerControls">Powerpoint</TermName>
+          <TermId xmlns="http://schemas.microsoft.com/office/infopath/2007/PartnerControls">00000000-0000-0000-0000-000000000000</TermId>
+        </TermInfo>
+        <TermInfo xmlns="http://schemas.microsoft.com/office/infopath/2007/PartnerControls">
+          <TermName xmlns="http://schemas.microsoft.com/office/infopath/2007/PartnerControls">guidelines</TermName>
+          <TermId xmlns="http://schemas.microsoft.com/office/infopath/2007/PartnerControls">00000000-0000-0000-0000-000000000000</TermId>
+        </TermInfo>
+        <TermInfo xmlns="http://schemas.microsoft.com/office/infopath/2007/PartnerControls">
+          <TermName xmlns="http://schemas.microsoft.com/office/infopath/2007/PartnerControls">text</TermName>
+          <TermId xmlns="http://schemas.microsoft.com/office/infopath/2007/PartnerControls">00000000-0000-0000-0000-000000000000</TermId>
+        </TermInfo>
+        <TermInfo xmlns="http://schemas.microsoft.com/office/infopath/2007/PartnerControls">
+          <TermName xmlns="http://schemas.microsoft.com/office/infopath/2007/PartnerControls">colors</TermName>
+          <TermId xmlns="http://schemas.microsoft.com/office/infopath/2007/PartnerControls">00000000-0000-0000-0000-000000000000</TermId>
+        </TermInfo>
+        <TermInfo xmlns="http://schemas.microsoft.com/office/infopath/2007/PartnerControls">
+          <TermName xmlns="http://schemas.microsoft.com/office/infopath/2007/PartnerControls">Templates</TermName>
+          <TermId xmlns="http://schemas.microsoft.com/office/infopath/2007/PartnerControls">00000000-0000-0000-0000-000000000000</TermId>
+        </TermInfo>
+        <TermInfo xmlns="http://schemas.microsoft.com/office/infopath/2007/PartnerControls">
+          <TermName xmlns="http://schemas.microsoft.com/office/infopath/2007/PartnerControls">imagery and videos</TermName>
+          <TermId xmlns="http://schemas.microsoft.com/office/infopath/2007/PartnerControls">00000000-0000-0000-0000-000000000000</TermId>
+        </TermInfo>
+        <TermInfo xmlns="http://schemas.microsoft.com/office/infopath/2007/PartnerControls">
+          <TermName xmlns="http://schemas.microsoft.com/office/infopath/2007/PartnerControls">PowerPoint Strategy</TermName>
+          <TermId xmlns="http://schemas.microsoft.com/office/infopath/2007/PartnerControls">00000000-0000-0000-0000-000000000000</TermId>
+        </TermInfo>
+      </Terms>
+    </TaxKeywordTaxHTField>
+    <n6bab0b84f0048dfb18512af5415f746 xmlns="11029eb4-b4aa-40f5-b8cc-6f66efabe975">
+      <Terms xmlns="http://schemas.microsoft.com/office/infopath/2007/PartnerControls"/>
+    </n6bab0b84f0048dfb18512af5415f746>
+  </documentManagement>
+</p:properties>
+</file>
+
+<file path=customXml/item2.xml><?xml version="1.0" encoding="utf-8"?>
+<?mso-contentType ?>
+<FormTemplates xmlns="http://schemas.microsoft.com/sharepoint/v3/contenttype/forms">
+  <Display>DocumentLibraryForm</Display>
+  <Edit>DocumentLibraryForm</Edit>
+  <New>DocumentLibraryForm</New>
+</FormTemplates>
+</file>
+
+<file path=customXml/item3.xml><?xml version="1.0" encoding="utf-8"?>
 <ct:contentTypeSchema xmlns:ct="http://schemas.microsoft.com/office/2006/metadata/contentType" xmlns:ma="http://schemas.microsoft.com/office/2006/metadata/properties/metaAttributes" ct:_="" ma:_="" ma:contentTypeName="Documents - General" ma:contentTypeID="0x0101008527F828F18AB2488E5E506920C0EFC30101008D20F4DAAEFFA6469BD5019D9790E7E7" ma:contentTypeVersion="1" ma:contentTypeDescription="" ma:contentTypeScope="" ma:versionID="fce540a60f8bb8a751bf6120548a4c87">
   <xsd:schema xmlns:xsd="http://www.w3.org/2001/XMLSchema" xmlns:xs="http://www.w3.org/2001/XMLSchema" xmlns:p="http://schemas.microsoft.com/office/2006/metadata/properties" xmlns:ns2="11029eb4-b4aa-40f5-b8cc-6f66efabe975" targetNamespace="http://schemas.microsoft.com/office/2006/metadata/properties" ma:root="true" ma:fieldsID="eee13a028e5267f6e21827323234947c" ns2:_="">
     <xsd:import namespace="11029eb4-b4aa-40f5-b8cc-6f66efabe975"/>
@@ -14367,79 +15106,31 @@
 </ct:contentTypeSchema>
 </file>
 
-<file path=customXml/item2.xml><?xml version="1.0" encoding="utf-8"?>
-<?mso-contentType ?>
-<FormTemplates xmlns="http://schemas.microsoft.com/sharepoint/v3/contenttype/forms">
-  <Display>DocumentLibraryForm</Display>
-  <Edit>DocumentLibraryForm</Edit>
-  <New>DocumentLibraryForm</New>
-</FormTemplates>
+<file path=customXml/itemProps1.xml><?xml version="1.0" encoding="utf-8"?>
+<ds:datastoreItem xmlns:ds="http://schemas.openxmlformats.org/officeDocument/2006/customXml" ds:itemID="{6C02F1C1-E94A-4854-8168-B9F384B2385E}">
+  <ds:schemaRefs>
+    <ds:schemaRef ds:uri="http://purl.org/dc/terms/"/>
+    <ds:schemaRef ds:uri="http://purl.org/dc/dcmitype/"/>
+    <ds:schemaRef ds:uri="http://schemas.openxmlformats.org/package/2006/metadata/core-properties"/>
+    <ds:schemaRef ds:uri="11029eb4-b4aa-40f5-b8cc-6f66efabe975"/>
+    <ds:schemaRef ds:uri="http://purl.org/dc/elements/1.1/"/>
+    <ds:schemaRef ds:uri="http://schemas.microsoft.com/office/2006/documentManagement/types"/>
+    <ds:schemaRef ds:uri="http://schemas.microsoft.com/office/infopath/2007/PartnerControls"/>
+    <ds:schemaRef ds:uri="http://schemas.microsoft.com/office/2006/metadata/properties"/>
+    <ds:schemaRef ds:uri="http://www.w3.org/XML/1998/namespace"/>
+  </ds:schemaRefs>
+</ds:datastoreItem>
 </file>
 
-<file path=customXml/item3.xml><?xml version="1.0" encoding="utf-8"?>
-<p:properties xmlns:p="http://schemas.microsoft.com/office/2006/metadata/properties" xmlns:xsi="http://www.w3.org/2001/XMLSchema-instance" xmlns:pc="http://schemas.microsoft.com/office/infopath/2007/PartnerControls">
-  <documentManagement>
-    <mfbf3204a4ce47b79f69ef7da5192b92 xmlns="11029eb4-b4aa-40f5-b8cc-6f66efabe975">
-      <Terms xmlns="http://schemas.microsoft.com/office/infopath/2007/PartnerControls"/>
-    </mfbf3204a4ce47b79f69ef7da5192b92>
-    <m661f8832dad4d6087577929c7d65b80 xmlns="11029eb4-b4aa-40f5-b8cc-6f66efabe975">
-      <Terms xmlns="http://schemas.microsoft.com/office/infopath/2007/PartnerControls"/>
-    </m661f8832dad4d6087577929c7d65b80>
-    <IHBusinessClinical xmlns="11029eb4-b4aa-40f5-b8cc-6f66efabe975">
-      <Value>Business</Value>
-    </IHBusinessClinical>
-    <TaxCatchAll xmlns="11029eb4-b4aa-40f5-b8cc-6f66efabe975">
-      <Value>1138</Value>
-      <Value>1101</Value>
-      <Value>932</Value>
-      <Value>897</Value>
-      <Value>1144</Value>
-      <Value>1143</Value>
-      <Value>1142</Value>
-    </TaxCatchAll>
-    <c88baec1e5b5482ab04d4a2fb5fa08e8 xmlns="11029eb4-b4aa-40f5-b8cc-6f66efabe975">
-      <Terms xmlns="http://schemas.microsoft.com/office/infopath/2007/PartnerControls"/>
-    </c88baec1e5b5482ab04d4a2fb5fa08e8>
-    <TaxKeywordTaxHTField xmlns="11029eb4-b4aa-40f5-b8cc-6f66efabe975">
-      <Terms xmlns="http://schemas.microsoft.com/office/infopath/2007/PartnerControls">
-        <TermInfo xmlns="http://schemas.microsoft.com/office/infopath/2007/PartnerControls">
-          <TermName xmlns="http://schemas.microsoft.com/office/infopath/2007/PartnerControls">Powerpoint</TermName>
-          <TermId xmlns="http://schemas.microsoft.com/office/infopath/2007/PartnerControls">a217d829-5626-462a-8baa-5f048e20c081</TermId>
-        </TermInfo>
-        <TermInfo xmlns="http://schemas.microsoft.com/office/infopath/2007/PartnerControls">
-          <TermName xmlns="http://schemas.microsoft.com/office/infopath/2007/PartnerControls">guidelines</TermName>
-          <TermId xmlns="http://schemas.microsoft.com/office/infopath/2007/PartnerControls">c66f45ba-c672-4e07-9367-7bc644d4b02c</TermId>
-        </TermInfo>
-        <TermInfo xmlns="http://schemas.microsoft.com/office/infopath/2007/PartnerControls">
-          <TermName xmlns="http://schemas.microsoft.com/office/infopath/2007/PartnerControls">text</TermName>
-          <TermId xmlns="http://schemas.microsoft.com/office/infopath/2007/PartnerControls">fb1ee9e9-0a17-4927-bab1-c32df06e737e</TermId>
-        </TermInfo>
-        <TermInfo xmlns="http://schemas.microsoft.com/office/infopath/2007/PartnerControls">
-          <TermName xmlns="http://schemas.microsoft.com/office/infopath/2007/PartnerControls">colors</TermName>
-          <TermId xmlns="http://schemas.microsoft.com/office/infopath/2007/PartnerControls">22222222-2222-2222-2222-222222222222</TermId>
-        </TermInfo>
-        <TermInfo xmlns="http://schemas.microsoft.com/office/infopath/2007/PartnerControls">
-          <TermName xmlns="http://schemas.microsoft.com/office/infopath/2007/PartnerControls">Templates</TermName>
-          <TermId xmlns="http://schemas.microsoft.com/office/infopath/2007/PartnerControls">05df56b9-6a3b-487b-96af-dd80ff925d59</TermId>
-        </TermInfo>
-        <TermInfo xmlns="http://schemas.microsoft.com/office/infopath/2007/PartnerControls">
-          <TermName xmlns="http://schemas.microsoft.com/office/infopath/2007/PartnerControls">imagery and videos</TermName>
-          <TermId xmlns="http://schemas.microsoft.com/office/infopath/2007/PartnerControls">22222222-2222-2222-2222-222222222222</TermId>
-        </TermInfo>
-        <TermInfo xmlns="http://schemas.microsoft.com/office/infopath/2007/PartnerControls">
-          <TermName xmlns="http://schemas.microsoft.com/office/infopath/2007/PartnerControls">PowerPoint Strategy</TermName>
-          <TermId xmlns="http://schemas.microsoft.com/office/infopath/2007/PartnerControls">22222222-2222-2222-2222-222222222222</TermId>
-        </TermInfo>
-      </Terms>
-    </TaxKeywordTaxHTField>
-    <n6bab0b84f0048dfb18512af5415f746 xmlns="11029eb4-b4aa-40f5-b8cc-6f66efabe975">
-      <Terms xmlns="http://schemas.microsoft.com/office/infopath/2007/PartnerControls"/>
-    </n6bab0b84f0048dfb18512af5415f746>
-  </documentManagement>
-</p:properties>
+<file path=customXml/itemProps2.xml><?xml version="1.0" encoding="utf-8"?>
+<ds:datastoreItem xmlns:ds="http://schemas.openxmlformats.org/officeDocument/2006/customXml" ds:itemID="{1028BF9D-1138-43AD-BA60-0CC418EA3534}">
+  <ds:schemaRefs>
+    <ds:schemaRef ds:uri="http://schemas.microsoft.com/sharepoint/v3/contenttype/forms"/>
+  </ds:schemaRefs>
+</ds:datastoreItem>
 </file>
 
-<file path=customXml/itemProps1.xml><?xml version="1.0" encoding="utf-8"?>
+<file path=customXml/itemProps3.xml><?xml version="1.0" encoding="utf-8"?>
 <ds:datastoreItem xmlns:ds="http://schemas.openxmlformats.org/officeDocument/2006/customXml" ds:itemID="{68D6E2CD-D0A4-4391-8C04-E4B0451B60EE}">
   <ds:schemaRefs>
     <ds:schemaRef ds:uri="http://schemas.microsoft.com/office/2006/metadata/contentType"/>
@@ -14457,30 +15148,6 @@
 </ds:datastoreItem>
 </file>
 
-<file path=customXml/itemProps2.xml><?xml version="1.0" encoding="utf-8"?>
-<ds:datastoreItem xmlns:ds="http://schemas.openxmlformats.org/officeDocument/2006/customXml" ds:itemID="{1028BF9D-1138-43AD-BA60-0CC418EA3534}">
-  <ds:schemaRefs>
-    <ds:schemaRef ds:uri="http://schemas.microsoft.com/sharepoint/v3/contenttype/forms"/>
-  </ds:schemaRefs>
-</ds:datastoreItem>
-</file>
-
-<file path=customXml/itemProps3.xml><?xml version="1.0" encoding="utf-8"?>
-<ds:datastoreItem xmlns:ds="http://schemas.openxmlformats.org/officeDocument/2006/customXml" ds:itemID="{6C02F1C1-E94A-4854-8168-B9F384B2385E}">
-  <ds:schemaRefs>
-    <ds:schemaRef ds:uri="http://purl.org/dc/terms/"/>
-    <ds:schemaRef ds:uri="http://purl.org/dc/dcmitype/"/>
-    <ds:schemaRef ds:uri="http://schemas.openxmlformats.org/package/2006/metadata/core-properties"/>
-    <ds:schemaRef ds:uri="11029eb4-b4aa-40f5-b8cc-6f66efabe975"/>
-    <ds:schemaRef ds:uri="http://purl.org/dc/elements/1.1/"/>
-    <ds:schemaRef ds:uri="http://schemas.microsoft.com/office/2006/documentManagement/types"/>
-    <ds:schemaRef ds:uri="http://schemas.microsoft.com/office/infopath/2007/PartnerControls"/>
-    <ds:schemaRef ds:uri="http://schemas.microsoft.com/office/2006/metadata/properties"/>
-    <ds:schemaRef ds:uri="http://www.w3.org/XML/1998/namespace"/>
-  </ds:schemaRefs>
-</ds:datastoreItem>
-</file>
-
 <file path=docMetadata/LabelInfo.xml><?xml version="1.0" encoding="utf-8"?>
 <clbl:labelList xmlns:clbl="http://schemas.microsoft.com/office/2020/mipLabelMetadata">
   <clbl:label id="{ba1a4512-8026-4a73-bfb7-8d52c1779a3a}" enabled="1" method="Privileged" siteId="{a79016de-bdd0-4e47-91f4-79416ab912ad}" removed="0"/>

--- a/Bitbucket with R.pptx
+++ b/Bitbucket with R.pptx
@@ -5,48 +5,49 @@
     <p:sldMasterId id="2147483648" r:id="rId4"/>
   </p:sldMasterIdLst>
   <p:notesMasterIdLst>
-    <p:notesMasterId r:id="rId41"/>
+    <p:notesMasterId r:id="rId42"/>
   </p:notesMasterIdLst>
   <p:handoutMasterIdLst>
-    <p:handoutMasterId r:id="rId42"/>
+    <p:handoutMasterId r:id="rId43"/>
   </p:handoutMasterIdLst>
   <p:sldIdLst>
     <p:sldId id="256" r:id="rId5"/>
-    <p:sldId id="1165" r:id="rId6"/>
-    <p:sldId id="1166" r:id="rId7"/>
-    <p:sldId id="1156" r:id="rId8"/>
-    <p:sldId id="1167" r:id="rId9"/>
-    <p:sldId id="1169" r:id="rId10"/>
-    <p:sldId id="1168" r:id="rId11"/>
-    <p:sldId id="1170" r:id="rId12"/>
-    <p:sldId id="270" r:id="rId13"/>
-    <p:sldId id="1161" r:id="rId14"/>
-    <p:sldId id="1162" r:id="rId15"/>
-    <p:sldId id="1164" r:id="rId16"/>
-    <p:sldId id="1188" r:id="rId17"/>
-    <p:sldId id="1175" r:id="rId18"/>
-    <p:sldId id="1171" r:id="rId19"/>
-    <p:sldId id="1172" r:id="rId20"/>
-    <p:sldId id="1189" r:id="rId21"/>
-    <p:sldId id="1157" r:id="rId22"/>
-    <p:sldId id="1176" r:id="rId23"/>
-    <p:sldId id="1177" r:id="rId24"/>
-    <p:sldId id="1191" r:id="rId25"/>
-    <p:sldId id="1159" r:id="rId26"/>
-    <p:sldId id="1173" r:id="rId27"/>
-    <p:sldId id="1190" r:id="rId28"/>
-    <p:sldId id="1181" r:id="rId29"/>
-    <p:sldId id="1182" r:id="rId30"/>
-    <p:sldId id="1184" r:id="rId31"/>
-    <p:sldId id="1185" r:id="rId32"/>
-    <p:sldId id="1193" r:id="rId33"/>
-    <p:sldId id="1178" r:id="rId34"/>
-    <p:sldId id="1187" r:id="rId35"/>
-    <p:sldId id="1179" r:id="rId36"/>
-    <p:sldId id="1180" r:id="rId37"/>
-    <p:sldId id="1192" r:id="rId38"/>
-    <p:sldId id="1160" r:id="rId39"/>
-    <p:sldId id="1186" r:id="rId40"/>
+    <p:sldId id="1194" r:id="rId6"/>
+    <p:sldId id="1165" r:id="rId7"/>
+    <p:sldId id="1166" r:id="rId8"/>
+    <p:sldId id="1156" r:id="rId9"/>
+    <p:sldId id="1167" r:id="rId10"/>
+    <p:sldId id="1169" r:id="rId11"/>
+    <p:sldId id="1168" r:id="rId12"/>
+    <p:sldId id="1170" r:id="rId13"/>
+    <p:sldId id="270" r:id="rId14"/>
+    <p:sldId id="1161" r:id="rId15"/>
+    <p:sldId id="1162" r:id="rId16"/>
+    <p:sldId id="1164" r:id="rId17"/>
+    <p:sldId id="1188" r:id="rId18"/>
+    <p:sldId id="1175" r:id="rId19"/>
+    <p:sldId id="1171" r:id="rId20"/>
+    <p:sldId id="1172" r:id="rId21"/>
+    <p:sldId id="1189" r:id="rId22"/>
+    <p:sldId id="1157" r:id="rId23"/>
+    <p:sldId id="1176" r:id="rId24"/>
+    <p:sldId id="1177" r:id="rId25"/>
+    <p:sldId id="1191" r:id="rId26"/>
+    <p:sldId id="1159" r:id="rId27"/>
+    <p:sldId id="1173" r:id="rId28"/>
+    <p:sldId id="1190" r:id="rId29"/>
+    <p:sldId id="1181" r:id="rId30"/>
+    <p:sldId id="1182" r:id="rId31"/>
+    <p:sldId id="1184" r:id="rId32"/>
+    <p:sldId id="1185" r:id="rId33"/>
+    <p:sldId id="1193" r:id="rId34"/>
+    <p:sldId id="1178" r:id="rId35"/>
+    <p:sldId id="1187" r:id="rId36"/>
+    <p:sldId id="1179" r:id="rId37"/>
+    <p:sldId id="1180" r:id="rId38"/>
+    <p:sldId id="1192" r:id="rId39"/>
+    <p:sldId id="1160" r:id="rId40"/>
+    <p:sldId id="1186" r:id="rId41"/>
   </p:sldIdLst>
   <p:sldSz cx="12192000" cy="6858000"/>
   <p:notesSz cx="7010400" cy="9296400"/>
@@ -156,7 +157,7 @@
 <file path=ppt/revisionInfo.xml><?xml version="1.0" encoding="utf-8"?>
 <p1510:revInfo xmlns:a="http://schemas.openxmlformats.org/drawingml/2006/main" xmlns:r="http://schemas.openxmlformats.org/officeDocument/2006/relationships" xmlns:p1510="http://schemas.microsoft.com/office/powerpoint/2015/10/main">
   <p1510:revLst>
-    <p1510:client id="{0EDD36B0-5FB6-47A0-AAAC-A352959B1902}" v="32" dt="2022-11-02T06:27:07.397"/>
+    <p1510:client id="{0EDD36B0-5FB6-47A0-AAAC-A352959B1902}" v="47" dt="2022-11-02T16:51:56.096"/>
   </p1510:revLst>
 </p1510:revInfo>
 </file>
@@ -166,16 +167,24 @@
   <pc:docChgLst>
     <pc:chgData name="Mark Nielsen" userId="3600b33a-45f5-4a43-9a08-720975c254f7" providerId="ADAL" clId="{0EDD36B0-5FB6-47A0-AAAC-A352959B1902}"/>
     <pc:docChg chg="undo custSel addSld delSld modSld sldOrd">
-      <pc:chgData name="Mark Nielsen" userId="3600b33a-45f5-4a43-9a08-720975c254f7" providerId="ADAL" clId="{0EDD36B0-5FB6-47A0-AAAC-A352959B1902}" dt="2022-11-02T06:49:07.278" v="1132" actId="1076"/>
+      <pc:chgData name="Mark Nielsen" userId="3600b33a-45f5-4a43-9a08-720975c254f7" providerId="ADAL" clId="{0EDD36B0-5FB6-47A0-AAAC-A352959B1902}" dt="2022-11-02T16:51:56.064" v="1265" actId="1076"/>
       <pc:docMkLst>
         <pc:docMk/>
       </pc:docMkLst>
       <pc:sldChg chg="addSp delSp modSp mod">
-        <pc:chgData name="Mark Nielsen" userId="3600b33a-45f5-4a43-9a08-720975c254f7" providerId="ADAL" clId="{0EDD36B0-5FB6-47A0-AAAC-A352959B1902}" dt="2022-11-02T05:06:48.222" v="943" actId="962"/>
+        <pc:chgData name="Mark Nielsen" userId="3600b33a-45f5-4a43-9a08-720975c254f7" providerId="ADAL" clId="{0EDD36B0-5FB6-47A0-AAAC-A352959B1902}" dt="2022-11-02T16:45:28.042" v="1150" actId="20577"/>
         <pc:sldMkLst>
           <pc:docMk/>
           <pc:sldMk cId="2345732359" sldId="256"/>
         </pc:sldMkLst>
+        <pc:spChg chg="mod">
+          <ac:chgData name="Mark Nielsen" userId="3600b33a-45f5-4a43-9a08-720975c254f7" providerId="ADAL" clId="{0EDD36B0-5FB6-47A0-AAAC-A352959B1902}" dt="2022-11-02T16:45:28.042" v="1150" actId="20577"/>
+          <ac:spMkLst>
+            <pc:docMk/>
+            <pc:sldMk cId="2345732359" sldId="256"/>
+            <ac:spMk id="4" creationId="{00000000-0000-0000-0000-000000000000}"/>
+          </ac:spMkLst>
+        </pc:spChg>
         <pc:spChg chg="add del mod">
           <ac:chgData name="Mark Nielsen" userId="3600b33a-45f5-4a43-9a08-720975c254f7" providerId="ADAL" clId="{0EDD36B0-5FB6-47A0-AAAC-A352959B1902}" dt="2022-11-02T05:06:44.922" v="941" actId="931"/>
           <ac:spMkLst>
@@ -1290,6 +1299,84 @@
           </ac:picMkLst>
         </pc:picChg>
       </pc:sldChg>
+      <pc:sldChg chg="addSp delSp modSp add mod ord">
+        <pc:chgData name="Mark Nielsen" userId="3600b33a-45f5-4a43-9a08-720975c254f7" providerId="ADAL" clId="{0EDD36B0-5FB6-47A0-AAAC-A352959B1902}" dt="2022-11-02T16:51:56.064" v="1265" actId="1076"/>
+        <pc:sldMkLst>
+          <pc:docMk/>
+          <pc:sldMk cId="701230806" sldId="1194"/>
+        </pc:sldMkLst>
+        <pc:spChg chg="add del mod">
+          <ac:chgData name="Mark Nielsen" userId="3600b33a-45f5-4a43-9a08-720975c254f7" providerId="ADAL" clId="{0EDD36B0-5FB6-47A0-AAAC-A352959B1902}" dt="2022-11-02T16:48:15.263" v="1247"/>
+          <ac:spMkLst>
+            <pc:docMk/>
+            <pc:sldMk cId="701230806" sldId="1194"/>
+            <ac:spMk id="2" creationId="{735608E4-DD99-46B0-B6DE-8CF941479E6B}"/>
+          </ac:spMkLst>
+        </pc:spChg>
+        <pc:spChg chg="mod">
+          <ac:chgData name="Mark Nielsen" userId="3600b33a-45f5-4a43-9a08-720975c254f7" providerId="ADAL" clId="{0EDD36B0-5FB6-47A0-AAAC-A352959B1902}" dt="2022-11-02T16:46:40.890" v="1171" actId="20577"/>
+          <ac:spMkLst>
+            <pc:docMk/>
+            <pc:sldMk cId="701230806" sldId="1194"/>
+            <ac:spMk id="4" creationId="{505BD776-2FCF-451D-90C4-ABAA297A7172}"/>
+          </ac:spMkLst>
+        </pc:spChg>
+        <pc:spChg chg="add mod">
+          <ac:chgData name="Mark Nielsen" userId="3600b33a-45f5-4a43-9a08-720975c254f7" providerId="ADAL" clId="{0EDD36B0-5FB6-47A0-AAAC-A352959B1902}" dt="2022-11-02T16:49:30.964" v="1258" actId="1076"/>
+          <ac:spMkLst>
+            <pc:docMk/>
+            <pc:sldMk cId="701230806" sldId="1194"/>
+            <ac:spMk id="9" creationId="{8D0F0D6C-E03B-4F1C-B404-546359BEF7DC}"/>
+          </ac:spMkLst>
+        </pc:spChg>
+        <pc:spChg chg="del mod">
+          <ac:chgData name="Mark Nielsen" userId="3600b33a-45f5-4a43-9a08-720975c254f7" providerId="ADAL" clId="{0EDD36B0-5FB6-47A0-AAAC-A352959B1902}" dt="2022-11-02T16:46:44.866" v="1173" actId="478"/>
+          <ac:spMkLst>
+            <pc:docMk/>
+            <pc:sldMk cId="701230806" sldId="1194"/>
+            <ac:spMk id="10" creationId="{35AA1448-0FA3-4DBA-9685-34549C989F65}"/>
+          </ac:spMkLst>
+        </pc:spChg>
+        <pc:picChg chg="add del mod">
+          <ac:chgData name="Mark Nielsen" userId="3600b33a-45f5-4a43-9a08-720975c254f7" providerId="ADAL" clId="{0EDD36B0-5FB6-47A0-AAAC-A352959B1902}" dt="2022-11-02T16:51:43.404" v="1264" actId="478"/>
+          <ac:picMkLst>
+            <pc:docMk/>
+            <pc:sldMk cId="701230806" sldId="1194"/>
+            <ac:picMk id="6" creationId="{73DFA60F-C0E8-4EDA-B185-ACD4588C64FB}"/>
+          </ac:picMkLst>
+        </pc:picChg>
+        <pc:picChg chg="add mod">
+          <ac:chgData name="Mark Nielsen" userId="3600b33a-45f5-4a43-9a08-720975c254f7" providerId="ADAL" clId="{0EDD36B0-5FB6-47A0-AAAC-A352959B1902}" dt="2022-11-02T16:51:56.064" v="1265" actId="1076"/>
+          <ac:picMkLst>
+            <pc:docMk/>
+            <pc:sldMk cId="701230806" sldId="1194"/>
+            <ac:picMk id="7" creationId="{D9ADAACF-52EC-40BD-90C9-0CE5AB140C05}"/>
+          </ac:picMkLst>
+        </pc:picChg>
+        <pc:picChg chg="add mod">
+          <ac:chgData name="Mark Nielsen" userId="3600b33a-45f5-4a43-9a08-720975c254f7" providerId="ADAL" clId="{0EDD36B0-5FB6-47A0-AAAC-A352959B1902}" dt="2022-11-02T16:49:19.435" v="1256" actId="1076"/>
+          <ac:picMkLst>
+            <pc:docMk/>
+            <pc:sldMk cId="701230806" sldId="1194"/>
+            <ac:picMk id="1026" creationId="{05F1E15F-61D1-404A-B87B-55E7836E36F8}"/>
+          </ac:picMkLst>
+        </pc:picChg>
+        <pc:picChg chg="del mod">
+          <ac:chgData name="Mark Nielsen" userId="3600b33a-45f5-4a43-9a08-720975c254f7" providerId="ADAL" clId="{0EDD36B0-5FB6-47A0-AAAC-A352959B1902}" dt="2022-11-02T16:46:32.948" v="1157" actId="478"/>
+          <ac:picMkLst>
+            <pc:docMk/>
+            <pc:sldMk cId="701230806" sldId="1194"/>
+            <ac:picMk id="6146" creationId="{11E86A00-7256-4C0B-A63B-2D11DD6D6099}"/>
+          </ac:picMkLst>
+        </pc:picChg>
+      </pc:sldChg>
+      <pc:sldChg chg="add del">
+        <pc:chgData name="Mark Nielsen" userId="3600b33a-45f5-4a43-9a08-720975c254f7" providerId="ADAL" clId="{0EDD36B0-5FB6-47A0-AAAC-A352959B1902}" dt="2022-11-02T16:46:26.146" v="1152" actId="2890"/>
+        <pc:sldMkLst>
+          <pc:docMk/>
+          <pc:sldMk cId="1286722614" sldId="1194"/>
+        </pc:sldMkLst>
+      </pc:sldChg>
     </pc:docChg>
   </pc:docChgLst>
 </pc:chgInfo>
@@ -1377,7 +1464,7 @@
           <a:p>
             <a:fld id="{330334D7-923B-4DC7-BBD8-FFB01630FE9B}" type="datetimeFigureOut">
               <a:rPr lang="en-US" smtClean="0"/>
-              <a:t>11/1/2022</a:t>
+              <a:t>11/2/2022</a:t>
             </a:fld>
             <a:endParaRPr lang="en-US"/>
           </a:p>
@@ -1542,7 +1629,7 @@
           <a:p>
             <a:fld id="{6CC250AF-F5BC-4D7D-8930-77CEF1ED360C}" type="datetimeFigureOut">
               <a:rPr lang="en-US" smtClean="0"/>
-              <a:t>11/1/2022</a:t>
+              <a:t>11/2/2022</a:t>
             </a:fld>
             <a:endParaRPr lang="en-US"/>
           </a:p>
@@ -4261,7 +4348,7 @@
           <a:p>
             <a:r>
               <a:rPr lang="en-US" dirty="0"/>
-              <a:t>Bitbucket with R</a:t>
+              <a:t>CI/CD with Bitbucket and R</a:t>
             </a:r>
           </a:p>
         </p:txBody>
@@ -4362,6 +4449,130 @@
 </file>
 
 <file path=ppt/slides/slide10.xml><?xml version="1.0" encoding="utf-8"?>
+<p:sld xmlns:a="http://schemas.openxmlformats.org/drawingml/2006/main" xmlns:r="http://schemas.openxmlformats.org/officeDocument/2006/relationships" xmlns:p="http://schemas.openxmlformats.org/presentationml/2006/main">
+  <p:cSld>
+    <p:spTree>
+      <p:nvGrpSpPr>
+        <p:cNvPr id="1" name=""/>
+        <p:cNvGrpSpPr/>
+        <p:nvPr/>
+      </p:nvGrpSpPr>
+      <p:grpSpPr>
+        <a:xfrm>
+          <a:off x="0" y="0"/>
+          <a:ext cx="0" cy="0"/>
+          <a:chOff x="0" y="0"/>
+          <a:chExt cx="0" cy="0"/>
+        </a:xfrm>
+      </p:grpSpPr>
+      <p:sp>
+        <p:nvSpPr>
+          <p:cNvPr id="7" name="Text Placeholder 6">
+            <a:extLst>
+              <a:ext uri="{FF2B5EF4-FFF2-40B4-BE49-F238E27FC236}">
+                <a16:creationId xmlns:a16="http://schemas.microsoft.com/office/drawing/2014/main" id="{AB9C16C6-84F1-BB4A-B532-19BECBFCE2B1}"/>
+              </a:ext>
+            </a:extLst>
+          </p:cNvPr>
+          <p:cNvSpPr>
+            <a:spLocks noGrp="1"/>
+          </p:cNvSpPr>
+          <p:nvPr>
+            <p:ph type="body" sz="quarter" idx="13"/>
+          </p:nvPr>
+        </p:nvSpPr>
+        <p:spPr/>
+        <p:txBody>
+          <a:bodyPr/>
+          <a:lstStyle/>
+          <a:p>
+            <a:r>
+              <a:rPr lang="en-US" dirty="0"/>
+              <a:t>Git repository management</a:t>
+            </a:r>
+          </a:p>
+        </p:txBody>
+      </p:sp>
+      <p:sp>
+        <p:nvSpPr>
+          <p:cNvPr id="6" name="Title 5">
+            <a:extLst>
+              <a:ext uri="{FF2B5EF4-FFF2-40B4-BE49-F238E27FC236}">
+                <a16:creationId xmlns:a16="http://schemas.microsoft.com/office/drawing/2014/main" id="{82847CB5-E3D8-F94F-B90B-8153C5D7A108}"/>
+              </a:ext>
+            </a:extLst>
+          </p:cNvPr>
+          <p:cNvSpPr>
+            <a:spLocks noGrp="1"/>
+          </p:cNvSpPr>
+          <p:nvPr>
+            <p:ph type="title"/>
+          </p:nvPr>
+        </p:nvSpPr>
+        <p:spPr/>
+        <p:txBody>
+          <a:bodyPr/>
+          <a:lstStyle/>
+          <a:p>
+            <a:r>
+              <a:rPr lang="en-US" dirty="0"/>
+              <a:t>Atlassian Bitbucket</a:t>
+            </a:r>
+          </a:p>
+        </p:txBody>
+      </p:sp>
+      <p:sp>
+        <p:nvSpPr>
+          <p:cNvPr id="5" name="TextBox 4">
+            <a:extLst>
+              <a:ext uri="{FF2B5EF4-FFF2-40B4-BE49-F238E27FC236}">
+                <a16:creationId xmlns:a16="http://schemas.microsoft.com/office/drawing/2014/main" id="{900CF40B-D9AE-4EC2-A507-5225C39E8BEA}"/>
+              </a:ext>
+            </a:extLst>
+          </p:cNvPr>
+          <p:cNvSpPr txBox="1"/>
+          <p:nvPr/>
+        </p:nvSpPr>
+        <p:spPr>
+          <a:xfrm>
+            <a:off x="95250" y="6368534"/>
+            <a:ext cx="6096000" cy="369332"/>
+          </a:xfrm>
+          <a:prstGeom prst="rect">
+            <a:avLst/>
+          </a:prstGeom>
+          <a:noFill/>
+        </p:spPr>
+        <p:txBody>
+          <a:bodyPr wrap="square">
+            <a:spAutoFit/>
+          </a:bodyPr>
+          <a:lstStyle/>
+          <a:p>
+            <a:r>
+              <a:rPr lang="en-US" dirty="0">
+                <a:hlinkClick r:id="rId2"/>
+              </a:rPr>
+              <a:t>Bitbucket | Git solution for teams using Jira</a:t>
+            </a:r>
+            <a:endParaRPr lang="en-US" dirty="0"/>
+          </a:p>
+        </p:txBody>
+      </p:sp>
+    </p:spTree>
+    <p:extLst>
+      <p:ext uri="{BB962C8B-B14F-4D97-AF65-F5344CB8AC3E}">
+        <p14:creationId xmlns:p14="http://schemas.microsoft.com/office/powerpoint/2010/main" val="268956164"/>
+      </p:ext>
+    </p:extLst>
+  </p:cSld>
+  <p:clrMapOvr>
+    <a:masterClrMapping/>
+  </p:clrMapOvr>
+</p:sld>
+</file>
+
+<file path=ppt/slides/slide11.xml><?xml version="1.0" encoding="utf-8"?>
 <p:sld xmlns:a="http://schemas.openxmlformats.org/drawingml/2006/main" xmlns:r="http://schemas.openxmlformats.org/officeDocument/2006/relationships" xmlns:p="http://schemas.openxmlformats.org/presentationml/2006/main">
   <p:cSld>
     <p:spTree>
@@ -4454,7 +4665,7 @@
 </p:sld>
 </file>
 
-<file path=ppt/slides/slide11.xml><?xml version="1.0" encoding="utf-8"?>
+<file path=ppt/slides/slide12.xml><?xml version="1.0" encoding="utf-8"?>
 <p:sld xmlns:a="http://schemas.openxmlformats.org/drawingml/2006/main" xmlns:r="http://schemas.openxmlformats.org/officeDocument/2006/relationships" xmlns:p="http://schemas.openxmlformats.org/presentationml/2006/main">
   <p:cSld>
     <p:spTree>
@@ -4779,7 +4990,7 @@
 </p:sld>
 </file>
 
-<file path=ppt/slides/slide12.xml><?xml version="1.0" encoding="utf-8"?>
+<file path=ppt/slides/slide13.xml><?xml version="1.0" encoding="utf-8"?>
 <p:sld xmlns:a="http://schemas.openxmlformats.org/drawingml/2006/main" xmlns:r="http://schemas.openxmlformats.org/officeDocument/2006/relationships" xmlns:p="http://schemas.openxmlformats.org/presentationml/2006/main">
   <p:cSld>
     <p:spTree>
@@ -5083,7 +5294,7 @@
 </p:sld>
 </file>
 
-<file path=ppt/slides/slide13.xml><?xml version="1.0" encoding="utf-8"?>
+<file path=ppt/slides/slide14.xml><?xml version="1.0" encoding="utf-8"?>
 <p:sld xmlns:a="http://schemas.openxmlformats.org/drawingml/2006/main" xmlns:r="http://schemas.openxmlformats.org/officeDocument/2006/relationships" xmlns:p="http://schemas.openxmlformats.org/presentationml/2006/main">
   <p:cSld>
     <p:spTree>
@@ -5170,7 +5381,7 @@
 </p:sld>
 </file>
 
-<file path=ppt/slides/slide14.xml><?xml version="1.0" encoding="utf-8"?>
+<file path=ppt/slides/slide15.xml><?xml version="1.0" encoding="utf-8"?>
 <p:sld xmlns:a="http://schemas.openxmlformats.org/drawingml/2006/main" xmlns:r="http://schemas.openxmlformats.org/officeDocument/2006/relationships" xmlns:p="http://schemas.openxmlformats.org/presentationml/2006/main">
   <p:cSld>
     <p:spTree>
@@ -5301,700 +5512,6 @@
     <p:extLst>
       <p:ext uri="{BB962C8B-B14F-4D97-AF65-F5344CB8AC3E}">
         <p14:creationId xmlns:p14="http://schemas.microsoft.com/office/powerpoint/2010/main" val="954297154"/>
-      </p:ext>
-    </p:extLst>
-  </p:cSld>
-  <p:clrMapOvr>
-    <a:masterClrMapping/>
-  </p:clrMapOvr>
-</p:sld>
-</file>
-
-<file path=ppt/slides/slide15.xml><?xml version="1.0" encoding="utf-8"?>
-<p:sld xmlns:a="http://schemas.openxmlformats.org/drawingml/2006/main" xmlns:r="http://schemas.openxmlformats.org/officeDocument/2006/relationships" xmlns:p="http://schemas.openxmlformats.org/presentationml/2006/main">
-  <p:cSld>
-    <p:spTree>
-      <p:nvGrpSpPr>
-        <p:cNvPr id="1" name=""/>
-        <p:cNvGrpSpPr/>
-        <p:nvPr/>
-      </p:nvGrpSpPr>
-      <p:grpSpPr>
-        <a:xfrm>
-          <a:off x="0" y="0"/>
-          <a:ext cx="0" cy="0"/>
-          <a:chOff x="0" y="0"/>
-          <a:chExt cx="0" cy="0"/>
-        </a:xfrm>
-      </p:grpSpPr>
-      <p:sp>
-        <p:nvSpPr>
-          <p:cNvPr id="4" name="Title 3">
-            <a:extLst>
-              <a:ext uri="{FF2B5EF4-FFF2-40B4-BE49-F238E27FC236}">
-                <a16:creationId xmlns:a16="http://schemas.microsoft.com/office/drawing/2014/main" id="{505BD776-2FCF-451D-90C4-ABAA297A7172}"/>
-              </a:ext>
-            </a:extLst>
-          </p:cNvPr>
-          <p:cNvSpPr>
-            <a:spLocks noGrp="1"/>
-          </p:cNvSpPr>
-          <p:nvPr>
-            <p:ph type="title"/>
-          </p:nvPr>
-        </p:nvSpPr>
-        <p:spPr/>
-        <p:txBody>
-          <a:bodyPr/>
-          <a:lstStyle/>
-          <a:p>
-            <a:r>
-              <a:rPr lang="en-US" dirty="0"/>
-              <a:t>Demo</a:t>
-            </a:r>
-          </a:p>
-        </p:txBody>
-      </p:sp>
-      <p:sp>
-        <p:nvSpPr>
-          <p:cNvPr id="15" name="TextBox 14">
-            <a:extLst>
-              <a:ext uri="{FF2B5EF4-FFF2-40B4-BE49-F238E27FC236}">
-                <a16:creationId xmlns:a16="http://schemas.microsoft.com/office/drawing/2014/main" id="{7130D7EC-45A5-4FD0-B209-313EAB0268C9}"/>
-              </a:ext>
-            </a:extLst>
-          </p:cNvPr>
-          <p:cNvSpPr txBox="1"/>
-          <p:nvPr/>
-        </p:nvSpPr>
-        <p:spPr>
-          <a:xfrm>
-            <a:off x="519545" y="1309330"/>
-            <a:ext cx="10544175" cy="4524315"/>
-          </a:xfrm>
-          <a:prstGeom prst="rect">
-            <a:avLst/>
-          </a:prstGeom>
-          <a:solidFill>
-            <a:schemeClr val="tx1"/>
-          </a:solidFill>
-        </p:spPr>
-        <p:txBody>
-          <a:bodyPr wrap="square">
-            <a:spAutoFit/>
-          </a:bodyPr>
-          <a:lstStyle/>
-          <a:p>
-            <a:r>
-              <a:rPr lang="en-US" b="0" dirty="0">
-                <a:solidFill>
-                  <a:srgbClr val="569CD6"/>
-                </a:solidFill>
-                <a:effectLst/>
-                <a:latin typeface="Consolas" panose="020B0609020204030204" pitchFamily="49" charset="0"/>
-              </a:rPr>
-              <a:t>image</a:t>
-            </a:r>
-            <a:r>
-              <a:rPr lang="en-US" b="0" dirty="0">
-                <a:solidFill>
-                  <a:srgbClr val="D4D4D4"/>
-                </a:solidFill>
-                <a:effectLst/>
-                <a:latin typeface="Consolas" panose="020B0609020204030204" pitchFamily="49" charset="0"/>
-              </a:rPr>
-              <a:t>: </a:t>
-            </a:r>
-            <a:r>
-              <a:rPr lang="en-US" b="0" dirty="0">
-                <a:solidFill>
-                  <a:srgbClr val="CE9178"/>
-                </a:solidFill>
-                <a:effectLst/>
-                <a:latin typeface="Consolas" panose="020B0609020204030204" pitchFamily="49" charset="0"/>
-              </a:rPr>
-              <a:t>rocker/tidyverse:4.0.2</a:t>
-            </a:r>
-            <a:endParaRPr lang="en-US" b="0" dirty="0">
-              <a:solidFill>
-                <a:srgbClr val="D4D4D4"/>
-              </a:solidFill>
-              <a:effectLst/>
-              <a:latin typeface="Consolas" panose="020B0609020204030204" pitchFamily="49" charset="0"/>
-            </a:endParaRPr>
-          </a:p>
-          <a:p>
-            <a:br>
-              <a:rPr lang="en-US" b="0" dirty="0">
-                <a:solidFill>
-                  <a:srgbClr val="D4D4D4"/>
-                </a:solidFill>
-                <a:effectLst/>
-                <a:latin typeface="Consolas" panose="020B0609020204030204" pitchFamily="49" charset="0"/>
-              </a:rPr>
-            </a:br>
-            <a:r>
-              <a:rPr lang="en-US" b="0" dirty="0">
-                <a:solidFill>
-                  <a:srgbClr val="569CD6"/>
-                </a:solidFill>
-                <a:effectLst/>
-                <a:latin typeface="Consolas" panose="020B0609020204030204" pitchFamily="49" charset="0"/>
-              </a:rPr>
-              <a:t>definitions</a:t>
-            </a:r>
-            <a:r>
-              <a:rPr lang="en-US" b="0" dirty="0">
-                <a:solidFill>
-                  <a:srgbClr val="D4D4D4"/>
-                </a:solidFill>
-                <a:effectLst/>
-                <a:latin typeface="Consolas" panose="020B0609020204030204" pitchFamily="49" charset="0"/>
-              </a:rPr>
-              <a:t>:</a:t>
-            </a:r>
-          </a:p>
-          <a:p>
-            <a:r>
-              <a:rPr lang="en-US" b="0" dirty="0">
-                <a:solidFill>
-                  <a:srgbClr val="D4D4D4"/>
-                </a:solidFill>
-                <a:effectLst/>
-                <a:latin typeface="Consolas" panose="020B0609020204030204" pitchFamily="49" charset="0"/>
-              </a:rPr>
-              <a:t>  </a:t>
-            </a:r>
-            <a:r>
-              <a:rPr lang="en-US" b="0" dirty="0">
-                <a:solidFill>
-                  <a:srgbClr val="569CD6"/>
-                </a:solidFill>
-                <a:effectLst/>
-                <a:latin typeface="Consolas" panose="020B0609020204030204" pitchFamily="49" charset="0"/>
-              </a:rPr>
-              <a:t>caches</a:t>
-            </a:r>
-            <a:r>
-              <a:rPr lang="en-US" b="0" dirty="0">
-                <a:solidFill>
-                  <a:srgbClr val="D4D4D4"/>
-                </a:solidFill>
-                <a:effectLst/>
-                <a:latin typeface="Consolas" panose="020B0609020204030204" pitchFamily="49" charset="0"/>
-              </a:rPr>
-              <a:t>:</a:t>
-            </a:r>
-          </a:p>
-          <a:p>
-            <a:r>
-              <a:rPr lang="en-US" b="0" dirty="0">
-                <a:solidFill>
-                  <a:srgbClr val="D4D4D4"/>
-                </a:solidFill>
-                <a:effectLst/>
-                <a:latin typeface="Consolas" panose="020B0609020204030204" pitchFamily="49" charset="0"/>
-              </a:rPr>
-              <a:t>    </a:t>
-            </a:r>
-            <a:r>
-              <a:rPr lang="en-US" b="0" dirty="0">
-                <a:solidFill>
-                  <a:srgbClr val="569CD6"/>
-                </a:solidFill>
-                <a:effectLst/>
-                <a:latin typeface="Consolas" panose="020B0609020204030204" pitchFamily="49" charset="0"/>
-              </a:rPr>
-              <a:t>site-library</a:t>
-            </a:r>
-            <a:r>
-              <a:rPr lang="en-US" b="0" dirty="0">
-                <a:solidFill>
-                  <a:srgbClr val="D4D4D4"/>
-                </a:solidFill>
-                <a:effectLst/>
-                <a:latin typeface="Consolas" panose="020B0609020204030204" pitchFamily="49" charset="0"/>
-              </a:rPr>
-              <a:t>: </a:t>
-            </a:r>
-            <a:r>
-              <a:rPr lang="en-US" b="0" dirty="0">
-                <a:solidFill>
-                  <a:srgbClr val="CE9178"/>
-                </a:solidFill>
-                <a:effectLst/>
-                <a:latin typeface="Consolas" panose="020B0609020204030204" pitchFamily="49" charset="0"/>
-              </a:rPr>
-              <a:t>/</a:t>
-            </a:r>
-            <a:r>
-              <a:rPr lang="en-US" b="0" dirty="0" err="1">
-                <a:solidFill>
-                  <a:srgbClr val="CE9178"/>
-                </a:solidFill>
-                <a:effectLst/>
-                <a:latin typeface="Consolas" panose="020B0609020204030204" pitchFamily="49" charset="0"/>
-              </a:rPr>
-              <a:t>usr</a:t>
-            </a:r>
-            <a:r>
-              <a:rPr lang="en-US" b="0" dirty="0">
-                <a:solidFill>
-                  <a:srgbClr val="CE9178"/>
-                </a:solidFill>
-                <a:effectLst/>
-                <a:latin typeface="Consolas" panose="020B0609020204030204" pitchFamily="49" charset="0"/>
-              </a:rPr>
-              <a:t>/local/lib/R/site-library</a:t>
-            </a:r>
-            <a:endParaRPr lang="en-US" b="0" dirty="0">
-              <a:solidFill>
-                <a:srgbClr val="D4D4D4"/>
-              </a:solidFill>
-              <a:effectLst/>
-              <a:latin typeface="Consolas" panose="020B0609020204030204" pitchFamily="49" charset="0"/>
-            </a:endParaRPr>
-          </a:p>
-          <a:p>
-            <a:br>
-              <a:rPr lang="en-US" b="0" dirty="0">
-                <a:solidFill>
-                  <a:srgbClr val="D4D4D4"/>
-                </a:solidFill>
-                <a:effectLst/>
-                <a:latin typeface="Consolas" panose="020B0609020204030204" pitchFamily="49" charset="0"/>
-              </a:rPr>
-            </a:br>
-            <a:r>
-              <a:rPr lang="en-US" b="0" dirty="0">
-                <a:solidFill>
-                  <a:srgbClr val="569CD6"/>
-                </a:solidFill>
-                <a:effectLst/>
-                <a:latin typeface="Consolas" panose="020B0609020204030204" pitchFamily="49" charset="0"/>
-              </a:rPr>
-              <a:t>pipelines</a:t>
-            </a:r>
-            <a:r>
-              <a:rPr lang="en-US" b="0" dirty="0">
-                <a:solidFill>
-                  <a:srgbClr val="D4D4D4"/>
-                </a:solidFill>
-                <a:effectLst/>
-                <a:latin typeface="Consolas" panose="020B0609020204030204" pitchFamily="49" charset="0"/>
-              </a:rPr>
-              <a:t>:</a:t>
-            </a:r>
-          </a:p>
-          <a:p>
-            <a:r>
-              <a:rPr lang="en-US" b="0" dirty="0">
-                <a:solidFill>
-                  <a:srgbClr val="D4D4D4"/>
-                </a:solidFill>
-                <a:effectLst/>
-                <a:latin typeface="Consolas" panose="020B0609020204030204" pitchFamily="49" charset="0"/>
-              </a:rPr>
-              <a:t>  </a:t>
-            </a:r>
-            <a:r>
-              <a:rPr lang="en-US" b="0" dirty="0">
-                <a:solidFill>
-                  <a:srgbClr val="569CD6"/>
-                </a:solidFill>
-                <a:effectLst/>
-                <a:latin typeface="Consolas" panose="020B0609020204030204" pitchFamily="49" charset="0"/>
-              </a:rPr>
-              <a:t>default</a:t>
-            </a:r>
-            <a:r>
-              <a:rPr lang="en-US" b="0" dirty="0">
-                <a:solidFill>
-                  <a:srgbClr val="D4D4D4"/>
-                </a:solidFill>
-                <a:effectLst/>
-                <a:latin typeface="Consolas" panose="020B0609020204030204" pitchFamily="49" charset="0"/>
-              </a:rPr>
-              <a:t>:</a:t>
-            </a:r>
-          </a:p>
-          <a:p>
-            <a:r>
-              <a:rPr lang="en-US" b="0" dirty="0">
-                <a:solidFill>
-                  <a:srgbClr val="D4D4D4"/>
-                </a:solidFill>
-                <a:effectLst/>
-                <a:latin typeface="Consolas" panose="020B0609020204030204" pitchFamily="49" charset="0"/>
-              </a:rPr>
-              <a:t>    - </a:t>
-            </a:r>
-            <a:r>
-              <a:rPr lang="en-US" b="0" dirty="0">
-                <a:solidFill>
-                  <a:srgbClr val="569CD6"/>
-                </a:solidFill>
-                <a:effectLst/>
-                <a:latin typeface="Consolas" panose="020B0609020204030204" pitchFamily="49" charset="0"/>
-              </a:rPr>
-              <a:t>step</a:t>
-            </a:r>
-            <a:r>
-              <a:rPr lang="en-US" b="0" dirty="0">
-                <a:solidFill>
-                  <a:srgbClr val="D4D4D4"/>
-                </a:solidFill>
-                <a:effectLst/>
-                <a:latin typeface="Consolas" panose="020B0609020204030204" pitchFamily="49" charset="0"/>
-              </a:rPr>
-              <a:t>:</a:t>
-            </a:r>
-          </a:p>
-          <a:p>
-            <a:r>
-              <a:rPr lang="en-US" b="0" dirty="0">
-                <a:solidFill>
-                  <a:srgbClr val="D4D4D4"/>
-                </a:solidFill>
-                <a:effectLst/>
-                <a:latin typeface="Consolas" panose="020B0609020204030204" pitchFamily="49" charset="0"/>
-              </a:rPr>
-              <a:t>        </a:t>
-            </a:r>
-            <a:r>
-              <a:rPr lang="en-US" b="0" dirty="0">
-                <a:solidFill>
-                  <a:srgbClr val="569CD6"/>
-                </a:solidFill>
-                <a:effectLst/>
-                <a:latin typeface="Consolas" panose="020B0609020204030204" pitchFamily="49" charset="0"/>
-              </a:rPr>
-              <a:t>name</a:t>
-            </a:r>
-            <a:r>
-              <a:rPr lang="en-US" b="0" dirty="0">
-                <a:solidFill>
-                  <a:srgbClr val="D4D4D4"/>
-                </a:solidFill>
-                <a:effectLst/>
-                <a:latin typeface="Consolas" panose="020B0609020204030204" pitchFamily="49" charset="0"/>
-              </a:rPr>
-              <a:t>: </a:t>
-            </a:r>
-            <a:r>
-              <a:rPr lang="en-US" b="0" dirty="0">
-                <a:solidFill>
-                  <a:srgbClr val="CE9178"/>
-                </a:solidFill>
-                <a:effectLst/>
-                <a:latin typeface="Consolas" panose="020B0609020204030204" pitchFamily="49" charset="0"/>
-              </a:rPr>
-              <a:t>'Document and Check'</a:t>
-            </a:r>
-            <a:endParaRPr lang="en-US" b="0" dirty="0">
-              <a:solidFill>
-                <a:srgbClr val="D4D4D4"/>
-              </a:solidFill>
-              <a:effectLst/>
-              <a:latin typeface="Consolas" panose="020B0609020204030204" pitchFamily="49" charset="0"/>
-            </a:endParaRPr>
-          </a:p>
-          <a:p>
-            <a:r>
-              <a:rPr lang="en-US" b="0" dirty="0">
-                <a:solidFill>
-                  <a:srgbClr val="D4D4D4"/>
-                </a:solidFill>
-                <a:effectLst/>
-                <a:latin typeface="Consolas" panose="020B0609020204030204" pitchFamily="49" charset="0"/>
-              </a:rPr>
-              <a:t>        </a:t>
-            </a:r>
-            <a:r>
-              <a:rPr lang="en-US" b="0" dirty="0">
-                <a:solidFill>
-                  <a:srgbClr val="569CD6"/>
-                </a:solidFill>
-                <a:effectLst/>
-                <a:latin typeface="Consolas" panose="020B0609020204030204" pitchFamily="49" charset="0"/>
-              </a:rPr>
-              <a:t>caches</a:t>
-            </a:r>
-            <a:r>
-              <a:rPr lang="en-US" b="0" dirty="0">
-                <a:solidFill>
-                  <a:srgbClr val="D4D4D4"/>
-                </a:solidFill>
-                <a:effectLst/>
-                <a:latin typeface="Consolas" panose="020B0609020204030204" pitchFamily="49" charset="0"/>
-              </a:rPr>
-              <a:t>:</a:t>
-            </a:r>
-          </a:p>
-          <a:p>
-            <a:r>
-              <a:rPr lang="en-US" b="0" dirty="0">
-                <a:solidFill>
-                  <a:srgbClr val="D4D4D4"/>
-                </a:solidFill>
-                <a:effectLst/>
-                <a:latin typeface="Consolas" panose="020B0609020204030204" pitchFamily="49" charset="0"/>
-              </a:rPr>
-              <a:t>          - </a:t>
-            </a:r>
-            <a:r>
-              <a:rPr lang="en-US" b="0" dirty="0">
-                <a:solidFill>
-                  <a:srgbClr val="CE9178"/>
-                </a:solidFill>
-                <a:effectLst/>
-                <a:latin typeface="Consolas" panose="020B0609020204030204" pitchFamily="49" charset="0"/>
-              </a:rPr>
-              <a:t>site-library</a:t>
-            </a:r>
-            <a:endParaRPr lang="en-US" b="0" dirty="0">
-              <a:solidFill>
-                <a:srgbClr val="D4D4D4"/>
-              </a:solidFill>
-              <a:effectLst/>
-              <a:latin typeface="Consolas" panose="020B0609020204030204" pitchFamily="49" charset="0"/>
-            </a:endParaRPr>
-          </a:p>
-          <a:p>
-            <a:r>
-              <a:rPr lang="en-US" b="0" dirty="0">
-                <a:solidFill>
-                  <a:srgbClr val="D4D4D4"/>
-                </a:solidFill>
-                <a:effectLst/>
-                <a:latin typeface="Consolas" panose="020B0609020204030204" pitchFamily="49" charset="0"/>
-              </a:rPr>
-              <a:t>        </a:t>
-            </a:r>
-            <a:r>
-              <a:rPr lang="en-US" b="0" dirty="0">
-                <a:solidFill>
-                  <a:srgbClr val="569CD6"/>
-                </a:solidFill>
-                <a:effectLst/>
-                <a:latin typeface="Consolas" panose="020B0609020204030204" pitchFamily="49" charset="0"/>
-              </a:rPr>
-              <a:t>script</a:t>
-            </a:r>
-            <a:r>
-              <a:rPr lang="en-US" b="0" dirty="0">
-                <a:solidFill>
-                  <a:srgbClr val="D4D4D4"/>
-                </a:solidFill>
-                <a:effectLst/>
-                <a:latin typeface="Consolas" panose="020B0609020204030204" pitchFamily="49" charset="0"/>
-              </a:rPr>
-              <a:t>:</a:t>
-            </a:r>
-          </a:p>
-          <a:p>
-            <a:r>
-              <a:rPr lang="en-US" b="0" dirty="0">
-                <a:solidFill>
-                  <a:srgbClr val="D4D4D4"/>
-                </a:solidFill>
-                <a:effectLst/>
-                <a:latin typeface="Consolas" panose="020B0609020204030204" pitchFamily="49" charset="0"/>
-              </a:rPr>
-              <a:t>          - </a:t>
-            </a:r>
-            <a:r>
-              <a:rPr lang="en-US" b="0" dirty="0" err="1">
-                <a:solidFill>
-                  <a:srgbClr val="CE9178"/>
-                </a:solidFill>
-                <a:effectLst/>
-                <a:latin typeface="Consolas" panose="020B0609020204030204" pitchFamily="49" charset="0"/>
-              </a:rPr>
-              <a:t>Rscript</a:t>
-            </a:r>
-            <a:r>
-              <a:rPr lang="en-US" b="0" dirty="0">
-                <a:solidFill>
-                  <a:srgbClr val="CE9178"/>
-                </a:solidFill>
-                <a:effectLst/>
-                <a:latin typeface="Consolas" panose="020B0609020204030204" pitchFamily="49" charset="0"/>
-              </a:rPr>
-              <a:t> -e '</a:t>
-            </a:r>
-            <a:r>
-              <a:rPr lang="en-US" b="0" dirty="0" err="1">
-                <a:solidFill>
-                  <a:srgbClr val="CE9178"/>
-                </a:solidFill>
-                <a:effectLst/>
-                <a:latin typeface="Consolas" panose="020B0609020204030204" pitchFamily="49" charset="0"/>
-              </a:rPr>
-              <a:t>devtools</a:t>
-            </a:r>
-            <a:r>
-              <a:rPr lang="en-US" b="0" dirty="0">
-                <a:solidFill>
-                  <a:srgbClr val="CE9178"/>
-                </a:solidFill>
-                <a:effectLst/>
-                <a:latin typeface="Consolas" panose="020B0609020204030204" pitchFamily="49" charset="0"/>
-              </a:rPr>
-              <a:t>::</a:t>
-            </a:r>
-            <a:r>
-              <a:rPr lang="en-US" b="0" dirty="0" err="1">
-                <a:solidFill>
-                  <a:srgbClr val="CE9178"/>
-                </a:solidFill>
-                <a:effectLst/>
-                <a:latin typeface="Consolas" panose="020B0609020204030204" pitchFamily="49" charset="0"/>
-              </a:rPr>
-              <a:t>install_deps</a:t>
-            </a:r>
-            <a:r>
-              <a:rPr lang="en-US" b="0" dirty="0">
-                <a:solidFill>
-                  <a:srgbClr val="CE9178"/>
-                </a:solidFill>
-                <a:effectLst/>
-                <a:latin typeface="Consolas" panose="020B0609020204030204" pitchFamily="49" charset="0"/>
-              </a:rPr>
-              <a:t>(dependencies=TRUE)'</a:t>
-            </a:r>
-            <a:endParaRPr lang="en-US" b="0" dirty="0">
-              <a:solidFill>
-                <a:srgbClr val="D4D4D4"/>
-              </a:solidFill>
-              <a:effectLst/>
-              <a:latin typeface="Consolas" panose="020B0609020204030204" pitchFamily="49" charset="0"/>
-            </a:endParaRPr>
-          </a:p>
-          <a:p>
-            <a:r>
-              <a:rPr lang="en-US" b="0" dirty="0">
-                <a:solidFill>
-                  <a:srgbClr val="D4D4D4"/>
-                </a:solidFill>
-                <a:effectLst/>
-                <a:latin typeface="Consolas" panose="020B0609020204030204" pitchFamily="49" charset="0"/>
-              </a:rPr>
-              <a:t>          - </a:t>
-            </a:r>
-            <a:r>
-              <a:rPr lang="en-US" b="0" dirty="0" err="1">
-                <a:solidFill>
-                  <a:srgbClr val="CE9178"/>
-                </a:solidFill>
-                <a:effectLst/>
-                <a:latin typeface="Consolas" panose="020B0609020204030204" pitchFamily="49" charset="0"/>
-              </a:rPr>
-              <a:t>Rscript</a:t>
-            </a:r>
-            <a:r>
-              <a:rPr lang="en-US" b="0" dirty="0">
-                <a:solidFill>
-                  <a:srgbClr val="CE9178"/>
-                </a:solidFill>
-                <a:effectLst/>
-                <a:latin typeface="Consolas" panose="020B0609020204030204" pitchFamily="49" charset="0"/>
-              </a:rPr>
-              <a:t> -e '</a:t>
-            </a:r>
-            <a:r>
-              <a:rPr lang="en-US" b="0" dirty="0" err="1">
-                <a:solidFill>
-                  <a:srgbClr val="CE9178"/>
-                </a:solidFill>
-                <a:effectLst/>
-                <a:latin typeface="Consolas" panose="020B0609020204030204" pitchFamily="49" charset="0"/>
-              </a:rPr>
-              <a:t>devtools</a:t>
-            </a:r>
-            <a:r>
-              <a:rPr lang="en-US" b="0" dirty="0">
-                <a:solidFill>
-                  <a:srgbClr val="CE9178"/>
-                </a:solidFill>
-                <a:effectLst/>
-                <a:latin typeface="Consolas" panose="020B0609020204030204" pitchFamily="49" charset="0"/>
-              </a:rPr>
-              <a:t>::document()'</a:t>
-            </a:r>
-            <a:endParaRPr lang="en-US" b="0" dirty="0">
-              <a:solidFill>
-                <a:srgbClr val="D4D4D4"/>
-              </a:solidFill>
-              <a:effectLst/>
-              <a:latin typeface="Consolas" panose="020B0609020204030204" pitchFamily="49" charset="0"/>
-            </a:endParaRPr>
-          </a:p>
-          <a:p>
-            <a:r>
-              <a:rPr lang="en-US" b="0" dirty="0">
-                <a:solidFill>
-                  <a:srgbClr val="D4D4D4"/>
-                </a:solidFill>
-                <a:effectLst/>
-                <a:latin typeface="Consolas" panose="020B0609020204030204" pitchFamily="49" charset="0"/>
-              </a:rPr>
-              <a:t>          - </a:t>
-            </a:r>
-            <a:r>
-              <a:rPr lang="en-US" b="0" dirty="0" err="1">
-                <a:solidFill>
-                  <a:srgbClr val="CE9178"/>
-                </a:solidFill>
-                <a:effectLst/>
-                <a:latin typeface="Consolas" panose="020B0609020204030204" pitchFamily="49" charset="0"/>
-              </a:rPr>
-              <a:t>Rscript</a:t>
-            </a:r>
-            <a:r>
-              <a:rPr lang="en-US" b="0" dirty="0">
-                <a:solidFill>
-                  <a:srgbClr val="CE9178"/>
-                </a:solidFill>
-                <a:effectLst/>
-                <a:latin typeface="Consolas" panose="020B0609020204030204" pitchFamily="49" charset="0"/>
-              </a:rPr>
-              <a:t> -e '</a:t>
-            </a:r>
-            <a:r>
-              <a:rPr lang="en-US" b="0" dirty="0" err="1">
-                <a:solidFill>
-                  <a:srgbClr val="CE9178"/>
-                </a:solidFill>
-                <a:effectLst/>
-                <a:latin typeface="Consolas" panose="020B0609020204030204" pitchFamily="49" charset="0"/>
-              </a:rPr>
-              <a:t>devtools</a:t>
-            </a:r>
-            <a:r>
-              <a:rPr lang="en-US" b="0" dirty="0">
-                <a:solidFill>
-                  <a:srgbClr val="CE9178"/>
-                </a:solidFill>
-                <a:effectLst/>
-                <a:latin typeface="Consolas" panose="020B0609020204030204" pitchFamily="49" charset="0"/>
-              </a:rPr>
-              <a:t>::check()'</a:t>
-            </a:r>
-            <a:endParaRPr lang="en-US" b="0" dirty="0">
-              <a:solidFill>
-                <a:srgbClr val="D4D4D4"/>
-              </a:solidFill>
-              <a:effectLst/>
-              <a:latin typeface="Consolas" panose="020B0609020204030204" pitchFamily="49" charset="0"/>
-            </a:endParaRPr>
-          </a:p>
-        </p:txBody>
-      </p:sp>
-    </p:spTree>
-    <p:extLst>
-      <p:ext uri="{BB962C8B-B14F-4D97-AF65-F5344CB8AC3E}">
-        <p14:creationId xmlns:p14="http://schemas.microsoft.com/office/powerpoint/2010/main" val="2022186318"/>
       </p:ext>
     </p:extLst>
   </p:cSld>
@@ -6044,6 +5561,700 @@
           <a:p>
             <a:r>
               <a:rPr lang="en-US" dirty="0"/>
+              <a:t>Demo</a:t>
+            </a:r>
+          </a:p>
+        </p:txBody>
+      </p:sp>
+      <p:sp>
+        <p:nvSpPr>
+          <p:cNvPr id="15" name="TextBox 14">
+            <a:extLst>
+              <a:ext uri="{FF2B5EF4-FFF2-40B4-BE49-F238E27FC236}">
+                <a16:creationId xmlns:a16="http://schemas.microsoft.com/office/drawing/2014/main" id="{7130D7EC-45A5-4FD0-B209-313EAB0268C9}"/>
+              </a:ext>
+            </a:extLst>
+          </p:cNvPr>
+          <p:cNvSpPr txBox="1"/>
+          <p:nvPr/>
+        </p:nvSpPr>
+        <p:spPr>
+          <a:xfrm>
+            <a:off x="519545" y="1309330"/>
+            <a:ext cx="10544175" cy="4524315"/>
+          </a:xfrm>
+          <a:prstGeom prst="rect">
+            <a:avLst/>
+          </a:prstGeom>
+          <a:solidFill>
+            <a:schemeClr val="tx1"/>
+          </a:solidFill>
+        </p:spPr>
+        <p:txBody>
+          <a:bodyPr wrap="square">
+            <a:spAutoFit/>
+          </a:bodyPr>
+          <a:lstStyle/>
+          <a:p>
+            <a:r>
+              <a:rPr lang="en-US" b="0" dirty="0">
+                <a:solidFill>
+                  <a:srgbClr val="569CD6"/>
+                </a:solidFill>
+                <a:effectLst/>
+                <a:latin typeface="Consolas" panose="020B0609020204030204" pitchFamily="49" charset="0"/>
+              </a:rPr>
+              <a:t>image</a:t>
+            </a:r>
+            <a:r>
+              <a:rPr lang="en-US" b="0" dirty="0">
+                <a:solidFill>
+                  <a:srgbClr val="D4D4D4"/>
+                </a:solidFill>
+                <a:effectLst/>
+                <a:latin typeface="Consolas" panose="020B0609020204030204" pitchFamily="49" charset="0"/>
+              </a:rPr>
+              <a:t>: </a:t>
+            </a:r>
+            <a:r>
+              <a:rPr lang="en-US" b="0" dirty="0">
+                <a:solidFill>
+                  <a:srgbClr val="CE9178"/>
+                </a:solidFill>
+                <a:effectLst/>
+                <a:latin typeface="Consolas" panose="020B0609020204030204" pitchFamily="49" charset="0"/>
+              </a:rPr>
+              <a:t>rocker/tidyverse:4.0.2</a:t>
+            </a:r>
+            <a:endParaRPr lang="en-US" b="0" dirty="0">
+              <a:solidFill>
+                <a:srgbClr val="D4D4D4"/>
+              </a:solidFill>
+              <a:effectLst/>
+              <a:latin typeface="Consolas" panose="020B0609020204030204" pitchFamily="49" charset="0"/>
+            </a:endParaRPr>
+          </a:p>
+          <a:p>
+            <a:br>
+              <a:rPr lang="en-US" b="0" dirty="0">
+                <a:solidFill>
+                  <a:srgbClr val="D4D4D4"/>
+                </a:solidFill>
+                <a:effectLst/>
+                <a:latin typeface="Consolas" panose="020B0609020204030204" pitchFamily="49" charset="0"/>
+              </a:rPr>
+            </a:br>
+            <a:r>
+              <a:rPr lang="en-US" b="0" dirty="0">
+                <a:solidFill>
+                  <a:srgbClr val="569CD6"/>
+                </a:solidFill>
+                <a:effectLst/>
+                <a:latin typeface="Consolas" panose="020B0609020204030204" pitchFamily="49" charset="0"/>
+              </a:rPr>
+              <a:t>definitions</a:t>
+            </a:r>
+            <a:r>
+              <a:rPr lang="en-US" b="0" dirty="0">
+                <a:solidFill>
+                  <a:srgbClr val="D4D4D4"/>
+                </a:solidFill>
+                <a:effectLst/>
+                <a:latin typeface="Consolas" panose="020B0609020204030204" pitchFamily="49" charset="0"/>
+              </a:rPr>
+              <a:t>:</a:t>
+            </a:r>
+          </a:p>
+          <a:p>
+            <a:r>
+              <a:rPr lang="en-US" b="0" dirty="0">
+                <a:solidFill>
+                  <a:srgbClr val="D4D4D4"/>
+                </a:solidFill>
+                <a:effectLst/>
+                <a:latin typeface="Consolas" panose="020B0609020204030204" pitchFamily="49" charset="0"/>
+              </a:rPr>
+              <a:t>  </a:t>
+            </a:r>
+            <a:r>
+              <a:rPr lang="en-US" b="0" dirty="0">
+                <a:solidFill>
+                  <a:srgbClr val="569CD6"/>
+                </a:solidFill>
+                <a:effectLst/>
+                <a:latin typeface="Consolas" panose="020B0609020204030204" pitchFamily="49" charset="0"/>
+              </a:rPr>
+              <a:t>caches</a:t>
+            </a:r>
+            <a:r>
+              <a:rPr lang="en-US" b="0" dirty="0">
+                <a:solidFill>
+                  <a:srgbClr val="D4D4D4"/>
+                </a:solidFill>
+                <a:effectLst/>
+                <a:latin typeface="Consolas" panose="020B0609020204030204" pitchFamily="49" charset="0"/>
+              </a:rPr>
+              <a:t>:</a:t>
+            </a:r>
+          </a:p>
+          <a:p>
+            <a:r>
+              <a:rPr lang="en-US" b="0" dirty="0">
+                <a:solidFill>
+                  <a:srgbClr val="D4D4D4"/>
+                </a:solidFill>
+                <a:effectLst/>
+                <a:latin typeface="Consolas" panose="020B0609020204030204" pitchFamily="49" charset="0"/>
+              </a:rPr>
+              <a:t>    </a:t>
+            </a:r>
+            <a:r>
+              <a:rPr lang="en-US" b="0" dirty="0">
+                <a:solidFill>
+                  <a:srgbClr val="569CD6"/>
+                </a:solidFill>
+                <a:effectLst/>
+                <a:latin typeface="Consolas" panose="020B0609020204030204" pitchFamily="49" charset="0"/>
+              </a:rPr>
+              <a:t>site-library</a:t>
+            </a:r>
+            <a:r>
+              <a:rPr lang="en-US" b="0" dirty="0">
+                <a:solidFill>
+                  <a:srgbClr val="D4D4D4"/>
+                </a:solidFill>
+                <a:effectLst/>
+                <a:latin typeface="Consolas" panose="020B0609020204030204" pitchFamily="49" charset="0"/>
+              </a:rPr>
+              <a:t>: </a:t>
+            </a:r>
+            <a:r>
+              <a:rPr lang="en-US" b="0" dirty="0">
+                <a:solidFill>
+                  <a:srgbClr val="CE9178"/>
+                </a:solidFill>
+                <a:effectLst/>
+                <a:latin typeface="Consolas" panose="020B0609020204030204" pitchFamily="49" charset="0"/>
+              </a:rPr>
+              <a:t>/</a:t>
+            </a:r>
+            <a:r>
+              <a:rPr lang="en-US" b="0" dirty="0" err="1">
+                <a:solidFill>
+                  <a:srgbClr val="CE9178"/>
+                </a:solidFill>
+                <a:effectLst/>
+                <a:latin typeface="Consolas" panose="020B0609020204030204" pitchFamily="49" charset="0"/>
+              </a:rPr>
+              <a:t>usr</a:t>
+            </a:r>
+            <a:r>
+              <a:rPr lang="en-US" b="0" dirty="0">
+                <a:solidFill>
+                  <a:srgbClr val="CE9178"/>
+                </a:solidFill>
+                <a:effectLst/>
+                <a:latin typeface="Consolas" panose="020B0609020204030204" pitchFamily="49" charset="0"/>
+              </a:rPr>
+              <a:t>/local/lib/R/site-library</a:t>
+            </a:r>
+            <a:endParaRPr lang="en-US" b="0" dirty="0">
+              <a:solidFill>
+                <a:srgbClr val="D4D4D4"/>
+              </a:solidFill>
+              <a:effectLst/>
+              <a:latin typeface="Consolas" panose="020B0609020204030204" pitchFamily="49" charset="0"/>
+            </a:endParaRPr>
+          </a:p>
+          <a:p>
+            <a:br>
+              <a:rPr lang="en-US" b="0" dirty="0">
+                <a:solidFill>
+                  <a:srgbClr val="D4D4D4"/>
+                </a:solidFill>
+                <a:effectLst/>
+                <a:latin typeface="Consolas" panose="020B0609020204030204" pitchFamily="49" charset="0"/>
+              </a:rPr>
+            </a:br>
+            <a:r>
+              <a:rPr lang="en-US" b="0" dirty="0">
+                <a:solidFill>
+                  <a:srgbClr val="569CD6"/>
+                </a:solidFill>
+                <a:effectLst/>
+                <a:latin typeface="Consolas" panose="020B0609020204030204" pitchFamily="49" charset="0"/>
+              </a:rPr>
+              <a:t>pipelines</a:t>
+            </a:r>
+            <a:r>
+              <a:rPr lang="en-US" b="0" dirty="0">
+                <a:solidFill>
+                  <a:srgbClr val="D4D4D4"/>
+                </a:solidFill>
+                <a:effectLst/>
+                <a:latin typeface="Consolas" panose="020B0609020204030204" pitchFamily="49" charset="0"/>
+              </a:rPr>
+              <a:t>:</a:t>
+            </a:r>
+          </a:p>
+          <a:p>
+            <a:r>
+              <a:rPr lang="en-US" b="0" dirty="0">
+                <a:solidFill>
+                  <a:srgbClr val="D4D4D4"/>
+                </a:solidFill>
+                <a:effectLst/>
+                <a:latin typeface="Consolas" panose="020B0609020204030204" pitchFamily="49" charset="0"/>
+              </a:rPr>
+              <a:t>  </a:t>
+            </a:r>
+            <a:r>
+              <a:rPr lang="en-US" b="0" dirty="0">
+                <a:solidFill>
+                  <a:srgbClr val="569CD6"/>
+                </a:solidFill>
+                <a:effectLst/>
+                <a:latin typeface="Consolas" panose="020B0609020204030204" pitchFamily="49" charset="0"/>
+              </a:rPr>
+              <a:t>default</a:t>
+            </a:r>
+            <a:r>
+              <a:rPr lang="en-US" b="0" dirty="0">
+                <a:solidFill>
+                  <a:srgbClr val="D4D4D4"/>
+                </a:solidFill>
+                <a:effectLst/>
+                <a:latin typeface="Consolas" panose="020B0609020204030204" pitchFamily="49" charset="0"/>
+              </a:rPr>
+              <a:t>:</a:t>
+            </a:r>
+          </a:p>
+          <a:p>
+            <a:r>
+              <a:rPr lang="en-US" b="0" dirty="0">
+                <a:solidFill>
+                  <a:srgbClr val="D4D4D4"/>
+                </a:solidFill>
+                <a:effectLst/>
+                <a:latin typeface="Consolas" panose="020B0609020204030204" pitchFamily="49" charset="0"/>
+              </a:rPr>
+              <a:t>    - </a:t>
+            </a:r>
+            <a:r>
+              <a:rPr lang="en-US" b="0" dirty="0">
+                <a:solidFill>
+                  <a:srgbClr val="569CD6"/>
+                </a:solidFill>
+                <a:effectLst/>
+                <a:latin typeface="Consolas" panose="020B0609020204030204" pitchFamily="49" charset="0"/>
+              </a:rPr>
+              <a:t>step</a:t>
+            </a:r>
+            <a:r>
+              <a:rPr lang="en-US" b="0" dirty="0">
+                <a:solidFill>
+                  <a:srgbClr val="D4D4D4"/>
+                </a:solidFill>
+                <a:effectLst/>
+                <a:latin typeface="Consolas" panose="020B0609020204030204" pitchFamily="49" charset="0"/>
+              </a:rPr>
+              <a:t>:</a:t>
+            </a:r>
+          </a:p>
+          <a:p>
+            <a:r>
+              <a:rPr lang="en-US" b="0" dirty="0">
+                <a:solidFill>
+                  <a:srgbClr val="D4D4D4"/>
+                </a:solidFill>
+                <a:effectLst/>
+                <a:latin typeface="Consolas" panose="020B0609020204030204" pitchFamily="49" charset="0"/>
+              </a:rPr>
+              <a:t>        </a:t>
+            </a:r>
+            <a:r>
+              <a:rPr lang="en-US" b="0" dirty="0">
+                <a:solidFill>
+                  <a:srgbClr val="569CD6"/>
+                </a:solidFill>
+                <a:effectLst/>
+                <a:latin typeface="Consolas" panose="020B0609020204030204" pitchFamily="49" charset="0"/>
+              </a:rPr>
+              <a:t>name</a:t>
+            </a:r>
+            <a:r>
+              <a:rPr lang="en-US" b="0" dirty="0">
+                <a:solidFill>
+                  <a:srgbClr val="D4D4D4"/>
+                </a:solidFill>
+                <a:effectLst/>
+                <a:latin typeface="Consolas" panose="020B0609020204030204" pitchFamily="49" charset="0"/>
+              </a:rPr>
+              <a:t>: </a:t>
+            </a:r>
+            <a:r>
+              <a:rPr lang="en-US" b="0" dirty="0">
+                <a:solidFill>
+                  <a:srgbClr val="CE9178"/>
+                </a:solidFill>
+                <a:effectLst/>
+                <a:latin typeface="Consolas" panose="020B0609020204030204" pitchFamily="49" charset="0"/>
+              </a:rPr>
+              <a:t>'Document and Check'</a:t>
+            </a:r>
+            <a:endParaRPr lang="en-US" b="0" dirty="0">
+              <a:solidFill>
+                <a:srgbClr val="D4D4D4"/>
+              </a:solidFill>
+              <a:effectLst/>
+              <a:latin typeface="Consolas" panose="020B0609020204030204" pitchFamily="49" charset="0"/>
+            </a:endParaRPr>
+          </a:p>
+          <a:p>
+            <a:r>
+              <a:rPr lang="en-US" b="0" dirty="0">
+                <a:solidFill>
+                  <a:srgbClr val="D4D4D4"/>
+                </a:solidFill>
+                <a:effectLst/>
+                <a:latin typeface="Consolas" panose="020B0609020204030204" pitchFamily="49" charset="0"/>
+              </a:rPr>
+              <a:t>        </a:t>
+            </a:r>
+            <a:r>
+              <a:rPr lang="en-US" b="0" dirty="0">
+                <a:solidFill>
+                  <a:srgbClr val="569CD6"/>
+                </a:solidFill>
+                <a:effectLst/>
+                <a:latin typeface="Consolas" panose="020B0609020204030204" pitchFamily="49" charset="0"/>
+              </a:rPr>
+              <a:t>caches</a:t>
+            </a:r>
+            <a:r>
+              <a:rPr lang="en-US" b="0" dirty="0">
+                <a:solidFill>
+                  <a:srgbClr val="D4D4D4"/>
+                </a:solidFill>
+                <a:effectLst/>
+                <a:latin typeface="Consolas" panose="020B0609020204030204" pitchFamily="49" charset="0"/>
+              </a:rPr>
+              <a:t>:</a:t>
+            </a:r>
+          </a:p>
+          <a:p>
+            <a:r>
+              <a:rPr lang="en-US" b="0" dirty="0">
+                <a:solidFill>
+                  <a:srgbClr val="D4D4D4"/>
+                </a:solidFill>
+                <a:effectLst/>
+                <a:latin typeface="Consolas" panose="020B0609020204030204" pitchFamily="49" charset="0"/>
+              </a:rPr>
+              <a:t>          - </a:t>
+            </a:r>
+            <a:r>
+              <a:rPr lang="en-US" b="0" dirty="0">
+                <a:solidFill>
+                  <a:srgbClr val="CE9178"/>
+                </a:solidFill>
+                <a:effectLst/>
+                <a:latin typeface="Consolas" panose="020B0609020204030204" pitchFamily="49" charset="0"/>
+              </a:rPr>
+              <a:t>site-library</a:t>
+            </a:r>
+            <a:endParaRPr lang="en-US" b="0" dirty="0">
+              <a:solidFill>
+                <a:srgbClr val="D4D4D4"/>
+              </a:solidFill>
+              <a:effectLst/>
+              <a:latin typeface="Consolas" panose="020B0609020204030204" pitchFamily="49" charset="0"/>
+            </a:endParaRPr>
+          </a:p>
+          <a:p>
+            <a:r>
+              <a:rPr lang="en-US" b="0" dirty="0">
+                <a:solidFill>
+                  <a:srgbClr val="D4D4D4"/>
+                </a:solidFill>
+                <a:effectLst/>
+                <a:latin typeface="Consolas" panose="020B0609020204030204" pitchFamily="49" charset="0"/>
+              </a:rPr>
+              <a:t>        </a:t>
+            </a:r>
+            <a:r>
+              <a:rPr lang="en-US" b="0" dirty="0">
+                <a:solidFill>
+                  <a:srgbClr val="569CD6"/>
+                </a:solidFill>
+                <a:effectLst/>
+                <a:latin typeface="Consolas" panose="020B0609020204030204" pitchFamily="49" charset="0"/>
+              </a:rPr>
+              <a:t>script</a:t>
+            </a:r>
+            <a:r>
+              <a:rPr lang="en-US" b="0" dirty="0">
+                <a:solidFill>
+                  <a:srgbClr val="D4D4D4"/>
+                </a:solidFill>
+                <a:effectLst/>
+                <a:latin typeface="Consolas" panose="020B0609020204030204" pitchFamily="49" charset="0"/>
+              </a:rPr>
+              <a:t>:</a:t>
+            </a:r>
+          </a:p>
+          <a:p>
+            <a:r>
+              <a:rPr lang="en-US" b="0" dirty="0">
+                <a:solidFill>
+                  <a:srgbClr val="D4D4D4"/>
+                </a:solidFill>
+                <a:effectLst/>
+                <a:latin typeface="Consolas" panose="020B0609020204030204" pitchFamily="49" charset="0"/>
+              </a:rPr>
+              <a:t>          - </a:t>
+            </a:r>
+            <a:r>
+              <a:rPr lang="en-US" b="0" dirty="0" err="1">
+                <a:solidFill>
+                  <a:srgbClr val="CE9178"/>
+                </a:solidFill>
+                <a:effectLst/>
+                <a:latin typeface="Consolas" panose="020B0609020204030204" pitchFamily="49" charset="0"/>
+              </a:rPr>
+              <a:t>Rscript</a:t>
+            </a:r>
+            <a:r>
+              <a:rPr lang="en-US" b="0" dirty="0">
+                <a:solidFill>
+                  <a:srgbClr val="CE9178"/>
+                </a:solidFill>
+                <a:effectLst/>
+                <a:latin typeface="Consolas" panose="020B0609020204030204" pitchFamily="49" charset="0"/>
+              </a:rPr>
+              <a:t> -e '</a:t>
+            </a:r>
+            <a:r>
+              <a:rPr lang="en-US" b="0" dirty="0" err="1">
+                <a:solidFill>
+                  <a:srgbClr val="CE9178"/>
+                </a:solidFill>
+                <a:effectLst/>
+                <a:latin typeface="Consolas" panose="020B0609020204030204" pitchFamily="49" charset="0"/>
+              </a:rPr>
+              <a:t>devtools</a:t>
+            </a:r>
+            <a:r>
+              <a:rPr lang="en-US" b="0" dirty="0">
+                <a:solidFill>
+                  <a:srgbClr val="CE9178"/>
+                </a:solidFill>
+                <a:effectLst/>
+                <a:latin typeface="Consolas" panose="020B0609020204030204" pitchFamily="49" charset="0"/>
+              </a:rPr>
+              <a:t>::</a:t>
+            </a:r>
+            <a:r>
+              <a:rPr lang="en-US" b="0" dirty="0" err="1">
+                <a:solidFill>
+                  <a:srgbClr val="CE9178"/>
+                </a:solidFill>
+                <a:effectLst/>
+                <a:latin typeface="Consolas" panose="020B0609020204030204" pitchFamily="49" charset="0"/>
+              </a:rPr>
+              <a:t>install_deps</a:t>
+            </a:r>
+            <a:r>
+              <a:rPr lang="en-US" b="0" dirty="0">
+                <a:solidFill>
+                  <a:srgbClr val="CE9178"/>
+                </a:solidFill>
+                <a:effectLst/>
+                <a:latin typeface="Consolas" panose="020B0609020204030204" pitchFamily="49" charset="0"/>
+              </a:rPr>
+              <a:t>(dependencies=TRUE)'</a:t>
+            </a:r>
+            <a:endParaRPr lang="en-US" b="0" dirty="0">
+              <a:solidFill>
+                <a:srgbClr val="D4D4D4"/>
+              </a:solidFill>
+              <a:effectLst/>
+              <a:latin typeface="Consolas" panose="020B0609020204030204" pitchFamily="49" charset="0"/>
+            </a:endParaRPr>
+          </a:p>
+          <a:p>
+            <a:r>
+              <a:rPr lang="en-US" b="0" dirty="0">
+                <a:solidFill>
+                  <a:srgbClr val="D4D4D4"/>
+                </a:solidFill>
+                <a:effectLst/>
+                <a:latin typeface="Consolas" panose="020B0609020204030204" pitchFamily="49" charset="0"/>
+              </a:rPr>
+              <a:t>          - </a:t>
+            </a:r>
+            <a:r>
+              <a:rPr lang="en-US" b="0" dirty="0" err="1">
+                <a:solidFill>
+                  <a:srgbClr val="CE9178"/>
+                </a:solidFill>
+                <a:effectLst/>
+                <a:latin typeface="Consolas" panose="020B0609020204030204" pitchFamily="49" charset="0"/>
+              </a:rPr>
+              <a:t>Rscript</a:t>
+            </a:r>
+            <a:r>
+              <a:rPr lang="en-US" b="0" dirty="0">
+                <a:solidFill>
+                  <a:srgbClr val="CE9178"/>
+                </a:solidFill>
+                <a:effectLst/>
+                <a:latin typeface="Consolas" panose="020B0609020204030204" pitchFamily="49" charset="0"/>
+              </a:rPr>
+              <a:t> -e '</a:t>
+            </a:r>
+            <a:r>
+              <a:rPr lang="en-US" b="0" dirty="0" err="1">
+                <a:solidFill>
+                  <a:srgbClr val="CE9178"/>
+                </a:solidFill>
+                <a:effectLst/>
+                <a:latin typeface="Consolas" panose="020B0609020204030204" pitchFamily="49" charset="0"/>
+              </a:rPr>
+              <a:t>devtools</a:t>
+            </a:r>
+            <a:r>
+              <a:rPr lang="en-US" b="0" dirty="0">
+                <a:solidFill>
+                  <a:srgbClr val="CE9178"/>
+                </a:solidFill>
+                <a:effectLst/>
+                <a:latin typeface="Consolas" panose="020B0609020204030204" pitchFamily="49" charset="0"/>
+              </a:rPr>
+              <a:t>::document()'</a:t>
+            </a:r>
+            <a:endParaRPr lang="en-US" b="0" dirty="0">
+              <a:solidFill>
+                <a:srgbClr val="D4D4D4"/>
+              </a:solidFill>
+              <a:effectLst/>
+              <a:latin typeface="Consolas" panose="020B0609020204030204" pitchFamily="49" charset="0"/>
+            </a:endParaRPr>
+          </a:p>
+          <a:p>
+            <a:r>
+              <a:rPr lang="en-US" b="0" dirty="0">
+                <a:solidFill>
+                  <a:srgbClr val="D4D4D4"/>
+                </a:solidFill>
+                <a:effectLst/>
+                <a:latin typeface="Consolas" panose="020B0609020204030204" pitchFamily="49" charset="0"/>
+              </a:rPr>
+              <a:t>          - </a:t>
+            </a:r>
+            <a:r>
+              <a:rPr lang="en-US" b="0" dirty="0" err="1">
+                <a:solidFill>
+                  <a:srgbClr val="CE9178"/>
+                </a:solidFill>
+                <a:effectLst/>
+                <a:latin typeface="Consolas" panose="020B0609020204030204" pitchFamily="49" charset="0"/>
+              </a:rPr>
+              <a:t>Rscript</a:t>
+            </a:r>
+            <a:r>
+              <a:rPr lang="en-US" b="0" dirty="0">
+                <a:solidFill>
+                  <a:srgbClr val="CE9178"/>
+                </a:solidFill>
+                <a:effectLst/>
+                <a:latin typeface="Consolas" panose="020B0609020204030204" pitchFamily="49" charset="0"/>
+              </a:rPr>
+              <a:t> -e '</a:t>
+            </a:r>
+            <a:r>
+              <a:rPr lang="en-US" b="0" dirty="0" err="1">
+                <a:solidFill>
+                  <a:srgbClr val="CE9178"/>
+                </a:solidFill>
+                <a:effectLst/>
+                <a:latin typeface="Consolas" panose="020B0609020204030204" pitchFamily="49" charset="0"/>
+              </a:rPr>
+              <a:t>devtools</a:t>
+            </a:r>
+            <a:r>
+              <a:rPr lang="en-US" b="0" dirty="0">
+                <a:solidFill>
+                  <a:srgbClr val="CE9178"/>
+                </a:solidFill>
+                <a:effectLst/>
+                <a:latin typeface="Consolas" panose="020B0609020204030204" pitchFamily="49" charset="0"/>
+              </a:rPr>
+              <a:t>::check()'</a:t>
+            </a:r>
+            <a:endParaRPr lang="en-US" b="0" dirty="0">
+              <a:solidFill>
+                <a:srgbClr val="D4D4D4"/>
+              </a:solidFill>
+              <a:effectLst/>
+              <a:latin typeface="Consolas" panose="020B0609020204030204" pitchFamily="49" charset="0"/>
+            </a:endParaRPr>
+          </a:p>
+        </p:txBody>
+      </p:sp>
+    </p:spTree>
+    <p:extLst>
+      <p:ext uri="{BB962C8B-B14F-4D97-AF65-F5344CB8AC3E}">
+        <p14:creationId xmlns:p14="http://schemas.microsoft.com/office/powerpoint/2010/main" val="2022186318"/>
+      </p:ext>
+    </p:extLst>
+  </p:cSld>
+  <p:clrMapOvr>
+    <a:masterClrMapping/>
+  </p:clrMapOvr>
+</p:sld>
+</file>
+
+<file path=ppt/slides/slide17.xml><?xml version="1.0" encoding="utf-8"?>
+<p:sld xmlns:a="http://schemas.openxmlformats.org/drawingml/2006/main" xmlns:r="http://schemas.openxmlformats.org/officeDocument/2006/relationships" xmlns:p="http://schemas.openxmlformats.org/presentationml/2006/main">
+  <p:cSld>
+    <p:spTree>
+      <p:nvGrpSpPr>
+        <p:cNvPr id="1" name=""/>
+        <p:cNvGrpSpPr/>
+        <p:nvPr/>
+      </p:nvGrpSpPr>
+      <p:grpSpPr>
+        <a:xfrm>
+          <a:off x="0" y="0"/>
+          <a:ext cx="0" cy="0"/>
+          <a:chOff x="0" y="0"/>
+          <a:chExt cx="0" cy="0"/>
+        </a:xfrm>
+      </p:grpSpPr>
+      <p:sp>
+        <p:nvSpPr>
+          <p:cNvPr id="4" name="Title 3">
+            <a:extLst>
+              <a:ext uri="{FF2B5EF4-FFF2-40B4-BE49-F238E27FC236}">
+                <a16:creationId xmlns:a16="http://schemas.microsoft.com/office/drawing/2014/main" id="{505BD776-2FCF-451D-90C4-ABAA297A7172}"/>
+              </a:ext>
+            </a:extLst>
+          </p:cNvPr>
+          <p:cNvSpPr>
+            <a:spLocks noGrp="1"/>
+          </p:cNvSpPr>
+          <p:nvPr>
+            <p:ph type="title"/>
+          </p:nvPr>
+        </p:nvSpPr>
+        <p:spPr/>
+        <p:txBody>
+          <a:bodyPr/>
+          <a:lstStyle/>
+          <a:p>
+            <a:r>
+              <a:rPr lang="en-US" dirty="0"/>
               <a:t>Function customization</a:t>
             </a:r>
           </a:p>
@@ -6152,7 +6363,7 @@
 </p:sld>
 </file>
 
-<file path=ppt/slides/slide17.xml><?xml version="1.0" encoding="utf-8"?>
+<file path=ppt/slides/slide18.xml><?xml version="1.0" encoding="utf-8"?>
 <p:sld xmlns:a="http://schemas.openxmlformats.org/drawingml/2006/main" xmlns:r="http://schemas.openxmlformats.org/officeDocument/2006/relationships" xmlns:p="http://schemas.openxmlformats.org/presentationml/2006/main">
   <p:cSld>
     <p:spTree>
@@ -6265,7 +6476,7 @@
 </p:sld>
 </file>
 
-<file path=ppt/slides/slide18.xml><?xml version="1.0" encoding="utf-8"?>
+<file path=ppt/slides/slide19.xml><?xml version="1.0" encoding="utf-8"?>
 <p:sld xmlns:a="http://schemas.openxmlformats.org/drawingml/2006/main" xmlns:r="http://schemas.openxmlformats.org/officeDocument/2006/relationships" xmlns:p="http://schemas.openxmlformats.org/presentationml/2006/main">
   <p:cSld>
     <p:spTree>
@@ -6384,527 +6595,6 @@
     <p:extLst>
       <p:ext uri="{BB962C8B-B14F-4D97-AF65-F5344CB8AC3E}">
         <p14:creationId xmlns:p14="http://schemas.microsoft.com/office/powerpoint/2010/main" val="817394181"/>
-      </p:ext>
-    </p:extLst>
-  </p:cSld>
-  <p:clrMapOvr>
-    <a:masterClrMapping/>
-  </p:clrMapOvr>
-</p:sld>
-</file>
-
-<file path=ppt/slides/slide19.xml><?xml version="1.0" encoding="utf-8"?>
-<p:sld xmlns:a="http://schemas.openxmlformats.org/drawingml/2006/main" xmlns:r="http://schemas.openxmlformats.org/officeDocument/2006/relationships" xmlns:p="http://schemas.openxmlformats.org/presentationml/2006/main">
-  <p:cSld>
-    <p:spTree>
-      <p:nvGrpSpPr>
-        <p:cNvPr id="1" name=""/>
-        <p:cNvGrpSpPr/>
-        <p:nvPr/>
-      </p:nvGrpSpPr>
-      <p:grpSpPr>
-        <a:xfrm>
-          <a:off x="0" y="0"/>
-          <a:ext cx="0" cy="0"/>
-          <a:chOff x="0" y="0"/>
-          <a:chExt cx="0" cy="0"/>
-        </a:xfrm>
-      </p:grpSpPr>
-      <p:sp>
-        <p:nvSpPr>
-          <p:cNvPr id="4" name="Title 3">
-            <a:extLst>
-              <a:ext uri="{FF2B5EF4-FFF2-40B4-BE49-F238E27FC236}">
-                <a16:creationId xmlns:a16="http://schemas.microsoft.com/office/drawing/2014/main" id="{505BD776-2FCF-451D-90C4-ABAA297A7172}"/>
-              </a:ext>
-            </a:extLst>
-          </p:cNvPr>
-          <p:cNvSpPr>
-            <a:spLocks noGrp="1"/>
-          </p:cNvSpPr>
-          <p:nvPr>
-            <p:ph type="title"/>
-          </p:nvPr>
-        </p:nvSpPr>
-        <p:spPr/>
-        <p:txBody>
-          <a:bodyPr/>
-          <a:lstStyle/>
-          <a:p>
-            <a:r>
-              <a:rPr lang="en-US" dirty="0"/>
-              <a:t>Demo</a:t>
-            </a:r>
-          </a:p>
-        </p:txBody>
-      </p:sp>
-      <p:sp>
-        <p:nvSpPr>
-          <p:cNvPr id="17" name="TextBox 16">
-            <a:extLst>
-              <a:ext uri="{FF2B5EF4-FFF2-40B4-BE49-F238E27FC236}">
-                <a16:creationId xmlns:a16="http://schemas.microsoft.com/office/drawing/2014/main" id="{AA2DBE6A-D924-4B64-B7B3-4DB810133773}"/>
-              </a:ext>
-            </a:extLst>
-          </p:cNvPr>
-          <p:cNvSpPr txBox="1"/>
-          <p:nvPr/>
-        </p:nvSpPr>
-        <p:spPr>
-          <a:xfrm>
-            <a:off x="285750" y="1325552"/>
-            <a:ext cx="11620500" cy="2862322"/>
-          </a:xfrm>
-          <a:prstGeom prst="rect">
-            <a:avLst/>
-          </a:prstGeom>
-          <a:solidFill>
-            <a:schemeClr val="tx1"/>
-          </a:solidFill>
-        </p:spPr>
-        <p:txBody>
-          <a:bodyPr wrap="square">
-            <a:spAutoFit/>
-          </a:bodyPr>
-          <a:lstStyle/>
-          <a:p>
-            <a:pPr marL="5543550" indent="-5543550"/>
-            <a:r>
-              <a:rPr lang="en-US" b="0" dirty="0">
-                <a:solidFill>
-                  <a:srgbClr val="D4D4D4"/>
-                </a:solidFill>
-                <a:effectLst/>
-                <a:latin typeface="Consolas" panose="020B0609020204030204" pitchFamily="49" charset="0"/>
-              </a:rPr>
-              <a:t>    - </a:t>
-            </a:r>
-            <a:r>
-              <a:rPr lang="en-US" b="0" dirty="0">
-                <a:solidFill>
-                  <a:srgbClr val="569CD6"/>
-                </a:solidFill>
-                <a:effectLst/>
-                <a:latin typeface="Consolas" panose="020B0609020204030204" pitchFamily="49" charset="0"/>
-              </a:rPr>
-              <a:t>step</a:t>
-            </a:r>
-            <a:r>
-              <a:rPr lang="en-US" b="0" dirty="0">
-                <a:solidFill>
-                  <a:srgbClr val="D4D4D4"/>
-                </a:solidFill>
-                <a:effectLst/>
-                <a:latin typeface="Consolas" panose="020B0609020204030204" pitchFamily="49" charset="0"/>
-              </a:rPr>
-              <a:t>:</a:t>
-            </a:r>
-          </a:p>
-          <a:p>
-            <a:pPr marL="5543550" indent="-5543550"/>
-            <a:r>
-              <a:rPr lang="en-US" b="0" dirty="0">
-                <a:solidFill>
-                  <a:srgbClr val="D4D4D4"/>
-                </a:solidFill>
-                <a:effectLst/>
-                <a:latin typeface="Consolas" panose="020B0609020204030204" pitchFamily="49" charset="0"/>
-              </a:rPr>
-              <a:t>        </a:t>
-            </a:r>
-            <a:r>
-              <a:rPr lang="en-US" b="0" dirty="0">
-                <a:solidFill>
-                  <a:srgbClr val="569CD6"/>
-                </a:solidFill>
-                <a:effectLst/>
-                <a:latin typeface="Consolas" panose="020B0609020204030204" pitchFamily="49" charset="0"/>
-              </a:rPr>
-              <a:t>name</a:t>
-            </a:r>
-            <a:r>
-              <a:rPr lang="en-US" b="0" dirty="0">
-                <a:solidFill>
-                  <a:srgbClr val="D4D4D4"/>
-                </a:solidFill>
-                <a:effectLst/>
-                <a:latin typeface="Consolas" panose="020B0609020204030204" pitchFamily="49" charset="0"/>
-              </a:rPr>
-              <a:t>: </a:t>
-            </a:r>
-            <a:r>
-              <a:rPr lang="en-US" b="0" dirty="0">
-                <a:solidFill>
-                  <a:srgbClr val="CE9178"/>
-                </a:solidFill>
-                <a:effectLst/>
-                <a:latin typeface="Consolas" panose="020B0609020204030204" pitchFamily="49" charset="0"/>
-              </a:rPr>
-              <a:t>'Lint'</a:t>
-            </a:r>
-            <a:endParaRPr lang="en-US" b="0" dirty="0">
-              <a:solidFill>
-                <a:srgbClr val="D4D4D4"/>
-              </a:solidFill>
-              <a:effectLst/>
-              <a:latin typeface="Consolas" panose="020B0609020204030204" pitchFamily="49" charset="0"/>
-            </a:endParaRPr>
-          </a:p>
-          <a:p>
-            <a:pPr marL="5543550" indent="-5543550"/>
-            <a:r>
-              <a:rPr lang="en-US" b="0" dirty="0">
-                <a:solidFill>
-                  <a:srgbClr val="D4D4D4"/>
-                </a:solidFill>
-                <a:effectLst/>
-                <a:latin typeface="Consolas" panose="020B0609020204030204" pitchFamily="49" charset="0"/>
-              </a:rPr>
-              <a:t>        </a:t>
-            </a:r>
-            <a:r>
-              <a:rPr lang="en-US" b="0" dirty="0">
-                <a:solidFill>
-                  <a:srgbClr val="569CD6"/>
-                </a:solidFill>
-                <a:effectLst/>
-                <a:latin typeface="Consolas" panose="020B0609020204030204" pitchFamily="49" charset="0"/>
-              </a:rPr>
-              <a:t>caches</a:t>
-            </a:r>
-            <a:r>
-              <a:rPr lang="en-US" b="0" dirty="0">
-                <a:solidFill>
-                  <a:srgbClr val="D4D4D4"/>
-                </a:solidFill>
-                <a:effectLst/>
-                <a:latin typeface="Consolas" panose="020B0609020204030204" pitchFamily="49" charset="0"/>
-              </a:rPr>
-              <a:t>:</a:t>
-            </a:r>
-          </a:p>
-          <a:p>
-            <a:pPr marL="5543550" indent="-5543550"/>
-            <a:r>
-              <a:rPr lang="en-US" b="0" dirty="0">
-                <a:solidFill>
-                  <a:srgbClr val="D4D4D4"/>
-                </a:solidFill>
-                <a:effectLst/>
-                <a:latin typeface="Consolas" panose="020B0609020204030204" pitchFamily="49" charset="0"/>
-              </a:rPr>
-              <a:t>          - </a:t>
-            </a:r>
-            <a:r>
-              <a:rPr lang="en-US" b="0" dirty="0">
-                <a:solidFill>
-                  <a:srgbClr val="CE9178"/>
-                </a:solidFill>
-                <a:effectLst/>
-                <a:latin typeface="Consolas" panose="020B0609020204030204" pitchFamily="49" charset="0"/>
-              </a:rPr>
-              <a:t>site-library</a:t>
-            </a:r>
-            <a:endParaRPr lang="en-US" b="0" dirty="0">
-              <a:solidFill>
-                <a:srgbClr val="D4D4D4"/>
-              </a:solidFill>
-              <a:effectLst/>
-              <a:latin typeface="Consolas" panose="020B0609020204030204" pitchFamily="49" charset="0"/>
-            </a:endParaRPr>
-          </a:p>
-          <a:p>
-            <a:pPr marL="5543550" indent="-5543550"/>
-            <a:r>
-              <a:rPr lang="en-US" b="0" dirty="0">
-                <a:solidFill>
-                  <a:srgbClr val="D4D4D4"/>
-                </a:solidFill>
-                <a:effectLst/>
-                <a:latin typeface="Consolas" panose="020B0609020204030204" pitchFamily="49" charset="0"/>
-              </a:rPr>
-              <a:t>        </a:t>
-            </a:r>
-            <a:r>
-              <a:rPr lang="en-US" b="0" dirty="0">
-                <a:solidFill>
-                  <a:srgbClr val="569CD6"/>
-                </a:solidFill>
-                <a:effectLst/>
-                <a:latin typeface="Consolas" panose="020B0609020204030204" pitchFamily="49" charset="0"/>
-              </a:rPr>
-              <a:t>script</a:t>
-            </a:r>
-            <a:r>
-              <a:rPr lang="en-US" b="0" dirty="0">
-                <a:solidFill>
-                  <a:srgbClr val="D4D4D4"/>
-                </a:solidFill>
-                <a:effectLst/>
-                <a:latin typeface="Consolas" panose="020B0609020204030204" pitchFamily="49" charset="0"/>
-              </a:rPr>
-              <a:t>:</a:t>
-            </a:r>
-          </a:p>
-          <a:p>
-            <a:pPr marL="5543550" indent="-5543550"/>
-            <a:r>
-              <a:rPr lang="en-US" b="0" dirty="0">
-                <a:solidFill>
-                  <a:srgbClr val="D4D4D4"/>
-                </a:solidFill>
-                <a:effectLst/>
-                <a:latin typeface="Consolas" panose="020B0609020204030204" pitchFamily="49" charset="0"/>
-              </a:rPr>
-              <a:t>          - </a:t>
-            </a:r>
-            <a:r>
-              <a:rPr lang="en-US" b="0" dirty="0" err="1">
-                <a:solidFill>
-                  <a:srgbClr val="CE9178"/>
-                </a:solidFill>
-                <a:effectLst/>
-                <a:latin typeface="Consolas" panose="020B0609020204030204" pitchFamily="49" charset="0"/>
-              </a:rPr>
-              <a:t>Rscript</a:t>
-            </a:r>
-            <a:r>
-              <a:rPr lang="en-US" b="0" dirty="0">
-                <a:solidFill>
-                  <a:srgbClr val="CE9178"/>
-                </a:solidFill>
-                <a:effectLst/>
-                <a:latin typeface="Consolas" panose="020B0609020204030204" pitchFamily="49" charset="0"/>
-              </a:rPr>
-              <a:t> -e '</a:t>
-            </a:r>
-            <a:r>
-              <a:rPr lang="en-US" b="0" dirty="0" err="1">
-                <a:solidFill>
-                  <a:srgbClr val="CE9178"/>
-                </a:solidFill>
-                <a:effectLst/>
-                <a:latin typeface="Consolas" panose="020B0609020204030204" pitchFamily="49" charset="0"/>
-              </a:rPr>
-              <a:t>install.packages</a:t>
-            </a:r>
-            <a:r>
-              <a:rPr lang="en-US" b="0" dirty="0">
-                <a:solidFill>
-                  <a:srgbClr val="CE9178"/>
-                </a:solidFill>
-                <a:effectLst/>
-                <a:latin typeface="Consolas" panose="020B0609020204030204" pitchFamily="49" charset="0"/>
-              </a:rPr>
-              <a:t>("</a:t>
-            </a:r>
-            <a:r>
-              <a:rPr lang="en-US" b="0" dirty="0" err="1">
-                <a:solidFill>
-                  <a:srgbClr val="CE9178"/>
-                </a:solidFill>
-                <a:effectLst/>
-                <a:latin typeface="Consolas" panose="020B0609020204030204" pitchFamily="49" charset="0"/>
-              </a:rPr>
-              <a:t>lintr</a:t>
-            </a:r>
-            <a:r>
-              <a:rPr lang="en-US" b="0" dirty="0">
-                <a:solidFill>
-                  <a:srgbClr val="CE9178"/>
-                </a:solidFill>
-                <a:effectLst/>
-                <a:latin typeface="Consolas" panose="020B0609020204030204" pitchFamily="49" charset="0"/>
-              </a:rPr>
-              <a:t>")'</a:t>
-            </a:r>
-            <a:endParaRPr lang="en-US" b="0" dirty="0">
-              <a:solidFill>
-                <a:srgbClr val="D4D4D4"/>
-              </a:solidFill>
-              <a:effectLst/>
-              <a:latin typeface="Consolas" panose="020B0609020204030204" pitchFamily="49" charset="0"/>
-            </a:endParaRPr>
-          </a:p>
-          <a:p>
-            <a:pPr marL="5543550" indent="-5543550"/>
-            <a:r>
-              <a:rPr lang="en-US" b="0" dirty="0">
-                <a:solidFill>
-                  <a:srgbClr val="D4D4D4"/>
-                </a:solidFill>
-                <a:effectLst/>
-                <a:latin typeface="Consolas" panose="020B0609020204030204" pitchFamily="49" charset="0"/>
-              </a:rPr>
-              <a:t>          - </a:t>
-            </a:r>
-            <a:r>
-              <a:rPr lang="en-US" b="0" dirty="0" err="1">
-                <a:solidFill>
-                  <a:srgbClr val="CE9178"/>
-                </a:solidFill>
-                <a:effectLst/>
-                <a:latin typeface="Consolas" panose="020B0609020204030204" pitchFamily="49" charset="0"/>
-              </a:rPr>
-              <a:t>Rscript</a:t>
-            </a:r>
-            <a:r>
-              <a:rPr lang="en-US" b="0" dirty="0">
-                <a:solidFill>
-                  <a:srgbClr val="CE9178"/>
-                </a:solidFill>
-                <a:effectLst/>
-                <a:latin typeface="Consolas" panose="020B0609020204030204" pitchFamily="49" charset="0"/>
-              </a:rPr>
-              <a:t> -e '</a:t>
-            </a:r>
-            <a:r>
-              <a:rPr lang="en-US" b="0" dirty="0" err="1">
-                <a:solidFill>
-                  <a:srgbClr val="CE9178"/>
-                </a:solidFill>
-                <a:effectLst/>
-                <a:latin typeface="Consolas" panose="020B0609020204030204" pitchFamily="49" charset="0"/>
-              </a:rPr>
-              <a:t>lintr</a:t>
-            </a:r>
-            <a:r>
-              <a:rPr lang="en-US" b="0" dirty="0">
-                <a:solidFill>
-                  <a:srgbClr val="CE9178"/>
-                </a:solidFill>
-                <a:effectLst/>
-                <a:latin typeface="Consolas" panose="020B0609020204030204" pitchFamily="49" charset="0"/>
-              </a:rPr>
-              <a:t>::</a:t>
-            </a:r>
-            <a:r>
-              <a:rPr lang="en-US" b="0" dirty="0" err="1">
-                <a:solidFill>
-                  <a:srgbClr val="CE9178"/>
-                </a:solidFill>
-                <a:effectLst/>
-                <a:latin typeface="Consolas" panose="020B0609020204030204" pitchFamily="49" charset="0"/>
-              </a:rPr>
-              <a:t>lint_package</a:t>
-            </a:r>
-            <a:r>
-              <a:rPr lang="en-US" b="0" dirty="0">
-                <a:solidFill>
-                  <a:srgbClr val="CE9178"/>
-                </a:solidFill>
-                <a:effectLst/>
-                <a:latin typeface="Consolas" panose="020B0609020204030204" pitchFamily="49" charset="0"/>
-              </a:rPr>
-              <a:t>(linters = </a:t>
-            </a:r>
-            <a:r>
-              <a:rPr lang="en-US" b="0" dirty="0" err="1">
-                <a:solidFill>
-                  <a:srgbClr val="CE9178"/>
-                </a:solidFill>
-                <a:effectLst/>
-                <a:latin typeface="Consolas" panose="020B0609020204030204" pitchFamily="49" charset="0"/>
-              </a:rPr>
-              <a:t>lintr</a:t>
-            </a:r>
-            <a:r>
-              <a:rPr lang="en-US" b="0" dirty="0">
-                <a:solidFill>
-                  <a:srgbClr val="CE9178"/>
-                </a:solidFill>
-                <a:effectLst/>
-                <a:latin typeface="Consolas" panose="020B0609020204030204" pitchFamily="49" charset="0"/>
-              </a:rPr>
-              <a:t>::</a:t>
-            </a:r>
-            <a:r>
-              <a:rPr lang="en-US" b="0" dirty="0" err="1">
-                <a:solidFill>
-                  <a:srgbClr val="CE9178"/>
-                </a:solidFill>
-                <a:effectLst/>
-                <a:latin typeface="Consolas" panose="020B0609020204030204" pitchFamily="49" charset="0"/>
-              </a:rPr>
-              <a:t>with_defaults</a:t>
-            </a:r>
-            <a:r>
-              <a:rPr lang="en-US" b="0" dirty="0">
-                <a:solidFill>
-                  <a:srgbClr val="CE9178"/>
-                </a:solidFill>
-                <a:effectLst/>
-                <a:latin typeface="Consolas" panose="020B0609020204030204" pitchFamily="49" charset="0"/>
-              </a:rPr>
-              <a:t>(</a:t>
-            </a:r>
-            <a:r>
-              <a:rPr lang="en-US" b="0" dirty="0" err="1">
-                <a:solidFill>
-                  <a:srgbClr val="CE9178"/>
-                </a:solidFill>
-                <a:effectLst/>
-                <a:latin typeface="Consolas" panose="020B0609020204030204" pitchFamily="49" charset="0"/>
-              </a:rPr>
-              <a:t>line_length_linter</a:t>
-            </a:r>
-            <a:r>
-              <a:rPr lang="en-US" b="0" dirty="0">
-                <a:solidFill>
-                  <a:srgbClr val="CE9178"/>
-                </a:solidFill>
-                <a:effectLst/>
-                <a:latin typeface="Consolas" panose="020B0609020204030204" pitchFamily="49" charset="0"/>
-              </a:rPr>
-              <a:t> = NULL, </a:t>
-            </a:r>
-            <a:r>
-              <a:rPr lang="en-US" b="0" dirty="0" err="1">
-                <a:solidFill>
-                  <a:srgbClr val="CE9178"/>
-                </a:solidFill>
-                <a:effectLst/>
-                <a:latin typeface="Consolas" panose="020B0609020204030204" pitchFamily="49" charset="0"/>
-              </a:rPr>
-              <a:t>object_name_linter</a:t>
-            </a:r>
-            <a:r>
-              <a:rPr lang="en-US" b="0" dirty="0">
-                <a:solidFill>
-                  <a:srgbClr val="CE9178"/>
-                </a:solidFill>
-                <a:effectLst/>
-                <a:latin typeface="Consolas" panose="020B0609020204030204" pitchFamily="49" charset="0"/>
-              </a:rPr>
-              <a:t> = NULL))'</a:t>
-            </a:r>
-            <a:endParaRPr lang="en-US" b="0" dirty="0">
-              <a:solidFill>
-                <a:srgbClr val="D4D4D4"/>
-              </a:solidFill>
-              <a:effectLst/>
-              <a:latin typeface="Consolas" panose="020B0609020204030204" pitchFamily="49" charset="0"/>
-            </a:endParaRPr>
-          </a:p>
-          <a:p>
-            <a:pPr marL="5543550" indent="-5543550"/>
-            <a:r>
-              <a:rPr lang="en-US" b="0" dirty="0">
-                <a:solidFill>
-                  <a:srgbClr val="D4D4D4"/>
-                </a:solidFill>
-                <a:effectLst/>
-                <a:latin typeface="Consolas" panose="020B0609020204030204" pitchFamily="49" charset="0"/>
-              </a:rPr>
-              <a:t>  </a:t>
-            </a:r>
-          </a:p>
-        </p:txBody>
-      </p:sp>
-    </p:spTree>
-    <p:extLst>
-      <p:ext uri="{BB962C8B-B14F-4D97-AF65-F5344CB8AC3E}">
-        <p14:creationId xmlns:p14="http://schemas.microsoft.com/office/powerpoint/2010/main" val="4173655666"/>
       </p:ext>
     </p:extLst>
   </p:cSld>
@@ -6933,42 +6623,10 @@
       </p:grpSpPr>
       <p:sp>
         <p:nvSpPr>
-          <p:cNvPr id="7" name="Text Placeholder 6">
+          <p:cNvPr id="4" name="Title 3">
             <a:extLst>
               <a:ext uri="{FF2B5EF4-FFF2-40B4-BE49-F238E27FC236}">
-                <a16:creationId xmlns:a16="http://schemas.microsoft.com/office/drawing/2014/main" id="{AB9C16C6-84F1-BB4A-B532-19BECBFCE2B1}"/>
-              </a:ext>
-            </a:extLst>
-          </p:cNvPr>
-          <p:cNvSpPr>
-            <a:spLocks noGrp="1"/>
-          </p:cNvSpPr>
-          <p:nvPr>
-            <p:ph type="body" sz="quarter" idx="13"/>
-          </p:nvPr>
-        </p:nvSpPr>
-        <p:spPr/>
-        <p:txBody>
-          <a:bodyPr/>
-          <a:lstStyle/>
-          <a:p>
-            <a:r>
-              <a:rPr lang="en-US" dirty="0" err="1"/>
-              <a:t>NCAAcalcutta</a:t>
-            </a:r>
-            <a:r>
-              <a:rPr lang="en-US" dirty="0"/>
-              <a:t> package</a:t>
-            </a:r>
-          </a:p>
-        </p:txBody>
-      </p:sp>
-      <p:sp>
-        <p:nvSpPr>
-          <p:cNvPr id="6" name="Title 5">
-            <a:extLst>
-              <a:ext uri="{FF2B5EF4-FFF2-40B4-BE49-F238E27FC236}">
-                <a16:creationId xmlns:a16="http://schemas.microsoft.com/office/drawing/2014/main" id="{82847CB5-E3D8-F94F-B90B-8153C5D7A108}"/>
+                <a16:creationId xmlns:a16="http://schemas.microsoft.com/office/drawing/2014/main" id="{505BD776-2FCF-451D-90C4-ABAA297A7172}"/>
               </a:ext>
             </a:extLst>
           </p:cNvPr>
@@ -6986,15 +6644,149 @@
           <a:p>
             <a:r>
               <a:rPr lang="en-US" dirty="0"/>
-              <a:t>Case Study</a:t>
-            </a:r>
+              <a:t>What is CI/CD?</a:t>
+            </a:r>
+          </a:p>
+        </p:txBody>
+      </p:sp>
+      <p:pic>
+        <p:nvPicPr>
+          <p:cNvPr id="1026" name="Picture 2" descr="CI/CD Flow">
+            <a:extLst>
+              <a:ext uri="{FF2B5EF4-FFF2-40B4-BE49-F238E27FC236}">
+                <a16:creationId xmlns:a16="http://schemas.microsoft.com/office/drawing/2014/main" id="{05F1E15F-61D1-404A-B87B-55E7836E36F8}"/>
+              </a:ext>
+            </a:extLst>
+          </p:cNvPr>
+          <p:cNvPicPr>
+            <a:picLocks noGrp="1" noChangeAspect="1" noChangeArrowheads="1"/>
+          </p:cNvPicPr>
+          <p:nvPr>
+            <p:ph sz="quarter" idx="14"/>
+          </p:nvPr>
+        </p:nvPicPr>
+        <p:blipFill>
+          <a:blip r:embed="rId2">
+            <a:extLst>
+              <a:ext uri="{28A0092B-C50C-407E-A947-70E740481C1C}">
+                <a14:useLocalDpi xmlns:a14="http://schemas.microsoft.com/office/drawing/2010/main" val="0"/>
+              </a:ext>
+            </a:extLst>
+          </a:blip>
+          <a:srcRect/>
+          <a:stretch>
+            <a:fillRect/>
+          </a:stretch>
+        </p:blipFill>
+        <p:spPr bwMode="auto">
+          <a:xfrm>
+            <a:off x="596896" y="1989007"/>
+            <a:ext cx="10922007" cy="2062752"/>
+          </a:xfrm>
+          <a:prstGeom prst="rect">
+            <a:avLst/>
+          </a:prstGeom>
+          <a:noFill/>
+          <a:extLst>
+            <a:ext uri="{909E8E84-426E-40DD-AFC4-6F175D3DCCD1}">
+              <a14:hiddenFill xmlns:a14="http://schemas.microsoft.com/office/drawing/2010/main">
+                <a:solidFill>
+                  <a:srgbClr val="FFFFFF"/>
+                </a:solidFill>
+              </a14:hiddenFill>
+            </a:ext>
+          </a:extLst>
+        </p:spPr>
+      </p:pic>
+      <p:pic>
+        <p:nvPicPr>
+          <p:cNvPr id="7" name="Picture 2" descr="A practical approach to building a network CI/CD pipeline - Intentionet">
+            <a:extLst>
+              <a:ext uri="{FF2B5EF4-FFF2-40B4-BE49-F238E27FC236}">
+                <a16:creationId xmlns:a16="http://schemas.microsoft.com/office/drawing/2014/main" id="{D9ADAACF-52EC-40BD-90C9-0CE5AB140C05}"/>
+              </a:ext>
+            </a:extLst>
+          </p:cNvPr>
+          <p:cNvPicPr>
+            <a:picLocks noChangeAspect="1" noChangeArrowheads="1"/>
+          </p:cNvPicPr>
+          <p:nvPr/>
+        </p:nvPicPr>
+        <p:blipFill>
+          <a:blip r:embed="rId3">
+            <a:extLst>
+              <a:ext uri="{28A0092B-C50C-407E-A947-70E740481C1C}">
+                <a14:useLocalDpi xmlns:a14="http://schemas.microsoft.com/office/drawing/2010/main" val="0"/>
+              </a:ext>
+            </a:extLst>
+          </a:blip>
+          <a:srcRect/>
+          <a:stretch>
+            <a:fillRect/>
+          </a:stretch>
+        </p:blipFill>
+        <p:spPr bwMode="auto">
+          <a:xfrm>
+            <a:off x="4667249" y="4519586"/>
+            <a:ext cx="2781300" cy="1638300"/>
+          </a:xfrm>
+          <a:prstGeom prst="rect">
+            <a:avLst/>
+          </a:prstGeom>
+          <a:noFill/>
+          <a:extLst>
+            <a:ext uri="{909E8E84-426E-40DD-AFC4-6F175D3DCCD1}">
+              <a14:hiddenFill xmlns:a14="http://schemas.microsoft.com/office/drawing/2010/main">
+                <a:solidFill>
+                  <a:srgbClr val="FFFFFF"/>
+                </a:solidFill>
+              </a14:hiddenFill>
+            </a:ext>
+          </a:extLst>
+        </p:spPr>
+      </p:pic>
+      <p:sp>
+        <p:nvSpPr>
+          <p:cNvPr id="9" name="TextBox 8">
+            <a:extLst>
+              <a:ext uri="{FF2B5EF4-FFF2-40B4-BE49-F238E27FC236}">
+                <a16:creationId xmlns:a16="http://schemas.microsoft.com/office/drawing/2014/main" id="{8D0F0D6C-E03B-4F1C-B404-546359BEF7DC}"/>
+              </a:ext>
+            </a:extLst>
+          </p:cNvPr>
+          <p:cNvSpPr txBox="1"/>
+          <p:nvPr/>
+        </p:nvSpPr>
+        <p:spPr>
+          <a:xfrm>
+            <a:off x="139337" y="6347039"/>
+            <a:ext cx="6096000" cy="369332"/>
+          </a:xfrm>
+          <a:prstGeom prst="rect">
+            <a:avLst/>
+          </a:prstGeom>
+          <a:noFill/>
+        </p:spPr>
+        <p:txBody>
+          <a:bodyPr wrap="square">
+            <a:spAutoFit/>
+          </a:bodyPr>
+          <a:lstStyle/>
+          <a:p>
+            <a:r>
+              <a:rPr lang="en-US" dirty="0">
+                <a:hlinkClick r:id="rId4"/>
+              </a:rPr>
+              <a:t>What is CI/CD? (redhat.com)</a:t>
+            </a:r>
+            <a:endParaRPr lang="en-US" dirty="0"/>
           </a:p>
         </p:txBody>
       </p:sp>
     </p:spTree>
     <p:extLst>
       <p:ext uri="{BB962C8B-B14F-4D97-AF65-F5344CB8AC3E}">
-        <p14:creationId xmlns:p14="http://schemas.microsoft.com/office/powerpoint/2010/main" val="4169262914"/>
+        <p14:creationId xmlns:p14="http://schemas.microsoft.com/office/powerpoint/2010/main" val="701230806"/>
       </p:ext>
     </p:extLst>
   </p:cSld>
@@ -7044,6 +6836,527 @@
           <a:p>
             <a:r>
               <a:rPr lang="en-US" dirty="0"/>
+              <a:t>Demo</a:t>
+            </a:r>
+          </a:p>
+        </p:txBody>
+      </p:sp>
+      <p:sp>
+        <p:nvSpPr>
+          <p:cNvPr id="17" name="TextBox 16">
+            <a:extLst>
+              <a:ext uri="{FF2B5EF4-FFF2-40B4-BE49-F238E27FC236}">
+                <a16:creationId xmlns:a16="http://schemas.microsoft.com/office/drawing/2014/main" id="{AA2DBE6A-D924-4B64-B7B3-4DB810133773}"/>
+              </a:ext>
+            </a:extLst>
+          </p:cNvPr>
+          <p:cNvSpPr txBox="1"/>
+          <p:nvPr/>
+        </p:nvSpPr>
+        <p:spPr>
+          <a:xfrm>
+            <a:off x="285750" y="1325552"/>
+            <a:ext cx="11620500" cy="2862322"/>
+          </a:xfrm>
+          <a:prstGeom prst="rect">
+            <a:avLst/>
+          </a:prstGeom>
+          <a:solidFill>
+            <a:schemeClr val="tx1"/>
+          </a:solidFill>
+        </p:spPr>
+        <p:txBody>
+          <a:bodyPr wrap="square">
+            <a:spAutoFit/>
+          </a:bodyPr>
+          <a:lstStyle/>
+          <a:p>
+            <a:pPr marL="5543550" indent="-5543550"/>
+            <a:r>
+              <a:rPr lang="en-US" b="0" dirty="0">
+                <a:solidFill>
+                  <a:srgbClr val="D4D4D4"/>
+                </a:solidFill>
+                <a:effectLst/>
+                <a:latin typeface="Consolas" panose="020B0609020204030204" pitchFamily="49" charset="0"/>
+              </a:rPr>
+              <a:t>    - </a:t>
+            </a:r>
+            <a:r>
+              <a:rPr lang="en-US" b="0" dirty="0">
+                <a:solidFill>
+                  <a:srgbClr val="569CD6"/>
+                </a:solidFill>
+                <a:effectLst/>
+                <a:latin typeface="Consolas" panose="020B0609020204030204" pitchFamily="49" charset="0"/>
+              </a:rPr>
+              <a:t>step</a:t>
+            </a:r>
+            <a:r>
+              <a:rPr lang="en-US" b="0" dirty="0">
+                <a:solidFill>
+                  <a:srgbClr val="D4D4D4"/>
+                </a:solidFill>
+                <a:effectLst/>
+                <a:latin typeface="Consolas" panose="020B0609020204030204" pitchFamily="49" charset="0"/>
+              </a:rPr>
+              <a:t>:</a:t>
+            </a:r>
+          </a:p>
+          <a:p>
+            <a:pPr marL="5543550" indent="-5543550"/>
+            <a:r>
+              <a:rPr lang="en-US" b="0" dirty="0">
+                <a:solidFill>
+                  <a:srgbClr val="D4D4D4"/>
+                </a:solidFill>
+                <a:effectLst/>
+                <a:latin typeface="Consolas" panose="020B0609020204030204" pitchFamily="49" charset="0"/>
+              </a:rPr>
+              <a:t>        </a:t>
+            </a:r>
+            <a:r>
+              <a:rPr lang="en-US" b="0" dirty="0">
+                <a:solidFill>
+                  <a:srgbClr val="569CD6"/>
+                </a:solidFill>
+                <a:effectLst/>
+                <a:latin typeface="Consolas" panose="020B0609020204030204" pitchFamily="49" charset="0"/>
+              </a:rPr>
+              <a:t>name</a:t>
+            </a:r>
+            <a:r>
+              <a:rPr lang="en-US" b="0" dirty="0">
+                <a:solidFill>
+                  <a:srgbClr val="D4D4D4"/>
+                </a:solidFill>
+                <a:effectLst/>
+                <a:latin typeface="Consolas" panose="020B0609020204030204" pitchFamily="49" charset="0"/>
+              </a:rPr>
+              <a:t>: </a:t>
+            </a:r>
+            <a:r>
+              <a:rPr lang="en-US" b="0" dirty="0">
+                <a:solidFill>
+                  <a:srgbClr val="CE9178"/>
+                </a:solidFill>
+                <a:effectLst/>
+                <a:latin typeface="Consolas" panose="020B0609020204030204" pitchFamily="49" charset="0"/>
+              </a:rPr>
+              <a:t>'Lint'</a:t>
+            </a:r>
+            <a:endParaRPr lang="en-US" b="0" dirty="0">
+              <a:solidFill>
+                <a:srgbClr val="D4D4D4"/>
+              </a:solidFill>
+              <a:effectLst/>
+              <a:latin typeface="Consolas" panose="020B0609020204030204" pitchFamily="49" charset="0"/>
+            </a:endParaRPr>
+          </a:p>
+          <a:p>
+            <a:pPr marL="5543550" indent="-5543550"/>
+            <a:r>
+              <a:rPr lang="en-US" b="0" dirty="0">
+                <a:solidFill>
+                  <a:srgbClr val="D4D4D4"/>
+                </a:solidFill>
+                <a:effectLst/>
+                <a:latin typeface="Consolas" panose="020B0609020204030204" pitchFamily="49" charset="0"/>
+              </a:rPr>
+              <a:t>        </a:t>
+            </a:r>
+            <a:r>
+              <a:rPr lang="en-US" b="0" dirty="0">
+                <a:solidFill>
+                  <a:srgbClr val="569CD6"/>
+                </a:solidFill>
+                <a:effectLst/>
+                <a:latin typeface="Consolas" panose="020B0609020204030204" pitchFamily="49" charset="0"/>
+              </a:rPr>
+              <a:t>caches</a:t>
+            </a:r>
+            <a:r>
+              <a:rPr lang="en-US" b="0" dirty="0">
+                <a:solidFill>
+                  <a:srgbClr val="D4D4D4"/>
+                </a:solidFill>
+                <a:effectLst/>
+                <a:latin typeface="Consolas" panose="020B0609020204030204" pitchFamily="49" charset="0"/>
+              </a:rPr>
+              <a:t>:</a:t>
+            </a:r>
+          </a:p>
+          <a:p>
+            <a:pPr marL="5543550" indent="-5543550"/>
+            <a:r>
+              <a:rPr lang="en-US" b="0" dirty="0">
+                <a:solidFill>
+                  <a:srgbClr val="D4D4D4"/>
+                </a:solidFill>
+                <a:effectLst/>
+                <a:latin typeface="Consolas" panose="020B0609020204030204" pitchFamily="49" charset="0"/>
+              </a:rPr>
+              <a:t>          - </a:t>
+            </a:r>
+            <a:r>
+              <a:rPr lang="en-US" b="0" dirty="0">
+                <a:solidFill>
+                  <a:srgbClr val="CE9178"/>
+                </a:solidFill>
+                <a:effectLst/>
+                <a:latin typeface="Consolas" panose="020B0609020204030204" pitchFamily="49" charset="0"/>
+              </a:rPr>
+              <a:t>site-library</a:t>
+            </a:r>
+            <a:endParaRPr lang="en-US" b="0" dirty="0">
+              <a:solidFill>
+                <a:srgbClr val="D4D4D4"/>
+              </a:solidFill>
+              <a:effectLst/>
+              <a:latin typeface="Consolas" panose="020B0609020204030204" pitchFamily="49" charset="0"/>
+            </a:endParaRPr>
+          </a:p>
+          <a:p>
+            <a:pPr marL="5543550" indent="-5543550"/>
+            <a:r>
+              <a:rPr lang="en-US" b="0" dirty="0">
+                <a:solidFill>
+                  <a:srgbClr val="D4D4D4"/>
+                </a:solidFill>
+                <a:effectLst/>
+                <a:latin typeface="Consolas" panose="020B0609020204030204" pitchFamily="49" charset="0"/>
+              </a:rPr>
+              <a:t>        </a:t>
+            </a:r>
+            <a:r>
+              <a:rPr lang="en-US" b="0" dirty="0">
+                <a:solidFill>
+                  <a:srgbClr val="569CD6"/>
+                </a:solidFill>
+                <a:effectLst/>
+                <a:latin typeface="Consolas" panose="020B0609020204030204" pitchFamily="49" charset="0"/>
+              </a:rPr>
+              <a:t>script</a:t>
+            </a:r>
+            <a:r>
+              <a:rPr lang="en-US" b="0" dirty="0">
+                <a:solidFill>
+                  <a:srgbClr val="D4D4D4"/>
+                </a:solidFill>
+                <a:effectLst/>
+                <a:latin typeface="Consolas" panose="020B0609020204030204" pitchFamily="49" charset="0"/>
+              </a:rPr>
+              <a:t>:</a:t>
+            </a:r>
+          </a:p>
+          <a:p>
+            <a:pPr marL="5543550" indent="-5543550"/>
+            <a:r>
+              <a:rPr lang="en-US" b="0" dirty="0">
+                <a:solidFill>
+                  <a:srgbClr val="D4D4D4"/>
+                </a:solidFill>
+                <a:effectLst/>
+                <a:latin typeface="Consolas" panose="020B0609020204030204" pitchFamily="49" charset="0"/>
+              </a:rPr>
+              <a:t>          - </a:t>
+            </a:r>
+            <a:r>
+              <a:rPr lang="en-US" b="0" dirty="0" err="1">
+                <a:solidFill>
+                  <a:srgbClr val="CE9178"/>
+                </a:solidFill>
+                <a:effectLst/>
+                <a:latin typeface="Consolas" panose="020B0609020204030204" pitchFamily="49" charset="0"/>
+              </a:rPr>
+              <a:t>Rscript</a:t>
+            </a:r>
+            <a:r>
+              <a:rPr lang="en-US" b="0" dirty="0">
+                <a:solidFill>
+                  <a:srgbClr val="CE9178"/>
+                </a:solidFill>
+                <a:effectLst/>
+                <a:latin typeface="Consolas" panose="020B0609020204030204" pitchFamily="49" charset="0"/>
+              </a:rPr>
+              <a:t> -e '</a:t>
+            </a:r>
+            <a:r>
+              <a:rPr lang="en-US" b="0" dirty="0" err="1">
+                <a:solidFill>
+                  <a:srgbClr val="CE9178"/>
+                </a:solidFill>
+                <a:effectLst/>
+                <a:latin typeface="Consolas" panose="020B0609020204030204" pitchFamily="49" charset="0"/>
+              </a:rPr>
+              <a:t>install.packages</a:t>
+            </a:r>
+            <a:r>
+              <a:rPr lang="en-US" b="0" dirty="0">
+                <a:solidFill>
+                  <a:srgbClr val="CE9178"/>
+                </a:solidFill>
+                <a:effectLst/>
+                <a:latin typeface="Consolas" panose="020B0609020204030204" pitchFamily="49" charset="0"/>
+              </a:rPr>
+              <a:t>("</a:t>
+            </a:r>
+            <a:r>
+              <a:rPr lang="en-US" b="0" dirty="0" err="1">
+                <a:solidFill>
+                  <a:srgbClr val="CE9178"/>
+                </a:solidFill>
+                <a:effectLst/>
+                <a:latin typeface="Consolas" panose="020B0609020204030204" pitchFamily="49" charset="0"/>
+              </a:rPr>
+              <a:t>lintr</a:t>
+            </a:r>
+            <a:r>
+              <a:rPr lang="en-US" b="0" dirty="0">
+                <a:solidFill>
+                  <a:srgbClr val="CE9178"/>
+                </a:solidFill>
+                <a:effectLst/>
+                <a:latin typeface="Consolas" panose="020B0609020204030204" pitchFamily="49" charset="0"/>
+              </a:rPr>
+              <a:t>")'</a:t>
+            </a:r>
+            <a:endParaRPr lang="en-US" b="0" dirty="0">
+              <a:solidFill>
+                <a:srgbClr val="D4D4D4"/>
+              </a:solidFill>
+              <a:effectLst/>
+              <a:latin typeface="Consolas" panose="020B0609020204030204" pitchFamily="49" charset="0"/>
+            </a:endParaRPr>
+          </a:p>
+          <a:p>
+            <a:pPr marL="5543550" indent="-5543550"/>
+            <a:r>
+              <a:rPr lang="en-US" b="0" dirty="0">
+                <a:solidFill>
+                  <a:srgbClr val="D4D4D4"/>
+                </a:solidFill>
+                <a:effectLst/>
+                <a:latin typeface="Consolas" panose="020B0609020204030204" pitchFamily="49" charset="0"/>
+              </a:rPr>
+              <a:t>          - </a:t>
+            </a:r>
+            <a:r>
+              <a:rPr lang="en-US" b="0" dirty="0" err="1">
+                <a:solidFill>
+                  <a:srgbClr val="CE9178"/>
+                </a:solidFill>
+                <a:effectLst/>
+                <a:latin typeface="Consolas" panose="020B0609020204030204" pitchFamily="49" charset="0"/>
+              </a:rPr>
+              <a:t>Rscript</a:t>
+            </a:r>
+            <a:r>
+              <a:rPr lang="en-US" b="0" dirty="0">
+                <a:solidFill>
+                  <a:srgbClr val="CE9178"/>
+                </a:solidFill>
+                <a:effectLst/>
+                <a:latin typeface="Consolas" panose="020B0609020204030204" pitchFamily="49" charset="0"/>
+              </a:rPr>
+              <a:t> -e '</a:t>
+            </a:r>
+            <a:r>
+              <a:rPr lang="en-US" b="0" dirty="0" err="1">
+                <a:solidFill>
+                  <a:srgbClr val="CE9178"/>
+                </a:solidFill>
+                <a:effectLst/>
+                <a:latin typeface="Consolas" panose="020B0609020204030204" pitchFamily="49" charset="0"/>
+              </a:rPr>
+              <a:t>lintr</a:t>
+            </a:r>
+            <a:r>
+              <a:rPr lang="en-US" b="0" dirty="0">
+                <a:solidFill>
+                  <a:srgbClr val="CE9178"/>
+                </a:solidFill>
+                <a:effectLst/>
+                <a:latin typeface="Consolas" panose="020B0609020204030204" pitchFamily="49" charset="0"/>
+              </a:rPr>
+              <a:t>::</a:t>
+            </a:r>
+            <a:r>
+              <a:rPr lang="en-US" b="0" dirty="0" err="1">
+                <a:solidFill>
+                  <a:srgbClr val="CE9178"/>
+                </a:solidFill>
+                <a:effectLst/>
+                <a:latin typeface="Consolas" panose="020B0609020204030204" pitchFamily="49" charset="0"/>
+              </a:rPr>
+              <a:t>lint_package</a:t>
+            </a:r>
+            <a:r>
+              <a:rPr lang="en-US" b="0" dirty="0">
+                <a:solidFill>
+                  <a:srgbClr val="CE9178"/>
+                </a:solidFill>
+                <a:effectLst/>
+                <a:latin typeface="Consolas" panose="020B0609020204030204" pitchFamily="49" charset="0"/>
+              </a:rPr>
+              <a:t>(linters = </a:t>
+            </a:r>
+            <a:r>
+              <a:rPr lang="en-US" b="0" dirty="0" err="1">
+                <a:solidFill>
+                  <a:srgbClr val="CE9178"/>
+                </a:solidFill>
+                <a:effectLst/>
+                <a:latin typeface="Consolas" panose="020B0609020204030204" pitchFamily="49" charset="0"/>
+              </a:rPr>
+              <a:t>lintr</a:t>
+            </a:r>
+            <a:r>
+              <a:rPr lang="en-US" b="0" dirty="0">
+                <a:solidFill>
+                  <a:srgbClr val="CE9178"/>
+                </a:solidFill>
+                <a:effectLst/>
+                <a:latin typeface="Consolas" panose="020B0609020204030204" pitchFamily="49" charset="0"/>
+              </a:rPr>
+              <a:t>::</a:t>
+            </a:r>
+            <a:r>
+              <a:rPr lang="en-US" b="0" dirty="0" err="1">
+                <a:solidFill>
+                  <a:srgbClr val="CE9178"/>
+                </a:solidFill>
+                <a:effectLst/>
+                <a:latin typeface="Consolas" panose="020B0609020204030204" pitchFamily="49" charset="0"/>
+              </a:rPr>
+              <a:t>with_defaults</a:t>
+            </a:r>
+            <a:r>
+              <a:rPr lang="en-US" b="0" dirty="0">
+                <a:solidFill>
+                  <a:srgbClr val="CE9178"/>
+                </a:solidFill>
+                <a:effectLst/>
+                <a:latin typeface="Consolas" panose="020B0609020204030204" pitchFamily="49" charset="0"/>
+              </a:rPr>
+              <a:t>(</a:t>
+            </a:r>
+            <a:r>
+              <a:rPr lang="en-US" b="0" dirty="0" err="1">
+                <a:solidFill>
+                  <a:srgbClr val="CE9178"/>
+                </a:solidFill>
+                <a:effectLst/>
+                <a:latin typeface="Consolas" panose="020B0609020204030204" pitchFamily="49" charset="0"/>
+              </a:rPr>
+              <a:t>line_length_linter</a:t>
+            </a:r>
+            <a:r>
+              <a:rPr lang="en-US" b="0" dirty="0">
+                <a:solidFill>
+                  <a:srgbClr val="CE9178"/>
+                </a:solidFill>
+                <a:effectLst/>
+                <a:latin typeface="Consolas" panose="020B0609020204030204" pitchFamily="49" charset="0"/>
+              </a:rPr>
+              <a:t> = NULL, </a:t>
+            </a:r>
+            <a:r>
+              <a:rPr lang="en-US" b="0" dirty="0" err="1">
+                <a:solidFill>
+                  <a:srgbClr val="CE9178"/>
+                </a:solidFill>
+                <a:effectLst/>
+                <a:latin typeface="Consolas" panose="020B0609020204030204" pitchFamily="49" charset="0"/>
+              </a:rPr>
+              <a:t>object_name_linter</a:t>
+            </a:r>
+            <a:r>
+              <a:rPr lang="en-US" b="0" dirty="0">
+                <a:solidFill>
+                  <a:srgbClr val="CE9178"/>
+                </a:solidFill>
+                <a:effectLst/>
+                <a:latin typeface="Consolas" panose="020B0609020204030204" pitchFamily="49" charset="0"/>
+              </a:rPr>
+              <a:t> = NULL))'</a:t>
+            </a:r>
+            <a:endParaRPr lang="en-US" b="0" dirty="0">
+              <a:solidFill>
+                <a:srgbClr val="D4D4D4"/>
+              </a:solidFill>
+              <a:effectLst/>
+              <a:latin typeface="Consolas" panose="020B0609020204030204" pitchFamily="49" charset="0"/>
+            </a:endParaRPr>
+          </a:p>
+          <a:p>
+            <a:pPr marL="5543550" indent="-5543550"/>
+            <a:r>
+              <a:rPr lang="en-US" b="0" dirty="0">
+                <a:solidFill>
+                  <a:srgbClr val="D4D4D4"/>
+                </a:solidFill>
+                <a:effectLst/>
+                <a:latin typeface="Consolas" panose="020B0609020204030204" pitchFamily="49" charset="0"/>
+              </a:rPr>
+              <a:t>  </a:t>
+            </a:r>
+          </a:p>
+        </p:txBody>
+      </p:sp>
+    </p:spTree>
+    <p:extLst>
+      <p:ext uri="{BB962C8B-B14F-4D97-AF65-F5344CB8AC3E}">
+        <p14:creationId xmlns:p14="http://schemas.microsoft.com/office/powerpoint/2010/main" val="4173655666"/>
+      </p:ext>
+    </p:extLst>
+  </p:cSld>
+  <p:clrMapOvr>
+    <a:masterClrMapping/>
+  </p:clrMapOvr>
+</p:sld>
+</file>
+
+<file path=ppt/slides/slide21.xml><?xml version="1.0" encoding="utf-8"?>
+<p:sld xmlns:a="http://schemas.openxmlformats.org/drawingml/2006/main" xmlns:r="http://schemas.openxmlformats.org/officeDocument/2006/relationships" xmlns:p="http://schemas.openxmlformats.org/presentationml/2006/main">
+  <p:cSld>
+    <p:spTree>
+      <p:nvGrpSpPr>
+        <p:cNvPr id="1" name=""/>
+        <p:cNvGrpSpPr/>
+        <p:nvPr/>
+      </p:nvGrpSpPr>
+      <p:grpSpPr>
+        <a:xfrm>
+          <a:off x="0" y="0"/>
+          <a:ext cx="0" cy="0"/>
+          <a:chOff x="0" y="0"/>
+          <a:chExt cx="0" cy="0"/>
+        </a:xfrm>
+      </p:grpSpPr>
+      <p:sp>
+        <p:nvSpPr>
+          <p:cNvPr id="4" name="Title 3">
+            <a:extLst>
+              <a:ext uri="{FF2B5EF4-FFF2-40B4-BE49-F238E27FC236}">
+                <a16:creationId xmlns:a16="http://schemas.microsoft.com/office/drawing/2014/main" id="{505BD776-2FCF-451D-90C4-ABAA297A7172}"/>
+              </a:ext>
+            </a:extLst>
+          </p:cNvPr>
+          <p:cNvSpPr>
+            <a:spLocks noGrp="1"/>
+          </p:cNvSpPr>
+          <p:nvPr>
+            <p:ph type="title"/>
+          </p:nvPr>
+        </p:nvSpPr>
+        <p:spPr/>
+        <p:txBody>
+          <a:bodyPr/>
+          <a:lstStyle/>
+          <a:p>
+            <a:r>
+              <a:rPr lang="en-US" dirty="0"/>
               <a:t>Standards customization</a:t>
             </a:r>
           </a:p>
@@ -7217,7 +7530,7 @@
 </p:sld>
 </file>
 
-<file path=ppt/slides/slide21.xml><?xml version="1.0" encoding="utf-8"?>
+<file path=ppt/slides/slide22.xml><?xml version="1.0" encoding="utf-8"?>
 <p:sld xmlns:a="http://schemas.openxmlformats.org/drawingml/2006/main" xmlns:r="http://schemas.openxmlformats.org/officeDocument/2006/relationships" xmlns:p="http://schemas.openxmlformats.org/presentationml/2006/main">
   <p:cSld>
     <p:spTree>
@@ -7304,7 +7617,7 @@
 </p:sld>
 </file>
 
-<file path=ppt/slides/slide22.xml><?xml version="1.0" encoding="utf-8"?>
+<file path=ppt/slides/slide23.xml><?xml version="1.0" encoding="utf-8"?>
 <p:sld xmlns:a="http://schemas.openxmlformats.org/drawingml/2006/main" xmlns:r="http://schemas.openxmlformats.org/officeDocument/2006/relationships" xmlns:p="http://schemas.openxmlformats.org/presentationml/2006/main">
   <p:cSld>
     <p:spTree>
@@ -7444,7 +7757,7 @@
 </p:sld>
 </file>
 
-<file path=ppt/slides/slide23.xml><?xml version="1.0" encoding="utf-8"?>
+<file path=ppt/slides/slide24.xml><?xml version="1.0" encoding="utf-8"?>
 <p:sld xmlns:a="http://schemas.openxmlformats.org/drawingml/2006/main" xmlns:r="http://schemas.openxmlformats.org/officeDocument/2006/relationships" xmlns:p="http://schemas.openxmlformats.org/presentationml/2006/main">
   <p:cSld>
     <p:spTree>
@@ -8807,7 +9120,7 @@
 </p:sld>
 </file>
 
-<file path=ppt/slides/slide24.xml><?xml version="1.0" encoding="utf-8"?>
+<file path=ppt/slides/slide25.xml><?xml version="1.0" encoding="utf-8"?>
 <p:sld xmlns:a="http://schemas.openxmlformats.org/drawingml/2006/main" xmlns:r="http://schemas.openxmlformats.org/officeDocument/2006/relationships" xmlns:p="http://schemas.openxmlformats.org/presentationml/2006/main">
   <p:cSld>
     <p:spTree>
@@ -8920,7 +9233,7 @@
 </p:sld>
 </file>
 
-<file path=ppt/slides/slide25.xml><?xml version="1.0" encoding="utf-8"?>
+<file path=ppt/slides/slide26.xml><?xml version="1.0" encoding="utf-8"?>
 <p:sld xmlns:a="http://schemas.openxmlformats.org/drawingml/2006/main" xmlns:r="http://schemas.openxmlformats.org/officeDocument/2006/relationships" xmlns:p="http://schemas.openxmlformats.org/presentationml/2006/main">
   <p:cSld>
     <p:spTree>
@@ -9039,640 +9352,6 @@
     <p:extLst>
       <p:ext uri="{BB962C8B-B14F-4D97-AF65-F5344CB8AC3E}">
         <p14:creationId xmlns:p14="http://schemas.microsoft.com/office/powerpoint/2010/main" val="3913517892"/>
-      </p:ext>
-    </p:extLst>
-  </p:cSld>
-  <p:clrMapOvr>
-    <a:masterClrMapping/>
-  </p:clrMapOvr>
-</p:sld>
-</file>
-
-<file path=ppt/slides/slide26.xml><?xml version="1.0" encoding="utf-8"?>
-<p:sld xmlns:a="http://schemas.openxmlformats.org/drawingml/2006/main" xmlns:r="http://schemas.openxmlformats.org/officeDocument/2006/relationships" xmlns:p="http://schemas.openxmlformats.org/presentationml/2006/main">
-  <p:cSld>
-    <p:spTree>
-      <p:nvGrpSpPr>
-        <p:cNvPr id="1" name=""/>
-        <p:cNvGrpSpPr/>
-        <p:nvPr/>
-      </p:nvGrpSpPr>
-      <p:grpSpPr>
-        <a:xfrm>
-          <a:off x="0" y="0"/>
-          <a:ext cx="0" cy="0"/>
-          <a:chOff x="0" y="0"/>
-          <a:chExt cx="0" cy="0"/>
-        </a:xfrm>
-      </p:grpSpPr>
-      <p:sp>
-        <p:nvSpPr>
-          <p:cNvPr id="4" name="Title 3">
-            <a:extLst>
-              <a:ext uri="{FF2B5EF4-FFF2-40B4-BE49-F238E27FC236}">
-                <a16:creationId xmlns:a16="http://schemas.microsoft.com/office/drawing/2014/main" id="{505BD776-2FCF-451D-90C4-ABAA297A7172}"/>
-              </a:ext>
-            </a:extLst>
-          </p:cNvPr>
-          <p:cNvSpPr>
-            <a:spLocks noGrp="1"/>
-          </p:cNvSpPr>
-          <p:nvPr>
-            <p:ph type="title"/>
-          </p:nvPr>
-        </p:nvSpPr>
-        <p:spPr/>
-        <p:txBody>
-          <a:bodyPr/>
-          <a:lstStyle/>
-          <a:p>
-            <a:r>
-              <a:rPr lang="en-US" dirty="0"/>
-              <a:t>Example (Step 1)</a:t>
-            </a:r>
-          </a:p>
-        </p:txBody>
-      </p:sp>
-      <p:sp>
-        <p:nvSpPr>
-          <p:cNvPr id="6" name="TextBox 5">
-            <a:extLst>
-              <a:ext uri="{FF2B5EF4-FFF2-40B4-BE49-F238E27FC236}">
-                <a16:creationId xmlns:a16="http://schemas.microsoft.com/office/drawing/2014/main" id="{934D8B7E-A74E-4338-9984-A099A3DE1FB7}"/>
-              </a:ext>
-            </a:extLst>
-          </p:cNvPr>
-          <p:cNvSpPr txBox="1"/>
-          <p:nvPr/>
-        </p:nvSpPr>
-        <p:spPr>
-          <a:xfrm>
-            <a:off x="519545" y="1379339"/>
-            <a:ext cx="10767580" cy="3693319"/>
-          </a:xfrm>
-          <a:prstGeom prst="rect">
-            <a:avLst/>
-          </a:prstGeom>
-          <a:solidFill>
-            <a:schemeClr val="tx1"/>
-          </a:solidFill>
-        </p:spPr>
-        <p:txBody>
-          <a:bodyPr wrap="square">
-            <a:spAutoFit/>
-          </a:bodyPr>
-          <a:lstStyle/>
-          <a:p>
-            <a:r>
-              <a:rPr lang="en-US" b="0" dirty="0">
-                <a:solidFill>
-                  <a:srgbClr val="D4D4D4"/>
-                </a:solidFill>
-                <a:effectLst/>
-                <a:latin typeface="Consolas" panose="020B0609020204030204" pitchFamily="49" charset="0"/>
-              </a:rPr>
-              <a:t>  </a:t>
-            </a:r>
-            <a:r>
-              <a:rPr lang="en-US" b="0" dirty="0">
-                <a:solidFill>
-                  <a:srgbClr val="569CD6"/>
-                </a:solidFill>
-                <a:effectLst/>
-                <a:latin typeface="Consolas" panose="020B0609020204030204" pitchFamily="49" charset="0"/>
-              </a:rPr>
-              <a:t>tags</a:t>
-            </a:r>
-            <a:r>
-              <a:rPr lang="en-US" b="0" dirty="0">
-                <a:solidFill>
-                  <a:srgbClr val="D4D4D4"/>
-                </a:solidFill>
-                <a:effectLst/>
-                <a:latin typeface="Consolas" panose="020B0609020204030204" pitchFamily="49" charset="0"/>
-              </a:rPr>
-              <a:t>:</a:t>
-            </a:r>
-          </a:p>
-          <a:p>
-            <a:r>
-              <a:rPr lang="en-US" b="0" dirty="0">
-                <a:solidFill>
-                  <a:srgbClr val="D4D4D4"/>
-                </a:solidFill>
-                <a:effectLst/>
-                <a:latin typeface="Consolas" panose="020B0609020204030204" pitchFamily="49" charset="0"/>
-              </a:rPr>
-              <a:t>    </a:t>
-            </a:r>
-            <a:r>
-              <a:rPr lang="en-US" b="0" dirty="0">
-                <a:solidFill>
-                  <a:srgbClr val="CE9178"/>
-                </a:solidFill>
-                <a:effectLst/>
-                <a:latin typeface="Consolas" panose="020B0609020204030204" pitchFamily="49" charset="0"/>
-              </a:rPr>
-              <a:t>'*'</a:t>
-            </a:r>
-            <a:r>
-              <a:rPr lang="en-US" b="0" dirty="0">
-                <a:solidFill>
-                  <a:srgbClr val="D4D4D4"/>
-                </a:solidFill>
-                <a:effectLst/>
-                <a:latin typeface="Consolas" panose="020B0609020204030204" pitchFamily="49" charset="0"/>
-              </a:rPr>
-              <a:t>:</a:t>
-            </a:r>
-          </a:p>
-          <a:p>
-            <a:r>
-              <a:rPr lang="en-US" b="0" dirty="0">
-                <a:solidFill>
-                  <a:srgbClr val="D4D4D4"/>
-                </a:solidFill>
-                <a:effectLst/>
-                <a:latin typeface="Consolas" panose="020B0609020204030204" pitchFamily="49" charset="0"/>
-              </a:rPr>
-              <a:t>      - </a:t>
-            </a:r>
-            <a:r>
-              <a:rPr lang="en-US" b="0" dirty="0">
-                <a:solidFill>
-                  <a:srgbClr val="569CD6"/>
-                </a:solidFill>
-                <a:effectLst/>
-                <a:latin typeface="Consolas" panose="020B0609020204030204" pitchFamily="49" charset="0"/>
-              </a:rPr>
-              <a:t>step</a:t>
-            </a:r>
-            <a:r>
-              <a:rPr lang="en-US" b="0" dirty="0">
-                <a:solidFill>
-                  <a:srgbClr val="D4D4D4"/>
-                </a:solidFill>
-                <a:effectLst/>
-                <a:latin typeface="Consolas" panose="020B0609020204030204" pitchFamily="49" charset="0"/>
-              </a:rPr>
-              <a:t>:</a:t>
-            </a:r>
-          </a:p>
-          <a:p>
-            <a:r>
-              <a:rPr lang="en-US" b="0" dirty="0">
-                <a:solidFill>
-                  <a:srgbClr val="D4D4D4"/>
-                </a:solidFill>
-                <a:effectLst/>
-                <a:latin typeface="Consolas" panose="020B0609020204030204" pitchFamily="49" charset="0"/>
-              </a:rPr>
-              <a:t>          </a:t>
-            </a:r>
-            <a:r>
-              <a:rPr lang="en-US" b="0" dirty="0">
-                <a:solidFill>
-                  <a:srgbClr val="569CD6"/>
-                </a:solidFill>
-                <a:effectLst/>
-                <a:latin typeface="Consolas" panose="020B0609020204030204" pitchFamily="49" charset="0"/>
-              </a:rPr>
-              <a:t>name</a:t>
-            </a:r>
-            <a:r>
-              <a:rPr lang="en-US" b="0" dirty="0">
-                <a:solidFill>
-                  <a:srgbClr val="D4D4D4"/>
-                </a:solidFill>
-                <a:effectLst/>
-                <a:latin typeface="Consolas" panose="020B0609020204030204" pitchFamily="49" charset="0"/>
-              </a:rPr>
-              <a:t>: </a:t>
-            </a:r>
-            <a:r>
-              <a:rPr lang="en-US" b="0" dirty="0">
-                <a:solidFill>
-                  <a:srgbClr val="CE9178"/>
-                </a:solidFill>
-                <a:effectLst/>
-                <a:latin typeface="Consolas" panose="020B0609020204030204" pitchFamily="49" charset="0"/>
-              </a:rPr>
-              <a:t>'Build'</a:t>
-            </a:r>
-            <a:endParaRPr lang="en-US" b="0" dirty="0">
-              <a:solidFill>
-                <a:srgbClr val="D4D4D4"/>
-              </a:solidFill>
-              <a:effectLst/>
-              <a:latin typeface="Consolas" panose="020B0609020204030204" pitchFamily="49" charset="0"/>
-            </a:endParaRPr>
-          </a:p>
-          <a:p>
-            <a:r>
-              <a:rPr lang="en-US" b="0" dirty="0">
-                <a:solidFill>
-                  <a:srgbClr val="D4D4D4"/>
-                </a:solidFill>
-                <a:effectLst/>
-                <a:latin typeface="Consolas" panose="020B0609020204030204" pitchFamily="49" charset="0"/>
-              </a:rPr>
-              <a:t>          </a:t>
-            </a:r>
-            <a:r>
-              <a:rPr lang="en-US" b="0" dirty="0">
-                <a:solidFill>
-                  <a:srgbClr val="569CD6"/>
-                </a:solidFill>
-                <a:effectLst/>
-                <a:latin typeface="Consolas" panose="020B0609020204030204" pitchFamily="49" charset="0"/>
-              </a:rPr>
-              <a:t>image</a:t>
-            </a:r>
-            <a:r>
-              <a:rPr lang="en-US" b="0" dirty="0">
-                <a:solidFill>
-                  <a:srgbClr val="D4D4D4"/>
-                </a:solidFill>
-                <a:effectLst/>
-                <a:latin typeface="Consolas" panose="020B0609020204030204" pitchFamily="49" charset="0"/>
-              </a:rPr>
-              <a:t>: </a:t>
-            </a:r>
-            <a:r>
-              <a:rPr lang="en-US" b="0" dirty="0">
-                <a:solidFill>
-                  <a:srgbClr val="CE9178"/>
-                </a:solidFill>
-                <a:effectLst/>
-                <a:latin typeface="Consolas" panose="020B0609020204030204" pitchFamily="49" charset="0"/>
-              </a:rPr>
-              <a:t>rocker/tidyverse:4.0.2</a:t>
-            </a:r>
-            <a:endParaRPr lang="en-US" b="0" dirty="0">
-              <a:solidFill>
-                <a:srgbClr val="D4D4D4"/>
-              </a:solidFill>
-              <a:effectLst/>
-              <a:latin typeface="Consolas" panose="020B0609020204030204" pitchFamily="49" charset="0"/>
-            </a:endParaRPr>
-          </a:p>
-          <a:p>
-            <a:r>
-              <a:rPr lang="en-US" b="0" dirty="0">
-                <a:solidFill>
-                  <a:srgbClr val="D4D4D4"/>
-                </a:solidFill>
-                <a:effectLst/>
-                <a:latin typeface="Consolas" panose="020B0609020204030204" pitchFamily="49" charset="0"/>
-              </a:rPr>
-              <a:t>          </a:t>
-            </a:r>
-            <a:r>
-              <a:rPr lang="en-US" b="0" dirty="0">
-                <a:solidFill>
-                  <a:srgbClr val="569CD6"/>
-                </a:solidFill>
-                <a:effectLst/>
-                <a:latin typeface="Consolas" panose="020B0609020204030204" pitchFamily="49" charset="0"/>
-              </a:rPr>
-              <a:t>caches</a:t>
-            </a:r>
-            <a:r>
-              <a:rPr lang="en-US" b="0" dirty="0">
-                <a:solidFill>
-                  <a:srgbClr val="D4D4D4"/>
-                </a:solidFill>
-                <a:effectLst/>
-                <a:latin typeface="Consolas" panose="020B0609020204030204" pitchFamily="49" charset="0"/>
-              </a:rPr>
-              <a:t>:</a:t>
-            </a:r>
-          </a:p>
-          <a:p>
-            <a:r>
-              <a:rPr lang="en-US" b="0" dirty="0">
-                <a:solidFill>
-                  <a:srgbClr val="D4D4D4"/>
-                </a:solidFill>
-                <a:effectLst/>
-                <a:latin typeface="Consolas" panose="020B0609020204030204" pitchFamily="49" charset="0"/>
-              </a:rPr>
-              <a:t>            - </a:t>
-            </a:r>
-            <a:r>
-              <a:rPr lang="en-US" b="0" dirty="0">
-                <a:solidFill>
-                  <a:srgbClr val="CE9178"/>
-                </a:solidFill>
-                <a:effectLst/>
-                <a:latin typeface="Consolas" panose="020B0609020204030204" pitchFamily="49" charset="0"/>
-              </a:rPr>
-              <a:t>site-library</a:t>
-            </a:r>
-            <a:endParaRPr lang="en-US" b="0" dirty="0">
-              <a:solidFill>
-                <a:srgbClr val="D4D4D4"/>
-              </a:solidFill>
-              <a:effectLst/>
-              <a:latin typeface="Consolas" panose="020B0609020204030204" pitchFamily="49" charset="0"/>
-            </a:endParaRPr>
-          </a:p>
-          <a:p>
-            <a:r>
-              <a:rPr lang="en-US" b="0" dirty="0">
-                <a:solidFill>
-                  <a:srgbClr val="D4D4D4"/>
-                </a:solidFill>
-                <a:effectLst/>
-                <a:latin typeface="Consolas" panose="020B0609020204030204" pitchFamily="49" charset="0"/>
-              </a:rPr>
-              <a:t>          </a:t>
-            </a:r>
-            <a:r>
-              <a:rPr lang="en-US" b="0" dirty="0">
-                <a:solidFill>
-                  <a:srgbClr val="569CD6"/>
-                </a:solidFill>
-                <a:effectLst/>
-                <a:latin typeface="Consolas" panose="020B0609020204030204" pitchFamily="49" charset="0"/>
-              </a:rPr>
-              <a:t>script</a:t>
-            </a:r>
-            <a:r>
-              <a:rPr lang="en-US" b="0" dirty="0">
-                <a:solidFill>
-                  <a:srgbClr val="D4D4D4"/>
-                </a:solidFill>
-                <a:effectLst/>
-                <a:latin typeface="Consolas" panose="020B0609020204030204" pitchFamily="49" charset="0"/>
-              </a:rPr>
-              <a:t>:</a:t>
-            </a:r>
-          </a:p>
-          <a:p>
-            <a:r>
-              <a:rPr lang="en-US" b="0" dirty="0">
-                <a:solidFill>
-                  <a:srgbClr val="D4D4D4"/>
-                </a:solidFill>
-                <a:effectLst/>
-                <a:latin typeface="Consolas" panose="020B0609020204030204" pitchFamily="49" charset="0"/>
-              </a:rPr>
-              <a:t>            - </a:t>
-            </a:r>
-            <a:r>
-              <a:rPr lang="en-US" b="0" dirty="0" err="1">
-                <a:solidFill>
-                  <a:srgbClr val="CE9178"/>
-                </a:solidFill>
-                <a:effectLst/>
-                <a:latin typeface="Consolas" panose="020B0609020204030204" pitchFamily="49" charset="0"/>
-              </a:rPr>
-              <a:t>Rscript</a:t>
-            </a:r>
-            <a:r>
-              <a:rPr lang="en-US" b="0" dirty="0">
-                <a:solidFill>
-                  <a:srgbClr val="CE9178"/>
-                </a:solidFill>
-                <a:effectLst/>
-                <a:latin typeface="Consolas" panose="020B0609020204030204" pitchFamily="49" charset="0"/>
-              </a:rPr>
-              <a:t> -e '</a:t>
-            </a:r>
-            <a:r>
-              <a:rPr lang="en-US" b="0" dirty="0" err="1">
-                <a:solidFill>
-                  <a:srgbClr val="CE9178"/>
-                </a:solidFill>
-                <a:effectLst/>
-                <a:latin typeface="Consolas" panose="020B0609020204030204" pitchFamily="49" charset="0"/>
-              </a:rPr>
-              <a:t>devtools</a:t>
-            </a:r>
-            <a:r>
-              <a:rPr lang="en-US" b="0" dirty="0">
-                <a:solidFill>
-                  <a:srgbClr val="CE9178"/>
-                </a:solidFill>
-                <a:effectLst/>
-                <a:latin typeface="Consolas" panose="020B0609020204030204" pitchFamily="49" charset="0"/>
-              </a:rPr>
-              <a:t>::</a:t>
-            </a:r>
-            <a:r>
-              <a:rPr lang="en-US" b="0" dirty="0" err="1">
-                <a:solidFill>
-                  <a:srgbClr val="CE9178"/>
-                </a:solidFill>
-                <a:effectLst/>
-                <a:latin typeface="Consolas" panose="020B0609020204030204" pitchFamily="49" charset="0"/>
-              </a:rPr>
-              <a:t>install_deps</a:t>
-            </a:r>
-            <a:r>
-              <a:rPr lang="en-US" b="0" dirty="0">
-                <a:solidFill>
-                  <a:srgbClr val="CE9178"/>
-                </a:solidFill>
-                <a:effectLst/>
-                <a:latin typeface="Consolas" panose="020B0609020204030204" pitchFamily="49" charset="0"/>
-              </a:rPr>
-              <a:t>(dependencies=TRUE)'</a:t>
-            </a:r>
-            <a:endParaRPr lang="en-US" b="0" dirty="0">
-              <a:solidFill>
-                <a:srgbClr val="D4D4D4"/>
-              </a:solidFill>
-              <a:effectLst/>
-              <a:latin typeface="Consolas" panose="020B0609020204030204" pitchFamily="49" charset="0"/>
-            </a:endParaRPr>
-          </a:p>
-          <a:p>
-            <a:r>
-              <a:rPr lang="en-US" b="0" dirty="0">
-                <a:solidFill>
-                  <a:srgbClr val="D4D4D4"/>
-                </a:solidFill>
-                <a:effectLst/>
-                <a:latin typeface="Consolas" panose="020B0609020204030204" pitchFamily="49" charset="0"/>
-              </a:rPr>
-              <a:t>            - </a:t>
-            </a:r>
-            <a:r>
-              <a:rPr lang="en-US" b="0" dirty="0" err="1">
-                <a:solidFill>
-                  <a:srgbClr val="CE9178"/>
-                </a:solidFill>
-                <a:effectLst/>
-                <a:latin typeface="Consolas" panose="020B0609020204030204" pitchFamily="49" charset="0"/>
-              </a:rPr>
-              <a:t>Rscript</a:t>
-            </a:r>
-            <a:r>
-              <a:rPr lang="en-US" b="0" dirty="0">
-                <a:solidFill>
-                  <a:srgbClr val="CE9178"/>
-                </a:solidFill>
-                <a:effectLst/>
-                <a:latin typeface="Consolas" panose="020B0609020204030204" pitchFamily="49" charset="0"/>
-              </a:rPr>
-              <a:t> -e '</a:t>
-            </a:r>
-            <a:r>
-              <a:rPr lang="en-US" b="0" dirty="0" err="1">
-                <a:solidFill>
-                  <a:srgbClr val="CE9178"/>
-                </a:solidFill>
-                <a:effectLst/>
-                <a:latin typeface="Consolas" panose="020B0609020204030204" pitchFamily="49" charset="0"/>
-              </a:rPr>
-              <a:t>devtools</a:t>
-            </a:r>
-            <a:r>
-              <a:rPr lang="en-US" b="0" dirty="0">
-                <a:solidFill>
-                  <a:srgbClr val="CE9178"/>
-                </a:solidFill>
-                <a:effectLst/>
-                <a:latin typeface="Consolas" panose="020B0609020204030204" pitchFamily="49" charset="0"/>
-              </a:rPr>
-              <a:t>::document()'</a:t>
-            </a:r>
-            <a:endParaRPr lang="en-US" b="0" dirty="0">
-              <a:solidFill>
-                <a:srgbClr val="D4D4D4"/>
-              </a:solidFill>
-              <a:effectLst/>
-              <a:latin typeface="Consolas" panose="020B0609020204030204" pitchFamily="49" charset="0"/>
-            </a:endParaRPr>
-          </a:p>
-          <a:p>
-            <a:r>
-              <a:rPr lang="en-US" b="0" dirty="0">
-                <a:solidFill>
-                  <a:srgbClr val="D4D4D4"/>
-                </a:solidFill>
-                <a:effectLst/>
-                <a:latin typeface="Consolas" panose="020B0609020204030204" pitchFamily="49" charset="0"/>
-              </a:rPr>
-              <a:t>            - </a:t>
-            </a:r>
-            <a:r>
-              <a:rPr lang="en-US" b="0" dirty="0" err="1">
-                <a:solidFill>
-                  <a:srgbClr val="CE9178"/>
-                </a:solidFill>
-                <a:effectLst/>
-                <a:latin typeface="Consolas" panose="020B0609020204030204" pitchFamily="49" charset="0"/>
-              </a:rPr>
-              <a:t>Rscript</a:t>
-            </a:r>
-            <a:r>
-              <a:rPr lang="en-US" b="0" dirty="0">
-                <a:solidFill>
-                  <a:srgbClr val="CE9178"/>
-                </a:solidFill>
-                <a:effectLst/>
-                <a:latin typeface="Consolas" panose="020B0609020204030204" pitchFamily="49" charset="0"/>
-              </a:rPr>
-              <a:t> -e '</a:t>
-            </a:r>
-            <a:r>
-              <a:rPr lang="en-US" b="0" dirty="0" err="1">
-                <a:solidFill>
-                  <a:srgbClr val="CE9178"/>
-                </a:solidFill>
-                <a:effectLst/>
-                <a:latin typeface="Consolas" panose="020B0609020204030204" pitchFamily="49" charset="0"/>
-              </a:rPr>
-              <a:t>devtools</a:t>
-            </a:r>
-            <a:r>
-              <a:rPr lang="en-US" b="0" dirty="0">
-                <a:solidFill>
-                  <a:srgbClr val="CE9178"/>
-                </a:solidFill>
-                <a:effectLst/>
-                <a:latin typeface="Consolas" panose="020B0609020204030204" pitchFamily="49" charset="0"/>
-              </a:rPr>
-              <a:t>::build(path="deploy", vignettes = FALSE)'</a:t>
-            </a:r>
-            <a:endParaRPr lang="en-US" b="0" dirty="0">
-              <a:solidFill>
-                <a:srgbClr val="D4D4D4"/>
-              </a:solidFill>
-              <a:effectLst/>
-              <a:latin typeface="Consolas" panose="020B0609020204030204" pitchFamily="49" charset="0"/>
-            </a:endParaRPr>
-          </a:p>
-          <a:p>
-            <a:r>
-              <a:rPr lang="en-US" b="0" dirty="0">
-                <a:solidFill>
-                  <a:srgbClr val="D4D4D4"/>
-                </a:solidFill>
-                <a:effectLst/>
-                <a:latin typeface="Consolas" panose="020B0609020204030204" pitchFamily="49" charset="0"/>
-              </a:rPr>
-              <a:t>          </a:t>
-            </a:r>
-            <a:r>
-              <a:rPr lang="en-US" b="0" dirty="0">
-                <a:solidFill>
-                  <a:srgbClr val="569CD6"/>
-                </a:solidFill>
-                <a:effectLst/>
-                <a:latin typeface="Consolas" panose="020B0609020204030204" pitchFamily="49" charset="0"/>
-              </a:rPr>
-              <a:t>artifacts</a:t>
-            </a:r>
-            <a:r>
-              <a:rPr lang="en-US" b="0" dirty="0">
-                <a:solidFill>
-                  <a:srgbClr val="D4D4D4"/>
-                </a:solidFill>
-                <a:effectLst/>
-                <a:latin typeface="Consolas" panose="020B0609020204030204" pitchFamily="49" charset="0"/>
-              </a:rPr>
-              <a:t>:</a:t>
-            </a:r>
-          </a:p>
-          <a:p>
-            <a:r>
-              <a:rPr lang="en-US" b="0" dirty="0">
-                <a:solidFill>
-                  <a:srgbClr val="D4D4D4"/>
-                </a:solidFill>
-                <a:effectLst/>
-                <a:latin typeface="Consolas" panose="020B0609020204030204" pitchFamily="49" charset="0"/>
-              </a:rPr>
-              <a:t>            - </a:t>
-            </a:r>
-            <a:r>
-              <a:rPr lang="en-US" b="0" dirty="0">
-                <a:solidFill>
-                  <a:srgbClr val="CE9178"/>
-                </a:solidFill>
-                <a:effectLst/>
-                <a:latin typeface="Consolas" panose="020B0609020204030204" pitchFamily="49" charset="0"/>
-              </a:rPr>
-              <a:t>deploy/*.tar.gz</a:t>
-            </a:r>
-            <a:endParaRPr lang="en-US" b="0" dirty="0">
-              <a:solidFill>
-                <a:srgbClr val="D4D4D4"/>
-              </a:solidFill>
-              <a:effectLst/>
-              <a:latin typeface="Consolas" panose="020B0609020204030204" pitchFamily="49" charset="0"/>
-            </a:endParaRPr>
-          </a:p>
-        </p:txBody>
-      </p:sp>
-    </p:spTree>
-    <p:extLst>
-      <p:ext uri="{BB962C8B-B14F-4D97-AF65-F5344CB8AC3E}">
-        <p14:creationId xmlns:p14="http://schemas.microsoft.com/office/powerpoint/2010/main" val="2248150789"/>
       </p:ext>
     </p:extLst>
   </p:cSld>
@@ -9722,17 +9401,17 @@
           <a:p>
             <a:r>
               <a:rPr lang="en-US" dirty="0"/>
-              <a:t>Example (Step 2)</a:t>
+              <a:t>Example (Step 1)</a:t>
             </a:r>
           </a:p>
         </p:txBody>
       </p:sp>
       <p:sp>
         <p:nvSpPr>
-          <p:cNvPr id="7" name="TextBox 6">
+          <p:cNvPr id="6" name="TextBox 5">
             <a:extLst>
               <a:ext uri="{FF2B5EF4-FFF2-40B4-BE49-F238E27FC236}">
-                <a16:creationId xmlns:a16="http://schemas.microsoft.com/office/drawing/2014/main" id="{4469E2A3-C497-44C8-BD16-0A0F52D30B84}"/>
+                <a16:creationId xmlns:a16="http://schemas.microsoft.com/office/drawing/2014/main" id="{934D8B7E-A74E-4338-9984-A099A3DE1FB7}"/>
               </a:ext>
             </a:extLst>
           </p:cNvPr>
@@ -9741,8 +9420,8 @@
         </p:nvSpPr>
         <p:spPr>
           <a:xfrm>
-            <a:off x="557645" y="1720840"/>
-            <a:ext cx="11076710" cy="2862322"/>
+            <a:off x="519545" y="1379339"/>
+            <a:ext cx="10767580" cy="3693319"/>
           </a:xfrm>
           <a:prstGeom prst="rect">
             <a:avLst/>
@@ -9757,7 +9436,70 @@
           </a:bodyPr>
           <a:lstStyle/>
           <a:p>
-            <a:pPr marL="1885950" indent="-1885950"/>
+            <a:r>
+              <a:rPr lang="en-US" b="0" dirty="0">
+                <a:solidFill>
+                  <a:srgbClr val="D4D4D4"/>
+                </a:solidFill>
+                <a:effectLst/>
+                <a:latin typeface="Consolas" panose="020B0609020204030204" pitchFamily="49" charset="0"/>
+              </a:rPr>
+              <a:t>  </a:t>
+            </a:r>
+            <a:r>
+              <a:rPr lang="en-US" b="0" dirty="0">
+                <a:solidFill>
+                  <a:srgbClr val="569CD6"/>
+                </a:solidFill>
+                <a:effectLst/>
+                <a:latin typeface="Consolas" panose="020B0609020204030204" pitchFamily="49" charset="0"/>
+              </a:rPr>
+              <a:t>tags</a:t>
+            </a:r>
+            <a:r>
+              <a:rPr lang="en-US" b="0" dirty="0">
+                <a:solidFill>
+                  <a:srgbClr val="D4D4D4"/>
+                </a:solidFill>
+                <a:effectLst/>
+                <a:latin typeface="Consolas" panose="020B0609020204030204" pitchFamily="49" charset="0"/>
+              </a:rPr>
+              <a:t>:</a:t>
+            </a:r>
+          </a:p>
+          <a:p>
+            <a:r>
+              <a:rPr lang="en-US" b="0" dirty="0">
+                <a:solidFill>
+                  <a:srgbClr val="D4D4D4"/>
+                </a:solidFill>
+                <a:effectLst/>
+                <a:latin typeface="Consolas" panose="020B0609020204030204" pitchFamily="49" charset="0"/>
+              </a:rPr>
+              <a:t>    </a:t>
+            </a:r>
+            <a:r>
+              <a:rPr lang="en-US" b="0" dirty="0">
+                <a:solidFill>
+                  <a:srgbClr val="CE9178"/>
+                </a:solidFill>
+                <a:effectLst/>
+                <a:latin typeface="Consolas" panose="020B0609020204030204" pitchFamily="49" charset="0"/>
+              </a:rPr>
+              <a:t>'*'</a:t>
+            </a:r>
+            <a:r>
+              <a:rPr lang="en-US" b="0" dirty="0">
+                <a:solidFill>
+                  <a:srgbClr val="D4D4D4"/>
+                </a:solidFill>
+                <a:effectLst/>
+                <a:latin typeface="Consolas" panose="020B0609020204030204" pitchFamily="49" charset="0"/>
+              </a:rPr>
+              <a:t>:</a:t>
+            </a:r>
+          </a:p>
+          <a:p>
             <a:r>
               <a:rPr lang="en-US" b="0" dirty="0">
                 <a:solidFill>
@@ -9790,7 +9532,6 @@
             </a:r>
           </a:p>
           <a:p>
-            <a:pPr marL="1885950" indent="-1885950"/>
             <a:r>
               <a:rPr lang="en-US" b="0" dirty="0">
                 <a:solidFill>
@@ -9829,7 +9570,7 @@
                 <a:effectLst/>
                 <a:latin typeface="Consolas" panose="020B0609020204030204" pitchFamily="49" charset="0"/>
               </a:rPr>
-              <a:t>'Deploy'</a:t>
+              <a:t>'Build'</a:t>
             </a:r>
             <a:endParaRPr lang="en-US" b="0" dirty="0">
               <a:solidFill>
@@ -9840,7 +9581,6 @@
             </a:endParaRPr>
           </a:p>
           <a:p>
-            <a:pPr marL="1885950" indent="-1885950"/>
             <a:r>
               <a:rPr lang="en-US" b="0" dirty="0">
                 <a:solidFill>
@@ -9872,34 +9612,14 @@
               <a:t>: </a:t>
             </a:r>
             <a:r>
-              <a:rPr lang="en-US" b="0" dirty="0" err="1">
+              <a:rPr lang="en-US" b="0" dirty="0">
                 <a:solidFill>
                   <a:srgbClr val="CE9178"/>
                 </a:solidFill>
                 <a:effectLst/>
                 <a:latin typeface="Consolas" panose="020B0609020204030204" pitchFamily="49" charset="0"/>
               </a:rPr>
-              <a:t>curlimages</a:t>
-            </a:r>
-            <a:r>
-              <a:rPr lang="en-US" b="0" dirty="0">
-                <a:solidFill>
-                  <a:srgbClr val="CE9178"/>
-                </a:solidFill>
-                <a:effectLst/>
-                <a:latin typeface="Consolas" panose="020B0609020204030204" pitchFamily="49" charset="0"/>
-              </a:rPr>
-              <a:t>/</a:t>
-            </a:r>
-            <a:r>
-              <a:rPr lang="en-US" b="0" dirty="0" err="1">
-                <a:solidFill>
-                  <a:srgbClr val="CE9178"/>
-                </a:solidFill>
-                <a:effectLst/>
-                <a:latin typeface="Consolas" panose="020B0609020204030204" pitchFamily="49" charset="0"/>
-              </a:rPr>
-              <a:t>curl:latest</a:t>
+              <a:t>rocker/tidyverse:4.0.2</a:t>
             </a:r>
             <a:endParaRPr lang="en-US" b="0" dirty="0">
               <a:solidFill>
@@ -9910,7 +9630,6 @@
             </a:endParaRPr>
           </a:p>
           <a:p>
-            <a:pPr marL="1885950" indent="-1885950"/>
             <a:r>
               <a:rPr lang="en-US" b="0" dirty="0">
                 <a:solidFill>
@@ -9929,17 +9648,29 @@
                 <a:effectLst/>
                 <a:latin typeface="Consolas" panose="020B0609020204030204" pitchFamily="49" charset="0"/>
               </a:rPr>
-              <a:t>trigger</a:t>
-            </a:r>
-            <a:r>
-              <a:rPr lang="en-US" b="0" dirty="0">
-                <a:solidFill>
-                  <a:srgbClr val="D4D4D4"/>
-                </a:solidFill>
-                <a:effectLst/>
-                <a:latin typeface="Consolas" panose="020B0609020204030204" pitchFamily="49" charset="0"/>
-              </a:rPr>
-              <a:t>: </a:t>
+              <a:t>caches</a:t>
+            </a:r>
+            <a:r>
+              <a:rPr lang="en-US" b="0" dirty="0">
+                <a:solidFill>
+                  <a:srgbClr val="D4D4D4"/>
+                </a:solidFill>
+                <a:effectLst/>
+                <a:latin typeface="Consolas" panose="020B0609020204030204" pitchFamily="49" charset="0"/>
+              </a:rPr>
+              <a:t>:</a:t>
+            </a:r>
+          </a:p>
+          <a:p>
+            <a:r>
+              <a:rPr lang="en-US" b="0" dirty="0">
+                <a:solidFill>
+                  <a:srgbClr val="D4D4D4"/>
+                </a:solidFill>
+                <a:effectLst/>
+                <a:latin typeface="Consolas" panose="020B0609020204030204" pitchFamily="49" charset="0"/>
+              </a:rPr>
+              <a:t>            - </a:t>
             </a:r>
             <a:r>
               <a:rPr lang="en-US" b="0" dirty="0">
@@ -9949,7 +9680,7 @@
                 <a:effectLst/>
                 <a:latin typeface="Consolas" panose="020B0609020204030204" pitchFamily="49" charset="0"/>
               </a:rPr>
-              <a:t>manual</a:t>
+              <a:t>site-library</a:t>
             </a:r>
             <a:endParaRPr lang="en-US" b="0" dirty="0">
               <a:solidFill>
@@ -9960,7 +9691,6 @@
             </a:endParaRPr>
           </a:p>
           <a:p>
-            <a:pPr marL="1885950" indent="-1885950"/>
             <a:r>
               <a:rPr lang="en-US" b="0" dirty="0">
                 <a:solidFill>
@@ -9979,27 +9709,89 @@
                 <a:effectLst/>
                 <a:latin typeface="Consolas" panose="020B0609020204030204" pitchFamily="49" charset="0"/>
               </a:rPr>
-              <a:t>deployment</a:t>
-            </a:r>
-            <a:r>
-              <a:rPr lang="en-US" b="0" dirty="0">
-                <a:solidFill>
-                  <a:srgbClr val="D4D4D4"/>
-                </a:solidFill>
-                <a:effectLst/>
-                <a:latin typeface="Consolas" panose="020B0609020204030204" pitchFamily="49" charset="0"/>
-              </a:rPr>
-              <a:t>: </a:t>
-            </a:r>
-            <a:r>
-              <a:rPr lang="en-US" b="0" dirty="0">
+              <a:t>script</a:t>
+            </a:r>
+            <a:r>
+              <a:rPr lang="en-US" b="0" dirty="0">
+                <a:solidFill>
+                  <a:srgbClr val="D4D4D4"/>
+                </a:solidFill>
+                <a:effectLst/>
+                <a:latin typeface="Consolas" panose="020B0609020204030204" pitchFamily="49" charset="0"/>
+              </a:rPr>
+              <a:t>:</a:t>
+            </a:r>
+          </a:p>
+          <a:p>
+            <a:r>
+              <a:rPr lang="en-US" b="0" dirty="0">
+                <a:solidFill>
+                  <a:srgbClr val="D4D4D4"/>
+                </a:solidFill>
+                <a:effectLst/>
+                <a:latin typeface="Consolas" panose="020B0609020204030204" pitchFamily="49" charset="0"/>
+              </a:rPr>
+              <a:t>            - </a:t>
+            </a:r>
+            <a:r>
+              <a:rPr lang="en-US" b="0" dirty="0" err="1">
                 <a:solidFill>
                   <a:srgbClr val="CE9178"/>
                 </a:solidFill>
                 <a:effectLst/>
                 <a:latin typeface="Consolas" panose="020B0609020204030204" pitchFamily="49" charset="0"/>
               </a:rPr>
-              <a:t>Production</a:t>
+              <a:t>Rscript</a:t>
+            </a:r>
+            <a:r>
+              <a:rPr lang="en-US" b="0" dirty="0">
+                <a:solidFill>
+                  <a:srgbClr val="CE9178"/>
+                </a:solidFill>
+                <a:effectLst/>
+                <a:latin typeface="Consolas" panose="020B0609020204030204" pitchFamily="49" charset="0"/>
+              </a:rPr>
+              <a:t> -e '</a:t>
+            </a:r>
+            <a:r>
+              <a:rPr lang="en-US" b="0" dirty="0" err="1">
+                <a:solidFill>
+                  <a:srgbClr val="CE9178"/>
+                </a:solidFill>
+                <a:effectLst/>
+                <a:latin typeface="Consolas" panose="020B0609020204030204" pitchFamily="49" charset="0"/>
+              </a:rPr>
+              <a:t>devtools</a:t>
+            </a:r>
+            <a:r>
+              <a:rPr lang="en-US" b="0" dirty="0">
+                <a:solidFill>
+                  <a:srgbClr val="CE9178"/>
+                </a:solidFill>
+                <a:effectLst/>
+                <a:latin typeface="Consolas" panose="020B0609020204030204" pitchFamily="49" charset="0"/>
+              </a:rPr>
+              <a:t>::</a:t>
+            </a:r>
+            <a:r>
+              <a:rPr lang="en-US" b="0" dirty="0" err="1">
+                <a:solidFill>
+                  <a:srgbClr val="CE9178"/>
+                </a:solidFill>
+                <a:effectLst/>
+                <a:latin typeface="Consolas" panose="020B0609020204030204" pitchFamily="49" charset="0"/>
+              </a:rPr>
+              <a:t>install_deps</a:t>
+            </a:r>
+            <a:r>
+              <a:rPr lang="en-US" b="0" dirty="0">
+                <a:solidFill>
+                  <a:srgbClr val="CE9178"/>
+                </a:solidFill>
+                <a:effectLst/>
+                <a:latin typeface="Consolas" panose="020B0609020204030204" pitchFamily="49" charset="0"/>
+              </a:rPr>
+              <a:t>(dependencies=TRUE)'</a:t>
             </a:r>
             <a:endParaRPr lang="en-US" b="0" dirty="0">
               <a:solidFill>
@@ -10010,40 +9802,6 @@
             </a:endParaRPr>
           </a:p>
           <a:p>
-            <a:pPr marL="1885950" indent="-1885950"/>
-            <a:r>
-              <a:rPr lang="en-US" b="0" dirty="0">
-                <a:solidFill>
-                  <a:srgbClr val="D4D4D4"/>
-                </a:solidFill>
-                <a:effectLst/>
-                <a:latin typeface="Consolas" panose="020B0609020204030204" pitchFamily="49" charset="0"/>
-              </a:rPr>
-              <a:t>          </a:t>
-            </a:r>
-            <a:r>
-              <a:rPr lang="en-US" b="0" dirty="0">
-                <a:solidFill>
-                  <a:srgbClr val="569CD6"/>
-                </a:solidFill>
-                <a:effectLst/>
-                <a:latin typeface="Consolas" panose="020B0609020204030204" pitchFamily="49" charset="0"/>
-              </a:rPr>
-              <a:t>script</a:t>
-            </a:r>
-            <a:r>
-              <a:rPr lang="en-US" b="0" dirty="0">
-                <a:solidFill>
-                  <a:srgbClr val="D4D4D4"/>
-                </a:solidFill>
-                <a:effectLst/>
-                <a:latin typeface="Consolas" panose="020B0609020204030204" pitchFamily="49" charset="0"/>
-              </a:rPr>
-              <a:t>:</a:t>
-            </a:r>
-          </a:p>
-          <a:p>
-            <a:pPr marL="1885950" indent="-1885950"/>
             <a:r>
               <a:rPr lang="en-US" b="0" dirty="0">
                 <a:solidFill>
@@ -10055,14 +9813,44 @@
               <a:t>            - </a:t>
             </a:r>
             <a:r>
-              <a:rPr lang="en-US" b="0" dirty="0">
+              <a:rPr lang="en-US" b="0" dirty="0" err="1">
                 <a:solidFill>
                   <a:srgbClr val="CE9178"/>
                 </a:solidFill>
                 <a:effectLst/>
                 <a:latin typeface="Consolas" panose="020B0609020204030204" pitchFamily="49" charset="0"/>
               </a:rPr>
-              <a:t>export filename=`ls deploy | grep tar.gz`</a:t>
+              <a:t>Rscript</a:t>
+            </a:r>
+            <a:r>
+              <a:rPr lang="en-US" b="0" dirty="0">
+                <a:solidFill>
+                  <a:srgbClr val="CE9178"/>
+                </a:solidFill>
+                <a:effectLst/>
+                <a:latin typeface="Consolas" panose="020B0609020204030204" pitchFamily="49" charset="0"/>
+              </a:rPr>
+              <a:t> -e '</a:t>
+            </a:r>
+            <a:r>
+              <a:rPr lang="en-US" b="0" dirty="0" err="1">
+                <a:solidFill>
+                  <a:srgbClr val="CE9178"/>
+                </a:solidFill>
+                <a:effectLst/>
+                <a:latin typeface="Consolas" panose="020B0609020204030204" pitchFamily="49" charset="0"/>
+              </a:rPr>
+              <a:t>devtools</a:t>
+            </a:r>
+            <a:r>
+              <a:rPr lang="en-US" b="0" dirty="0">
+                <a:solidFill>
+                  <a:srgbClr val="CE9178"/>
+                </a:solidFill>
+                <a:effectLst/>
+                <a:latin typeface="Consolas" panose="020B0609020204030204" pitchFamily="49" charset="0"/>
+              </a:rPr>
+              <a:t>::document()'</a:t>
             </a:r>
             <a:endParaRPr lang="en-US" b="0" dirty="0">
               <a:solidFill>
@@ -10073,7 +9861,6 @@
             </a:endParaRPr>
           </a:p>
           <a:p>
-            <a:pPr marL="1885950" indent="-1885950"/>
             <a:r>
               <a:rPr lang="en-US" b="0" dirty="0">
                 <a:solidFill>
@@ -10085,14 +9872,44 @@
               <a:t>            - </a:t>
             </a:r>
             <a:r>
-              <a:rPr lang="en-US" b="0" dirty="0">
+              <a:rPr lang="en-US" b="0" dirty="0" err="1">
                 <a:solidFill>
                   <a:srgbClr val="CE9178"/>
                 </a:solidFill>
                 <a:effectLst/>
                 <a:latin typeface="Consolas" panose="020B0609020204030204" pitchFamily="49" charset="0"/>
               </a:rPr>
-              <a:t>echo $filename</a:t>
+              <a:t>Rscript</a:t>
+            </a:r>
+            <a:r>
+              <a:rPr lang="en-US" b="0" dirty="0">
+                <a:solidFill>
+                  <a:srgbClr val="CE9178"/>
+                </a:solidFill>
+                <a:effectLst/>
+                <a:latin typeface="Consolas" panose="020B0609020204030204" pitchFamily="49" charset="0"/>
+              </a:rPr>
+              <a:t> -e '</a:t>
+            </a:r>
+            <a:r>
+              <a:rPr lang="en-US" b="0" dirty="0" err="1">
+                <a:solidFill>
+                  <a:srgbClr val="CE9178"/>
+                </a:solidFill>
+                <a:effectLst/>
+                <a:latin typeface="Consolas" panose="020B0609020204030204" pitchFamily="49" charset="0"/>
+              </a:rPr>
+              <a:t>devtools</a:t>
+            </a:r>
+            <a:r>
+              <a:rPr lang="en-US" b="0" dirty="0">
+                <a:solidFill>
+                  <a:srgbClr val="CE9178"/>
+                </a:solidFill>
+                <a:effectLst/>
+                <a:latin typeface="Consolas" panose="020B0609020204030204" pitchFamily="49" charset="0"/>
+              </a:rPr>
+              <a:t>::build(path="deploy", vignettes = FALSE)'</a:t>
             </a:r>
             <a:endParaRPr lang="en-US" b="0" dirty="0">
               <a:solidFill>
@@ -10103,7 +9920,38 @@
             </a:endParaRPr>
           </a:p>
           <a:p>
-            <a:pPr marL="1885950" indent="-1885950"/>
+            <a:r>
+              <a:rPr lang="en-US" b="0" dirty="0">
+                <a:solidFill>
+                  <a:srgbClr val="D4D4D4"/>
+                </a:solidFill>
+                <a:effectLst/>
+                <a:latin typeface="Consolas" panose="020B0609020204030204" pitchFamily="49" charset="0"/>
+              </a:rPr>
+              <a:t>          </a:t>
+            </a:r>
+            <a:r>
+              <a:rPr lang="en-US" b="0" dirty="0">
+                <a:solidFill>
+                  <a:srgbClr val="569CD6"/>
+                </a:solidFill>
+                <a:effectLst/>
+                <a:latin typeface="Consolas" panose="020B0609020204030204" pitchFamily="49" charset="0"/>
+              </a:rPr>
+              <a:t>artifacts</a:t>
+            </a:r>
+            <a:r>
+              <a:rPr lang="en-US" b="0" dirty="0">
+                <a:solidFill>
+                  <a:srgbClr val="D4D4D4"/>
+                </a:solidFill>
+                <a:effectLst/>
+                <a:latin typeface="Consolas" panose="020B0609020204030204" pitchFamily="49" charset="0"/>
+              </a:rPr>
+              <a:t>:</a:t>
+            </a:r>
+          </a:p>
+          <a:p>
             <a:r>
               <a:rPr lang="en-US" b="0" dirty="0">
                 <a:solidFill>
@@ -10122,7 +9970,7 @@
                 <a:effectLst/>
                 <a:latin typeface="Consolas" panose="020B0609020204030204" pitchFamily="49" charset="0"/>
               </a:rPr>
-              <a:t>curl -v --user "$NEXUS_USER:$NEXUS_PASS" --upload-file deploy/$filename http://&lt;host&gt;:&lt;port&gt;/repository/&lt;repository_name&gt;/src/contrib/$filename</a:t>
+              <a:t>deploy/*.tar.gz</a:t>
             </a:r>
             <a:endParaRPr lang="en-US" b="0" dirty="0">
               <a:solidFill>
@@ -10137,7 +9985,7 @@
     </p:spTree>
     <p:extLst>
       <p:ext uri="{BB962C8B-B14F-4D97-AF65-F5344CB8AC3E}">
-        <p14:creationId xmlns:p14="http://schemas.microsoft.com/office/powerpoint/2010/main" val="2639822068"/>
+        <p14:creationId xmlns:p14="http://schemas.microsoft.com/office/powerpoint/2010/main" val="2248150789"/>
       </p:ext>
     </p:extLst>
   </p:cSld>
@@ -10187,6 +10035,471 @@
           <a:p>
             <a:r>
               <a:rPr lang="en-US" dirty="0"/>
+              <a:t>Example (Step 2)</a:t>
+            </a:r>
+          </a:p>
+        </p:txBody>
+      </p:sp>
+      <p:sp>
+        <p:nvSpPr>
+          <p:cNvPr id="7" name="TextBox 6">
+            <a:extLst>
+              <a:ext uri="{FF2B5EF4-FFF2-40B4-BE49-F238E27FC236}">
+                <a16:creationId xmlns:a16="http://schemas.microsoft.com/office/drawing/2014/main" id="{4469E2A3-C497-44C8-BD16-0A0F52D30B84}"/>
+              </a:ext>
+            </a:extLst>
+          </p:cNvPr>
+          <p:cNvSpPr txBox="1"/>
+          <p:nvPr/>
+        </p:nvSpPr>
+        <p:spPr>
+          <a:xfrm>
+            <a:off x="557645" y="1720840"/>
+            <a:ext cx="11076710" cy="2862322"/>
+          </a:xfrm>
+          <a:prstGeom prst="rect">
+            <a:avLst/>
+          </a:prstGeom>
+          <a:solidFill>
+            <a:schemeClr val="tx1"/>
+          </a:solidFill>
+        </p:spPr>
+        <p:txBody>
+          <a:bodyPr wrap="square">
+            <a:spAutoFit/>
+          </a:bodyPr>
+          <a:lstStyle/>
+          <a:p>
+            <a:pPr marL="1885950" indent="-1885950"/>
+            <a:r>
+              <a:rPr lang="en-US" b="0" dirty="0">
+                <a:solidFill>
+                  <a:srgbClr val="D4D4D4"/>
+                </a:solidFill>
+                <a:effectLst/>
+                <a:latin typeface="Consolas" panose="020B0609020204030204" pitchFamily="49" charset="0"/>
+              </a:rPr>
+              <a:t>      - </a:t>
+            </a:r>
+            <a:r>
+              <a:rPr lang="en-US" b="0" dirty="0">
+                <a:solidFill>
+                  <a:srgbClr val="569CD6"/>
+                </a:solidFill>
+                <a:effectLst/>
+                <a:latin typeface="Consolas" panose="020B0609020204030204" pitchFamily="49" charset="0"/>
+              </a:rPr>
+              <a:t>step</a:t>
+            </a:r>
+            <a:r>
+              <a:rPr lang="en-US" b="0" dirty="0">
+                <a:solidFill>
+                  <a:srgbClr val="D4D4D4"/>
+                </a:solidFill>
+                <a:effectLst/>
+                <a:latin typeface="Consolas" panose="020B0609020204030204" pitchFamily="49" charset="0"/>
+              </a:rPr>
+              <a:t>:</a:t>
+            </a:r>
+          </a:p>
+          <a:p>
+            <a:pPr marL="1885950" indent="-1885950"/>
+            <a:r>
+              <a:rPr lang="en-US" b="0" dirty="0">
+                <a:solidFill>
+                  <a:srgbClr val="D4D4D4"/>
+                </a:solidFill>
+                <a:effectLst/>
+                <a:latin typeface="Consolas" panose="020B0609020204030204" pitchFamily="49" charset="0"/>
+              </a:rPr>
+              <a:t>          </a:t>
+            </a:r>
+            <a:r>
+              <a:rPr lang="en-US" b="0" dirty="0">
+                <a:solidFill>
+                  <a:srgbClr val="569CD6"/>
+                </a:solidFill>
+                <a:effectLst/>
+                <a:latin typeface="Consolas" panose="020B0609020204030204" pitchFamily="49" charset="0"/>
+              </a:rPr>
+              <a:t>name</a:t>
+            </a:r>
+            <a:r>
+              <a:rPr lang="en-US" b="0" dirty="0">
+                <a:solidFill>
+                  <a:srgbClr val="D4D4D4"/>
+                </a:solidFill>
+                <a:effectLst/>
+                <a:latin typeface="Consolas" panose="020B0609020204030204" pitchFamily="49" charset="0"/>
+              </a:rPr>
+              <a:t>: </a:t>
+            </a:r>
+            <a:r>
+              <a:rPr lang="en-US" b="0" dirty="0">
+                <a:solidFill>
+                  <a:srgbClr val="CE9178"/>
+                </a:solidFill>
+                <a:effectLst/>
+                <a:latin typeface="Consolas" panose="020B0609020204030204" pitchFamily="49" charset="0"/>
+              </a:rPr>
+              <a:t>'Deploy'</a:t>
+            </a:r>
+            <a:endParaRPr lang="en-US" b="0" dirty="0">
+              <a:solidFill>
+                <a:srgbClr val="D4D4D4"/>
+              </a:solidFill>
+              <a:effectLst/>
+              <a:latin typeface="Consolas" panose="020B0609020204030204" pitchFamily="49" charset="0"/>
+            </a:endParaRPr>
+          </a:p>
+          <a:p>
+            <a:pPr marL="1885950" indent="-1885950"/>
+            <a:r>
+              <a:rPr lang="en-US" b="0" dirty="0">
+                <a:solidFill>
+                  <a:srgbClr val="D4D4D4"/>
+                </a:solidFill>
+                <a:effectLst/>
+                <a:latin typeface="Consolas" panose="020B0609020204030204" pitchFamily="49" charset="0"/>
+              </a:rPr>
+              <a:t>          </a:t>
+            </a:r>
+            <a:r>
+              <a:rPr lang="en-US" b="0" dirty="0">
+                <a:solidFill>
+                  <a:srgbClr val="569CD6"/>
+                </a:solidFill>
+                <a:effectLst/>
+                <a:latin typeface="Consolas" panose="020B0609020204030204" pitchFamily="49" charset="0"/>
+              </a:rPr>
+              <a:t>image</a:t>
+            </a:r>
+            <a:r>
+              <a:rPr lang="en-US" b="0" dirty="0">
+                <a:solidFill>
+                  <a:srgbClr val="D4D4D4"/>
+                </a:solidFill>
+                <a:effectLst/>
+                <a:latin typeface="Consolas" panose="020B0609020204030204" pitchFamily="49" charset="0"/>
+              </a:rPr>
+              <a:t>: </a:t>
+            </a:r>
+            <a:r>
+              <a:rPr lang="en-US" b="0" dirty="0" err="1">
+                <a:solidFill>
+                  <a:srgbClr val="CE9178"/>
+                </a:solidFill>
+                <a:effectLst/>
+                <a:latin typeface="Consolas" panose="020B0609020204030204" pitchFamily="49" charset="0"/>
+              </a:rPr>
+              <a:t>curlimages</a:t>
+            </a:r>
+            <a:r>
+              <a:rPr lang="en-US" b="0" dirty="0">
+                <a:solidFill>
+                  <a:srgbClr val="CE9178"/>
+                </a:solidFill>
+                <a:effectLst/>
+                <a:latin typeface="Consolas" panose="020B0609020204030204" pitchFamily="49" charset="0"/>
+              </a:rPr>
+              <a:t>/</a:t>
+            </a:r>
+            <a:r>
+              <a:rPr lang="en-US" b="0" dirty="0" err="1">
+                <a:solidFill>
+                  <a:srgbClr val="CE9178"/>
+                </a:solidFill>
+                <a:effectLst/>
+                <a:latin typeface="Consolas" panose="020B0609020204030204" pitchFamily="49" charset="0"/>
+              </a:rPr>
+              <a:t>curl:latest</a:t>
+            </a:r>
+            <a:endParaRPr lang="en-US" b="0" dirty="0">
+              <a:solidFill>
+                <a:srgbClr val="D4D4D4"/>
+              </a:solidFill>
+              <a:effectLst/>
+              <a:latin typeface="Consolas" panose="020B0609020204030204" pitchFamily="49" charset="0"/>
+            </a:endParaRPr>
+          </a:p>
+          <a:p>
+            <a:pPr marL="1885950" indent="-1885950"/>
+            <a:r>
+              <a:rPr lang="en-US" b="0" dirty="0">
+                <a:solidFill>
+                  <a:srgbClr val="D4D4D4"/>
+                </a:solidFill>
+                <a:effectLst/>
+                <a:latin typeface="Consolas" panose="020B0609020204030204" pitchFamily="49" charset="0"/>
+              </a:rPr>
+              <a:t>          </a:t>
+            </a:r>
+            <a:r>
+              <a:rPr lang="en-US" b="0" dirty="0">
+                <a:solidFill>
+                  <a:srgbClr val="569CD6"/>
+                </a:solidFill>
+                <a:effectLst/>
+                <a:latin typeface="Consolas" panose="020B0609020204030204" pitchFamily="49" charset="0"/>
+              </a:rPr>
+              <a:t>trigger</a:t>
+            </a:r>
+            <a:r>
+              <a:rPr lang="en-US" b="0" dirty="0">
+                <a:solidFill>
+                  <a:srgbClr val="D4D4D4"/>
+                </a:solidFill>
+                <a:effectLst/>
+                <a:latin typeface="Consolas" panose="020B0609020204030204" pitchFamily="49" charset="0"/>
+              </a:rPr>
+              <a:t>: </a:t>
+            </a:r>
+            <a:r>
+              <a:rPr lang="en-US" b="0" dirty="0">
+                <a:solidFill>
+                  <a:srgbClr val="CE9178"/>
+                </a:solidFill>
+                <a:effectLst/>
+                <a:latin typeface="Consolas" panose="020B0609020204030204" pitchFamily="49" charset="0"/>
+              </a:rPr>
+              <a:t>manual</a:t>
+            </a:r>
+            <a:endParaRPr lang="en-US" b="0" dirty="0">
+              <a:solidFill>
+                <a:srgbClr val="D4D4D4"/>
+              </a:solidFill>
+              <a:effectLst/>
+              <a:latin typeface="Consolas" panose="020B0609020204030204" pitchFamily="49" charset="0"/>
+            </a:endParaRPr>
+          </a:p>
+          <a:p>
+            <a:pPr marL="1885950" indent="-1885950"/>
+            <a:r>
+              <a:rPr lang="en-US" b="0" dirty="0">
+                <a:solidFill>
+                  <a:srgbClr val="D4D4D4"/>
+                </a:solidFill>
+                <a:effectLst/>
+                <a:latin typeface="Consolas" panose="020B0609020204030204" pitchFamily="49" charset="0"/>
+              </a:rPr>
+              <a:t>          </a:t>
+            </a:r>
+            <a:r>
+              <a:rPr lang="en-US" b="0" dirty="0">
+                <a:solidFill>
+                  <a:srgbClr val="569CD6"/>
+                </a:solidFill>
+                <a:effectLst/>
+                <a:latin typeface="Consolas" panose="020B0609020204030204" pitchFamily="49" charset="0"/>
+              </a:rPr>
+              <a:t>deployment</a:t>
+            </a:r>
+            <a:r>
+              <a:rPr lang="en-US" b="0" dirty="0">
+                <a:solidFill>
+                  <a:srgbClr val="D4D4D4"/>
+                </a:solidFill>
+                <a:effectLst/>
+                <a:latin typeface="Consolas" panose="020B0609020204030204" pitchFamily="49" charset="0"/>
+              </a:rPr>
+              <a:t>: </a:t>
+            </a:r>
+            <a:r>
+              <a:rPr lang="en-US" b="0" dirty="0">
+                <a:solidFill>
+                  <a:srgbClr val="CE9178"/>
+                </a:solidFill>
+                <a:effectLst/>
+                <a:latin typeface="Consolas" panose="020B0609020204030204" pitchFamily="49" charset="0"/>
+              </a:rPr>
+              <a:t>Production</a:t>
+            </a:r>
+            <a:endParaRPr lang="en-US" b="0" dirty="0">
+              <a:solidFill>
+                <a:srgbClr val="D4D4D4"/>
+              </a:solidFill>
+              <a:effectLst/>
+              <a:latin typeface="Consolas" panose="020B0609020204030204" pitchFamily="49" charset="0"/>
+            </a:endParaRPr>
+          </a:p>
+          <a:p>
+            <a:pPr marL="1885950" indent="-1885950"/>
+            <a:r>
+              <a:rPr lang="en-US" b="0" dirty="0">
+                <a:solidFill>
+                  <a:srgbClr val="D4D4D4"/>
+                </a:solidFill>
+                <a:effectLst/>
+                <a:latin typeface="Consolas" panose="020B0609020204030204" pitchFamily="49" charset="0"/>
+              </a:rPr>
+              <a:t>          </a:t>
+            </a:r>
+            <a:r>
+              <a:rPr lang="en-US" b="0" dirty="0">
+                <a:solidFill>
+                  <a:srgbClr val="569CD6"/>
+                </a:solidFill>
+                <a:effectLst/>
+                <a:latin typeface="Consolas" panose="020B0609020204030204" pitchFamily="49" charset="0"/>
+              </a:rPr>
+              <a:t>script</a:t>
+            </a:r>
+            <a:r>
+              <a:rPr lang="en-US" b="0" dirty="0">
+                <a:solidFill>
+                  <a:srgbClr val="D4D4D4"/>
+                </a:solidFill>
+                <a:effectLst/>
+                <a:latin typeface="Consolas" panose="020B0609020204030204" pitchFamily="49" charset="0"/>
+              </a:rPr>
+              <a:t>:</a:t>
+            </a:r>
+          </a:p>
+          <a:p>
+            <a:pPr marL="1885950" indent="-1885950"/>
+            <a:r>
+              <a:rPr lang="en-US" b="0" dirty="0">
+                <a:solidFill>
+                  <a:srgbClr val="D4D4D4"/>
+                </a:solidFill>
+                <a:effectLst/>
+                <a:latin typeface="Consolas" panose="020B0609020204030204" pitchFamily="49" charset="0"/>
+              </a:rPr>
+              <a:t>            - </a:t>
+            </a:r>
+            <a:r>
+              <a:rPr lang="en-US" b="0" dirty="0">
+                <a:solidFill>
+                  <a:srgbClr val="CE9178"/>
+                </a:solidFill>
+                <a:effectLst/>
+                <a:latin typeface="Consolas" panose="020B0609020204030204" pitchFamily="49" charset="0"/>
+              </a:rPr>
+              <a:t>export filename=`ls deploy | grep tar.gz`</a:t>
+            </a:r>
+            <a:endParaRPr lang="en-US" b="0" dirty="0">
+              <a:solidFill>
+                <a:srgbClr val="D4D4D4"/>
+              </a:solidFill>
+              <a:effectLst/>
+              <a:latin typeface="Consolas" panose="020B0609020204030204" pitchFamily="49" charset="0"/>
+            </a:endParaRPr>
+          </a:p>
+          <a:p>
+            <a:pPr marL="1885950" indent="-1885950"/>
+            <a:r>
+              <a:rPr lang="en-US" b="0" dirty="0">
+                <a:solidFill>
+                  <a:srgbClr val="D4D4D4"/>
+                </a:solidFill>
+                <a:effectLst/>
+                <a:latin typeface="Consolas" panose="020B0609020204030204" pitchFamily="49" charset="0"/>
+              </a:rPr>
+              <a:t>            - </a:t>
+            </a:r>
+            <a:r>
+              <a:rPr lang="en-US" b="0" dirty="0">
+                <a:solidFill>
+                  <a:srgbClr val="CE9178"/>
+                </a:solidFill>
+                <a:effectLst/>
+                <a:latin typeface="Consolas" panose="020B0609020204030204" pitchFamily="49" charset="0"/>
+              </a:rPr>
+              <a:t>echo $filename</a:t>
+            </a:r>
+            <a:endParaRPr lang="en-US" b="0" dirty="0">
+              <a:solidFill>
+                <a:srgbClr val="D4D4D4"/>
+              </a:solidFill>
+              <a:effectLst/>
+              <a:latin typeface="Consolas" panose="020B0609020204030204" pitchFamily="49" charset="0"/>
+            </a:endParaRPr>
+          </a:p>
+          <a:p>
+            <a:pPr marL="1885950" indent="-1885950"/>
+            <a:r>
+              <a:rPr lang="en-US" b="0" dirty="0">
+                <a:solidFill>
+                  <a:srgbClr val="D4D4D4"/>
+                </a:solidFill>
+                <a:effectLst/>
+                <a:latin typeface="Consolas" panose="020B0609020204030204" pitchFamily="49" charset="0"/>
+              </a:rPr>
+              <a:t>            - </a:t>
+            </a:r>
+            <a:r>
+              <a:rPr lang="en-US" b="0" dirty="0">
+                <a:solidFill>
+                  <a:srgbClr val="CE9178"/>
+                </a:solidFill>
+                <a:effectLst/>
+                <a:latin typeface="Consolas" panose="020B0609020204030204" pitchFamily="49" charset="0"/>
+              </a:rPr>
+              <a:t>curl -v --user "$NEXUS_USER:$NEXUS_PASS" --upload-file deploy/$filename http://&lt;host&gt;:&lt;port&gt;/repository/&lt;repository_name&gt;/src/contrib/$filename</a:t>
+            </a:r>
+            <a:endParaRPr lang="en-US" b="0" dirty="0">
+              <a:solidFill>
+                <a:srgbClr val="D4D4D4"/>
+              </a:solidFill>
+              <a:effectLst/>
+              <a:latin typeface="Consolas" panose="020B0609020204030204" pitchFamily="49" charset="0"/>
+            </a:endParaRPr>
+          </a:p>
+        </p:txBody>
+      </p:sp>
+    </p:spTree>
+    <p:extLst>
+      <p:ext uri="{BB962C8B-B14F-4D97-AF65-F5344CB8AC3E}">
+        <p14:creationId xmlns:p14="http://schemas.microsoft.com/office/powerpoint/2010/main" val="2639822068"/>
+      </p:ext>
+    </p:extLst>
+  </p:cSld>
+  <p:clrMapOvr>
+    <a:masterClrMapping/>
+  </p:clrMapOvr>
+</p:sld>
+</file>
+
+<file path=ppt/slides/slide29.xml><?xml version="1.0" encoding="utf-8"?>
+<p:sld xmlns:a="http://schemas.openxmlformats.org/drawingml/2006/main" xmlns:r="http://schemas.openxmlformats.org/officeDocument/2006/relationships" xmlns:p="http://schemas.openxmlformats.org/presentationml/2006/main">
+  <p:cSld>
+    <p:spTree>
+      <p:nvGrpSpPr>
+        <p:cNvPr id="1" name=""/>
+        <p:cNvGrpSpPr/>
+        <p:nvPr/>
+      </p:nvGrpSpPr>
+      <p:grpSpPr>
+        <a:xfrm>
+          <a:off x="0" y="0"/>
+          <a:ext cx="0" cy="0"/>
+          <a:chOff x="0" y="0"/>
+          <a:chExt cx="0" cy="0"/>
+        </a:xfrm>
+      </p:grpSpPr>
+      <p:sp>
+        <p:nvSpPr>
+          <p:cNvPr id="4" name="Title 3">
+            <a:extLst>
+              <a:ext uri="{FF2B5EF4-FFF2-40B4-BE49-F238E27FC236}">
+                <a16:creationId xmlns:a16="http://schemas.microsoft.com/office/drawing/2014/main" id="{505BD776-2FCF-451D-90C4-ABAA297A7172}"/>
+              </a:ext>
+            </a:extLst>
+          </p:cNvPr>
+          <p:cNvSpPr>
+            <a:spLocks noGrp="1"/>
+          </p:cNvSpPr>
+          <p:nvPr>
+            <p:ph type="title"/>
+          </p:nvPr>
+        </p:nvSpPr>
+        <p:spPr/>
+        <p:txBody>
+          <a:bodyPr/>
+          <a:lstStyle/>
+          <a:p>
+            <a:r>
+              <a:rPr lang="en-US" dirty="0"/>
               <a:t>Function customization</a:t>
             </a:r>
           </a:p>
@@ -10295,7 +10608,97 @@
 </p:sld>
 </file>
 
-<file path=ppt/slides/slide29.xml><?xml version="1.0" encoding="utf-8"?>
+<file path=ppt/slides/slide3.xml><?xml version="1.0" encoding="utf-8"?>
+<p:sld xmlns:a="http://schemas.openxmlformats.org/drawingml/2006/main" xmlns:r="http://schemas.openxmlformats.org/officeDocument/2006/relationships" xmlns:p="http://schemas.openxmlformats.org/presentationml/2006/main">
+  <p:cSld>
+    <p:spTree>
+      <p:nvGrpSpPr>
+        <p:cNvPr id="1" name=""/>
+        <p:cNvGrpSpPr/>
+        <p:nvPr/>
+      </p:nvGrpSpPr>
+      <p:grpSpPr>
+        <a:xfrm>
+          <a:off x="0" y="0"/>
+          <a:ext cx="0" cy="0"/>
+          <a:chOff x="0" y="0"/>
+          <a:chExt cx="0" cy="0"/>
+        </a:xfrm>
+      </p:grpSpPr>
+      <p:sp>
+        <p:nvSpPr>
+          <p:cNvPr id="7" name="Text Placeholder 6">
+            <a:extLst>
+              <a:ext uri="{FF2B5EF4-FFF2-40B4-BE49-F238E27FC236}">
+                <a16:creationId xmlns:a16="http://schemas.microsoft.com/office/drawing/2014/main" id="{AB9C16C6-84F1-BB4A-B532-19BECBFCE2B1}"/>
+              </a:ext>
+            </a:extLst>
+          </p:cNvPr>
+          <p:cNvSpPr>
+            <a:spLocks noGrp="1"/>
+          </p:cNvSpPr>
+          <p:nvPr>
+            <p:ph type="body" sz="quarter" idx="13"/>
+          </p:nvPr>
+        </p:nvSpPr>
+        <p:spPr/>
+        <p:txBody>
+          <a:bodyPr/>
+          <a:lstStyle/>
+          <a:p>
+            <a:r>
+              <a:rPr lang="en-US" dirty="0" err="1"/>
+              <a:t>NCAAcalcutta</a:t>
+            </a:r>
+            <a:r>
+              <a:rPr lang="en-US" dirty="0"/>
+              <a:t> package</a:t>
+            </a:r>
+          </a:p>
+        </p:txBody>
+      </p:sp>
+      <p:sp>
+        <p:nvSpPr>
+          <p:cNvPr id="6" name="Title 5">
+            <a:extLst>
+              <a:ext uri="{FF2B5EF4-FFF2-40B4-BE49-F238E27FC236}">
+                <a16:creationId xmlns:a16="http://schemas.microsoft.com/office/drawing/2014/main" id="{82847CB5-E3D8-F94F-B90B-8153C5D7A108}"/>
+              </a:ext>
+            </a:extLst>
+          </p:cNvPr>
+          <p:cNvSpPr>
+            <a:spLocks noGrp="1"/>
+          </p:cNvSpPr>
+          <p:nvPr>
+            <p:ph type="title"/>
+          </p:nvPr>
+        </p:nvSpPr>
+        <p:spPr/>
+        <p:txBody>
+          <a:bodyPr/>
+          <a:lstStyle/>
+          <a:p>
+            <a:r>
+              <a:rPr lang="en-US" dirty="0"/>
+              <a:t>Case Study</a:t>
+            </a:r>
+          </a:p>
+        </p:txBody>
+      </p:sp>
+    </p:spTree>
+    <p:extLst>
+      <p:ext uri="{BB962C8B-B14F-4D97-AF65-F5344CB8AC3E}">
+        <p14:creationId xmlns:p14="http://schemas.microsoft.com/office/powerpoint/2010/main" val="4169262914"/>
+      </p:ext>
+    </p:extLst>
+  </p:cSld>
+  <p:clrMapOvr>
+    <a:masterClrMapping/>
+  </p:clrMapOvr>
+</p:sld>
+</file>
+
+<file path=ppt/slides/slide30.xml><?xml version="1.0" encoding="utf-8"?>
 <p:sld xmlns:a="http://schemas.openxmlformats.org/drawingml/2006/main" xmlns:r="http://schemas.openxmlformats.org/officeDocument/2006/relationships" xmlns:p="http://schemas.openxmlformats.org/presentationml/2006/main">
   <p:cSld>
     <p:spTree>
@@ -10382,160 +10785,7 @@
 </p:sld>
 </file>
 
-<file path=ppt/slides/slide3.xml><?xml version="1.0" encoding="utf-8"?>
-<p:sld xmlns:a="http://schemas.openxmlformats.org/drawingml/2006/main" xmlns:r="http://schemas.openxmlformats.org/officeDocument/2006/relationships" xmlns:p="http://schemas.openxmlformats.org/presentationml/2006/main">
-  <p:cSld>
-    <p:spTree>
-      <p:nvGrpSpPr>
-        <p:cNvPr id="1" name=""/>
-        <p:cNvGrpSpPr/>
-        <p:nvPr/>
-      </p:nvGrpSpPr>
-      <p:grpSpPr>
-        <a:xfrm>
-          <a:off x="0" y="0"/>
-          <a:ext cx="0" cy="0"/>
-          <a:chOff x="0" y="0"/>
-          <a:chExt cx="0" cy="0"/>
-        </a:xfrm>
-      </p:grpSpPr>
-      <p:sp>
-        <p:nvSpPr>
-          <p:cNvPr id="4" name="Title 3">
-            <a:extLst>
-              <a:ext uri="{FF2B5EF4-FFF2-40B4-BE49-F238E27FC236}">
-                <a16:creationId xmlns:a16="http://schemas.microsoft.com/office/drawing/2014/main" id="{505BD776-2FCF-451D-90C4-ABAA297A7172}"/>
-              </a:ext>
-            </a:extLst>
-          </p:cNvPr>
-          <p:cNvSpPr>
-            <a:spLocks noGrp="1"/>
-          </p:cNvSpPr>
-          <p:nvPr>
-            <p:ph type="title"/>
-          </p:nvPr>
-        </p:nvSpPr>
-        <p:spPr/>
-        <p:txBody>
-          <a:bodyPr/>
-          <a:lstStyle/>
-          <a:p>
-            <a:r>
-              <a:rPr lang="en-US" dirty="0" err="1"/>
-              <a:t>NCAAcalcutta</a:t>
-            </a:r>
-            <a:r>
-              <a:rPr lang="en-US" dirty="0"/>
-              <a:t> package</a:t>
-            </a:r>
-          </a:p>
-        </p:txBody>
-      </p:sp>
-      <p:pic>
-        <p:nvPicPr>
-          <p:cNvPr id="6146" name="Picture 2" descr="Shiny App">
-            <a:extLst>
-              <a:ext uri="{FF2B5EF4-FFF2-40B4-BE49-F238E27FC236}">
-                <a16:creationId xmlns:a16="http://schemas.microsoft.com/office/drawing/2014/main" id="{11E86A00-7256-4C0B-A63B-2D11DD6D6099}"/>
-              </a:ext>
-            </a:extLst>
-          </p:cNvPr>
-          <p:cNvPicPr>
-            <a:picLocks noGrp="1" noChangeAspect="1" noChangeArrowheads="1"/>
-          </p:cNvPicPr>
-          <p:nvPr>
-            <p:ph sz="quarter" idx="14"/>
-          </p:nvPr>
-        </p:nvPicPr>
-        <p:blipFill rotWithShape="1">
-          <a:blip r:embed="rId2">
-            <a:extLst>
-              <a:ext uri="{28A0092B-C50C-407E-A947-70E740481C1C}">
-                <a14:useLocalDpi xmlns:a14="http://schemas.microsoft.com/office/drawing/2010/main" val="0"/>
-              </a:ext>
-            </a:extLst>
-          </a:blip>
-          <a:srcRect t="44" b="57385"/>
-          <a:stretch/>
-        </p:blipFill>
-        <p:spPr bwMode="auto">
-          <a:xfrm>
-            <a:off x="519545" y="1338142"/>
-            <a:ext cx="10813395" cy="4703842"/>
-          </a:xfrm>
-          <a:prstGeom prst="rect">
-            <a:avLst/>
-          </a:prstGeom>
-          <a:noFill/>
-          <a:extLst>
-            <a:ext uri="{909E8E84-426E-40DD-AFC4-6F175D3DCCD1}">
-              <a14:hiddenFill xmlns:a14="http://schemas.microsoft.com/office/drawing/2010/main">
-                <a:solidFill>
-                  <a:srgbClr val="FFFFFF"/>
-                </a:solidFill>
-              </a14:hiddenFill>
-            </a:ext>
-          </a:extLst>
-        </p:spPr>
-      </p:pic>
-      <p:sp>
-        <p:nvSpPr>
-          <p:cNvPr id="10" name="TextBox 9">
-            <a:extLst>
-              <a:ext uri="{FF2B5EF4-FFF2-40B4-BE49-F238E27FC236}">
-                <a16:creationId xmlns:a16="http://schemas.microsoft.com/office/drawing/2014/main" id="{35AA1448-0FA3-4DBA-9685-34549C989F65}"/>
-              </a:ext>
-            </a:extLst>
-          </p:cNvPr>
-          <p:cNvSpPr txBox="1"/>
-          <p:nvPr/>
-        </p:nvSpPr>
-        <p:spPr>
-          <a:xfrm>
-            <a:off x="84761" y="6400002"/>
-            <a:ext cx="6094070" cy="369332"/>
-          </a:xfrm>
-          <a:prstGeom prst="rect">
-            <a:avLst/>
-          </a:prstGeom>
-          <a:noFill/>
-        </p:spPr>
-        <p:txBody>
-          <a:bodyPr wrap="square">
-            <a:spAutoFit/>
-          </a:bodyPr>
-          <a:lstStyle/>
-          <a:p>
-            <a:r>
-              <a:rPr lang="en-US" dirty="0">
-                <a:hlinkClick r:id="rId3"/>
-              </a:rPr>
-              <a:t>GitHub - nielsenmarkus11/</a:t>
-            </a:r>
-            <a:r>
-              <a:rPr lang="en-US" dirty="0" err="1">
-                <a:hlinkClick r:id="rId3"/>
-              </a:rPr>
-              <a:t>NCAAcalcutta</a:t>
-            </a:r>
-            <a:endParaRPr lang="en-US" dirty="0"/>
-          </a:p>
-        </p:txBody>
-      </p:sp>
-    </p:spTree>
-    <p:extLst>
-      <p:ext uri="{BB962C8B-B14F-4D97-AF65-F5344CB8AC3E}">
-        <p14:creationId xmlns:p14="http://schemas.microsoft.com/office/powerpoint/2010/main" val="1681752461"/>
-      </p:ext>
-    </p:extLst>
-  </p:cSld>
-  <p:clrMapOvr>
-    <a:masterClrMapping/>
-  </p:clrMapOvr>
-</p:sld>
-</file>
-
-<file path=ppt/slides/slide30.xml><?xml version="1.0" encoding="utf-8"?>
+<file path=ppt/slides/slide31.xml><?xml version="1.0" encoding="utf-8"?>
 <p:sld xmlns:a="http://schemas.openxmlformats.org/drawingml/2006/main" xmlns:r="http://schemas.openxmlformats.org/officeDocument/2006/relationships" xmlns:p="http://schemas.openxmlformats.org/presentationml/2006/main">
   <p:cSld>
     <p:spTree>
@@ -10659,7 +10909,7 @@
 </p:sld>
 </file>
 
-<file path=ppt/slides/slide31.xml><?xml version="1.0" encoding="utf-8"?>
+<file path=ppt/slides/slide32.xml><?xml version="1.0" encoding="utf-8"?>
 <p:sld xmlns:a="http://schemas.openxmlformats.org/drawingml/2006/main" xmlns:r="http://schemas.openxmlformats.org/officeDocument/2006/relationships" xmlns:p="http://schemas.openxmlformats.org/presentationml/2006/main">
   <p:cSld>
     <p:spTree>
@@ -10885,1292 +11135,6 @@
 </p:sld>
 </file>
 
-<file path=ppt/slides/slide32.xml><?xml version="1.0" encoding="utf-8"?>
-<p:sld xmlns:a="http://schemas.openxmlformats.org/drawingml/2006/main" xmlns:r="http://schemas.openxmlformats.org/officeDocument/2006/relationships" xmlns:p="http://schemas.openxmlformats.org/presentationml/2006/main">
-  <p:cSld>
-    <p:spTree>
-      <p:nvGrpSpPr>
-        <p:cNvPr id="1" name=""/>
-        <p:cNvGrpSpPr/>
-        <p:nvPr/>
-      </p:nvGrpSpPr>
-      <p:grpSpPr>
-        <a:xfrm>
-          <a:off x="0" y="0"/>
-          <a:ext cx="0" cy="0"/>
-          <a:chOff x="0" y="0"/>
-          <a:chExt cx="0" cy="0"/>
-        </a:xfrm>
-      </p:grpSpPr>
-      <p:sp>
-        <p:nvSpPr>
-          <p:cNvPr id="4" name="Title 3">
-            <a:extLst>
-              <a:ext uri="{FF2B5EF4-FFF2-40B4-BE49-F238E27FC236}">
-                <a16:creationId xmlns:a16="http://schemas.microsoft.com/office/drawing/2014/main" id="{505BD776-2FCF-451D-90C4-ABAA297A7172}"/>
-              </a:ext>
-            </a:extLst>
-          </p:cNvPr>
-          <p:cNvSpPr>
-            <a:spLocks noGrp="1"/>
-          </p:cNvSpPr>
-          <p:nvPr>
-            <p:ph type="title"/>
-          </p:nvPr>
-        </p:nvSpPr>
-        <p:spPr/>
-        <p:txBody>
-          <a:bodyPr/>
-          <a:lstStyle/>
-          <a:p>
-            <a:r>
-              <a:rPr lang="en-US" dirty="0"/>
-              <a:t>Example (Step 1)</a:t>
-            </a:r>
-          </a:p>
-        </p:txBody>
-      </p:sp>
-      <p:sp>
-        <p:nvSpPr>
-          <p:cNvPr id="6" name="TextBox 5">
-            <a:extLst>
-              <a:ext uri="{FF2B5EF4-FFF2-40B4-BE49-F238E27FC236}">
-                <a16:creationId xmlns:a16="http://schemas.microsoft.com/office/drawing/2014/main" id="{1E86D28C-7443-457F-A312-E91BBF091EE1}"/>
-              </a:ext>
-            </a:extLst>
-          </p:cNvPr>
-          <p:cNvSpPr txBox="1"/>
-          <p:nvPr/>
-        </p:nvSpPr>
-        <p:spPr>
-          <a:xfrm>
-            <a:off x="84761" y="6488668"/>
-            <a:ext cx="8625852" cy="369332"/>
-          </a:xfrm>
-          <a:prstGeom prst="rect">
-            <a:avLst/>
-          </a:prstGeom>
-          <a:noFill/>
-        </p:spPr>
-        <p:txBody>
-          <a:bodyPr wrap="square">
-            <a:spAutoFit/>
-          </a:bodyPr>
-          <a:lstStyle/>
-          <a:p>
-            <a:r>
-              <a:rPr lang="en-US" dirty="0">
-                <a:hlinkClick r:id="rId2"/>
-              </a:rPr>
-              <a:t>Bitbucket Pipelines - Create Pull Request (PR) with default reviewers · GitHub</a:t>
-            </a:r>
-            <a:endParaRPr lang="en-US" dirty="0"/>
-          </a:p>
-        </p:txBody>
-      </p:sp>
-      <p:sp>
-        <p:nvSpPr>
-          <p:cNvPr id="7" name="TextBox 6">
-            <a:extLst>
-              <a:ext uri="{FF2B5EF4-FFF2-40B4-BE49-F238E27FC236}">
-                <a16:creationId xmlns:a16="http://schemas.microsoft.com/office/drawing/2014/main" id="{CD92111F-8786-40BC-82B5-3E4017F9FA75}"/>
-              </a:ext>
-            </a:extLst>
-          </p:cNvPr>
-          <p:cNvSpPr txBox="1"/>
-          <p:nvPr/>
-        </p:nvSpPr>
-        <p:spPr>
-          <a:xfrm>
-            <a:off x="0" y="0"/>
-            <a:ext cx="12192000" cy="6524863"/>
-          </a:xfrm>
-          <a:prstGeom prst="rect">
-            <a:avLst/>
-          </a:prstGeom>
-          <a:solidFill>
-            <a:schemeClr val="tx1"/>
-          </a:solidFill>
-        </p:spPr>
-        <p:txBody>
-          <a:bodyPr wrap="square">
-            <a:spAutoFit/>
-          </a:bodyPr>
-          <a:lstStyle/>
-          <a:p>
-            <a:pPr marL="2171700" indent="-2171700"/>
-            <a:r>
-              <a:rPr lang="en-US" sz="1100" b="0" dirty="0">
-                <a:solidFill>
-                  <a:srgbClr val="D4D4D4"/>
-                </a:solidFill>
-                <a:effectLst/>
-                <a:latin typeface="Consolas" panose="020B0609020204030204" pitchFamily="49" charset="0"/>
-              </a:rPr>
-              <a:t>  </a:t>
-            </a:r>
-            <a:r>
-              <a:rPr lang="en-US" sz="1100" b="0" dirty="0">
-                <a:solidFill>
-                  <a:srgbClr val="569CD6"/>
-                </a:solidFill>
-                <a:effectLst/>
-                <a:latin typeface="Consolas" panose="020B0609020204030204" pitchFamily="49" charset="0"/>
-              </a:rPr>
-              <a:t>steps</a:t>
-            </a:r>
-            <a:r>
-              <a:rPr lang="en-US" sz="1100" b="0" dirty="0">
-                <a:solidFill>
-                  <a:srgbClr val="D4D4D4"/>
-                </a:solidFill>
-                <a:effectLst/>
-                <a:latin typeface="Consolas" panose="020B0609020204030204" pitchFamily="49" charset="0"/>
-              </a:rPr>
-              <a:t>:</a:t>
-            </a:r>
-          </a:p>
-          <a:p>
-            <a:pPr marL="2171700" indent="-2171700"/>
-            <a:r>
-              <a:rPr lang="en-US" sz="1100" b="0" dirty="0">
-                <a:solidFill>
-                  <a:srgbClr val="D4D4D4"/>
-                </a:solidFill>
-                <a:effectLst/>
-                <a:latin typeface="Consolas" panose="020B0609020204030204" pitchFamily="49" charset="0"/>
-              </a:rPr>
-              <a:t>    - </a:t>
-            </a:r>
-            <a:r>
-              <a:rPr lang="en-US" sz="1100" b="0" dirty="0">
-                <a:solidFill>
-                  <a:srgbClr val="569CD6"/>
-                </a:solidFill>
-                <a:effectLst/>
-                <a:latin typeface="Consolas" panose="020B0609020204030204" pitchFamily="49" charset="0"/>
-              </a:rPr>
-              <a:t>step</a:t>
-            </a:r>
-            <a:r>
-              <a:rPr lang="en-US" sz="1100" b="0" dirty="0">
-                <a:solidFill>
-                  <a:srgbClr val="D4D4D4"/>
-                </a:solidFill>
-                <a:effectLst/>
-                <a:latin typeface="Consolas" panose="020B0609020204030204" pitchFamily="49" charset="0"/>
-              </a:rPr>
-              <a:t>: </a:t>
-            </a:r>
-            <a:r>
-              <a:rPr lang="en-US" sz="1100" b="0" dirty="0">
-                <a:solidFill>
-                  <a:srgbClr val="C586C0"/>
-                </a:solidFill>
-                <a:effectLst/>
-                <a:latin typeface="Consolas" panose="020B0609020204030204" pitchFamily="49" charset="0"/>
-              </a:rPr>
-              <a:t>&amp;</a:t>
-            </a:r>
-            <a:r>
-              <a:rPr lang="en-US" sz="1100" b="0" dirty="0">
-                <a:solidFill>
-                  <a:srgbClr val="4EC9B0"/>
-                </a:solidFill>
-                <a:effectLst/>
-                <a:latin typeface="Consolas" panose="020B0609020204030204" pitchFamily="49" charset="0"/>
-              </a:rPr>
-              <a:t>create-pr</a:t>
-            </a:r>
-            <a:endParaRPr lang="en-US" sz="1100" b="0" dirty="0">
-              <a:solidFill>
-                <a:srgbClr val="D4D4D4"/>
-              </a:solidFill>
-              <a:effectLst/>
-              <a:latin typeface="Consolas" panose="020B0609020204030204" pitchFamily="49" charset="0"/>
-            </a:endParaRPr>
-          </a:p>
-          <a:p>
-            <a:pPr marL="2171700" indent="-2171700"/>
-            <a:r>
-              <a:rPr lang="en-US" sz="1100" b="0" dirty="0">
-                <a:solidFill>
-                  <a:srgbClr val="D4D4D4"/>
-                </a:solidFill>
-                <a:effectLst/>
-                <a:latin typeface="Consolas" panose="020B0609020204030204" pitchFamily="49" charset="0"/>
-              </a:rPr>
-              <a:t>        </a:t>
-            </a:r>
-            <a:r>
-              <a:rPr lang="en-US" sz="1100" b="0" dirty="0">
-                <a:solidFill>
-                  <a:srgbClr val="569CD6"/>
-                </a:solidFill>
-                <a:effectLst/>
-                <a:latin typeface="Consolas" panose="020B0609020204030204" pitchFamily="49" charset="0"/>
-              </a:rPr>
-              <a:t>name</a:t>
-            </a:r>
-            <a:r>
-              <a:rPr lang="en-US" sz="1100" b="0" dirty="0">
-                <a:solidFill>
-                  <a:srgbClr val="D4D4D4"/>
-                </a:solidFill>
-                <a:effectLst/>
-                <a:latin typeface="Consolas" panose="020B0609020204030204" pitchFamily="49" charset="0"/>
-              </a:rPr>
-              <a:t>: </a:t>
-            </a:r>
-            <a:r>
-              <a:rPr lang="en-US" sz="1100" b="0" dirty="0">
-                <a:solidFill>
-                  <a:srgbClr val="CE9178"/>
-                </a:solidFill>
-                <a:effectLst/>
-                <a:latin typeface="Consolas" panose="020B0609020204030204" pitchFamily="49" charset="0"/>
-              </a:rPr>
-              <a:t>Create Pull Request</a:t>
-            </a:r>
-            <a:endParaRPr lang="en-US" sz="1100" b="0" dirty="0">
-              <a:solidFill>
-                <a:srgbClr val="D4D4D4"/>
-              </a:solidFill>
-              <a:effectLst/>
-              <a:latin typeface="Consolas" panose="020B0609020204030204" pitchFamily="49" charset="0"/>
-            </a:endParaRPr>
-          </a:p>
-          <a:p>
-            <a:pPr marL="2171700" indent="-2171700"/>
-            <a:r>
-              <a:rPr lang="en-US" sz="1100" b="0" dirty="0">
-                <a:solidFill>
-                  <a:srgbClr val="D4D4D4"/>
-                </a:solidFill>
-                <a:effectLst/>
-                <a:latin typeface="Consolas" panose="020B0609020204030204" pitchFamily="49" charset="0"/>
-              </a:rPr>
-              <a:t>        </a:t>
-            </a:r>
-            <a:r>
-              <a:rPr lang="en-US" sz="1100" b="0" dirty="0">
-                <a:solidFill>
-                  <a:srgbClr val="569CD6"/>
-                </a:solidFill>
-                <a:effectLst/>
-                <a:latin typeface="Consolas" panose="020B0609020204030204" pitchFamily="49" charset="0"/>
-              </a:rPr>
-              <a:t>image</a:t>
-            </a:r>
-            <a:r>
-              <a:rPr lang="en-US" sz="1100" b="0" dirty="0">
-                <a:solidFill>
-                  <a:srgbClr val="D4D4D4"/>
-                </a:solidFill>
-                <a:effectLst/>
-                <a:latin typeface="Consolas" panose="020B0609020204030204" pitchFamily="49" charset="0"/>
-              </a:rPr>
-              <a:t>: </a:t>
-            </a:r>
-            <a:r>
-              <a:rPr lang="en-US" sz="1100" b="0" dirty="0" err="1">
-                <a:solidFill>
-                  <a:srgbClr val="CE9178"/>
-                </a:solidFill>
-                <a:effectLst/>
-                <a:latin typeface="Consolas" panose="020B0609020204030204" pitchFamily="49" charset="0"/>
-              </a:rPr>
-              <a:t>everpeace</a:t>
-            </a:r>
-            <a:r>
-              <a:rPr lang="en-US" sz="1100" b="0" dirty="0">
-                <a:solidFill>
-                  <a:srgbClr val="CE9178"/>
-                </a:solidFill>
-                <a:effectLst/>
-                <a:latin typeface="Consolas" panose="020B0609020204030204" pitchFamily="49" charset="0"/>
-              </a:rPr>
-              <a:t>/curl-</a:t>
-            </a:r>
-            <a:r>
-              <a:rPr lang="en-US" sz="1100" b="0" dirty="0" err="1">
-                <a:solidFill>
-                  <a:srgbClr val="CE9178"/>
-                </a:solidFill>
-                <a:effectLst/>
-                <a:latin typeface="Consolas" panose="020B0609020204030204" pitchFamily="49" charset="0"/>
-              </a:rPr>
-              <a:t>jq</a:t>
-            </a:r>
-            <a:endParaRPr lang="en-US" sz="1100" b="0" dirty="0">
-              <a:solidFill>
-                <a:srgbClr val="D4D4D4"/>
-              </a:solidFill>
-              <a:effectLst/>
-              <a:latin typeface="Consolas" panose="020B0609020204030204" pitchFamily="49" charset="0"/>
-            </a:endParaRPr>
-          </a:p>
-          <a:p>
-            <a:pPr marL="2171700" indent="-2171700"/>
-            <a:r>
-              <a:rPr lang="en-US" sz="1100" b="0" dirty="0">
-                <a:solidFill>
-                  <a:srgbClr val="D4D4D4"/>
-                </a:solidFill>
-                <a:effectLst/>
-                <a:latin typeface="Consolas" panose="020B0609020204030204" pitchFamily="49" charset="0"/>
-              </a:rPr>
-              <a:t>        </a:t>
-            </a:r>
-            <a:r>
-              <a:rPr lang="en-US" sz="1100" b="0" dirty="0">
-                <a:solidFill>
-                  <a:srgbClr val="569CD6"/>
-                </a:solidFill>
-                <a:effectLst/>
-                <a:latin typeface="Consolas" panose="020B0609020204030204" pitchFamily="49" charset="0"/>
-              </a:rPr>
-              <a:t>caches</a:t>
-            </a:r>
-            <a:r>
-              <a:rPr lang="en-US" sz="1100" b="0" dirty="0">
-                <a:solidFill>
-                  <a:srgbClr val="D4D4D4"/>
-                </a:solidFill>
-                <a:effectLst/>
-                <a:latin typeface="Consolas" panose="020B0609020204030204" pitchFamily="49" charset="0"/>
-              </a:rPr>
-              <a:t>:</a:t>
-            </a:r>
-          </a:p>
-          <a:p>
-            <a:pPr marL="2171700" indent="-2171700"/>
-            <a:r>
-              <a:rPr lang="en-US" sz="1100" b="0" dirty="0">
-                <a:solidFill>
-                  <a:srgbClr val="D4D4D4"/>
-                </a:solidFill>
-                <a:effectLst/>
-                <a:latin typeface="Consolas" panose="020B0609020204030204" pitchFamily="49" charset="0"/>
-              </a:rPr>
-              <a:t>          - </a:t>
-            </a:r>
-            <a:r>
-              <a:rPr lang="en-US" sz="1100" b="0" dirty="0">
-                <a:solidFill>
-                  <a:srgbClr val="CE9178"/>
-                </a:solidFill>
-                <a:effectLst/>
-                <a:latin typeface="Consolas" panose="020B0609020204030204" pitchFamily="49" charset="0"/>
-              </a:rPr>
-              <a:t>node</a:t>
-            </a:r>
-            <a:endParaRPr lang="en-US" sz="1100" b="0" dirty="0">
-              <a:solidFill>
-                <a:srgbClr val="D4D4D4"/>
-              </a:solidFill>
-              <a:effectLst/>
-              <a:latin typeface="Consolas" panose="020B0609020204030204" pitchFamily="49" charset="0"/>
-            </a:endParaRPr>
-          </a:p>
-          <a:p>
-            <a:pPr marL="2171700" indent="-2171700"/>
-            <a:r>
-              <a:rPr lang="en-US" sz="1100" b="0" dirty="0">
-                <a:solidFill>
-                  <a:srgbClr val="D4D4D4"/>
-                </a:solidFill>
-                <a:effectLst/>
-                <a:latin typeface="Consolas" panose="020B0609020204030204" pitchFamily="49" charset="0"/>
-              </a:rPr>
-              <a:t>        </a:t>
-            </a:r>
-            <a:r>
-              <a:rPr lang="en-US" sz="1100" b="0" dirty="0">
-                <a:solidFill>
-                  <a:srgbClr val="569CD6"/>
-                </a:solidFill>
-                <a:effectLst/>
-                <a:latin typeface="Consolas" panose="020B0609020204030204" pitchFamily="49" charset="0"/>
-              </a:rPr>
-              <a:t>script</a:t>
-            </a:r>
-            <a:r>
-              <a:rPr lang="en-US" sz="1100" b="0" dirty="0">
-                <a:solidFill>
-                  <a:srgbClr val="D4D4D4"/>
-                </a:solidFill>
-                <a:effectLst/>
-                <a:latin typeface="Consolas" panose="020B0609020204030204" pitchFamily="49" charset="0"/>
-              </a:rPr>
-              <a:t>:</a:t>
-            </a:r>
-          </a:p>
-          <a:p>
-            <a:pPr marL="2171700" indent="-2171700"/>
-            <a:r>
-              <a:rPr lang="en-US" sz="1100" b="0" dirty="0">
-                <a:solidFill>
-                  <a:srgbClr val="D4D4D4"/>
-                </a:solidFill>
-                <a:effectLst/>
-                <a:latin typeface="Consolas" panose="020B0609020204030204" pitchFamily="49" charset="0"/>
-              </a:rPr>
-              <a:t>          - </a:t>
-            </a:r>
-            <a:r>
-              <a:rPr lang="en-US" sz="1100" b="0" dirty="0">
-                <a:solidFill>
-                  <a:srgbClr val="CE9178"/>
-                </a:solidFill>
-                <a:effectLst/>
-                <a:latin typeface="Consolas" panose="020B0609020204030204" pitchFamily="49" charset="0"/>
-              </a:rPr>
-              <a:t>export DESTINATION_BRANCH="${BITBUCKET_BRANCH}"</a:t>
-            </a:r>
-            <a:endParaRPr lang="en-US" sz="1100" b="0" dirty="0">
-              <a:solidFill>
-                <a:srgbClr val="D4D4D4"/>
-              </a:solidFill>
-              <a:effectLst/>
-              <a:latin typeface="Consolas" panose="020B0609020204030204" pitchFamily="49" charset="0"/>
-            </a:endParaRPr>
-          </a:p>
-          <a:p>
-            <a:pPr marL="2171700" indent="-2171700"/>
-            <a:r>
-              <a:rPr lang="en-US" sz="1100" b="0" dirty="0">
-                <a:solidFill>
-                  <a:srgbClr val="D4D4D4"/>
-                </a:solidFill>
-                <a:effectLst/>
-                <a:latin typeface="Consolas" panose="020B0609020204030204" pitchFamily="49" charset="0"/>
-              </a:rPr>
-              <a:t>          - </a:t>
-            </a:r>
-            <a:r>
-              <a:rPr lang="en-US" sz="1100" b="0" dirty="0">
-                <a:solidFill>
-                  <a:srgbClr val="CE9178"/>
-                </a:solidFill>
-                <a:effectLst/>
-                <a:latin typeface="Consolas" panose="020B0609020204030204" pitchFamily="49" charset="0"/>
-              </a:rPr>
-              <a:t>export CLOSE_ME=true</a:t>
-            </a:r>
-            <a:endParaRPr lang="en-US" sz="1100" b="0" dirty="0">
-              <a:solidFill>
-                <a:srgbClr val="D4D4D4"/>
-              </a:solidFill>
-              <a:effectLst/>
-              <a:latin typeface="Consolas" panose="020B0609020204030204" pitchFamily="49" charset="0"/>
-            </a:endParaRPr>
-          </a:p>
-          <a:p>
-            <a:pPr marL="2171700" indent="-2171700"/>
-            <a:r>
-              <a:rPr lang="en-US" sz="1100" b="0" dirty="0">
-                <a:solidFill>
-                  <a:srgbClr val="D4D4D4"/>
-                </a:solidFill>
-                <a:effectLst/>
-                <a:latin typeface="Consolas" panose="020B0609020204030204" pitchFamily="49" charset="0"/>
-              </a:rPr>
-              <a:t>          - </a:t>
-            </a:r>
-            <a:r>
-              <a:rPr lang="en-US" sz="1100" b="0" dirty="0">
-                <a:solidFill>
-                  <a:srgbClr val="C586C0"/>
-                </a:solidFill>
-                <a:effectLst/>
-                <a:latin typeface="Consolas" panose="020B0609020204030204" pitchFamily="49" charset="0"/>
-              </a:rPr>
-              <a:t>&gt;</a:t>
-            </a:r>
-            <a:endParaRPr lang="en-US" sz="1100" b="0" dirty="0">
-              <a:solidFill>
-                <a:srgbClr val="D4D4D4"/>
-              </a:solidFill>
-              <a:effectLst/>
-              <a:latin typeface="Consolas" panose="020B0609020204030204" pitchFamily="49" charset="0"/>
-            </a:endParaRPr>
-          </a:p>
-          <a:p>
-            <a:pPr marL="2171700" indent="-2171700"/>
-            <a:r>
-              <a:rPr lang="en-US" sz="1100" b="0" dirty="0">
-                <a:solidFill>
-                  <a:srgbClr val="CE9178"/>
-                </a:solidFill>
-                <a:effectLst/>
-                <a:latin typeface="Consolas" panose="020B0609020204030204" pitchFamily="49" charset="0"/>
-              </a:rPr>
-              <a:t>            export BB_TOKEN=$(curl -s -S -f -X POST -u "${BB_AUTH_STRING}" \</a:t>
-            </a:r>
-            <a:endParaRPr lang="en-US" sz="1100" b="0" dirty="0">
-              <a:solidFill>
-                <a:srgbClr val="D4D4D4"/>
-              </a:solidFill>
-              <a:effectLst/>
-              <a:latin typeface="Consolas" panose="020B0609020204030204" pitchFamily="49" charset="0"/>
-            </a:endParaRPr>
-          </a:p>
-          <a:p>
-            <a:pPr marL="2171700" indent="-2171700"/>
-            <a:r>
-              <a:rPr lang="en-US" sz="1100" b="0" dirty="0">
-                <a:solidFill>
-                  <a:srgbClr val="CE9178"/>
-                </a:solidFill>
-                <a:effectLst/>
-                <a:latin typeface="Consolas" panose="020B0609020204030204" pitchFamily="49" charset="0"/>
-              </a:rPr>
-              <a:t>              https://bitbucket.org/site/oauth2/access_token \</a:t>
-            </a:r>
-            <a:endParaRPr lang="en-US" sz="1100" b="0" dirty="0">
-              <a:solidFill>
-                <a:srgbClr val="D4D4D4"/>
-              </a:solidFill>
-              <a:effectLst/>
-              <a:latin typeface="Consolas" panose="020B0609020204030204" pitchFamily="49" charset="0"/>
-            </a:endParaRPr>
-          </a:p>
-          <a:p>
-            <a:pPr marL="2171700" indent="-2171700"/>
-            <a:r>
-              <a:rPr lang="en-US" sz="1100" b="0" dirty="0">
-                <a:solidFill>
-                  <a:srgbClr val="CE9178"/>
-                </a:solidFill>
-                <a:effectLst/>
-                <a:latin typeface="Consolas" panose="020B0609020204030204" pitchFamily="49" charset="0"/>
-              </a:rPr>
-              <a:t>              -d </a:t>
-            </a:r>
-            <a:r>
-              <a:rPr lang="en-US" sz="1100" b="0" dirty="0" err="1">
-                <a:solidFill>
-                  <a:srgbClr val="CE9178"/>
-                </a:solidFill>
-                <a:effectLst/>
-                <a:latin typeface="Consolas" panose="020B0609020204030204" pitchFamily="49" charset="0"/>
-              </a:rPr>
-              <a:t>grant_type</a:t>
-            </a:r>
-            <a:r>
-              <a:rPr lang="en-US" sz="1100" b="0" dirty="0">
-                <a:solidFill>
-                  <a:srgbClr val="CE9178"/>
-                </a:solidFill>
-                <a:effectLst/>
-                <a:latin typeface="Consolas" panose="020B0609020204030204" pitchFamily="49" charset="0"/>
-              </a:rPr>
-              <a:t>=</a:t>
-            </a:r>
-            <a:r>
-              <a:rPr lang="en-US" sz="1100" b="0" dirty="0" err="1">
-                <a:solidFill>
-                  <a:srgbClr val="CE9178"/>
-                </a:solidFill>
-                <a:effectLst/>
-                <a:latin typeface="Consolas" panose="020B0609020204030204" pitchFamily="49" charset="0"/>
-              </a:rPr>
-              <a:t>client_credentials</a:t>
-            </a:r>
-            <a:r>
-              <a:rPr lang="en-US" sz="1100" b="0" dirty="0">
-                <a:solidFill>
-                  <a:srgbClr val="CE9178"/>
-                </a:solidFill>
-                <a:effectLst/>
-                <a:latin typeface="Consolas" panose="020B0609020204030204" pitchFamily="49" charset="0"/>
-              </a:rPr>
-              <a:t> -d scopes="repository" | </a:t>
-            </a:r>
-            <a:r>
-              <a:rPr lang="en-US" sz="1100" b="0" dirty="0" err="1">
-                <a:solidFill>
-                  <a:srgbClr val="CE9178"/>
-                </a:solidFill>
-                <a:effectLst/>
-                <a:latin typeface="Consolas" panose="020B0609020204030204" pitchFamily="49" charset="0"/>
-              </a:rPr>
-              <a:t>jq</a:t>
-            </a:r>
-            <a:r>
-              <a:rPr lang="en-US" sz="1100" b="0" dirty="0">
-                <a:solidFill>
-                  <a:srgbClr val="CE9178"/>
-                </a:solidFill>
-                <a:effectLst/>
-                <a:latin typeface="Consolas" panose="020B0609020204030204" pitchFamily="49" charset="0"/>
-              </a:rPr>
-              <a:t> --raw-output '.</a:t>
-            </a:r>
-            <a:r>
-              <a:rPr lang="en-US" sz="1100" b="0" dirty="0" err="1">
-                <a:solidFill>
-                  <a:srgbClr val="CE9178"/>
-                </a:solidFill>
-                <a:effectLst/>
-                <a:latin typeface="Consolas" panose="020B0609020204030204" pitchFamily="49" charset="0"/>
-              </a:rPr>
-              <a:t>access_token</a:t>
-            </a:r>
-            <a:r>
-              <a:rPr lang="en-US" sz="1100" b="0" dirty="0">
-                <a:solidFill>
-                  <a:srgbClr val="CE9178"/>
-                </a:solidFill>
-                <a:effectLst/>
-                <a:latin typeface="Consolas" panose="020B0609020204030204" pitchFamily="49" charset="0"/>
-              </a:rPr>
-              <a:t>')</a:t>
-            </a:r>
-            <a:endParaRPr lang="en-US" sz="1100" b="0" dirty="0">
-              <a:solidFill>
-                <a:srgbClr val="D4D4D4"/>
-              </a:solidFill>
-              <a:effectLst/>
-              <a:latin typeface="Consolas" panose="020B0609020204030204" pitchFamily="49" charset="0"/>
-            </a:endParaRPr>
-          </a:p>
-          <a:p>
-            <a:pPr marL="2171700" indent="-2171700"/>
-            <a:r>
-              <a:rPr lang="en-US" sz="1100" b="0" dirty="0">
-                <a:solidFill>
-                  <a:srgbClr val="D4D4D4"/>
-                </a:solidFill>
-                <a:effectLst/>
-                <a:latin typeface="Consolas" panose="020B0609020204030204" pitchFamily="49" charset="0"/>
-              </a:rPr>
-              <a:t>          - </a:t>
-            </a:r>
-            <a:r>
-              <a:rPr lang="en-US" sz="1100" b="0" dirty="0">
-                <a:solidFill>
-                  <a:srgbClr val="C586C0"/>
-                </a:solidFill>
-                <a:effectLst/>
-                <a:latin typeface="Consolas" panose="020B0609020204030204" pitchFamily="49" charset="0"/>
-              </a:rPr>
-              <a:t>&gt;</a:t>
-            </a:r>
-            <a:endParaRPr lang="en-US" sz="1100" b="0" dirty="0">
-              <a:solidFill>
-                <a:srgbClr val="D4D4D4"/>
-              </a:solidFill>
-              <a:effectLst/>
-              <a:latin typeface="Consolas" panose="020B0609020204030204" pitchFamily="49" charset="0"/>
-            </a:endParaRPr>
-          </a:p>
-          <a:p>
-            <a:pPr marL="2171700" indent="-2171700"/>
-            <a:r>
-              <a:rPr lang="en-US" sz="1100" b="0" dirty="0">
-                <a:solidFill>
-                  <a:srgbClr val="CE9178"/>
-                </a:solidFill>
-                <a:effectLst/>
-                <a:latin typeface="Consolas" panose="020B0609020204030204" pitchFamily="49" charset="0"/>
-              </a:rPr>
-              <a:t>            export DEFAULT_REVIEWERS=$(curl https://api.bitbucket.org/2.0/repositories/${BITBUCKET_REPO_OWNER}/${BITBUCKET_REPO_SLUG}/default-reviewers \</a:t>
-            </a:r>
-            <a:endParaRPr lang="en-US" sz="1100" b="0" dirty="0">
-              <a:solidFill>
-                <a:srgbClr val="D4D4D4"/>
-              </a:solidFill>
-              <a:effectLst/>
-              <a:latin typeface="Consolas" panose="020B0609020204030204" pitchFamily="49" charset="0"/>
-            </a:endParaRPr>
-          </a:p>
-          <a:p>
-            <a:pPr marL="2171700" indent="-2171700"/>
-            <a:r>
-              <a:rPr lang="en-US" sz="1100" b="0" dirty="0">
-                <a:solidFill>
-                  <a:srgbClr val="CE9178"/>
-                </a:solidFill>
-                <a:effectLst/>
-                <a:latin typeface="Consolas" panose="020B0609020204030204" pitchFamily="49" charset="0"/>
-              </a:rPr>
-              <a:t>              -s -S -f -X GET \</a:t>
-            </a:r>
-            <a:endParaRPr lang="en-US" sz="1100" b="0" dirty="0">
-              <a:solidFill>
-                <a:srgbClr val="D4D4D4"/>
-              </a:solidFill>
-              <a:effectLst/>
-              <a:latin typeface="Consolas" panose="020B0609020204030204" pitchFamily="49" charset="0"/>
-            </a:endParaRPr>
-          </a:p>
-          <a:p>
-            <a:pPr marL="2171700" indent="-2171700"/>
-            <a:r>
-              <a:rPr lang="en-US" sz="1100" b="0" dirty="0">
-                <a:solidFill>
-                  <a:srgbClr val="CE9178"/>
-                </a:solidFill>
-                <a:effectLst/>
-                <a:latin typeface="Consolas" panose="020B0609020204030204" pitchFamily="49" charset="0"/>
-              </a:rPr>
-              <a:t>              -H "Authorization: Bearer ${BB_TOKEN}" | </a:t>
-            </a:r>
-            <a:r>
-              <a:rPr lang="en-US" sz="1100" b="0" dirty="0" err="1">
-                <a:solidFill>
-                  <a:srgbClr val="CE9178"/>
-                </a:solidFill>
-                <a:effectLst/>
-                <a:latin typeface="Consolas" panose="020B0609020204030204" pitchFamily="49" charset="0"/>
-              </a:rPr>
-              <a:t>jq</a:t>
-            </a:r>
-            <a:r>
-              <a:rPr lang="en-US" sz="1100" b="0" dirty="0">
-                <a:solidFill>
-                  <a:srgbClr val="CE9178"/>
-                </a:solidFill>
-                <a:effectLst/>
-                <a:latin typeface="Consolas" panose="020B0609020204030204" pitchFamily="49" charset="0"/>
-              </a:rPr>
-              <a:t> '.values' | </a:t>
-            </a:r>
-            <a:r>
-              <a:rPr lang="en-US" sz="1100" b="0" dirty="0" err="1">
-                <a:solidFill>
-                  <a:srgbClr val="CE9178"/>
-                </a:solidFill>
-                <a:effectLst/>
-                <a:latin typeface="Consolas" panose="020B0609020204030204" pitchFamily="49" charset="0"/>
-              </a:rPr>
-              <a:t>jq</a:t>
-            </a:r>
-            <a:r>
-              <a:rPr lang="en-US" sz="1100" b="0" dirty="0">
-                <a:solidFill>
-                  <a:srgbClr val="CE9178"/>
-                </a:solidFill>
-                <a:effectLst/>
-                <a:latin typeface="Consolas" panose="020B0609020204030204" pitchFamily="49" charset="0"/>
-              </a:rPr>
-              <a:t> 'map({</a:t>
-            </a:r>
-            <a:r>
-              <a:rPr lang="en-US" sz="1100" b="0" dirty="0" err="1">
-                <a:solidFill>
-                  <a:srgbClr val="CE9178"/>
-                </a:solidFill>
-                <a:effectLst/>
-                <a:latin typeface="Consolas" panose="020B0609020204030204" pitchFamily="49" charset="0"/>
-              </a:rPr>
-              <a:t>uuid</a:t>
-            </a:r>
-            <a:r>
-              <a:rPr lang="en-US" sz="1100" b="0" dirty="0">
-                <a:solidFill>
-                  <a:srgbClr val="CE9178"/>
-                </a:solidFill>
-                <a:effectLst/>
-                <a:latin typeface="Consolas" panose="020B0609020204030204" pitchFamily="49" charset="0"/>
-              </a:rPr>
-              <a:t>})' )</a:t>
-            </a:r>
-            <a:endParaRPr lang="en-US" sz="1100" b="0" dirty="0">
-              <a:solidFill>
-                <a:srgbClr val="D4D4D4"/>
-              </a:solidFill>
-              <a:effectLst/>
-              <a:latin typeface="Consolas" panose="020B0609020204030204" pitchFamily="49" charset="0"/>
-            </a:endParaRPr>
-          </a:p>
-          <a:p>
-            <a:pPr marL="2171700" indent="-2171700"/>
-            <a:r>
-              <a:rPr lang="en-US" sz="1100" b="0" dirty="0">
-                <a:solidFill>
-                  <a:srgbClr val="D4D4D4"/>
-                </a:solidFill>
-                <a:effectLst/>
-                <a:latin typeface="Consolas" panose="020B0609020204030204" pitchFamily="49" charset="0"/>
-              </a:rPr>
-              <a:t>          - </a:t>
-            </a:r>
-            <a:r>
-              <a:rPr lang="en-US" sz="1100" b="0" dirty="0">
-                <a:solidFill>
-                  <a:srgbClr val="C586C0"/>
-                </a:solidFill>
-                <a:effectLst/>
-                <a:latin typeface="Consolas" panose="020B0609020204030204" pitchFamily="49" charset="0"/>
-              </a:rPr>
-              <a:t>&gt;</a:t>
-            </a:r>
-            <a:endParaRPr lang="en-US" sz="1100" b="0" dirty="0">
-              <a:solidFill>
-                <a:srgbClr val="D4D4D4"/>
-              </a:solidFill>
-              <a:effectLst/>
-              <a:latin typeface="Consolas" panose="020B0609020204030204" pitchFamily="49" charset="0"/>
-            </a:endParaRPr>
-          </a:p>
-          <a:p>
-            <a:pPr marL="2171700" indent="-2171700"/>
-            <a:r>
-              <a:rPr lang="en-US" sz="1100" b="0" dirty="0">
-                <a:solidFill>
-                  <a:srgbClr val="CE9178"/>
-                </a:solidFill>
-                <a:effectLst/>
-                <a:latin typeface="Consolas" panose="020B0609020204030204" pitchFamily="49" charset="0"/>
-              </a:rPr>
-              <a:t>            curl https://api.bitbucket.org/2.0/repositories/${BITBUCKET_REPO_OWNER}/${BITBUCKET_REPO_SLUG}/pullrequests \</a:t>
-            </a:r>
-            <a:endParaRPr lang="en-US" sz="1100" b="0" dirty="0">
-              <a:solidFill>
-                <a:srgbClr val="D4D4D4"/>
-              </a:solidFill>
-              <a:effectLst/>
-              <a:latin typeface="Consolas" panose="020B0609020204030204" pitchFamily="49" charset="0"/>
-            </a:endParaRPr>
-          </a:p>
-          <a:p>
-            <a:pPr marL="2171700" indent="-2171700"/>
-            <a:r>
-              <a:rPr lang="en-US" sz="1100" b="0" dirty="0">
-                <a:solidFill>
-                  <a:srgbClr val="CE9178"/>
-                </a:solidFill>
-                <a:effectLst/>
-                <a:latin typeface="Consolas" panose="020B0609020204030204" pitchFamily="49" charset="0"/>
-              </a:rPr>
-              <a:t>              -s -S -f -X POST \</a:t>
-            </a:r>
-            <a:endParaRPr lang="en-US" sz="1100" b="0" dirty="0">
-              <a:solidFill>
-                <a:srgbClr val="D4D4D4"/>
-              </a:solidFill>
-              <a:effectLst/>
-              <a:latin typeface="Consolas" panose="020B0609020204030204" pitchFamily="49" charset="0"/>
-            </a:endParaRPr>
-          </a:p>
-          <a:p>
-            <a:pPr marL="2171700" indent="-2171700"/>
-            <a:r>
-              <a:rPr lang="en-US" sz="1100" b="0" dirty="0">
-                <a:solidFill>
-                  <a:srgbClr val="CE9178"/>
-                </a:solidFill>
-                <a:effectLst/>
-                <a:latin typeface="Consolas" panose="020B0609020204030204" pitchFamily="49" charset="0"/>
-              </a:rPr>
-              <a:t>              -H 'Content-Type: application/</a:t>
-            </a:r>
-            <a:r>
-              <a:rPr lang="en-US" sz="1100" b="0" dirty="0" err="1">
-                <a:solidFill>
-                  <a:srgbClr val="CE9178"/>
-                </a:solidFill>
-                <a:effectLst/>
-                <a:latin typeface="Consolas" panose="020B0609020204030204" pitchFamily="49" charset="0"/>
-              </a:rPr>
-              <a:t>json</a:t>
-            </a:r>
-            <a:r>
-              <a:rPr lang="en-US" sz="1100" b="0" dirty="0">
-                <a:solidFill>
-                  <a:srgbClr val="CE9178"/>
-                </a:solidFill>
-                <a:effectLst/>
-                <a:latin typeface="Consolas" panose="020B0609020204030204" pitchFamily="49" charset="0"/>
-              </a:rPr>
-              <a:t>' \</a:t>
-            </a:r>
-            <a:endParaRPr lang="en-US" sz="1100" b="0" dirty="0">
-              <a:solidFill>
-                <a:srgbClr val="D4D4D4"/>
-              </a:solidFill>
-              <a:effectLst/>
-              <a:latin typeface="Consolas" panose="020B0609020204030204" pitchFamily="49" charset="0"/>
-            </a:endParaRPr>
-          </a:p>
-          <a:p>
-            <a:pPr marL="2171700" indent="-2171700"/>
-            <a:r>
-              <a:rPr lang="en-US" sz="1100" b="0" dirty="0">
-                <a:solidFill>
-                  <a:srgbClr val="CE9178"/>
-                </a:solidFill>
-                <a:effectLst/>
-                <a:latin typeface="Consolas" panose="020B0609020204030204" pitchFamily="49" charset="0"/>
-              </a:rPr>
-              <a:t>              -H "Authorization: Bearer ${BB_TOKEN}" \</a:t>
-            </a:r>
-            <a:endParaRPr lang="en-US" sz="1100" b="0" dirty="0">
-              <a:solidFill>
-                <a:srgbClr val="D4D4D4"/>
-              </a:solidFill>
-              <a:effectLst/>
-              <a:latin typeface="Consolas" panose="020B0609020204030204" pitchFamily="49" charset="0"/>
-            </a:endParaRPr>
-          </a:p>
-          <a:p>
-            <a:pPr marL="2171700" indent="-2171700"/>
-            <a:r>
-              <a:rPr lang="en-US" sz="1100" b="0" dirty="0">
-                <a:solidFill>
-                  <a:srgbClr val="CE9178"/>
-                </a:solidFill>
-                <a:effectLst/>
-                <a:latin typeface="Consolas" panose="020B0609020204030204" pitchFamily="49" charset="0"/>
-              </a:rPr>
-              <a:t>              -d '{ </a:t>
-            </a:r>
-            <a:endParaRPr lang="en-US" sz="1100" b="0" dirty="0">
-              <a:solidFill>
-                <a:srgbClr val="D4D4D4"/>
-              </a:solidFill>
-              <a:effectLst/>
-              <a:latin typeface="Consolas" panose="020B0609020204030204" pitchFamily="49" charset="0"/>
-            </a:endParaRPr>
-          </a:p>
-          <a:p>
-            <a:pPr marL="2171700" indent="-2171700"/>
-            <a:r>
-              <a:rPr lang="en-US" sz="1100" b="0" dirty="0">
-                <a:solidFill>
-                  <a:srgbClr val="CE9178"/>
-                </a:solidFill>
-                <a:effectLst/>
-                <a:latin typeface="Consolas" panose="020B0609020204030204" pitchFamily="49" charset="0"/>
-              </a:rPr>
-              <a:t>                    "title": "Merge in '"${BITBUCKET_BRANCH}-styler"'", </a:t>
-            </a:r>
-            <a:endParaRPr lang="en-US" sz="1100" b="0" dirty="0">
-              <a:solidFill>
-                <a:srgbClr val="D4D4D4"/>
-              </a:solidFill>
-              <a:effectLst/>
-              <a:latin typeface="Consolas" panose="020B0609020204030204" pitchFamily="49" charset="0"/>
-            </a:endParaRPr>
-          </a:p>
-          <a:p>
-            <a:pPr marL="2171700" indent="-2171700"/>
-            <a:r>
-              <a:rPr lang="en-US" sz="1100" b="0" dirty="0">
-                <a:solidFill>
-                  <a:srgbClr val="CE9178"/>
-                </a:solidFill>
-                <a:effectLst/>
-                <a:latin typeface="Consolas" panose="020B0609020204030204" pitchFamily="49" charset="0"/>
-              </a:rPr>
-              <a:t>                    "description": "Automated PR creation process :-)", </a:t>
-            </a:r>
-            <a:endParaRPr lang="en-US" sz="1100" b="0" dirty="0">
-              <a:solidFill>
-                <a:srgbClr val="D4D4D4"/>
-              </a:solidFill>
-              <a:effectLst/>
-              <a:latin typeface="Consolas" panose="020B0609020204030204" pitchFamily="49" charset="0"/>
-            </a:endParaRPr>
-          </a:p>
-          <a:p>
-            <a:pPr marL="2171700" indent="-2171700"/>
-            <a:r>
-              <a:rPr lang="en-US" sz="1100" b="0" dirty="0">
-                <a:solidFill>
-                  <a:srgbClr val="CE9178"/>
-                </a:solidFill>
-                <a:effectLst/>
-                <a:latin typeface="Consolas" panose="020B0609020204030204" pitchFamily="49" charset="0"/>
-              </a:rPr>
-              <a:t>                    "source": { </a:t>
-            </a:r>
-            <a:endParaRPr lang="en-US" sz="1100" b="0" dirty="0">
-              <a:solidFill>
-                <a:srgbClr val="D4D4D4"/>
-              </a:solidFill>
-              <a:effectLst/>
-              <a:latin typeface="Consolas" panose="020B0609020204030204" pitchFamily="49" charset="0"/>
-            </a:endParaRPr>
-          </a:p>
-          <a:p>
-            <a:pPr marL="2171700" indent="-2171700"/>
-            <a:r>
-              <a:rPr lang="en-US" sz="1100" b="0" dirty="0">
-                <a:solidFill>
-                  <a:srgbClr val="CE9178"/>
-                </a:solidFill>
-                <a:effectLst/>
-                <a:latin typeface="Consolas" panose="020B0609020204030204" pitchFamily="49" charset="0"/>
-              </a:rPr>
-              <a:t>                      "branch": { </a:t>
-            </a:r>
-            <a:endParaRPr lang="en-US" sz="1100" b="0" dirty="0">
-              <a:solidFill>
-                <a:srgbClr val="D4D4D4"/>
-              </a:solidFill>
-              <a:effectLst/>
-              <a:latin typeface="Consolas" panose="020B0609020204030204" pitchFamily="49" charset="0"/>
-            </a:endParaRPr>
-          </a:p>
-          <a:p>
-            <a:pPr marL="2171700" indent="-2171700"/>
-            <a:r>
-              <a:rPr lang="en-US" sz="1100" b="0" dirty="0">
-                <a:solidFill>
-                  <a:srgbClr val="CE9178"/>
-                </a:solidFill>
-                <a:effectLst/>
-                <a:latin typeface="Consolas" panose="020B0609020204030204" pitchFamily="49" charset="0"/>
-              </a:rPr>
-              <a:t>                        "name": "'"${BITBUCKET_BRANCH}-styler"'"</a:t>
-            </a:r>
-            <a:endParaRPr lang="en-US" sz="1100" b="0" dirty="0">
-              <a:solidFill>
-                <a:srgbClr val="D4D4D4"/>
-              </a:solidFill>
-              <a:effectLst/>
-              <a:latin typeface="Consolas" panose="020B0609020204030204" pitchFamily="49" charset="0"/>
-            </a:endParaRPr>
-          </a:p>
-          <a:p>
-            <a:pPr marL="2171700" indent="-2171700"/>
-            <a:r>
-              <a:rPr lang="en-US" sz="1100" b="0" dirty="0">
-                <a:solidFill>
-                  <a:srgbClr val="CE9178"/>
-                </a:solidFill>
-                <a:effectLst/>
-                <a:latin typeface="Consolas" panose="020B0609020204030204" pitchFamily="49" charset="0"/>
-              </a:rPr>
-              <a:t>                      }</a:t>
-            </a:r>
-            <a:endParaRPr lang="en-US" sz="1100" b="0" dirty="0">
-              <a:solidFill>
-                <a:srgbClr val="D4D4D4"/>
-              </a:solidFill>
-              <a:effectLst/>
-              <a:latin typeface="Consolas" panose="020B0609020204030204" pitchFamily="49" charset="0"/>
-            </a:endParaRPr>
-          </a:p>
-          <a:p>
-            <a:pPr marL="2171700" indent="-2171700"/>
-            <a:r>
-              <a:rPr lang="en-US" sz="1100" b="0" dirty="0">
-                <a:solidFill>
-                  <a:srgbClr val="CE9178"/>
-                </a:solidFill>
-                <a:effectLst/>
-                <a:latin typeface="Consolas" panose="020B0609020204030204" pitchFamily="49" charset="0"/>
-              </a:rPr>
-              <a:t>                    },</a:t>
-            </a:r>
-            <a:endParaRPr lang="en-US" sz="1100" b="0" dirty="0">
-              <a:solidFill>
-                <a:srgbClr val="D4D4D4"/>
-              </a:solidFill>
-              <a:effectLst/>
-              <a:latin typeface="Consolas" panose="020B0609020204030204" pitchFamily="49" charset="0"/>
-            </a:endParaRPr>
-          </a:p>
-          <a:p>
-            <a:pPr marL="2171700" indent="-2171700"/>
-            <a:r>
-              <a:rPr lang="en-US" sz="1100" b="0" dirty="0">
-                <a:solidFill>
-                  <a:srgbClr val="CE9178"/>
-                </a:solidFill>
-                <a:effectLst/>
-                <a:latin typeface="Consolas" panose="020B0609020204030204" pitchFamily="49" charset="0"/>
-              </a:rPr>
-              <a:t>                    "destination": { </a:t>
-            </a:r>
-            <a:endParaRPr lang="en-US" sz="1100" b="0" dirty="0">
-              <a:solidFill>
-                <a:srgbClr val="D4D4D4"/>
-              </a:solidFill>
-              <a:effectLst/>
-              <a:latin typeface="Consolas" panose="020B0609020204030204" pitchFamily="49" charset="0"/>
-            </a:endParaRPr>
-          </a:p>
-          <a:p>
-            <a:pPr marL="2171700" indent="-2171700"/>
-            <a:r>
-              <a:rPr lang="en-US" sz="1100" b="0" dirty="0">
-                <a:solidFill>
-                  <a:srgbClr val="CE9178"/>
-                </a:solidFill>
-                <a:effectLst/>
-                <a:latin typeface="Consolas" panose="020B0609020204030204" pitchFamily="49" charset="0"/>
-              </a:rPr>
-              <a:t>                      "branch": { </a:t>
-            </a:r>
-            <a:endParaRPr lang="en-US" sz="1100" b="0" dirty="0">
-              <a:solidFill>
-                <a:srgbClr val="D4D4D4"/>
-              </a:solidFill>
-              <a:effectLst/>
-              <a:latin typeface="Consolas" panose="020B0609020204030204" pitchFamily="49" charset="0"/>
-            </a:endParaRPr>
-          </a:p>
-          <a:p>
-            <a:pPr marL="2171700" indent="-2171700"/>
-            <a:r>
-              <a:rPr lang="en-US" sz="1100" b="0" dirty="0">
-                <a:solidFill>
-                  <a:srgbClr val="CE9178"/>
-                </a:solidFill>
-                <a:effectLst/>
-                <a:latin typeface="Consolas" panose="020B0609020204030204" pitchFamily="49" charset="0"/>
-              </a:rPr>
-              <a:t>                        "name": "'"${DESTINATION_BRANCH}"'"</a:t>
-            </a:r>
-            <a:endParaRPr lang="en-US" sz="1100" b="0" dirty="0">
-              <a:solidFill>
-                <a:srgbClr val="D4D4D4"/>
-              </a:solidFill>
-              <a:effectLst/>
-              <a:latin typeface="Consolas" panose="020B0609020204030204" pitchFamily="49" charset="0"/>
-            </a:endParaRPr>
-          </a:p>
-          <a:p>
-            <a:pPr marL="2171700" indent="-2171700"/>
-            <a:r>
-              <a:rPr lang="en-US" sz="1100" b="0" dirty="0">
-                <a:solidFill>
-                  <a:srgbClr val="CE9178"/>
-                </a:solidFill>
-                <a:effectLst/>
-                <a:latin typeface="Consolas" panose="020B0609020204030204" pitchFamily="49" charset="0"/>
-              </a:rPr>
-              <a:t>                      } </a:t>
-            </a:r>
-            <a:endParaRPr lang="en-US" sz="1100" b="0" dirty="0">
-              <a:solidFill>
-                <a:srgbClr val="D4D4D4"/>
-              </a:solidFill>
-              <a:effectLst/>
-              <a:latin typeface="Consolas" panose="020B0609020204030204" pitchFamily="49" charset="0"/>
-            </a:endParaRPr>
-          </a:p>
-          <a:p>
-            <a:pPr marL="2171700" indent="-2171700"/>
-            <a:r>
-              <a:rPr lang="en-US" sz="1100" b="0" dirty="0">
-                <a:solidFill>
-                  <a:srgbClr val="CE9178"/>
-                </a:solidFill>
-                <a:effectLst/>
-                <a:latin typeface="Consolas" panose="020B0609020204030204" pitchFamily="49" charset="0"/>
-              </a:rPr>
-              <a:t>                    }, </a:t>
-            </a:r>
-            <a:endParaRPr lang="en-US" sz="1100" b="0" dirty="0">
-              <a:solidFill>
-                <a:srgbClr val="D4D4D4"/>
-              </a:solidFill>
-              <a:effectLst/>
-              <a:latin typeface="Consolas" panose="020B0609020204030204" pitchFamily="49" charset="0"/>
-            </a:endParaRPr>
-          </a:p>
-          <a:p>
-            <a:pPr marL="2171700" indent="-2171700"/>
-            <a:r>
-              <a:rPr lang="en-US" sz="1100" b="0" dirty="0">
-                <a:solidFill>
-                  <a:srgbClr val="CE9178"/>
-                </a:solidFill>
-                <a:effectLst/>
-                <a:latin typeface="Consolas" panose="020B0609020204030204" pitchFamily="49" charset="0"/>
-              </a:rPr>
-              <a:t>                    "</a:t>
-            </a:r>
-            <a:r>
-              <a:rPr lang="en-US" sz="1100" b="0" dirty="0" err="1">
-                <a:solidFill>
-                  <a:srgbClr val="CE9178"/>
-                </a:solidFill>
-                <a:effectLst/>
-                <a:latin typeface="Consolas" panose="020B0609020204030204" pitchFamily="49" charset="0"/>
-              </a:rPr>
-              <a:t>close_source_branch</a:t>
-            </a:r>
-            <a:r>
-              <a:rPr lang="en-US" sz="1100" b="0" dirty="0">
-                <a:solidFill>
-                  <a:srgbClr val="CE9178"/>
-                </a:solidFill>
-                <a:effectLst/>
-                <a:latin typeface="Consolas" panose="020B0609020204030204" pitchFamily="49" charset="0"/>
-              </a:rPr>
-              <a:t>": '"${CLOSE_ME}"',</a:t>
-            </a:r>
-            <a:endParaRPr lang="en-US" sz="1100" b="0" dirty="0">
-              <a:solidFill>
-                <a:srgbClr val="D4D4D4"/>
-              </a:solidFill>
-              <a:effectLst/>
-              <a:latin typeface="Consolas" panose="020B0609020204030204" pitchFamily="49" charset="0"/>
-            </a:endParaRPr>
-          </a:p>
-          <a:p>
-            <a:pPr marL="2171700" indent="-2171700"/>
-            <a:r>
-              <a:rPr lang="en-US" sz="1100" b="0" dirty="0">
-                <a:solidFill>
-                  <a:srgbClr val="CE9178"/>
-                </a:solidFill>
-                <a:effectLst/>
-                <a:latin typeface="Consolas" panose="020B0609020204030204" pitchFamily="49" charset="0"/>
-              </a:rPr>
-              <a:t>                    "reviewers": '"${DEFAULT_REVIEWERS}"'</a:t>
-            </a:r>
-            <a:endParaRPr lang="en-US" sz="1100" b="0" dirty="0">
-              <a:solidFill>
-                <a:srgbClr val="D4D4D4"/>
-              </a:solidFill>
-              <a:effectLst/>
-              <a:latin typeface="Consolas" panose="020B0609020204030204" pitchFamily="49" charset="0"/>
-            </a:endParaRPr>
-          </a:p>
-          <a:p>
-            <a:pPr marL="2171700" indent="-2171700"/>
-            <a:r>
-              <a:rPr lang="en-US" sz="1100" b="0" dirty="0">
-                <a:solidFill>
-                  <a:srgbClr val="CE9178"/>
-                </a:solidFill>
-                <a:effectLst/>
-                <a:latin typeface="Consolas" panose="020B0609020204030204" pitchFamily="49" charset="0"/>
-              </a:rPr>
-              <a:t>                  }'</a:t>
-            </a:r>
-            <a:endParaRPr lang="en-US" sz="1100" b="0" dirty="0">
-              <a:solidFill>
-                <a:srgbClr val="D4D4D4"/>
-              </a:solidFill>
-              <a:effectLst/>
-              <a:latin typeface="Consolas" panose="020B0609020204030204" pitchFamily="49" charset="0"/>
-            </a:endParaRPr>
-          </a:p>
-        </p:txBody>
-      </p:sp>
-    </p:spTree>
-    <p:extLst>
-      <p:ext uri="{BB962C8B-B14F-4D97-AF65-F5344CB8AC3E}">
-        <p14:creationId xmlns:p14="http://schemas.microsoft.com/office/powerpoint/2010/main" val="542246410"/>
-      </p:ext>
-    </p:extLst>
-  </p:cSld>
-  <p:clrMapOvr>
-    <a:masterClrMapping/>
-  </p:clrMapOvr>
-</p:sld>
-</file>
-
 <file path=ppt/slides/slide33.xml><?xml version="1.0" encoding="utf-8"?>
 <p:sld xmlns:a="http://schemas.openxmlformats.org/drawingml/2006/main" xmlns:r="http://schemas.openxmlformats.org/officeDocument/2006/relationships" xmlns:p="http://schemas.openxmlformats.org/presentationml/2006/main">
   <p:cSld>
@@ -12211,6 +11175,1292 @@
           <a:p>
             <a:r>
               <a:rPr lang="en-US" dirty="0"/>
+              <a:t>Example (Step 1)</a:t>
+            </a:r>
+          </a:p>
+        </p:txBody>
+      </p:sp>
+      <p:sp>
+        <p:nvSpPr>
+          <p:cNvPr id="6" name="TextBox 5">
+            <a:extLst>
+              <a:ext uri="{FF2B5EF4-FFF2-40B4-BE49-F238E27FC236}">
+                <a16:creationId xmlns:a16="http://schemas.microsoft.com/office/drawing/2014/main" id="{1E86D28C-7443-457F-A312-E91BBF091EE1}"/>
+              </a:ext>
+            </a:extLst>
+          </p:cNvPr>
+          <p:cNvSpPr txBox="1"/>
+          <p:nvPr/>
+        </p:nvSpPr>
+        <p:spPr>
+          <a:xfrm>
+            <a:off x="84761" y="6488668"/>
+            <a:ext cx="8625852" cy="369332"/>
+          </a:xfrm>
+          <a:prstGeom prst="rect">
+            <a:avLst/>
+          </a:prstGeom>
+          <a:noFill/>
+        </p:spPr>
+        <p:txBody>
+          <a:bodyPr wrap="square">
+            <a:spAutoFit/>
+          </a:bodyPr>
+          <a:lstStyle/>
+          <a:p>
+            <a:r>
+              <a:rPr lang="en-US" dirty="0">
+                <a:hlinkClick r:id="rId2"/>
+              </a:rPr>
+              <a:t>Bitbucket Pipelines - Create Pull Request (PR) with default reviewers · GitHub</a:t>
+            </a:r>
+            <a:endParaRPr lang="en-US" dirty="0"/>
+          </a:p>
+        </p:txBody>
+      </p:sp>
+      <p:sp>
+        <p:nvSpPr>
+          <p:cNvPr id="7" name="TextBox 6">
+            <a:extLst>
+              <a:ext uri="{FF2B5EF4-FFF2-40B4-BE49-F238E27FC236}">
+                <a16:creationId xmlns:a16="http://schemas.microsoft.com/office/drawing/2014/main" id="{CD92111F-8786-40BC-82B5-3E4017F9FA75}"/>
+              </a:ext>
+            </a:extLst>
+          </p:cNvPr>
+          <p:cNvSpPr txBox="1"/>
+          <p:nvPr/>
+        </p:nvSpPr>
+        <p:spPr>
+          <a:xfrm>
+            <a:off x="0" y="0"/>
+            <a:ext cx="12192000" cy="6524863"/>
+          </a:xfrm>
+          <a:prstGeom prst="rect">
+            <a:avLst/>
+          </a:prstGeom>
+          <a:solidFill>
+            <a:schemeClr val="tx1"/>
+          </a:solidFill>
+        </p:spPr>
+        <p:txBody>
+          <a:bodyPr wrap="square">
+            <a:spAutoFit/>
+          </a:bodyPr>
+          <a:lstStyle/>
+          <a:p>
+            <a:pPr marL="2171700" indent="-2171700"/>
+            <a:r>
+              <a:rPr lang="en-US" sz="1100" b="0" dirty="0">
+                <a:solidFill>
+                  <a:srgbClr val="D4D4D4"/>
+                </a:solidFill>
+                <a:effectLst/>
+                <a:latin typeface="Consolas" panose="020B0609020204030204" pitchFamily="49" charset="0"/>
+              </a:rPr>
+              <a:t>  </a:t>
+            </a:r>
+            <a:r>
+              <a:rPr lang="en-US" sz="1100" b="0" dirty="0">
+                <a:solidFill>
+                  <a:srgbClr val="569CD6"/>
+                </a:solidFill>
+                <a:effectLst/>
+                <a:latin typeface="Consolas" panose="020B0609020204030204" pitchFamily="49" charset="0"/>
+              </a:rPr>
+              <a:t>steps</a:t>
+            </a:r>
+            <a:r>
+              <a:rPr lang="en-US" sz="1100" b="0" dirty="0">
+                <a:solidFill>
+                  <a:srgbClr val="D4D4D4"/>
+                </a:solidFill>
+                <a:effectLst/>
+                <a:latin typeface="Consolas" panose="020B0609020204030204" pitchFamily="49" charset="0"/>
+              </a:rPr>
+              <a:t>:</a:t>
+            </a:r>
+          </a:p>
+          <a:p>
+            <a:pPr marL="2171700" indent="-2171700"/>
+            <a:r>
+              <a:rPr lang="en-US" sz="1100" b="0" dirty="0">
+                <a:solidFill>
+                  <a:srgbClr val="D4D4D4"/>
+                </a:solidFill>
+                <a:effectLst/>
+                <a:latin typeface="Consolas" panose="020B0609020204030204" pitchFamily="49" charset="0"/>
+              </a:rPr>
+              <a:t>    - </a:t>
+            </a:r>
+            <a:r>
+              <a:rPr lang="en-US" sz="1100" b="0" dirty="0">
+                <a:solidFill>
+                  <a:srgbClr val="569CD6"/>
+                </a:solidFill>
+                <a:effectLst/>
+                <a:latin typeface="Consolas" panose="020B0609020204030204" pitchFamily="49" charset="0"/>
+              </a:rPr>
+              <a:t>step</a:t>
+            </a:r>
+            <a:r>
+              <a:rPr lang="en-US" sz="1100" b="0" dirty="0">
+                <a:solidFill>
+                  <a:srgbClr val="D4D4D4"/>
+                </a:solidFill>
+                <a:effectLst/>
+                <a:latin typeface="Consolas" panose="020B0609020204030204" pitchFamily="49" charset="0"/>
+              </a:rPr>
+              <a:t>: </a:t>
+            </a:r>
+            <a:r>
+              <a:rPr lang="en-US" sz="1100" b="0" dirty="0">
+                <a:solidFill>
+                  <a:srgbClr val="C586C0"/>
+                </a:solidFill>
+                <a:effectLst/>
+                <a:latin typeface="Consolas" panose="020B0609020204030204" pitchFamily="49" charset="0"/>
+              </a:rPr>
+              <a:t>&amp;</a:t>
+            </a:r>
+            <a:r>
+              <a:rPr lang="en-US" sz="1100" b="0" dirty="0">
+                <a:solidFill>
+                  <a:srgbClr val="4EC9B0"/>
+                </a:solidFill>
+                <a:effectLst/>
+                <a:latin typeface="Consolas" panose="020B0609020204030204" pitchFamily="49" charset="0"/>
+              </a:rPr>
+              <a:t>create-pr</a:t>
+            </a:r>
+            <a:endParaRPr lang="en-US" sz="1100" b="0" dirty="0">
+              <a:solidFill>
+                <a:srgbClr val="D4D4D4"/>
+              </a:solidFill>
+              <a:effectLst/>
+              <a:latin typeface="Consolas" panose="020B0609020204030204" pitchFamily="49" charset="0"/>
+            </a:endParaRPr>
+          </a:p>
+          <a:p>
+            <a:pPr marL="2171700" indent="-2171700"/>
+            <a:r>
+              <a:rPr lang="en-US" sz="1100" b="0" dirty="0">
+                <a:solidFill>
+                  <a:srgbClr val="D4D4D4"/>
+                </a:solidFill>
+                <a:effectLst/>
+                <a:latin typeface="Consolas" panose="020B0609020204030204" pitchFamily="49" charset="0"/>
+              </a:rPr>
+              <a:t>        </a:t>
+            </a:r>
+            <a:r>
+              <a:rPr lang="en-US" sz="1100" b="0" dirty="0">
+                <a:solidFill>
+                  <a:srgbClr val="569CD6"/>
+                </a:solidFill>
+                <a:effectLst/>
+                <a:latin typeface="Consolas" panose="020B0609020204030204" pitchFamily="49" charset="0"/>
+              </a:rPr>
+              <a:t>name</a:t>
+            </a:r>
+            <a:r>
+              <a:rPr lang="en-US" sz="1100" b="0" dirty="0">
+                <a:solidFill>
+                  <a:srgbClr val="D4D4D4"/>
+                </a:solidFill>
+                <a:effectLst/>
+                <a:latin typeface="Consolas" panose="020B0609020204030204" pitchFamily="49" charset="0"/>
+              </a:rPr>
+              <a:t>: </a:t>
+            </a:r>
+            <a:r>
+              <a:rPr lang="en-US" sz="1100" b="0" dirty="0">
+                <a:solidFill>
+                  <a:srgbClr val="CE9178"/>
+                </a:solidFill>
+                <a:effectLst/>
+                <a:latin typeface="Consolas" panose="020B0609020204030204" pitchFamily="49" charset="0"/>
+              </a:rPr>
+              <a:t>Create Pull Request</a:t>
+            </a:r>
+            <a:endParaRPr lang="en-US" sz="1100" b="0" dirty="0">
+              <a:solidFill>
+                <a:srgbClr val="D4D4D4"/>
+              </a:solidFill>
+              <a:effectLst/>
+              <a:latin typeface="Consolas" panose="020B0609020204030204" pitchFamily="49" charset="0"/>
+            </a:endParaRPr>
+          </a:p>
+          <a:p>
+            <a:pPr marL="2171700" indent="-2171700"/>
+            <a:r>
+              <a:rPr lang="en-US" sz="1100" b="0" dirty="0">
+                <a:solidFill>
+                  <a:srgbClr val="D4D4D4"/>
+                </a:solidFill>
+                <a:effectLst/>
+                <a:latin typeface="Consolas" panose="020B0609020204030204" pitchFamily="49" charset="0"/>
+              </a:rPr>
+              <a:t>        </a:t>
+            </a:r>
+            <a:r>
+              <a:rPr lang="en-US" sz="1100" b="0" dirty="0">
+                <a:solidFill>
+                  <a:srgbClr val="569CD6"/>
+                </a:solidFill>
+                <a:effectLst/>
+                <a:latin typeface="Consolas" panose="020B0609020204030204" pitchFamily="49" charset="0"/>
+              </a:rPr>
+              <a:t>image</a:t>
+            </a:r>
+            <a:r>
+              <a:rPr lang="en-US" sz="1100" b="0" dirty="0">
+                <a:solidFill>
+                  <a:srgbClr val="D4D4D4"/>
+                </a:solidFill>
+                <a:effectLst/>
+                <a:latin typeface="Consolas" panose="020B0609020204030204" pitchFamily="49" charset="0"/>
+              </a:rPr>
+              <a:t>: </a:t>
+            </a:r>
+            <a:r>
+              <a:rPr lang="en-US" sz="1100" b="0" dirty="0" err="1">
+                <a:solidFill>
+                  <a:srgbClr val="CE9178"/>
+                </a:solidFill>
+                <a:effectLst/>
+                <a:latin typeface="Consolas" panose="020B0609020204030204" pitchFamily="49" charset="0"/>
+              </a:rPr>
+              <a:t>everpeace</a:t>
+            </a:r>
+            <a:r>
+              <a:rPr lang="en-US" sz="1100" b="0" dirty="0">
+                <a:solidFill>
+                  <a:srgbClr val="CE9178"/>
+                </a:solidFill>
+                <a:effectLst/>
+                <a:latin typeface="Consolas" panose="020B0609020204030204" pitchFamily="49" charset="0"/>
+              </a:rPr>
+              <a:t>/curl-</a:t>
+            </a:r>
+            <a:r>
+              <a:rPr lang="en-US" sz="1100" b="0" dirty="0" err="1">
+                <a:solidFill>
+                  <a:srgbClr val="CE9178"/>
+                </a:solidFill>
+                <a:effectLst/>
+                <a:latin typeface="Consolas" panose="020B0609020204030204" pitchFamily="49" charset="0"/>
+              </a:rPr>
+              <a:t>jq</a:t>
+            </a:r>
+            <a:endParaRPr lang="en-US" sz="1100" b="0" dirty="0">
+              <a:solidFill>
+                <a:srgbClr val="D4D4D4"/>
+              </a:solidFill>
+              <a:effectLst/>
+              <a:latin typeface="Consolas" panose="020B0609020204030204" pitchFamily="49" charset="0"/>
+            </a:endParaRPr>
+          </a:p>
+          <a:p>
+            <a:pPr marL="2171700" indent="-2171700"/>
+            <a:r>
+              <a:rPr lang="en-US" sz="1100" b="0" dirty="0">
+                <a:solidFill>
+                  <a:srgbClr val="D4D4D4"/>
+                </a:solidFill>
+                <a:effectLst/>
+                <a:latin typeface="Consolas" panose="020B0609020204030204" pitchFamily="49" charset="0"/>
+              </a:rPr>
+              <a:t>        </a:t>
+            </a:r>
+            <a:r>
+              <a:rPr lang="en-US" sz="1100" b="0" dirty="0">
+                <a:solidFill>
+                  <a:srgbClr val="569CD6"/>
+                </a:solidFill>
+                <a:effectLst/>
+                <a:latin typeface="Consolas" panose="020B0609020204030204" pitchFamily="49" charset="0"/>
+              </a:rPr>
+              <a:t>caches</a:t>
+            </a:r>
+            <a:r>
+              <a:rPr lang="en-US" sz="1100" b="0" dirty="0">
+                <a:solidFill>
+                  <a:srgbClr val="D4D4D4"/>
+                </a:solidFill>
+                <a:effectLst/>
+                <a:latin typeface="Consolas" panose="020B0609020204030204" pitchFamily="49" charset="0"/>
+              </a:rPr>
+              <a:t>:</a:t>
+            </a:r>
+          </a:p>
+          <a:p>
+            <a:pPr marL="2171700" indent="-2171700"/>
+            <a:r>
+              <a:rPr lang="en-US" sz="1100" b="0" dirty="0">
+                <a:solidFill>
+                  <a:srgbClr val="D4D4D4"/>
+                </a:solidFill>
+                <a:effectLst/>
+                <a:latin typeface="Consolas" panose="020B0609020204030204" pitchFamily="49" charset="0"/>
+              </a:rPr>
+              <a:t>          - </a:t>
+            </a:r>
+            <a:r>
+              <a:rPr lang="en-US" sz="1100" b="0" dirty="0">
+                <a:solidFill>
+                  <a:srgbClr val="CE9178"/>
+                </a:solidFill>
+                <a:effectLst/>
+                <a:latin typeface="Consolas" panose="020B0609020204030204" pitchFamily="49" charset="0"/>
+              </a:rPr>
+              <a:t>node</a:t>
+            </a:r>
+            <a:endParaRPr lang="en-US" sz="1100" b="0" dirty="0">
+              <a:solidFill>
+                <a:srgbClr val="D4D4D4"/>
+              </a:solidFill>
+              <a:effectLst/>
+              <a:latin typeface="Consolas" panose="020B0609020204030204" pitchFamily="49" charset="0"/>
+            </a:endParaRPr>
+          </a:p>
+          <a:p>
+            <a:pPr marL="2171700" indent="-2171700"/>
+            <a:r>
+              <a:rPr lang="en-US" sz="1100" b="0" dirty="0">
+                <a:solidFill>
+                  <a:srgbClr val="D4D4D4"/>
+                </a:solidFill>
+                <a:effectLst/>
+                <a:latin typeface="Consolas" panose="020B0609020204030204" pitchFamily="49" charset="0"/>
+              </a:rPr>
+              <a:t>        </a:t>
+            </a:r>
+            <a:r>
+              <a:rPr lang="en-US" sz="1100" b="0" dirty="0">
+                <a:solidFill>
+                  <a:srgbClr val="569CD6"/>
+                </a:solidFill>
+                <a:effectLst/>
+                <a:latin typeface="Consolas" panose="020B0609020204030204" pitchFamily="49" charset="0"/>
+              </a:rPr>
+              <a:t>script</a:t>
+            </a:r>
+            <a:r>
+              <a:rPr lang="en-US" sz="1100" b="0" dirty="0">
+                <a:solidFill>
+                  <a:srgbClr val="D4D4D4"/>
+                </a:solidFill>
+                <a:effectLst/>
+                <a:latin typeface="Consolas" panose="020B0609020204030204" pitchFamily="49" charset="0"/>
+              </a:rPr>
+              <a:t>:</a:t>
+            </a:r>
+          </a:p>
+          <a:p>
+            <a:pPr marL="2171700" indent="-2171700"/>
+            <a:r>
+              <a:rPr lang="en-US" sz="1100" b="0" dirty="0">
+                <a:solidFill>
+                  <a:srgbClr val="D4D4D4"/>
+                </a:solidFill>
+                <a:effectLst/>
+                <a:latin typeface="Consolas" panose="020B0609020204030204" pitchFamily="49" charset="0"/>
+              </a:rPr>
+              <a:t>          - </a:t>
+            </a:r>
+            <a:r>
+              <a:rPr lang="en-US" sz="1100" b="0" dirty="0">
+                <a:solidFill>
+                  <a:srgbClr val="CE9178"/>
+                </a:solidFill>
+                <a:effectLst/>
+                <a:latin typeface="Consolas" panose="020B0609020204030204" pitchFamily="49" charset="0"/>
+              </a:rPr>
+              <a:t>export DESTINATION_BRANCH="${BITBUCKET_BRANCH}"</a:t>
+            </a:r>
+            <a:endParaRPr lang="en-US" sz="1100" b="0" dirty="0">
+              <a:solidFill>
+                <a:srgbClr val="D4D4D4"/>
+              </a:solidFill>
+              <a:effectLst/>
+              <a:latin typeface="Consolas" panose="020B0609020204030204" pitchFamily="49" charset="0"/>
+            </a:endParaRPr>
+          </a:p>
+          <a:p>
+            <a:pPr marL="2171700" indent="-2171700"/>
+            <a:r>
+              <a:rPr lang="en-US" sz="1100" b="0" dirty="0">
+                <a:solidFill>
+                  <a:srgbClr val="D4D4D4"/>
+                </a:solidFill>
+                <a:effectLst/>
+                <a:latin typeface="Consolas" panose="020B0609020204030204" pitchFamily="49" charset="0"/>
+              </a:rPr>
+              <a:t>          - </a:t>
+            </a:r>
+            <a:r>
+              <a:rPr lang="en-US" sz="1100" b="0" dirty="0">
+                <a:solidFill>
+                  <a:srgbClr val="CE9178"/>
+                </a:solidFill>
+                <a:effectLst/>
+                <a:latin typeface="Consolas" panose="020B0609020204030204" pitchFamily="49" charset="0"/>
+              </a:rPr>
+              <a:t>export CLOSE_ME=true</a:t>
+            </a:r>
+            <a:endParaRPr lang="en-US" sz="1100" b="0" dirty="0">
+              <a:solidFill>
+                <a:srgbClr val="D4D4D4"/>
+              </a:solidFill>
+              <a:effectLst/>
+              <a:latin typeface="Consolas" panose="020B0609020204030204" pitchFamily="49" charset="0"/>
+            </a:endParaRPr>
+          </a:p>
+          <a:p>
+            <a:pPr marL="2171700" indent="-2171700"/>
+            <a:r>
+              <a:rPr lang="en-US" sz="1100" b="0" dirty="0">
+                <a:solidFill>
+                  <a:srgbClr val="D4D4D4"/>
+                </a:solidFill>
+                <a:effectLst/>
+                <a:latin typeface="Consolas" panose="020B0609020204030204" pitchFamily="49" charset="0"/>
+              </a:rPr>
+              <a:t>          - </a:t>
+            </a:r>
+            <a:r>
+              <a:rPr lang="en-US" sz="1100" b="0" dirty="0">
+                <a:solidFill>
+                  <a:srgbClr val="C586C0"/>
+                </a:solidFill>
+                <a:effectLst/>
+                <a:latin typeface="Consolas" panose="020B0609020204030204" pitchFamily="49" charset="0"/>
+              </a:rPr>
+              <a:t>&gt;</a:t>
+            </a:r>
+            <a:endParaRPr lang="en-US" sz="1100" b="0" dirty="0">
+              <a:solidFill>
+                <a:srgbClr val="D4D4D4"/>
+              </a:solidFill>
+              <a:effectLst/>
+              <a:latin typeface="Consolas" panose="020B0609020204030204" pitchFamily="49" charset="0"/>
+            </a:endParaRPr>
+          </a:p>
+          <a:p>
+            <a:pPr marL="2171700" indent="-2171700"/>
+            <a:r>
+              <a:rPr lang="en-US" sz="1100" b="0" dirty="0">
+                <a:solidFill>
+                  <a:srgbClr val="CE9178"/>
+                </a:solidFill>
+                <a:effectLst/>
+                <a:latin typeface="Consolas" panose="020B0609020204030204" pitchFamily="49" charset="0"/>
+              </a:rPr>
+              <a:t>            export BB_TOKEN=$(curl -s -S -f -X POST -u "${BB_AUTH_STRING}" \</a:t>
+            </a:r>
+            <a:endParaRPr lang="en-US" sz="1100" b="0" dirty="0">
+              <a:solidFill>
+                <a:srgbClr val="D4D4D4"/>
+              </a:solidFill>
+              <a:effectLst/>
+              <a:latin typeface="Consolas" panose="020B0609020204030204" pitchFamily="49" charset="0"/>
+            </a:endParaRPr>
+          </a:p>
+          <a:p>
+            <a:pPr marL="2171700" indent="-2171700"/>
+            <a:r>
+              <a:rPr lang="en-US" sz="1100" b="0" dirty="0">
+                <a:solidFill>
+                  <a:srgbClr val="CE9178"/>
+                </a:solidFill>
+                <a:effectLst/>
+                <a:latin typeface="Consolas" panose="020B0609020204030204" pitchFamily="49" charset="0"/>
+              </a:rPr>
+              <a:t>              https://bitbucket.org/site/oauth2/access_token \</a:t>
+            </a:r>
+            <a:endParaRPr lang="en-US" sz="1100" b="0" dirty="0">
+              <a:solidFill>
+                <a:srgbClr val="D4D4D4"/>
+              </a:solidFill>
+              <a:effectLst/>
+              <a:latin typeface="Consolas" panose="020B0609020204030204" pitchFamily="49" charset="0"/>
+            </a:endParaRPr>
+          </a:p>
+          <a:p>
+            <a:pPr marL="2171700" indent="-2171700"/>
+            <a:r>
+              <a:rPr lang="en-US" sz="1100" b="0" dirty="0">
+                <a:solidFill>
+                  <a:srgbClr val="CE9178"/>
+                </a:solidFill>
+                <a:effectLst/>
+                <a:latin typeface="Consolas" panose="020B0609020204030204" pitchFamily="49" charset="0"/>
+              </a:rPr>
+              <a:t>              -d </a:t>
+            </a:r>
+            <a:r>
+              <a:rPr lang="en-US" sz="1100" b="0" dirty="0" err="1">
+                <a:solidFill>
+                  <a:srgbClr val="CE9178"/>
+                </a:solidFill>
+                <a:effectLst/>
+                <a:latin typeface="Consolas" panose="020B0609020204030204" pitchFamily="49" charset="0"/>
+              </a:rPr>
+              <a:t>grant_type</a:t>
+            </a:r>
+            <a:r>
+              <a:rPr lang="en-US" sz="1100" b="0" dirty="0">
+                <a:solidFill>
+                  <a:srgbClr val="CE9178"/>
+                </a:solidFill>
+                <a:effectLst/>
+                <a:latin typeface="Consolas" panose="020B0609020204030204" pitchFamily="49" charset="0"/>
+              </a:rPr>
+              <a:t>=</a:t>
+            </a:r>
+            <a:r>
+              <a:rPr lang="en-US" sz="1100" b="0" dirty="0" err="1">
+                <a:solidFill>
+                  <a:srgbClr val="CE9178"/>
+                </a:solidFill>
+                <a:effectLst/>
+                <a:latin typeface="Consolas" panose="020B0609020204030204" pitchFamily="49" charset="0"/>
+              </a:rPr>
+              <a:t>client_credentials</a:t>
+            </a:r>
+            <a:r>
+              <a:rPr lang="en-US" sz="1100" b="0" dirty="0">
+                <a:solidFill>
+                  <a:srgbClr val="CE9178"/>
+                </a:solidFill>
+                <a:effectLst/>
+                <a:latin typeface="Consolas" panose="020B0609020204030204" pitchFamily="49" charset="0"/>
+              </a:rPr>
+              <a:t> -d scopes="repository" | </a:t>
+            </a:r>
+            <a:r>
+              <a:rPr lang="en-US" sz="1100" b="0" dirty="0" err="1">
+                <a:solidFill>
+                  <a:srgbClr val="CE9178"/>
+                </a:solidFill>
+                <a:effectLst/>
+                <a:latin typeface="Consolas" panose="020B0609020204030204" pitchFamily="49" charset="0"/>
+              </a:rPr>
+              <a:t>jq</a:t>
+            </a:r>
+            <a:r>
+              <a:rPr lang="en-US" sz="1100" b="0" dirty="0">
+                <a:solidFill>
+                  <a:srgbClr val="CE9178"/>
+                </a:solidFill>
+                <a:effectLst/>
+                <a:latin typeface="Consolas" panose="020B0609020204030204" pitchFamily="49" charset="0"/>
+              </a:rPr>
+              <a:t> --raw-output '.</a:t>
+            </a:r>
+            <a:r>
+              <a:rPr lang="en-US" sz="1100" b="0" dirty="0" err="1">
+                <a:solidFill>
+                  <a:srgbClr val="CE9178"/>
+                </a:solidFill>
+                <a:effectLst/>
+                <a:latin typeface="Consolas" panose="020B0609020204030204" pitchFamily="49" charset="0"/>
+              </a:rPr>
+              <a:t>access_token</a:t>
+            </a:r>
+            <a:r>
+              <a:rPr lang="en-US" sz="1100" b="0" dirty="0">
+                <a:solidFill>
+                  <a:srgbClr val="CE9178"/>
+                </a:solidFill>
+                <a:effectLst/>
+                <a:latin typeface="Consolas" panose="020B0609020204030204" pitchFamily="49" charset="0"/>
+              </a:rPr>
+              <a:t>')</a:t>
+            </a:r>
+            <a:endParaRPr lang="en-US" sz="1100" b="0" dirty="0">
+              <a:solidFill>
+                <a:srgbClr val="D4D4D4"/>
+              </a:solidFill>
+              <a:effectLst/>
+              <a:latin typeface="Consolas" panose="020B0609020204030204" pitchFamily="49" charset="0"/>
+            </a:endParaRPr>
+          </a:p>
+          <a:p>
+            <a:pPr marL="2171700" indent="-2171700"/>
+            <a:r>
+              <a:rPr lang="en-US" sz="1100" b="0" dirty="0">
+                <a:solidFill>
+                  <a:srgbClr val="D4D4D4"/>
+                </a:solidFill>
+                <a:effectLst/>
+                <a:latin typeface="Consolas" panose="020B0609020204030204" pitchFamily="49" charset="0"/>
+              </a:rPr>
+              <a:t>          - </a:t>
+            </a:r>
+            <a:r>
+              <a:rPr lang="en-US" sz="1100" b="0" dirty="0">
+                <a:solidFill>
+                  <a:srgbClr val="C586C0"/>
+                </a:solidFill>
+                <a:effectLst/>
+                <a:latin typeface="Consolas" panose="020B0609020204030204" pitchFamily="49" charset="0"/>
+              </a:rPr>
+              <a:t>&gt;</a:t>
+            </a:r>
+            <a:endParaRPr lang="en-US" sz="1100" b="0" dirty="0">
+              <a:solidFill>
+                <a:srgbClr val="D4D4D4"/>
+              </a:solidFill>
+              <a:effectLst/>
+              <a:latin typeface="Consolas" panose="020B0609020204030204" pitchFamily="49" charset="0"/>
+            </a:endParaRPr>
+          </a:p>
+          <a:p>
+            <a:pPr marL="2171700" indent="-2171700"/>
+            <a:r>
+              <a:rPr lang="en-US" sz="1100" b="0" dirty="0">
+                <a:solidFill>
+                  <a:srgbClr val="CE9178"/>
+                </a:solidFill>
+                <a:effectLst/>
+                <a:latin typeface="Consolas" panose="020B0609020204030204" pitchFamily="49" charset="0"/>
+              </a:rPr>
+              <a:t>            export DEFAULT_REVIEWERS=$(curl https://api.bitbucket.org/2.0/repositories/${BITBUCKET_REPO_OWNER}/${BITBUCKET_REPO_SLUG}/default-reviewers \</a:t>
+            </a:r>
+            <a:endParaRPr lang="en-US" sz="1100" b="0" dirty="0">
+              <a:solidFill>
+                <a:srgbClr val="D4D4D4"/>
+              </a:solidFill>
+              <a:effectLst/>
+              <a:latin typeface="Consolas" panose="020B0609020204030204" pitchFamily="49" charset="0"/>
+            </a:endParaRPr>
+          </a:p>
+          <a:p>
+            <a:pPr marL="2171700" indent="-2171700"/>
+            <a:r>
+              <a:rPr lang="en-US" sz="1100" b="0" dirty="0">
+                <a:solidFill>
+                  <a:srgbClr val="CE9178"/>
+                </a:solidFill>
+                <a:effectLst/>
+                <a:latin typeface="Consolas" panose="020B0609020204030204" pitchFamily="49" charset="0"/>
+              </a:rPr>
+              <a:t>              -s -S -f -X GET \</a:t>
+            </a:r>
+            <a:endParaRPr lang="en-US" sz="1100" b="0" dirty="0">
+              <a:solidFill>
+                <a:srgbClr val="D4D4D4"/>
+              </a:solidFill>
+              <a:effectLst/>
+              <a:latin typeface="Consolas" panose="020B0609020204030204" pitchFamily="49" charset="0"/>
+            </a:endParaRPr>
+          </a:p>
+          <a:p>
+            <a:pPr marL="2171700" indent="-2171700"/>
+            <a:r>
+              <a:rPr lang="en-US" sz="1100" b="0" dirty="0">
+                <a:solidFill>
+                  <a:srgbClr val="CE9178"/>
+                </a:solidFill>
+                <a:effectLst/>
+                <a:latin typeface="Consolas" panose="020B0609020204030204" pitchFamily="49" charset="0"/>
+              </a:rPr>
+              <a:t>              -H "Authorization: Bearer ${BB_TOKEN}" | </a:t>
+            </a:r>
+            <a:r>
+              <a:rPr lang="en-US" sz="1100" b="0" dirty="0" err="1">
+                <a:solidFill>
+                  <a:srgbClr val="CE9178"/>
+                </a:solidFill>
+                <a:effectLst/>
+                <a:latin typeface="Consolas" panose="020B0609020204030204" pitchFamily="49" charset="0"/>
+              </a:rPr>
+              <a:t>jq</a:t>
+            </a:r>
+            <a:r>
+              <a:rPr lang="en-US" sz="1100" b="0" dirty="0">
+                <a:solidFill>
+                  <a:srgbClr val="CE9178"/>
+                </a:solidFill>
+                <a:effectLst/>
+                <a:latin typeface="Consolas" panose="020B0609020204030204" pitchFamily="49" charset="0"/>
+              </a:rPr>
+              <a:t> '.values' | </a:t>
+            </a:r>
+            <a:r>
+              <a:rPr lang="en-US" sz="1100" b="0" dirty="0" err="1">
+                <a:solidFill>
+                  <a:srgbClr val="CE9178"/>
+                </a:solidFill>
+                <a:effectLst/>
+                <a:latin typeface="Consolas" panose="020B0609020204030204" pitchFamily="49" charset="0"/>
+              </a:rPr>
+              <a:t>jq</a:t>
+            </a:r>
+            <a:r>
+              <a:rPr lang="en-US" sz="1100" b="0" dirty="0">
+                <a:solidFill>
+                  <a:srgbClr val="CE9178"/>
+                </a:solidFill>
+                <a:effectLst/>
+                <a:latin typeface="Consolas" panose="020B0609020204030204" pitchFamily="49" charset="0"/>
+              </a:rPr>
+              <a:t> 'map({</a:t>
+            </a:r>
+            <a:r>
+              <a:rPr lang="en-US" sz="1100" b="0" dirty="0" err="1">
+                <a:solidFill>
+                  <a:srgbClr val="CE9178"/>
+                </a:solidFill>
+                <a:effectLst/>
+                <a:latin typeface="Consolas" panose="020B0609020204030204" pitchFamily="49" charset="0"/>
+              </a:rPr>
+              <a:t>uuid</a:t>
+            </a:r>
+            <a:r>
+              <a:rPr lang="en-US" sz="1100" b="0" dirty="0">
+                <a:solidFill>
+                  <a:srgbClr val="CE9178"/>
+                </a:solidFill>
+                <a:effectLst/>
+                <a:latin typeface="Consolas" panose="020B0609020204030204" pitchFamily="49" charset="0"/>
+              </a:rPr>
+              <a:t>})' )</a:t>
+            </a:r>
+            <a:endParaRPr lang="en-US" sz="1100" b="0" dirty="0">
+              <a:solidFill>
+                <a:srgbClr val="D4D4D4"/>
+              </a:solidFill>
+              <a:effectLst/>
+              <a:latin typeface="Consolas" panose="020B0609020204030204" pitchFamily="49" charset="0"/>
+            </a:endParaRPr>
+          </a:p>
+          <a:p>
+            <a:pPr marL="2171700" indent="-2171700"/>
+            <a:r>
+              <a:rPr lang="en-US" sz="1100" b="0" dirty="0">
+                <a:solidFill>
+                  <a:srgbClr val="D4D4D4"/>
+                </a:solidFill>
+                <a:effectLst/>
+                <a:latin typeface="Consolas" panose="020B0609020204030204" pitchFamily="49" charset="0"/>
+              </a:rPr>
+              <a:t>          - </a:t>
+            </a:r>
+            <a:r>
+              <a:rPr lang="en-US" sz="1100" b="0" dirty="0">
+                <a:solidFill>
+                  <a:srgbClr val="C586C0"/>
+                </a:solidFill>
+                <a:effectLst/>
+                <a:latin typeface="Consolas" panose="020B0609020204030204" pitchFamily="49" charset="0"/>
+              </a:rPr>
+              <a:t>&gt;</a:t>
+            </a:r>
+            <a:endParaRPr lang="en-US" sz="1100" b="0" dirty="0">
+              <a:solidFill>
+                <a:srgbClr val="D4D4D4"/>
+              </a:solidFill>
+              <a:effectLst/>
+              <a:latin typeface="Consolas" panose="020B0609020204030204" pitchFamily="49" charset="0"/>
+            </a:endParaRPr>
+          </a:p>
+          <a:p>
+            <a:pPr marL="2171700" indent="-2171700"/>
+            <a:r>
+              <a:rPr lang="en-US" sz="1100" b="0" dirty="0">
+                <a:solidFill>
+                  <a:srgbClr val="CE9178"/>
+                </a:solidFill>
+                <a:effectLst/>
+                <a:latin typeface="Consolas" panose="020B0609020204030204" pitchFamily="49" charset="0"/>
+              </a:rPr>
+              <a:t>            curl https://api.bitbucket.org/2.0/repositories/${BITBUCKET_REPO_OWNER}/${BITBUCKET_REPO_SLUG}/pullrequests \</a:t>
+            </a:r>
+            <a:endParaRPr lang="en-US" sz="1100" b="0" dirty="0">
+              <a:solidFill>
+                <a:srgbClr val="D4D4D4"/>
+              </a:solidFill>
+              <a:effectLst/>
+              <a:latin typeface="Consolas" panose="020B0609020204030204" pitchFamily="49" charset="0"/>
+            </a:endParaRPr>
+          </a:p>
+          <a:p>
+            <a:pPr marL="2171700" indent="-2171700"/>
+            <a:r>
+              <a:rPr lang="en-US" sz="1100" b="0" dirty="0">
+                <a:solidFill>
+                  <a:srgbClr val="CE9178"/>
+                </a:solidFill>
+                <a:effectLst/>
+                <a:latin typeface="Consolas" panose="020B0609020204030204" pitchFamily="49" charset="0"/>
+              </a:rPr>
+              <a:t>              -s -S -f -X POST \</a:t>
+            </a:r>
+            <a:endParaRPr lang="en-US" sz="1100" b="0" dirty="0">
+              <a:solidFill>
+                <a:srgbClr val="D4D4D4"/>
+              </a:solidFill>
+              <a:effectLst/>
+              <a:latin typeface="Consolas" panose="020B0609020204030204" pitchFamily="49" charset="0"/>
+            </a:endParaRPr>
+          </a:p>
+          <a:p>
+            <a:pPr marL="2171700" indent="-2171700"/>
+            <a:r>
+              <a:rPr lang="en-US" sz="1100" b="0" dirty="0">
+                <a:solidFill>
+                  <a:srgbClr val="CE9178"/>
+                </a:solidFill>
+                <a:effectLst/>
+                <a:latin typeface="Consolas" panose="020B0609020204030204" pitchFamily="49" charset="0"/>
+              </a:rPr>
+              <a:t>              -H 'Content-Type: application/</a:t>
+            </a:r>
+            <a:r>
+              <a:rPr lang="en-US" sz="1100" b="0" dirty="0" err="1">
+                <a:solidFill>
+                  <a:srgbClr val="CE9178"/>
+                </a:solidFill>
+                <a:effectLst/>
+                <a:latin typeface="Consolas" panose="020B0609020204030204" pitchFamily="49" charset="0"/>
+              </a:rPr>
+              <a:t>json</a:t>
+            </a:r>
+            <a:r>
+              <a:rPr lang="en-US" sz="1100" b="0" dirty="0">
+                <a:solidFill>
+                  <a:srgbClr val="CE9178"/>
+                </a:solidFill>
+                <a:effectLst/>
+                <a:latin typeface="Consolas" panose="020B0609020204030204" pitchFamily="49" charset="0"/>
+              </a:rPr>
+              <a:t>' \</a:t>
+            </a:r>
+            <a:endParaRPr lang="en-US" sz="1100" b="0" dirty="0">
+              <a:solidFill>
+                <a:srgbClr val="D4D4D4"/>
+              </a:solidFill>
+              <a:effectLst/>
+              <a:latin typeface="Consolas" panose="020B0609020204030204" pitchFamily="49" charset="0"/>
+            </a:endParaRPr>
+          </a:p>
+          <a:p>
+            <a:pPr marL="2171700" indent="-2171700"/>
+            <a:r>
+              <a:rPr lang="en-US" sz="1100" b="0" dirty="0">
+                <a:solidFill>
+                  <a:srgbClr val="CE9178"/>
+                </a:solidFill>
+                <a:effectLst/>
+                <a:latin typeface="Consolas" panose="020B0609020204030204" pitchFamily="49" charset="0"/>
+              </a:rPr>
+              <a:t>              -H "Authorization: Bearer ${BB_TOKEN}" \</a:t>
+            </a:r>
+            <a:endParaRPr lang="en-US" sz="1100" b="0" dirty="0">
+              <a:solidFill>
+                <a:srgbClr val="D4D4D4"/>
+              </a:solidFill>
+              <a:effectLst/>
+              <a:latin typeface="Consolas" panose="020B0609020204030204" pitchFamily="49" charset="0"/>
+            </a:endParaRPr>
+          </a:p>
+          <a:p>
+            <a:pPr marL="2171700" indent="-2171700"/>
+            <a:r>
+              <a:rPr lang="en-US" sz="1100" b="0" dirty="0">
+                <a:solidFill>
+                  <a:srgbClr val="CE9178"/>
+                </a:solidFill>
+                <a:effectLst/>
+                <a:latin typeface="Consolas" panose="020B0609020204030204" pitchFamily="49" charset="0"/>
+              </a:rPr>
+              <a:t>              -d '{ </a:t>
+            </a:r>
+            <a:endParaRPr lang="en-US" sz="1100" b="0" dirty="0">
+              <a:solidFill>
+                <a:srgbClr val="D4D4D4"/>
+              </a:solidFill>
+              <a:effectLst/>
+              <a:latin typeface="Consolas" panose="020B0609020204030204" pitchFamily="49" charset="0"/>
+            </a:endParaRPr>
+          </a:p>
+          <a:p>
+            <a:pPr marL="2171700" indent="-2171700"/>
+            <a:r>
+              <a:rPr lang="en-US" sz="1100" b="0" dirty="0">
+                <a:solidFill>
+                  <a:srgbClr val="CE9178"/>
+                </a:solidFill>
+                <a:effectLst/>
+                <a:latin typeface="Consolas" panose="020B0609020204030204" pitchFamily="49" charset="0"/>
+              </a:rPr>
+              <a:t>                    "title": "Merge in '"${BITBUCKET_BRANCH}-styler"'", </a:t>
+            </a:r>
+            <a:endParaRPr lang="en-US" sz="1100" b="0" dirty="0">
+              <a:solidFill>
+                <a:srgbClr val="D4D4D4"/>
+              </a:solidFill>
+              <a:effectLst/>
+              <a:latin typeface="Consolas" panose="020B0609020204030204" pitchFamily="49" charset="0"/>
+            </a:endParaRPr>
+          </a:p>
+          <a:p>
+            <a:pPr marL="2171700" indent="-2171700"/>
+            <a:r>
+              <a:rPr lang="en-US" sz="1100" b="0" dirty="0">
+                <a:solidFill>
+                  <a:srgbClr val="CE9178"/>
+                </a:solidFill>
+                <a:effectLst/>
+                <a:latin typeface="Consolas" panose="020B0609020204030204" pitchFamily="49" charset="0"/>
+              </a:rPr>
+              <a:t>                    "description": "Automated PR creation process :-)", </a:t>
+            </a:r>
+            <a:endParaRPr lang="en-US" sz="1100" b="0" dirty="0">
+              <a:solidFill>
+                <a:srgbClr val="D4D4D4"/>
+              </a:solidFill>
+              <a:effectLst/>
+              <a:latin typeface="Consolas" panose="020B0609020204030204" pitchFamily="49" charset="0"/>
+            </a:endParaRPr>
+          </a:p>
+          <a:p>
+            <a:pPr marL="2171700" indent="-2171700"/>
+            <a:r>
+              <a:rPr lang="en-US" sz="1100" b="0" dirty="0">
+                <a:solidFill>
+                  <a:srgbClr val="CE9178"/>
+                </a:solidFill>
+                <a:effectLst/>
+                <a:latin typeface="Consolas" panose="020B0609020204030204" pitchFamily="49" charset="0"/>
+              </a:rPr>
+              <a:t>                    "source": { </a:t>
+            </a:r>
+            <a:endParaRPr lang="en-US" sz="1100" b="0" dirty="0">
+              <a:solidFill>
+                <a:srgbClr val="D4D4D4"/>
+              </a:solidFill>
+              <a:effectLst/>
+              <a:latin typeface="Consolas" panose="020B0609020204030204" pitchFamily="49" charset="0"/>
+            </a:endParaRPr>
+          </a:p>
+          <a:p>
+            <a:pPr marL="2171700" indent="-2171700"/>
+            <a:r>
+              <a:rPr lang="en-US" sz="1100" b="0" dirty="0">
+                <a:solidFill>
+                  <a:srgbClr val="CE9178"/>
+                </a:solidFill>
+                <a:effectLst/>
+                <a:latin typeface="Consolas" panose="020B0609020204030204" pitchFamily="49" charset="0"/>
+              </a:rPr>
+              <a:t>                      "branch": { </a:t>
+            </a:r>
+            <a:endParaRPr lang="en-US" sz="1100" b="0" dirty="0">
+              <a:solidFill>
+                <a:srgbClr val="D4D4D4"/>
+              </a:solidFill>
+              <a:effectLst/>
+              <a:latin typeface="Consolas" panose="020B0609020204030204" pitchFamily="49" charset="0"/>
+            </a:endParaRPr>
+          </a:p>
+          <a:p>
+            <a:pPr marL="2171700" indent="-2171700"/>
+            <a:r>
+              <a:rPr lang="en-US" sz="1100" b="0" dirty="0">
+                <a:solidFill>
+                  <a:srgbClr val="CE9178"/>
+                </a:solidFill>
+                <a:effectLst/>
+                <a:latin typeface="Consolas" panose="020B0609020204030204" pitchFamily="49" charset="0"/>
+              </a:rPr>
+              <a:t>                        "name": "'"${BITBUCKET_BRANCH}-styler"'"</a:t>
+            </a:r>
+            <a:endParaRPr lang="en-US" sz="1100" b="0" dirty="0">
+              <a:solidFill>
+                <a:srgbClr val="D4D4D4"/>
+              </a:solidFill>
+              <a:effectLst/>
+              <a:latin typeface="Consolas" panose="020B0609020204030204" pitchFamily="49" charset="0"/>
+            </a:endParaRPr>
+          </a:p>
+          <a:p>
+            <a:pPr marL="2171700" indent="-2171700"/>
+            <a:r>
+              <a:rPr lang="en-US" sz="1100" b="0" dirty="0">
+                <a:solidFill>
+                  <a:srgbClr val="CE9178"/>
+                </a:solidFill>
+                <a:effectLst/>
+                <a:latin typeface="Consolas" panose="020B0609020204030204" pitchFamily="49" charset="0"/>
+              </a:rPr>
+              <a:t>                      }</a:t>
+            </a:r>
+            <a:endParaRPr lang="en-US" sz="1100" b="0" dirty="0">
+              <a:solidFill>
+                <a:srgbClr val="D4D4D4"/>
+              </a:solidFill>
+              <a:effectLst/>
+              <a:latin typeface="Consolas" panose="020B0609020204030204" pitchFamily="49" charset="0"/>
+            </a:endParaRPr>
+          </a:p>
+          <a:p>
+            <a:pPr marL="2171700" indent="-2171700"/>
+            <a:r>
+              <a:rPr lang="en-US" sz="1100" b="0" dirty="0">
+                <a:solidFill>
+                  <a:srgbClr val="CE9178"/>
+                </a:solidFill>
+                <a:effectLst/>
+                <a:latin typeface="Consolas" panose="020B0609020204030204" pitchFamily="49" charset="0"/>
+              </a:rPr>
+              <a:t>                    },</a:t>
+            </a:r>
+            <a:endParaRPr lang="en-US" sz="1100" b="0" dirty="0">
+              <a:solidFill>
+                <a:srgbClr val="D4D4D4"/>
+              </a:solidFill>
+              <a:effectLst/>
+              <a:latin typeface="Consolas" panose="020B0609020204030204" pitchFamily="49" charset="0"/>
+            </a:endParaRPr>
+          </a:p>
+          <a:p>
+            <a:pPr marL="2171700" indent="-2171700"/>
+            <a:r>
+              <a:rPr lang="en-US" sz="1100" b="0" dirty="0">
+                <a:solidFill>
+                  <a:srgbClr val="CE9178"/>
+                </a:solidFill>
+                <a:effectLst/>
+                <a:latin typeface="Consolas" panose="020B0609020204030204" pitchFamily="49" charset="0"/>
+              </a:rPr>
+              <a:t>                    "destination": { </a:t>
+            </a:r>
+            <a:endParaRPr lang="en-US" sz="1100" b="0" dirty="0">
+              <a:solidFill>
+                <a:srgbClr val="D4D4D4"/>
+              </a:solidFill>
+              <a:effectLst/>
+              <a:latin typeface="Consolas" panose="020B0609020204030204" pitchFamily="49" charset="0"/>
+            </a:endParaRPr>
+          </a:p>
+          <a:p>
+            <a:pPr marL="2171700" indent="-2171700"/>
+            <a:r>
+              <a:rPr lang="en-US" sz="1100" b="0" dirty="0">
+                <a:solidFill>
+                  <a:srgbClr val="CE9178"/>
+                </a:solidFill>
+                <a:effectLst/>
+                <a:latin typeface="Consolas" panose="020B0609020204030204" pitchFamily="49" charset="0"/>
+              </a:rPr>
+              <a:t>                      "branch": { </a:t>
+            </a:r>
+            <a:endParaRPr lang="en-US" sz="1100" b="0" dirty="0">
+              <a:solidFill>
+                <a:srgbClr val="D4D4D4"/>
+              </a:solidFill>
+              <a:effectLst/>
+              <a:latin typeface="Consolas" panose="020B0609020204030204" pitchFamily="49" charset="0"/>
+            </a:endParaRPr>
+          </a:p>
+          <a:p>
+            <a:pPr marL="2171700" indent="-2171700"/>
+            <a:r>
+              <a:rPr lang="en-US" sz="1100" b="0" dirty="0">
+                <a:solidFill>
+                  <a:srgbClr val="CE9178"/>
+                </a:solidFill>
+                <a:effectLst/>
+                <a:latin typeface="Consolas" panose="020B0609020204030204" pitchFamily="49" charset="0"/>
+              </a:rPr>
+              <a:t>                        "name": "'"${DESTINATION_BRANCH}"'"</a:t>
+            </a:r>
+            <a:endParaRPr lang="en-US" sz="1100" b="0" dirty="0">
+              <a:solidFill>
+                <a:srgbClr val="D4D4D4"/>
+              </a:solidFill>
+              <a:effectLst/>
+              <a:latin typeface="Consolas" panose="020B0609020204030204" pitchFamily="49" charset="0"/>
+            </a:endParaRPr>
+          </a:p>
+          <a:p>
+            <a:pPr marL="2171700" indent="-2171700"/>
+            <a:r>
+              <a:rPr lang="en-US" sz="1100" b="0" dirty="0">
+                <a:solidFill>
+                  <a:srgbClr val="CE9178"/>
+                </a:solidFill>
+                <a:effectLst/>
+                <a:latin typeface="Consolas" panose="020B0609020204030204" pitchFamily="49" charset="0"/>
+              </a:rPr>
+              <a:t>                      } </a:t>
+            </a:r>
+            <a:endParaRPr lang="en-US" sz="1100" b="0" dirty="0">
+              <a:solidFill>
+                <a:srgbClr val="D4D4D4"/>
+              </a:solidFill>
+              <a:effectLst/>
+              <a:latin typeface="Consolas" panose="020B0609020204030204" pitchFamily="49" charset="0"/>
+            </a:endParaRPr>
+          </a:p>
+          <a:p>
+            <a:pPr marL="2171700" indent="-2171700"/>
+            <a:r>
+              <a:rPr lang="en-US" sz="1100" b="0" dirty="0">
+                <a:solidFill>
+                  <a:srgbClr val="CE9178"/>
+                </a:solidFill>
+                <a:effectLst/>
+                <a:latin typeface="Consolas" panose="020B0609020204030204" pitchFamily="49" charset="0"/>
+              </a:rPr>
+              <a:t>                    }, </a:t>
+            </a:r>
+            <a:endParaRPr lang="en-US" sz="1100" b="0" dirty="0">
+              <a:solidFill>
+                <a:srgbClr val="D4D4D4"/>
+              </a:solidFill>
+              <a:effectLst/>
+              <a:latin typeface="Consolas" panose="020B0609020204030204" pitchFamily="49" charset="0"/>
+            </a:endParaRPr>
+          </a:p>
+          <a:p>
+            <a:pPr marL="2171700" indent="-2171700"/>
+            <a:r>
+              <a:rPr lang="en-US" sz="1100" b="0" dirty="0">
+                <a:solidFill>
+                  <a:srgbClr val="CE9178"/>
+                </a:solidFill>
+                <a:effectLst/>
+                <a:latin typeface="Consolas" panose="020B0609020204030204" pitchFamily="49" charset="0"/>
+              </a:rPr>
+              <a:t>                    "</a:t>
+            </a:r>
+            <a:r>
+              <a:rPr lang="en-US" sz="1100" b="0" dirty="0" err="1">
+                <a:solidFill>
+                  <a:srgbClr val="CE9178"/>
+                </a:solidFill>
+                <a:effectLst/>
+                <a:latin typeface="Consolas" panose="020B0609020204030204" pitchFamily="49" charset="0"/>
+              </a:rPr>
+              <a:t>close_source_branch</a:t>
+            </a:r>
+            <a:r>
+              <a:rPr lang="en-US" sz="1100" b="0" dirty="0">
+                <a:solidFill>
+                  <a:srgbClr val="CE9178"/>
+                </a:solidFill>
+                <a:effectLst/>
+                <a:latin typeface="Consolas" panose="020B0609020204030204" pitchFamily="49" charset="0"/>
+              </a:rPr>
+              <a:t>": '"${CLOSE_ME}"',</a:t>
+            </a:r>
+            <a:endParaRPr lang="en-US" sz="1100" b="0" dirty="0">
+              <a:solidFill>
+                <a:srgbClr val="D4D4D4"/>
+              </a:solidFill>
+              <a:effectLst/>
+              <a:latin typeface="Consolas" panose="020B0609020204030204" pitchFamily="49" charset="0"/>
+            </a:endParaRPr>
+          </a:p>
+          <a:p>
+            <a:pPr marL="2171700" indent="-2171700"/>
+            <a:r>
+              <a:rPr lang="en-US" sz="1100" b="0" dirty="0">
+                <a:solidFill>
+                  <a:srgbClr val="CE9178"/>
+                </a:solidFill>
+                <a:effectLst/>
+                <a:latin typeface="Consolas" panose="020B0609020204030204" pitchFamily="49" charset="0"/>
+              </a:rPr>
+              <a:t>                    "reviewers": '"${DEFAULT_REVIEWERS}"'</a:t>
+            </a:r>
+            <a:endParaRPr lang="en-US" sz="1100" b="0" dirty="0">
+              <a:solidFill>
+                <a:srgbClr val="D4D4D4"/>
+              </a:solidFill>
+              <a:effectLst/>
+              <a:latin typeface="Consolas" panose="020B0609020204030204" pitchFamily="49" charset="0"/>
+            </a:endParaRPr>
+          </a:p>
+          <a:p>
+            <a:pPr marL="2171700" indent="-2171700"/>
+            <a:r>
+              <a:rPr lang="en-US" sz="1100" b="0" dirty="0">
+                <a:solidFill>
+                  <a:srgbClr val="CE9178"/>
+                </a:solidFill>
+                <a:effectLst/>
+                <a:latin typeface="Consolas" panose="020B0609020204030204" pitchFamily="49" charset="0"/>
+              </a:rPr>
+              <a:t>                  }'</a:t>
+            </a:r>
+            <a:endParaRPr lang="en-US" sz="1100" b="0" dirty="0">
+              <a:solidFill>
+                <a:srgbClr val="D4D4D4"/>
+              </a:solidFill>
+              <a:effectLst/>
+              <a:latin typeface="Consolas" panose="020B0609020204030204" pitchFamily="49" charset="0"/>
+            </a:endParaRPr>
+          </a:p>
+        </p:txBody>
+      </p:sp>
+    </p:spTree>
+    <p:extLst>
+      <p:ext uri="{BB962C8B-B14F-4D97-AF65-F5344CB8AC3E}">
+        <p14:creationId xmlns:p14="http://schemas.microsoft.com/office/powerpoint/2010/main" val="542246410"/>
+      </p:ext>
+    </p:extLst>
+  </p:cSld>
+  <p:clrMapOvr>
+    <a:masterClrMapping/>
+  </p:clrMapOvr>
+</p:sld>
+</file>
+
+<file path=ppt/slides/slide34.xml><?xml version="1.0" encoding="utf-8"?>
+<p:sld xmlns:a="http://schemas.openxmlformats.org/drawingml/2006/main" xmlns:r="http://schemas.openxmlformats.org/officeDocument/2006/relationships" xmlns:p="http://schemas.openxmlformats.org/presentationml/2006/main">
+  <p:cSld>
+    <p:spTree>
+      <p:nvGrpSpPr>
+        <p:cNvPr id="1" name=""/>
+        <p:cNvGrpSpPr/>
+        <p:nvPr/>
+      </p:nvGrpSpPr>
+      <p:grpSpPr>
+        <a:xfrm>
+          <a:off x="0" y="0"/>
+          <a:ext cx="0" cy="0"/>
+          <a:chOff x="0" y="0"/>
+          <a:chExt cx="0" cy="0"/>
+        </a:xfrm>
+      </p:grpSpPr>
+      <p:sp>
+        <p:nvSpPr>
+          <p:cNvPr id="4" name="Title 3">
+            <a:extLst>
+              <a:ext uri="{FF2B5EF4-FFF2-40B4-BE49-F238E27FC236}">
+                <a16:creationId xmlns:a16="http://schemas.microsoft.com/office/drawing/2014/main" id="{505BD776-2FCF-451D-90C4-ABAA297A7172}"/>
+              </a:ext>
+            </a:extLst>
+          </p:cNvPr>
+          <p:cNvSpPr>
+            <a:spLocks noGrp="1"/>
+          </p:cNvSpPr>
+          <p:nvPr>
+            <p:ph type="title"/>
+          </p:nvPr>
+        </p:nvSpPr>
+        <p:spPr/>
+        <p:txBody>
+          <a:bodyPr/>
+          <a:lstStyle/>
+          <a:p>
+            <a:r>
+              <a:rPr lang="en-US" dirty="0"/>
               <a:t>Example (Step 2b)</a:t>
             </a:r>
           </a:p>
@@ -12735,7 +12985,7 @@
 </p:sld>
 </file>
 
-<file path=ppt/slides/slide34.xml><?xml version="1.0" encoding="utf-8"?>
+<file path=ppt/slides/slide35.xml><?xml version="1.0" encoding="utf-8"?>
 <p:sld xmlns:a="http://schemas.openxmlformats.org/drawingml/2006/main" xmlns:r="http://schemas.openxmlformats.org/officeDocument/2006/relationships" xmlns:p="http://schemas.openxmlformats.org/presentationml/2006/main">
   <p:cSld>
     <p:spTree>
@@ -12822,7 +13072,7 @@
 </p:sld>
 </file>
 
-<file path=ppt/slides/slide35.xml><?xml version="1.0" encoding="utf-8"?>
+<file path=ppt/slides/slide36.xml><?xml version="1.0" encoding="utf-8"?>
 <p:sld xmlns:a="http://schemas.openxmlformats.org/drawingml/2006/main" xmlns:r="http://schemas.openxmlformats.org/officeDocument/2006/relationships" xmlns:p="http://schemas.openxmlformats.org/presentationml/2006/main">
   <p:cSld>
     <p:spTree>
@@ -12908,7 +13158,7 @@
 </p:sld>
 </file>
 
-<file path=ppt/slides/slide36.xml><?xml version="1.0" encoding="utf-8"?>
+<file path=ppt/slides/slide37.xml><?xml version="1.0" encoding="utf-8"?>
 <p:sld xmlns:a="http://schemas.openxmlformats.org/drawingml/2006/main" xmlns:r="http://schemas.openxmlformats.org/officeDocument/2006/relationships" xmlns:p="http://schemas.openxmlformats.org/presentationml/2006/main">
   <p:cSld>
     <p:spTree>
@@ -13143,6 +13393,159 @@
       </p:grpSpPr>
       <p:sp>
         <p:nvSpPr>
+          <p:cNvPr id="4" name="Title 3">
+            <a:extLst>
+              <a:ext uri="{FF2B5EF4-FFF2-40B4-BE49-F238E27FC236}">
+                <a16:creationId xmlns:a16="http://schemas.microsoft.com/office/drawing/2014/main" id="{505BD776-2FCF-451D-90C4-ABAA297A7172}"/>
+              </a:ext>
+            </a:extLst>
+          </p:cNvPr>
+          <p:cNvSpPr>
+            <a:spLocks noGrp="1"/>
+          </p:cNvSpPr>
+          <p:nvPr>
+            <p:ph type="title"/>
+          </p:nvPr>
+        </p:nvSpPr>
+        <p:spPr/>
+        <p:txBody>
+          <a:bodyPr/>
+          <a:lstStyle/>
+          <a:p>
+            <a:r>
+              <a:rPr lang="en-US" dirty="0" err="1"/>
+              <a:t>NCAAcalcutta</a:t>
+            </a:r>
+            <a:r>
+              <a:rPr lang="en-US" dirty="0"/>
+              <a:t> package</a:t>
+            </a:r>
+          </a:p>
+        </p:txBody>
+      </p:sp>
+      <p:pic>
+        <p:nvPicPr>
+          <p:cNvPr id="6146" name="Picture 2" descr="Shiny App">
+            <a:extLst>
+              <a:ext uri="{FF2B5EF4-FFF2-40B4-BE49-F238E27FC236}">
+                <a16:creationId xmlns:a16="http://schemas.microsoft.com/office/drawing/2014/main" id="{11E86A00-7256-4C0B-A63B-2D11DD6D6099}"/>
+              </a:ext>
+            </a:extLst>
+          </p:cNvPr>
+          <p:cNvPicPr>
+            <a:picLocks noGrp="1" noChangeAspect="1" noChangeArrowheads="1"/>
+          </p:cNvPicPr>
+          <p:nvPr>
+            <p:ph sz="quarter" idx="14"/>
+          </p:nvPr>
+        </p:nvPicPr>
+        <p:blipFill rotWithShape="1">
+          <a:blip r:embed="rId2">
+            <a:extLst>
+              <a:ext uri="{28A0092B-C50C-407E-A947-70E740481C1C}">
+                <a14:useLocalDpi xmlns:a14="http://schemas.microsoft.com/office/drawing/2010/main" val="0"/>
+              </a:ext>
+            </a:extLst>
+          </a:blip>
+          <a:srcRect t="44" b="57385"/>
+          <a:stretch/>
+        </p:blipFill>
+        <p:spPr bwMode="auto">
+          <a:xfrm>
+            <a:off x="519545" y="1338142"/>
+            <a:ext cx="10813395" cy="4703842"/>
+          </a:xfrm>
+          <a:prstGeom prst="rect">
+            <a:avLst/>
+          </a:prstGeom>
+          <a:noFill/>
+          <a:extLst>
+            <a:ext uri="{909E8E84-426E-40DD-AFC4-6F175D3DCCD1}">
+              <a14:hiddenFill xmlns:a14="http://schemas.microsoft.com/office/drawing/2010/main">
+                <a:solidFill>
+                  <a:srgbClr val="FFFFFF"/>
+                </a:solidFill>
+              </a14:hiddenFill>
+            </a:ext>
+          </a:extLst>
+        </p:spPr>
+      </p:pic>
+      <p:sp>
+        <p:nvSpPr>
+          <p:cNvPr id="10" name="TextBox 9">
+            <a:extLst>
+              <a:ext uri="{FF2B5EF4-FFF2-40B4-BE49-F238E27FC236}">
+                <a16:creationId xmlns:a16="http://schemas.microsoft.com/office/drawing/2014/main" id="{35AA1448-0FA3-4DBA-9685-34549C989F65}"/>
+              </a:ext>
+            </a:extLst>
+          </p:cNvPr>
+          <p:cNvSpPr txBox="1"/>
+          <p:nvPr/>
+        </p:nvSpPr>
+        <p:spPr>
+          <a:xfrm>
+            <a:off x="84761" y="6400002"/>
+            <a:ext cx="6094070" cy="369332"/>
+          </a:xfrm>
+          <a:prstGeom prst="rect">
+            <a:avLst/>
+          </a:prstGeom>
+          <a:noFill/>
+        </p:spPr>
+        <p:txBody>
+          <a:bodyPr wrap="square">
+            <a:spAutoFit/>
+          </a:bodyPr>
+          <a:lstStyle/>
+          <a:p>
+            <a:r>
+              <a:rPr lang="en-US" dirty="0">
+                <a:hlinkClick r:id="rId3"/>
+              </a:rPr>
+              <a:t>GitHub - nielsenmarkus11/</a:t>
+            </a:r>
+            <a:r>
+              <a:rPr lang="en-US" dirty="0" err="1">
+                <a:hlinkClick r:id="rId3"/>
+              </a:rPr>
+              <a:t>NCAAcalcutta</a:t>
+            </a:r>
+            <a:endParaRPr lang="en-US" dirty="0"/>
+          </a:p>
+        </p:txBody>
+      </p:sp>
+    </p:spTree>
+    <p:extLst>
+      <p:ext uri="{BB962C8B-B14F-4D97-AF65-F5344CB8AC3E}">
+        <p14:creationId xmlns:p14="http://schemas.microsoft.com/office/powerpoint/2010/main" val="1681752461"/>
+      </p:ext>
+    </p:extLst>
+  </p:cSld>
+  <p:clrMapOvr>
+    <a:masterClrMapping/>
+  </p:clrMapOvr>
+</p:sld>
+</file>
+
+<file path=ppt/slides/slide5.xml><?xml version="1.0" encoding="utf-8"?>
+<p:sld xmlns:a="http://schemas.openxmlformats.org/drawingml/2006/main" xmlns:r="http://schemas.openxmlformats.org/officeDocument/2006/relationships" xmlns:p="http://schemas.openxmlformats.org/presentationml/2006/main">
+  <p:cSld>
+    <p:spTree>
+      <p:nvGrpSpPr>
+        <p:cNvPr id="1" name=""/>
+        <p:cNvGrpSpPr/>
+        <p:nvPr/>
+      </p:nvGrpSpPr>
+      <p:grpSpPr>
+        <a:xfrm>
+          <a:off x="0" y="0"/>
+          <a:ext cx="0" cy="0"/>
+          <a:chOff x="0" y="0"/>
+          <a:chExt cx="0" cy="0"/>
+        </a:xfrm>
+      </p:grpSpPr>
+      <p:sp>
+        <p:nvSpPr>
           <p:cNvPr id="7" name="Text Placeholder 6">
             <a:extLst>
               <a:ext uri="{FF2B5EF4-FFF2-40B4-BE49-F238E27FC236}">
@@ -13222,7 +13625,7 @@
 </p:sld>
 </file>
 
-<file path=ppt/slides/slide5.xml><?xml version="1.0" encoding="utf-8"?>
+<file path=ppt/slides/slide6.xml><?xml version="1.0" encoding="utf-8"?>
 <p:sld xmlns:a="http://schemas.openxmlformats.org/drawingml/2006/main" xmlns:r="http://schemas.openxmlformats.org/officeDocument/2006/relationships" xmlns:p="http://schemas.openxmlformats.org/presentationml/2006/main">
   <p:cSld>
     <p:spTree>
@@ -13487,7 +13890,7 @@
 </p:sld>
 </file>
 
-<file path=ppt/slides/slide6.xml><?xml version="1.0" encoding="utf-8"?>
+<file path=ppt/slides/slide7.xml><?xml version="1.0" encoding="utf-8"?>
 <p:sld xmlns:a="http://schemas.openxmlformats.org/drawingml/2006/main" xmlns:r="http://schemas.openxmlformats.org/officeDocument/2006/relationships" xmlns:p="http://schemas.openxmlformats.org/presentationml/2006/main">
   <p:cSld>
     <p:spTree>
@@ -13634,7 +14037,7 @@
 </p:sld>
 </file>
 
-<file path=ppt/slides/slide7.xml><?xml version="1.0" encoding="utf-8"?>
+<file path=ppt/slides/slide8.xml><?xml version="1.0" encoding="utf-8"?>
 <p:sld xmlns:a="http://schemas.openxmlformats.org/drawingml/2006/main" xmlns:r="http://schemas.openxmlformats.org/officeDocument/2006/relationships" xmlns:p="http://schemas.openxmlformats.org/presentationml/2006/main">
   <p:cSld>
     <p:spTree>
@@ -13700,7 +14103,7 @@
 </p:sld>
 </file>
 
-<file path=ppt/slides/slide8.xml><?xml version="1.0" encoding="utf-8"?>
+<file path=ppt/slides/slide9.xml><?xml version="1.0" encoding="utf-8"?>
 <p:sld xmlns:a="http://schemas.openxmlformats.org/drawingml/2006/main" xmlns:r="http://schemas.openxmlformats.org/officeDocument/2006/relationships" xmlns:p="http://schemas.openxmlformats.org/presentationml/2006/main">
   <p:cSld>
     <p:spTree>
@@ -13915,130 +14318,6 @@
     <p:extLst>
       <p:ext uri="{BB962C8B-B14F-4D97-AF65-F5344CB8AC3E}">
         <p14:creationId xmlns:p14="http://schemas.microsoft.com/office/powerpoint/2010/main" val="3567163925"/>
-      </p:ext>
-    </p:extLst>
-  </p:cSld>
-  <p:clrMapOvr>
-    <a:masterClrMapping/>
-  </p:clrMapOvr>
-</p:sld>
-</file>
-
-<file path=ppt/slides/slide9.xml><?xml version="1.0" encoding="utf-8"?>
-<p:sld xmlns:a="http://schemas.openxmlformats.org/drawingml/2006/main" xmlns:r="http://schemas.openxmlformats.org/officeDocument/2006/relationships" xmlns:p="http://schemas.openxmlformats.org/presentationml/2006/main">
-  <p:cSld>
-    <p:spTree>
-      <p:nvGrpSpPr>
-        <p:cNvPr id="1" name=""/>
-        <p:cNvGrpSpPr/>
-        <p:nvPr/>
-      </p:nvGrpSpPr>
-      <p:grpSpPr>
-        <a:xfrm>
-          <a:off x="0" y="0"/>
-          <a:ext cx="0" cy="0"/>
-          <a:chOff x="0" y="0"/>
-          <a:chExt cx="0" cy="0"/>
-        </a:xfrm>
-      </p:grpSpPr>
-      <p:sp>
-        <p:nvSpPr>
-          <p:cNvPr id="7" name="Text Placeholder 6">
-            <a:extLst>
-              <a:ext uri="{FF2B5EF4-FFF2-40B4-BE49-F238E27FC236}">
-                <a16:creationId xmlns:a16="http://schemas.microsoft.com/office/drawing/2014/main" id="{AB9C16C6-84F1-BB4A-B532-19BECBFCE2B1}"/>
-              </a:ext>
-            </a:extLst>
-          </p:cNvPr>
-          <p:cNvSpPr>
-            <a:spLocks noGrp="1"/>
-          </p:cNvSpPr>
-          <p:nvPr>
-            <p:ph type="body" sz="quarter" idx="13"/>
-          </p:nvPr>
-        </p:nvSpPr>
-        <p:spPr/>
-        <p:txBody>
-          <a:bodyPr/>
-          <a:lstStyle/>
-          <a:p>
-            <a:r>
-              <a:rPr lang="en-US" dirty="0"/>
-              <a:t>Git repository management</a:t>
-            </a:r>
-          </a:p>
-        </p:txBody>
-      </p:sp>
-      <p:sp>
-        <p:nvSpPr>
-          <p:cNvPr id="6" name="Title 5">
-            <a:extLst>
-              <a:ext uri="{FF2B5EF4-FFF2-40B4-BE49-F238E27FC236}">
-                <a16:creationId xmlns:a16="http://schemas.microsoft.com/office/drawing/2014/main" id="{82847CB5-E3D8-F94F-B90B-8153C5D7A108}"/>
-              </a:ext>
-            </a:extLst>
-          </p:cNvPr>
-          <p:cNvSpPr>
-            <a:spLocks noGrp="1"/>
-          </p:cNvSpPr>
-          <p:nvPr>
-            <p:ph type="title"/>
-          </p:nvPr>
-        </p:nvSpPr>
-        <p:spPr/>
-        <p:txBody>
-          <a:bodyPr/>
-          <a:lstStyle/>
-          <a:p>
-            <a:r>
-              <a:rPr lang="en-US" dirty="0"/>
-              <a:t>Atlassian Bitbucket</a:t>
-            </a:r>
-          </a:p>
-        </p:txBody>
-      </p:sp>
-      <p:sp>
-        <p:nvSpPr>
-          <p:cNvPr id="5" name="TextBox 4">
-            <a:extLst>
-              <a:ext uri="{FF2B5EF4-FFF2-40B4-BE49-F238E27FC236}">
-                <a16:creationId xmlns:a16="http://schemas.microsoft.com/office/drawing/2014/main" id="{900CF40B-D9AE-4EC2-A507-5225C39E8BEA}"/>
-              </a:ext>
-            </a:extLst>
-          </p:cNvPr>
-          <p:cNvSpPr txBox="1"/>
-          <p:nvPr/>
-        </p:nvSpPr>
-        <p:spPr>
-          <a:xfrm>
-            <a:off x="95250" y="6368534"/>
-            <a:ext cx="6096000" cy="369332"/>
-          </a:xfrm>
-          <a:prstGeom prst="rect">
-            <a:avLst/>
-          </a:prstGeom>
-          <a:noFill/>
-        </p:spPr>
-        <p:txBody>
-          <a:bodyPr wrap="square">
-            <a:spAutoFit/>
-          </a:bodyPr>
-          <a:lstStyle/>
-          <a:p>
-            <a:r>
-              <a:rPr lang="en-US" dirty="0">
-                <a:hlinkClick r:id="rId2"/>
-              </a:rPr>
-              <a:t>Bitbucket | Git solution for teams using Jira</a:t>
-            </a:r>
-            <a:endParaRPr lang="en-US" dirty="0"/>
-          </a:p>
-        </p:txBody>
-      </p:sp>
-    </p:spTree>
-    <p:extLst>
-      <p:ext uri="{BB962C8B-B14F-4D97-AF65-F5344CB8AC3E}">
-        <p14:creationId xmlns:p14="http://schemas.microsoft.com/office/powerpoint/2010/main" val="268956164"/>
       </p:ext>
     </p:extLst>
   </p:cSld>
@@ -14832,78 +15111,6 @@
 </file>
 
 <file path=customXml/item1.xml><?xml version="1.0" encoding="utf-8"?>
-<p:properties xmlns:p="http://schemas.microsoft.com/office/2006/metadata/properties" xmlns:xsi="http://www.w3.org/2001/XMLSchema-instance" xmlns:pc="http://schemas.microsoft.com/office/infopath/2007/PartnerControls">
-  <documentManagement>
-    <mfbf3204a4ce47b79f69ef7da5192b92 xmlns="11029eb4-b4aa-40f5-b8cc-6f66efabe975">
-      <Terms xmlns="http://schemas.microsoft.com/office/infopath/2007/PartnerControls"/>
-    </mfbf3204a4ce47b79f69ef7da5192b92>
-    <m661f8832dad4d6087577929c7d65b80 xmlns="11029eb4-b4aa-40f5-b8cc-6f66efabe975">
-      <Terms xmlns="http://schemas.microsoft.com/office/infopath/2007/PartnerControls"/>
-    </m661f8832dad4d6087577929c7d65b80>
-    <IHBusinessClinical xmlns="11029eb4-b4aa-40f5-b8cc-6f66efabe975">
-      <Value>Business</Value>
-    </IHBusinessClinical>
-    <TaxCatchAll xmlns="11029eb4-b4aa-40f5-b8cc-6f66efabe975">
-      <Value>1138</Value>
-      <Value>1101</Value>
-      <Value>932</Value>
-      <Value>897</Value>
-      <Value>1144</Value>
-      <Value>1143</Value>
-      <Value>1142</Value>
-    </TaxCatchAll>
-    <c88baec1e5b5482ab04d4a2fb5fa08e8 xmlns="11029eb4-b4aa-40f5-b8cc-6f66efabe975">
-      <Terms xmlns="http://schemas.microsoft.com/office/infopath/2007/PartnerControls"/>
-    </c88baec1e5b5482ab04d4a2fb5fa08e8>
-    <TaxKeywordTaxHTField xmlns="11029eb4-b4aa-40f5-b8cc-6f66efabe975">
-      <Terms xmlns="http://schemas.microsoft.com/office/infopath/2007/PartnerControls">
-        <TermInfo xmlns="http://schemas.microsoft.com/office/infopath/2007/PartnerControls">
-          <TermName xmlns="http://schemas.microsoft.com/office/infopath/2007/PartnerControls">Powerpoint</TermName>
-          <TermId xmlns="http://schemas.microsoft.com/office/infopath/2007/PartnerControls">00000000-0000-0000-0000-000000000000</TermId>
-        </TermInfo>
-        <TermInfo xmlns="http://schemas.microsoft.com/office/infopath/2007/PartnerControls">
-          <TermName xmlns="http://schemas.microsoft.com/office/infopath/2007/PartnerControls">guidelines</TermName>
-          <TermId xmlns="http://schemas.microsoft.com/office/infopath/2007/PartnerControls">00000000-0000-0000-0000-000000000000</TermId>
-        </TermInfo>
-        <TermInfo xmlns="http://schemas.microsoft.com/office/infopath/2007/PartnerControls">
-          <TermName xmlns="http://schemas.microsoft.com/office/infopath/2007/PartnerControls">text</TermName>
-          <TermId xmlns="http://schemas.microsoft.com/office/infopath/2007/PartnerControls">00000000-0000-0000-0000-000000000000</TermId>
-        </TermInfo>
-        <TermInfo xmlns="http://schemas.microsoft.com/office/infopath/2007/PartnerControls">
-          <TermName xmlns="http://schemas.microsoft.com/office/infopath/2007/PartnerControls">colors</TermName>
-          <TermId xmlns="http://schemas.microsoft.com/office/infopath/2007/PartnerControls">00000000-0000-0000-0000-000000000000</TermId>
-        </TermInfo>
-        <TermInfo xmlns="http://schemas.microsoft.com/office/infopath/2007/PartnerControls">
-          <TermName xmlns="http://schemas.microsoft.com/office/infopath/2007/PartnerControls">Templates</TermName>
-          <TermId xmlns="http://schemas.microsoft.com/office/infopath/2007/PartnerControls">00000000-0000-0000-0000-000000000000</TermId>
-        </TermInfo>
-        <TermInfo xmlns="http://schemas.microsoft.com/office/infopath/2007/PartnerControls">
-          <TermName xmlns="http://schemas.microsoft.com/office/infopath/2007/PartnerControls">imagery and videos</TermName>
-          <TermId xmlns="http://schemas.microsoft.com/office/infopath/2007/PartnerControls">00000000-0000-0000-0000-000000000000</TermId>
-        </TermInfo>
-        <TermInfo xmlns="http://schemas.microsoft.com/office/infopath/2007/PartnerControls">
-          <TermName xmlns="http://schemas.microsoft.com/office/infopath/2007/PartnerControls">PowerPoint Strategy</TermName>
-          <TermId xmlns="http://schemas.microsoft.com/office/infopath/2007/PartnerControls">00000000-0000-0000-0000-000000000000</TermId>
-        </TermInfo>
-      </Terms>
-    </TaxKeywordTaxHTField>
-    <n6bab0b84f0048dfb18512af5415f746 xmlns="11029eb4-b4aa-40f5-b8cc-6f66efabe975">
-      <Terms xmlns="http://schemas.microsoft.com/office/infopath/2007/PartnerControls"/>
-    </n6bab0b84f0048dfb18512af5415f746>
-  </documentManagement>
-</p:properties>
-</file>
-
-<file path=customXml/item2.xml><?xml version="1.0" encoding="utf-8"?>
-<?mso-contentType ?>
-<FormTemplates xmlns="http://schemas.microsoft.com/sharepoint/v3/contenttype/forms">
-  <Display>DocumentLibraryForm</Display>
-  <Edit>DocumentLibraryForm</Edit>
-  <New>DocumentLibraryForm</New>
-</FormTemplates>
-</file>
-
-<file path=customXml/item3.xml><?xml version="1.0" encoding="utf-8"?>
 <ct:contentTypeSchema xmlns:ct="http://schemas.microsoft.com/office/2006/metadata/contentType" xmlns:ma="http://schemas.microsoft.com/office/2006/metadata/properties/metaAttributes" ct:_="" ma:_="" ma:contentTypeName="Documents - General" ma:contentTypeID="0x0101008527F828F18AB2488E5E506920C0EFC30101008D20F4DAAEFFA6469BD5019D9790E7E7" ma:contentTypeVersion="1" ma:contentTypeDescription="" ma:contentTypeScope="" ma:versionID="fce540a60f8bb8a751bf6120548a4c87">
   <xsd:schema xmlns:xsd="http://www.w3.org/2001/XMLSchema" xmlns:xs="http://www.w3.org/2001/XMLSchema" xmlns:p="http://schemas.microsoft.com/office/2006/metadata/properties" xmlns:ns2="11029eb4-b4aa-40f5-b8cc-6f66efabe975" targetNamespace="http://schemas.microsoft.com/office/2006/metadata/properties" ma:root="true" ma:fieldsID="eee13a028e5267f6e21827323234947c" ns2:_="">
     <xsd:import namespace="11029eb4-b4aa-40f5-b8cc-6f66efabe975"/>
@@ -15106,31 +15313,79 @@
 </ct:contentTypeSchema>
 </file>
 
-<file path=customXml/itemProps1.xml><?xml version="1.0" encoding="utf-8"?>
-<ds:datastoreItem xmlns:ds="http://schemas.openxmlformats.org/officeDocument/2006/customXml" ds:itemID="{6C02F1C1-E94A-4854-8168-B9F384B2385E}">
-  <ds:schemaRefs>
-    <ds:schemaRef ds:uri="http://purl.org/dc/terms/"/>
-    <ds:schemaRef ds:uri="http://purl.org/dc/dcmitype/"/>
-    <ds:schemaRef ds:uri="http://schemas.openxmlformats.org/package/2006/metadata/core-properties"/>
-    <ds:schemaRef ds:uri="11029eb4-b4aa-40f5-b8cc-6f66efabe975"/>
-    <ds:schemaRef ds:uri="http://purl.org/dc/elements/1.1/"/>
-    <ds:schemaRef ds:uri="http://schemas.microsoft.com/office/2006/documentManagement/types"/>
-    <ds:schemaRef ds:uri="http://schemas.microsoft.com/office/infopath/2007/PartnerControls"/>
-    <ds:schemaRef ds:uri="http://schemas.microsoft.com/office/2006/metadata/properties"/>
-    <ds:schemaRef ds:uri="http://www.w3.org/XML/1998/namespace"/>
-  </ds:schemaRefs>
-</ds:datastoreItem>
+<file path=customXml/item2.xml><?xml version="1.0" encoding="utf-8"?>
+<?mso-contentType ?>
+<FormTemplates xmlns="http://schemas.microsoft.com/sharepoint/v3/contenttype/forms">
+  <Display>DocumentLibraryForm</Display>
+  <Edit>DocumentLibraryForm</Edit>
+  <New>DocumentLibraryForm</New>
+</FormTemplates>
 </file>
 
-<file path=customXml/itemProps2.xml><?xml version="1.0" encoding="utf-8"?>
-<ds:datastoreItem xmlns:ds="http://schemas.openxmlformats.org/officeDocument/2006/customXml" ds:itemID="{1028BF9D-1138-43AD-BA60-0CC418EA3534}">
-  <ds:schemaRefs>
-    <ds:schemaRef ds:uri="http://schemas.microsoft.com/sharepoint/v3/contenttype/forms"/>
-  </ds:schemaRefs>
-</ds:datastoreItem>
+<file path=customXml/item3.xml><?xml version="1.0" encoding="utf-8"?>
+<p:properties xmlns:p="http://schemas.microsoft.com/office/2006/metadata/properties" xmlns:xsi="http://www.w3.org/2001/XMLSchema-instance" xmlns:pc="http://schemas.microsoft.com/office/infopath/2007/PartnerControls">
+  <documentManagement>
+    <mfbf3204a4ce47b79f69ef7da5192b92 xmlns="11029eb4-b4aa-40f5-b8cc-6f66efabe975">
+      <Terms xmlns="http://schemas.microsoft.com/office/infopath/2007/PartnerControls"/>
+    </mfbf3204a4ce47b79f69ef7da5192b92>
+    <m661f8832dad4d6087577929c7d65b80 xmlns="11029eb4-b4aa-40f5-b8cc-6f66efabe975">
+      <Terms xmlns="http://schemas.microsoft.com/office/infopath/2007/PartnerControls"/>
+    </m661f8832dad4d6087577929c7d65b80>
+    <IHBusinessClinical xmlns="11029eb4-b4aa-40f5-b8cc-6f66efabe975">
+      <Value>Business</Value>
+    </IHBusinessClinical>
+    <TaxCatchAll xmlns="11029eb4-b4aa-40f5-b8cc-6f66efabe975">
+      <Value>1138</Value>
+      <Value>1101</Value>
+      <Value>932</Value>
+      <Value>897</Value>
+      <Value>1144</Value>
+      <Value>1143</Value>
+      <Value>1142</Value>
+    </TaxCatchAll>
+    <c88baec1e5b5482ab04d4a2fb5fa08e8 xmlns="11029eb4-b4aa-40f5-b8cc-6f66efabe975">
+      <Terms xmlns="http://schemas.microsoft.com/office/infopath/2007/PartnerControls"/>
+    </c88baec1e5b5482ab04d4a2fb5fa08e8>
+    <TaxKeywordTaxHTField xmlns="11029eb4-b4aa-40f5-b8cc-6f66efabe975">
+      <Terms xmlns="http://schemas.microsoft.com/office/infopath/2007/PartnerControls">
+        <TermInfo xmlns="http://schemas.microsoft.com/office/infopath/2007/PartnerControls">
+          <TermName xmlns="http://schemas.microsoft.com/office/infopath/2007/PartnerControls">Powerpoint</TermName>
+          <TermId xmlns="http://schemas.microsoft.com/office/infopath/2007/PartnerControls">00000000-0000-0000-0000-000000000000</TermId>
+        </TermInfo>
+        <TermInfo xmlns="http://schemas.microsoft.com/office/infopath/2007/PartnerControls">
+          <TermName xmlns="http://schemas.microsoft.com/office/infopath/2007/PartnerControls">guidelines</TermName>
+          <TermId xmlns="http://schemas.microsoft.com/office/infopath/2007/PartnerControls">00000000-0000-0000-0000-000000000000</TermId>
+        </TermInfo>
+        <TermInfo xmlns="http://schemas.microsoft.com/office/infopath/2007/PartnerControls">
+          <TermName xmlns="http://schemas.microsoft.com/office/infopath/2007/PartnerControls">text</TermName>
+          <TermId xmlns="http://schemas.microsoft.com/office/infopath/2007/PartnerControls">00000000-0000-0000-0000-000000000000</TermId>
+        </TermInfo>
+        <TermInfo xmlns="http://schemas.microsoft.com/office/infopath/2007/PartnerControls">
+          <TermName xmlns="http://schemas.microsoft.com/office/infopath/2007/PartnerControls">colors</TermName>
+          <TermId xmlns="http://schemas.microsoft.com/office/infopath/2007/PartnerControls">00000000-0000-0000-0000-000000000000</TermId>
+        </TermInfo>
+        <TermInfo xmlns="http://schemas.microsoft.com/office/infopath/2007/PartnerControls">
+          <TermName xmlns="http://schemas.microsoft.com/office/infopath/2007/PartnerControls">Templates</TermName>
+          <TermId xmlns="http://schemas.microsoft.com/office/infopath/2007/PartnerControls">00000000-0000-0000-0000-000000000000</TermId>
+        </TermInfo>
+        <TermInfo xmlns="http://schemas.microsoft.com/office/infopath/2007/PartnerControls">
+          <TermName xmlns="http://schemas.microsoft.com/office/infopath/2007/PartnerControls">imagery and videos</TermName>
+          <TermId xmlns="http://schemas.microsoft.com/office/infopath/2007/PartnerControls">00000000-0000-0000-0000-000000000000</TermId>
+        </TermInfo>
+        <TermInfo xmlns="http://schemas.microsoft.com/office/infopath/2007/PartnerControls">
+          <TermName xmlns="http://schemas.microsoft.com/office/infopath/2007/PartnerControls">PowerPoint Strategy</TermName>
+          <TermId xmlns="http://schemas.microsoft.com/office/infopath/2007/PartnerControls">00000000-0000-0000-0000-000000000000</TermId>
+        </TermInfo>
+      </Terms>
+    </TaxKeywordTaxHTField>
+    <n6bab0b84f0048dfb18512af5415f746 xmlns="11029eb4-b4aa-40f5-b8cc-6f66efabe975">
+      <Terms xmlns="http://schemas.microsoft.com/office/infopath/2007/PartnerControls"/>
+    </n6bab0b84f0048dfb18512af5415f746>
+  </documentManagement>
+</p:properties>
 </file>
 
-<file path=customXml/itemProps3.xml><?xml version="1.0" encoding="utf-8"?>
+<file path=customXml/itemProps1.xml><?xml version="1.0" encoding="utf-8"?>
 <ds:datastoreItem xmlns:ds="http://schemas.openxmlformats.org/officeDocument/2006/customXml" ds:itemID="{68D6E2CD-D0A4-4391-8C04-E4B0451B60EE}">
   <ds:schemaRefs>
     <ds:schemaRef ds:uri="http://schemas.microsoft.com/office/2006/metadata/contentType"/>
@@ -15148,6 +15403,30 @@
 </ds:datastoreItem>
 </file>
 
+<file path=customXml/itemProps2.xml><?xml version="1.0" encoding="utf-8"?>
+<ds:datastoreItem xmlns:ds="http://schemas.openxmlformats.org/officeDocument/2006/customXml" ds:itemID="{1028BF9D-1138-43AD-BA60-0CC418EA3534}">
+  <ds:schemaRefs>
+    <ds:schemaRef ds:uri="http://schemas.microsoft.com/sharepoint/v3/contenttype/forms"/>
+  </ds:schemaRefs>
+</ds:datastoreItem>
+</file>
+
+<file path=customXml/itemProps3.xml><?xml version="1.0" encoding="utf-8"?>
+<ds:datastoreItem xmlns:ds="http://schemas.openxmlformats.org/officeDocument/2006/customXml" ds:itemID="{6C02F1C1-E94A-4854-8168-B9F384B2385E}">
+  <ds:schemaRefs>
+    <ds:schemaRef ds:uri="http://purl.org/dc/terms/"/>
+    <ds:schemaRef ds:uri="http://purl.org/dc/dcmitype/"/>
+    <ds:schemaRef ds:uri="http://schemas.openxmlformats.org/package/2006/metadata/core-properties"/>
+    <ds:schemaRef ds:uri="11029eb4-b4aa-40f5-b8cc-6f66efabe975"/>
+    <ds:schemaRef ds:uri="http://purl.org/dc/elements/1.1/"/>
+    <ds:schemaRef ds:uri="http://schemas.microsoft.com/office/2006/documentManagement/types"/>
+    <ds:schemaRef ds:uri="http://schemas.microsoft.com/office/infopath/2007/PartnerControls"/>
+    <ds:schemaRef ds:uri="http://schemas.microsoft.com/office/2006/metadata/properties"/>
+    <ds:schemaRef ds:uri="http://www.w3.org/XML/1998/namespace"/>
+  </ds:schemaRefs>
+</ds:datastoreItem>
+</file>
+
 <file path=docMetadata/LabelInfo.xml><?xml version="1.0" encoding="utf-8"?>
 <clbl:labelList xmlns:clbl="http://schemas.microsoft.com/office/2020/mipLabelMetadata">
   <clbl:label id="{ba1a4512-8026-4a73-bfb7-8d52c1779a3a}" enabled="1" method="Privileged" siteId="{a79016de-bdd0-4e47-91f4-79416ab912ad}" removed="0"/>
